--- a/presentations/nodeJS.pptx
+++ b/presentations/nodeJS.pptx
@@ -6472,7 +6472,30 @@
       </p:grpSpPr>
       <p:sp>
         <p:nvSpPr>
-          <p:cNvPr id="12" name="Title 11"/>
+          <p:cNvPr id="11" name="Text Placeholder 10"/>
+          <p:cNvSpPr>
+            <a:spLocks noGrp="1"/>
+          </p:cNvSpPr>
+          <p:nvPr>
+            <p:ph type="body" sz="quarter" idx="13"/>
+          </p:nvPr>
+        </p:nvSpPr>
+        <p:spPr/>
+        <p:txBody>
+          <a:bodyPr/>
+          <a:lstStyle/>
+          <a:p>
+            <a:r>
+              <a:rPr lang="en-US" dirty="0"/>
+              <a:t>Callback function</a:t>
+            </a:r>
+            <a:endParaRPr lang="bg-BG" dirty="0"/>
+          </a:p>
+        </p:txBody>
+      </p:sp>
+      <p:sp>
+        <p:nvSpPr>
+          <p:cNvPr id="4" name="Title 3"/>
           <p:cNvSpPr>
             <a:spLocks noGrp="1"/>
           </p:cNvSpPr>
@@ -6483,7 +6506,7 @@
         <p:spPr/>
         <p:txBody>
           <a:bodyPr>
-            <a:noAutofit/>
+            <a:normAutofit/>
           </a:bodyPr>
           <a:lstStyle/>
           <a:p>
@@ -6492,9 +6515,6 @@
                 <a:solidFill>
                   <a:srgbClr val="F92672"/>
                 </a:solidFill>
-                <a:highlight>
-                  <a:srgbClr val="272822"/>
-                </a:highlight>
               </a:rPr>
               <a:t>function</a:t>
             </a:r>
@@ -6503,9 +6523,6 @@
                 <a:solidFill>
                   <a:srgbClr val="F8F8F2"/>
                 </a:solidFill>
-                <a:highlight>
-                  <a:srgbClr val="272822"/>
-                </a:highlight>
               </a:rPr>
               <a:t> </a:t>
             </a:r>
@@ -6514,9 +6531,6 @@
                 <a:solidFill>
                   <a:srgbClr val="F8F8F2"/>
                 </a:solidFill>
-                <a:highlight>
-                  <a:srgbClr val="272822"/>
-                </a:highlight>
               </a:rPr>
               <a:t>some_function</a:t>
             </a:r>
@@ -6525,9 +6539,6 @@
                 <a:solidFill>
                   <a:srgbClr val="F8F8F2"/>
                 </a:solidFill>
-                <a:highlight>
-                  <a:srgbClr val="272822"/>
-                </a:highlight>
               </a:rPr>
               <a:t>(arg1, arg2, callback) {</a:t>
             </a:r>
@@ -6536,9 +6547,6 @@
                 <a:solidFill>
                   <a:srgbClr val="F8F8F2"/>
                 </a:solidFill>
-                <a:highlight>
-                  <a:srgbClr val="272822"/>
-                </a:highlight>
               </a:rPr>
             </a:br>
             <a:r>
@@ -6546,9 +6554,6 @@
                 <a:solidFill>
                   <a:srgbClr val="F8F8F2"/>
                 </a:solidFill>
-                <a:highlight>
-                  <a:srgbClr val="272822"/>
-                </a:highlight>
               </a:rPr>
               <a:t>  </a:t>
             </a:r>
@@ -6557,9 +6562,6 @@
                 <a:solidFill>
                   <a:srgbClr val="F92672"/>
                 </a:solidFill>
-                <a:highlight>
-                  <a:srgbClr val="272822"/>
-                </a:highlight>
               </a:rPr>
               <a:t>var</a:t>
             </a:r>
@@ -6568,9 +6570,6 @@
                 <a:solidFill>
                   <a:srgbClr val="F8F8F2"/>
                 </a:solidFill>
-                <a:highlight>
-                  <a:srgbClr val="272822"/>
-                </a:highlight>
               </a:rPr>
               <a:t> </a:t>
             </a:r>
@@ -6579,9 +6578,6 @@
                 <a:solidFill>
                   <a:srgbClr val="F8F8F2"/>
                 </a:solidFill>
-                <a:highlight>
-                  <a:srgbClr val="272822"/>
-                </a:highlight>
               </a:rPr>
               <a:t>my_number</a:t>
             </a:r>
@@ -6590,9 +6586,6 @@
                 <a:solidFill>
                   <a:srgbClr val="F8F8F2"/>
                 </a:solidFill>
-                <a:highlight>
-                  <a:srgbClr val="272822"/>
-                </a:highlight>
               </a:rPr>
               <a:t> = </a:t>
             </a:r>
@@ -6601,9 +6594,6 @@
                 <a:solidFill>
                   <a:srgbClr val="F8F8F2"/>
                 </a:solidFill>
-                <a:highlight>
-                  <a:srgbClr val="272822"/>
-                </a:highlight>
               </a:rPr>
               <a:t>Math.ceil</a:t>
             </a:r>
@@ -6612,9 +6602,6 @@
                 <a:solidFill>
                   <a:srgbClr val="F8F8F2"/>
                 </a:solidFill>
-                <a:highlight>
-                  <a:srgbClr val="272822"/>
-                </a:highlight>
               </a:rPr>
               <a:t>(</a:t>
             </a:r>
@@ -6623,9 +6610,6 @@
                 <a:solidFill>
                   <a:srgbClr val="F8F8F2"/>
                 </a:solidFill>
-                <a:highlight>
-                  <a:srgbClr val="272822"/>
-                </a:highlight>
               </a:rPr>
               <a:t>Math.random</a:t>
             </a:r>
@@ -6634,9 +6618,6 @@
                 <a:solidFill>
                   <a:srgbClr val="F8F8F2"/>
                 </a:solidFill>
-                <a:highlight>
-                  <a:srgbClr val="272822"/>
-                </a:highlight>
               </a:rPr>
               <a:t>() * (arg1 - arg2) + arg2);</a:t>
             </a:r>
@@ -6645,9 +6626,6 @@
                 <a:solidFill>
                   <a:srgbClr val="F8F8F2"/>
                 </a:solidFill>
-                <a:highlight>
-                  <a:srgbClr val="272822"/>
-                </a:highlight>
               </a:rPr>
             </a:br>
             <a:r>
@@ -6655,9 +6633,6 @@
                 <a:solidFill>
                   <a:srgbClr val="F8F8F2"/>
                 </a:solidFill>
-                <a:highlight>
-                  <a:srgbClr val="272822"/>
-                </a:highlight>
               </a:rPr>
               <a:t>  </a:t>
             </a:r>
@@ -6666,9 +6641,6 @@
                 <a:solidFill>
                   <a:srgbClr val="F8F8F2"/>
                 </a:solidFill>
-                <a:highlight>
-                  <a:srgbClr val="272822"/>
-                </a:highlight>
               </a:rPr>
             </a:br>
             <a:r>
@@ -6676,9 +6648,6 @@
                 <a:solidFill>
                   <a:srgbClr val="F8F8F2"/>
                 </a:solidFill>
-                <a:highlight>
-                  <a:srgbClr val="272822"/>
-                </a:highlight>
               </a:rPr>
               <a:t>  callback(</a:t>
             </a:r>
@@ -6687,9 +6656,6 @@
                 <a:solidFill>
                   <a:srgbClr val="F8F8F2"/>
                 </a:solidFill>
-                <a:highlight>
-                  <a:srgbClr val="272822"/>
-                </a:highlight>
               </a:rPr>
               <a:t>my_number</a:t>
             </a:r>
@@ -6698,9 +6664,6 @@
                 <a:solidFill>
                   <a:srgbClr val="F8F8F2"/>
                 </a:solidFill>
-                <a:highlight>
-                  <a:srgbClr val="272822"/>
-                </a:highlight>
               </a:rPr>
               <a:t>);</a:t>
             </a:r>
@@ -6709,9 +6672,6 @@
                 <a:solidFill>
                   <a:srgbClr val="F8F8F2"/>
                 </a:solidFill>
-                <a:highlight>
-                  <a:srgbClr val="272822"/>
-                </a:highlight>
               </a:rPr>
             </a:br>
             <a:r>
@@ -6719,9 +6679,6 @@
                 <a:solidFill>
                   <a:srgbClr val="F8F8F2"/>
                 </a:solidFill>
-                <a:highlight>
-                  <a:srgbClr val="272822"/>
-                </a:highlight>
               </a:rPr>
               <a:t>}</a:t>
             </a:r>
@@ -6730,9 +6687,6 @@
                 <a:solidFill>
                   <a:srgbClr val="F8F8F2"/>
                 </a:solidFill>
-                <a:highlight>
-                  <a:srgbClr val="272822"/>
-                </a:highlight>
               </a:rPr>
             </a:br>
             <a:br>
@@ -6740,9 +6694,6 @@
                 <a:solidFill>
                   <a:srgbClr val="F8F8F2"/>
                 </a:solidFill>
-                <a:highlight>
-                  <a:srgbClr val="272822"/>
-                </a:highlight>
               </a:rPr>
             </a:br>
             <a:r>
@@ -6750,9 +6701,6 @@
                 <a:solidFill>
                   <a:srgbClr val="F8F8F2"/>
                 </a:solidFill>
-                <a:highlight>
-                  <a:srgbClr val="272822"/>
-                </a:highlight>
               </a:rPr>
               <a:t>some_function</a:t>
             </a:r>
@@ -6761,9 +6709,6 @@
                 <a:solidFill>
                   <a:srgbClr val="F8F8F2"/>
                 </a:solidFill>
-                <a:highlight>
-                  <a:srgbClr val="272822"/>
-                </a:highlight>
               </a:rPr>
               <a:t>(</a:t>
             </a:r>
@@ -6772,9 +6717,6 @@
                 <a:solidFill>
                   <a:srgbClr val="AE81FF"/>
                 </a:solidFill>
-                <a:highlight>
-                  <a:srgbClr val="272822"/>
-                </a:highlight>
               </a:rPr>
               <a:t>5</a:t>
             </a:r>
@@ -6783,9 +6725,6 @@
                 <a:solidFill>
                   <a:srgbClr val="F8F8F2"/>
                 </a:solidFill>
-                <a:highlight>
-                  <a:srgbClr val="272822"/>
-                </a:highlight>
               </a:rPr>
               <a:t>, </a:t>
             </a:r>
@@ -6794,9 +6733,6 @@
                 <a:solidFill>
                   <a:srgbClr val="AE81FF"/>
                 </a:solidFill>
-                <a:highlight>
-                  <a:srgbClr val="272822"/>
-                </a:highlight>
               </a:rPr>
               <a:t>15</a:t>
             </a:r>
@@ -6805,9 +6741,6 @@
                 <a:solidFill>
                   <a:srgbClr val="F8F8F2"/>
                 </a:solidFill>
-                <a:highlight>
-                  <a:srgbClr val="272822"/>
-                </a:highlight>
               </a:rPr>
               <a:t>, </a:t>
             </a:r>
@@ -6816,9 +6749,6 @@
                 <a:solidFill>
                   <a:srgbClr val="F92672"/>
                 </a:solidFill>
-                <a:highlight>
-                  <a:srgbClr val="272822"/>
-                </a:highlight>
               </a:rPr>
               <a:t>function</a:t>
             </a:r>
@@ -6827,9 +6757,6 @@
                 <a:solidFill>
                   <a:srgbClr val="F8F8F2"/>
                 </a:solidFill>
-                <a:highlight>
-                  <a:srgbClr val="272822"/>
-                </a:highlight>
               </a:rPr>
               <a:t>(</a:t>
             </a:r>
@@ -6838,9 +6765,6 @@
                 <a:solidFill>
                   <a:srgbClr val="F8F8F2"/>
                 </a:solidFill>
-                <a:highlight>
-                  <a:srgbClr val="272822"/>
-                </a:highlight>
               </a:rPr>
               <a:t>num</a:t>
             </a:r>
@@ -6849,9 +6773,6 @@
                 <a:solidFill>
                   <a:srgbClr val="F8F8F2"/>
                 </a:solidFill>
-                <a:highlight>
-                  <a:srgbClr val="272822"/>
-                </a:highlight>
               </a:rPr>
               <a:t>) {</a:t>
             </a:r>
@@ -6860,9 +6781,6 @@
                 <a:solidFill>
                   <a:srgbClr val="F8F8F2"/>
                 </a:solidFill>
-                <a:highlight>
-                  <a:srgbClr val="272822"/>
-                </a:highlight>
               </a:rPr>
             </a:br>
             <a:r>
@@ -6870,9 +6788,6 @@
                 <a:solidFill>
                   <a:srgbClr val="F8F8F2"/>
                 </a:solidFill>
-                <a:highlight>
-                  <a:srgbClr val="272822"/>
-                </a:highlight>
               </a:rPr>
               <a:t>  console.log(</a:t>
             </a:r>
@@ -6881,9 +6796,6 @@
                 <a:solidFill>
                   <a:srgbClr val="E6DB74"/>
                 </a:solidFill>
-                <a:highlight>
-                  <a:srgbClr val="272822"/>
-                </a:highlight>
               </a:rPr>
               <a:t>"callback called! "</a:t>
             </a:r>
@@ -6892,9 +6804,6 @@
                 <a:solidFill>
                   <a:srgbClr val="F8F8F2"/>
                 </a:solidFill>
-                <a:highlight>
-                  <a:srgbClr val="272822"/>
-                </a:highlight>
               </a:rPr>
               <a:t> + </a:t>
             </a:r>
@@ -6903,9 +6812,6 @@
                 <a:solidFill>
                   <a:srgbClr val="F8F8F2"/>
                 </a:solidFill>
-                <a:highlight>
-                  <a:srgbClr val="272822"/>
-                </a:highlight>
               </a:rPr>
               <a:t>num</a:t>
             </a:r>
@@ -6914,9 +6820,6 @@
                 <a:solidFill>
                   <a:srgbClr val="F8F8F2"/>
                 </a:solidFill>
-                <a:highlight>
-                  <a:srgbClr val="272822"/>
-                </a:highlight>
               </a:rPr>
               <a:t>);</a:t>
             </a:r>
@@ -6925,46 +6828,17 @@
                 <a:solidFill>
                   <a:srgbClr val="F8F8F2"/>
                 </a:solidFill>
-                <a:highlight>
-                  <a:srgbClr val="272822"/>
-                </a:highlight>
               </a:rPr>
             </a:br>
             <a:r>
-              <a:rPr lang="bg-BG" sz="2400" dirty="0">
+              <a:rPr lang="bg-BG" sz="2400">
                 <a:solidFill>
                   <a:srgbClr val="F8F8F2"/>
                 </a:solidFill>
-                <a:highlight>
-                  <a:srgbClr val="272822"/>
-                </a:highlight>
               </a:rPr>
               <a:t>});</a:t>
             </a:r>
             <a:endParaRPr lang="bg-BG" sz="2400" dirty="0"/>
-          </a:p>
-        </p:txBody>
-      </p:sp>
-      <p:sp>
-        <p:nvSpPr>
-          <p:cNvPr id="11" name="Text Placeholder 10"/>
-          <p:cNvSpPr>
-            <a:spLocks noGrp="1"/>
-          </p:cNvSpPr>
-          <p:nvPr>
-            <p:ph type="body" sz="quarter" idx="13"/>
-          </p:nvPr>
-        </p:nvSpPr>
-        <p:spPr/>
-        <p:txBody>
-          <a:bodyPr/>
-          <a:lstStyle/>
-          <a:p>
-            <a:r>
-              <a:rPr lang="en-US" dirty="0"/>
-              <a:t>Callback function</a:t>
-            </a:r>
-            <a:endParaRPr lang="bg-BG" dirty="0"/>
           </a:p>
         </p:txBody>
       </p:sp>

--- a/presentations/nodeJS.pptx
+++ b/presentations/nodeJS.pptx
@@ -220,7 +220,7 @@
           <a:p>
             <a:fld id="{40C9EC12-D619-4239-BA0B-F64B757C48A8}" type="datetimeFigureOut">
               <a:rPr lang="bg-BG" smtClean="0"/>
-              <a:t>5.3.2017 г.</a:t>
+              <a:t>6.3.2017 г.</a:t>
             </a:fld>
             <a:endParaRPr lang="bg-BG"/>
           </a:p>
@@ -1720,7 +1720,7 @@
             <a:fld id="{87DE6118-2437-4B30-8E3C-4D2BE6020583}" type="datetimeFigureOut">
               <a:rPr lang="en-US" smtClean="0"/>
               <a:pPr/>
-              <a:t>3/5/2017</a:t>
+              <a:t>3/6/2017</a:t>
             </a:fld>
             <a:endParaRPr lang="en-US" dirty="0"/>
           </a:p>
@@ -2051,7 +2051,7 @@
           <a:p>
             <a:fld id="{87DE6118-2437-4B30-8E3C-4D2BE6020583}" type="datetimeFigureOut">
               <a:rPr lang="en-US" smtClean="0"/>
-              <a:t>3/5/2017</a:t>
+              <a:t>3/6/2017</a:t>
             </a:fld>
             <a:endParaRPr lang="en-US" dirty="0"/>
           </a:p>
@@ -2230,7 +2230,7 @@
           <a:p>
             <a:fld id="{87DE6118-2437-4B30-8E3C-4D2BE6020583}" type="datetimeFigureOut">
               <a:rPr lang="en-US" smtClean="0"/>
-              <a:t>3/5/2017</a:t>
+              <a:t>3/6/2017</a:t>
             </a:fld>
             <a:endParaRPr lang="en-US" dirty="0"/>
           </a:p>
@@ -2411,7 +2411,7 @@
             <a:fld id="{87DE6118-2437-4B30-8E3C-4D2BE6020583}" type="datetimeFigureOut">
               <a:rPr lang="en-US" smtClean="0"/>
               <a:pPr/>
-              <a:t>3/5/2017</a:t>
+              <a:t>3/6/2017</a:t>
             </a:fld>
             <a:endParaRPr lang="en-US" dirty="0"/>
           </a:p>
@@ -2623,7 +2623,7 @@
           <a:p>
             <a:fld id="{87DE6118-2437-4B30-8E3C-4D2BE6020583}" type="datetimeFigureOut">
               <a:rPr lang="en-US" smtClean="0"/>
-              <a:t>3/5/2017</a:t>
+              <a:t>3/6/2017</a:t>
             </a:fld>
             <a:endParaRPr lang="en-US" dirty="0"/>
           </a:p>
@@ -2907,7 +2907,7 @@
             <a:fld id="{87DE6118-2437-4B30-8E3C-4D2BE6020583}" type="datetimeFigureOut">
               <a:rPr lang="en-US" smtClean="0"/>
               <a:pPr/>
-              <a:t>3/5/2017</a:t>
+              <a:t>3/6/2017</a:t>
             </a:fld>
             <a:endParaRPr lang="en-US" dirty="0"/>
           </a:p>
@@ -3302,7 +3302,7 @@
           <a:p>
             <a:fld id="{87DE6118-2437-4B30-8E3C-4D2BE6020583}" type="datetimeFigureOut">
               <a:rPr lang="en-US" smtClean="0"/>
-              <a:t>3/5/2017</a:t>
+              <a:t>3/6/2017</a:t>
             </a:fld>
             <a:endParaRPr lang="en-US" dirty="0"/>
           </a:p>
@@ -3779,7 +3779,7 @@
           <a:p>
             <a:fld id="{87DE6118-2437-4B30-8E3C-4D2BE6020583}" type="datetimeFigureOut">
               <a:rPr lang="en-US" smtClean="0"/>
-              <a:t>3/5/2017</a:t>
+              <a:t>3/6/2017</a:t>
             </a:fld>
             <a:endParaRPr lang="en-US" dirty="0"/>
           </a:p>
@@ -3897,7 +3897,7 @@
           <a:p>
             <a:fld id="{87DE6118-2437-4B30-8E3C-4D2BE6020583}" type="datetimeFigureOut">
               <a:rPr lang="en-US" smtClean="0"/>
-              <a:t>3/5/2017</a:t>
+              <a:t>3/6/2017</a:t>
             </a:fld>
             <a:endParaRPr lang="en-US" dirty="0"/>
           </a:p>
@@ -3992,7 +3992,7 @@
           <a:p>
             <a:fld id="{87DE6118-2437-4B30-8E3C-4D2BE6020583}" type="datetimeFigureOut">
               <a:rPr lang="en-US" smtClean="0"/>
-              <a:t>3/5/2017</a:t>
+              <a:t>3/6/2017</a:t>
             </a:fld>
             <a:endParaRPr lang="en-US" dirty="0"/>
           </a:p>
@@ -4339,7 +4339,7 @@
             <a:fld id="{87DE6118-2437-4B30-8E3C-4D2BE6020583}" type="datetimeFigureOut">
               <a:rPr lang="en-US" smtClean="0"/>
               <a:pPr/>
-              <a:t>3/5/2017</a:t>
+              <a:t>3/6/2017</a:t>
             </a:fld>
             <a:endParaRPr lang="en-US" dirty="0"/>
           </a:p>
@@ -4729,7 +4729,7 @@
             <a:fld id="{87DE6118-2437-4B30-8E3C-4D2BE6020583}" type="datetimeFigureOut">
               <a:rPr lang="en-US" smtClean="0"/>
               <a:pPr/>
-              <a:t>3/5/2017</a:t>
+              <a:t>3/6/2017</a:t>
             </a:fld>
             <a:endParaRPr lang="en-US" dirty="0"/>
           </a:p>
@@ -5009,7 +5009,7 @@
             <a:fld id="{87DE6118-2437-4B30-8E3C-4D2BE6020583}" type="datetimeFigureOut">
               <a:rPr lang="en-US" smtClean="0"/>
               <a:pPr/>
-              <a:t>3/5/2017</a:t>
+              <a:t>3/6/2017</a:t>
             </a:fld>
             <a:endParaRPr lang="en-US" dirty="0"/>
           </a:p>
@@ -6513,7 +6513,7 @@
             <a:r>
               <a:rPr lang="en-US" sz="2400" dirty="0">
                 <a:solidFill>
-                  <a:srgbClr val="F92672"/>
+                  <a:srgbClr val="FBDE2D"/>
                 </a:solidFill>
               </a:rPr>
               <a:t>function</a:t>
@@ -6521,7 +6521,7 @@
             <a:r>
               <a:rPr lang="en-US" sz="2400" dirty="0">
                 <a:solidFill>
-                  <a:srgbClr val="F8F8F2"/>
+                  <a:srgbClr val="F8F8F8"/>
                 </a:solidFill>
               </a:rPr>
               <a:t> </a:t>
@@ -6529,7 +6529,7 @@
             <a:r>
               <a:rPr lang="en-US" sz="2400" dirty="0" err="1">
                 <a:solidFill>
-                  <a:srgbClr val="F8F8F2"/>
+                  <a:srgbClr val="F8F8F8"/>
                 </a:solidFill>
               </a:rPr>
               <a:t>some_function</a:t>
@@ -6537,7 +6537,7 @@
             <a:r>
               <a:rPr lang="en-US" sz="2400" dirty="0">
                 <a:solidFill>
-                  <a:srgbClr val="F8F8F2"/>
+                  <a:srgbClr val="F8F8F8"/>
                 </a:solidFill>
               </a:rPr>
               <a:t>(arg1, arg2, callback) {</a:t>
@@ -6545,14 +6545,14 @@
             <a:br>
               <a:rPr lang="en-US" sz="2400" dirty="0">
                 <a:solidFill>
-                  <a:srgbClr val="F8F8F2"/>
+                  <a:srgbClr val="F8F8F8"/>
                 </a:solidFill>
               </a:rPr>
             </a:br>
             <a:r>
               <a:rPr lang="en-US" sz="2400" dirty="0">
                 <a:solidFill>
-                  <a:srgbClr val="F8F8F2"/>
+                  <a:srgbClr val="F8F8F8"/>
                 </a:solidFill>
               </a:rPr>
               <a:t>  </a:t>
@@ -6560,7 +6560,7 @@
             <a:r>
               <a:rPr lang="en-US" sz="2400" dirty="0" err="1">
                 <a:solidFill>
-                  <a:srgbClr val="F92672"/>
+                  <a:srgbClr val="FBDE2D"/>
                 </a:solidFill>
               </a:rPr>
               <a:t>var</a:t>
@@ -6568,7 +6568,7 @@
             <a:r>
               <a:rPr lang="en-US" sz="2400" dirty="0">
                 <a:solidFill>
-                  <a:srgbClr val="F8F8F2"/>
+                  <a:srgbClr val="F8F8F8"/>
                 </a:solidFill>
               </a:rPr>
               <a:t> </a:t>
@@ -6576,7 +6576,7 @@
             <a:r>
               <a:rPr lang="en-US" sz="2400" dirty="0" err="1">
                 <a:solidFill>
-                  <a:srgbClr val="F8F8F2"/>
+                  <a:srgbClr val="F8F8F8"/>
                 </a:solidFill>
               </a:rPr>
               <a:t>my_number</a:t>
@@ -6584,7 +6584,7 @@
             <a:r>
               <a:rPr lang="en-US" sz="2400" dirty="0">
                 <a:solidFill>
-                  <a:srgbClr val="F8F8F2"/>
+                  <a:srgbClr val="F8F8F8"/>
                 </a:solidFill>
               </a:rPr>
               <a:t> = </a:t>
@@ -6592,7 +6592,7 @@
             <a:r>
               <a:rPr lang="en-US" sz="2400" dirty="0" err="1">
                 <a:solidFill>
-                  <a:srgbClr val="F8F8F2"/>
+                  <a:srgbClr val="F8F8F8"/>
                 </a:solidFill>
               </a:rPr>
               <a:t>Math.ceil</a:t>
@@ -6600,7 +6600,7 @@
             <a:r>
               <a:rPr lang="en-US" sz="2400" dirty="0">
                 <a:solidFill>
-                  <a:srgbClr val="F8F8F2"/>
+                  <a:srgbClr val="F8F8F8"/>
                 </a:solidFill>
               </a:rPr>
               <a:t>(</a:t>
@@ -6608,7 +6608,7 @@
             <a:r>
               <a:rPr lang="en-US" sz="2400" dirty="0" err="1">
                 <a:solidFill>
-                  <a:srgbClr val="F8F8F2"/>
+                  <a:srgbClr val="F8F8F8"/>
                 </a:solidFill>
               </a:rPr>
               <a:t>Math.random</a:t>
@@ -6616,7 +6616,7 @@
             <a:r>
               <a:rPr lang="en-US" sz="2400" dirty="0">
                 <a:solidFill>
-                  <a:srgbClr val="F8F8F2"/>
+                  <a:srgbClr val="F8F8F8"/>
                 </a:solidFill>
               </a:rPr>
               <a:t>() * (arg1 - arg2) + arg2);</a:t>
@@ -6624,14 +6624,14 @@
             <a:br>
               <a:rPr lang="en-US" sz="2400" dirty="0">
                 <a:solidFill>
-                  <a:srgbClr val="F8F8F2"/>
+                  <a:srgbClr val="F8F8F8"/>
                 </a:solidFill>
               </a:rPr>
             </a:br>
             <a:r>
               <a:rPr lang="bg-BG" sz="2400" dirty="0">
                 <a:solidFill>
-                  <a:srgbClr val="F8F8F2"/>
+                  <a:srgbClr val="F8F8F8"/>
                 </a:solidFill>
               </a:rPr>
               <a:t>  </a:t>
@@ -6639,14 +6639,14 @@
             <a:br>
               <a:rPr lang="bg-BG" sz="2400" dirty="0">
                 <a:solidFill>
-                  <a:srgbClr val="F8F8F2"/>
+                  <a:srgbClr val="F8F8F8"/>
                 </a:solidFill>
               </a:rPr>
             </a:br>
             <a:r>
               <a:rPr lang="en-US" sz="2400" dirty="0">
                 <a:solidFill>
-                  <a:srgbClr val="F8F8F2"/>
+                  <a:srgbClr val="F8F8F8"/>
                 </a:solidFill>
               </a:rPr>
               <a:t>  callback(</a:t>
@@ -6654,7 +6654,7 @@
             <a:r>
               <a:rPr lang="en-US" sz="2400" dirty="0" err="1">
                 <a:solidFill>
-                  <a:srgbClr val="F8F8F2"/>
+                  <a:srgbClr val="F8F8F8"/>
                 </a:solidFill>
               </a:rPr>
               <a:t>my_number</a:t>
@@ -6662,7 +6662,7 @@
             <a:r>
               <a:rPr lang="en-US" sz="2400" dirty="0">
                 <a:solidFill>
-                  <a:srgbClr val="F8F8F2"/>
+                  <a:srgbClr val="F8F8F8"/>
                 </a:solidFill>
               </a:rPr>
               <a:t>);</a:t>
@@ -6670,14 +6670,14 @@
             <a:br>
               <a:rPr lang="en-US" sz="2400" dirty="0">
                 <a:solidFill>
-                  <a:srgbClr val="F8F8F2"/>
+                  <a:srgbClr val="F8F8F8"/>
                 </a:solidFill>
               </a:rPr>
             </a:br>
             <a:r>
               <a:rPr lang="bg-BG" sz="2400" dirty="0">
                 <a:solidFill>
-                  <a:srgbClr val="F8F8F2"/>
+                  <a:srgbClr val="F8F8F8"/>
                 </a:solidFill>
               </a:rPr>
               <a:t>}</a:t>
@@ -6685,21 +6685,21 @@
             <a:br>
               <a:rPr lang="bg-BG" sz="2400" dirty="0">
                 <a:solidFill>
-                  <a:srgbClr val="F8F8F2"/>
+                  <a:srgbClr val="F8F8F8"/>
                 </a:solidFill>
               </a:rPr>
             </a:br>
             <a:br>
               <a:rPr lang="bg-BG" sz="2400" dirty="0">
                 <a:solidFill>
-                  <a:srgbClr val="F8F8F2"/>
+                  <a:srgbClr val="F8F8F8"/>
                 </a:solidFill>
               </a:rPr>
             </a:br>
             <a:r>
               <a:rPr lang="en-US" sz="2400" dirty="0" err="1">
                 <a:solidFill>
-                  <a:srgbClr val="F8F8F2"/>
+                  <a:srgbClr val="F8F8F8"/>
                 </a:solidFill>
               </a:rPr>
               <a:t>some_function</a:t>
@@ -6707,7 +6707,7 @@
             <a:r>
               <a:rPr lang="en-US" sz="2400" dirty="0">
                 <a:solidFill>
-                  <a:srgbClr val="F8F8F2"/>
+                  <a:srgbClr val="F8F8F8"/>
                 </a:solidFill>
               </a:rPr>
               <a:t>(</a:t>
@@ -6715,7 +6715,7 @@
             <a:r>
               <a:rPr lang="en-US" sz="2400" dirty="0">
                 <a:solidFill>
-                  <a:srgbClr val="AE81FF"/>
+                  <a:srgbClr val="D8FA3C"/>
                 </a:solidFill>
               </a:rPr>
               <a:t>5</a:t>
@@ -6723,7 +6723,7 @@
             <a:r>
               <a:rPr lang="en-US" sz="2400" dirty="0">
                 <a:solidFill>
-                  <a:srgbClr val="F8F8F2"/>
+                  <a:srgbClr val="F8F8F8"/>
                 </a:solidFill>
               </a:rPr>
               <a:t>, </a:t>
@@ -6731,7 +6731,7 @@
             <a:r>
               <a:rPr lang="en-US" sz="2400" dirty="0">
                 <a:solidFill>
-                  <a:srgbClr val="AE81FF"/>
+                  <a:srgbClr val="D8FA3C"/>
                 </a:solidFill>
               </a:rPr>
               <a:t>15</a:t>
@@ -6739,7 +6739,7 @@
             <a:r>
               <a:rPr lang="en-US" sz="2400" dirty="0">
                 <a:solidFill>
-                  <a:srgbClr val="F8F8F2"/>
+                  <a:srgbClr val="F8F8F8"/>
                 </a:solidFill>
               </a:rPr>
               <a:t>, </a:t>
@@ -6747,7 +6747,7 @@
             <a:r>
               <a:rPr lang="en-US" sz="2400" dirty="0">
                 <a:solidFill>
-                  <a:srgbClr val="F92672"/>
+                  <a:srgbClr val="FBDE2D"/>
                 </a:solidFill>
               </a:rPr>
               <a:t>function</a:t>
@@ -6755,7 +6755,7 @@
             <a:r>
               <a:rPr lang="en-US" sz="2400" dirty="0">
                 <a:solidFill>
-                  <a:srgbClr val="F8F8F2"/>
+                  <a:srgbClr val="F8F8F8"/>
                 </a:solidFill>
               </a:rPr>
               <a:t>(</a:t>
@@ -6763,7 +6763,7 @@
             <a:r>
               <a:rPr lang="en-US" sz="2400" dirty="0" err="1">
                 <a:solidFill>
-                  <a:srgbClr val="F8F8F2"/>
+                  <a:srgbClr val="F8F8F8"/>
                 </a:solidFill>
               </a:rPr>
               <a:t>num</a:t>
@@ -6771,7 +6771,7 @@
             <a:r>
               <a:rPr lang="en-US" sz="2400" dirty="0">
                 <a:solidFill>
-                  <a:srgbClr val="F8F8F2"/>
+                  <a:srgbClr val="F8F8F8"/>
                 </a:solidFill>
               </a:rPr>
               <a:t>) {</a:t>
@@ -6779,14 +6779,14 @@
             <a:br>
               <a:rPr lang="en-US" sz="2400" dirty="0">
                 <a:solidFill>
-                  <a:srgbClr val="F8F8F2"/>
+                  <a:srgbClr val="F8F8F8"/>
                 </a:solidFill>
               </a:rPr>
             </a:br>
             <a:r>
               <a:rPr lang="en-US" sz="2400" dirty="0">
                 <a:solidFill>
-                  <a:srgbClr val="F8F8F2"/>
+                  <a:srgbClr val="F8F8F8"/>
                 </a:solidFill>
               </a:rPr>
               <a:t>  console.log(</a:t>
@@ -6794,7 +6794,7 @@
             <a:r>
               <a:rPr lang="en-US" sz="2400" dirty="0">
                 <a:solidFill>
-                  <a:srgbClr val="E6DB74"/>
+                  <a:srgbClr val="61CE3C"/>
                 </a:solidFill>
               </a:rPr>
               <a:t>"callback called! "</a:t>
@@ -6802,7 +6802,7 @@
             <a:r>
               <a:rPr lang="en-US" sz="2400" dirty="0">
                 <a:solidFill>
-                  <a:srgbClr val="F8F8F2"/>
+                  <a:srgbClr val="F8F8F8"/>
                 </a:solidFill>
               </a:rPr>
               <a:t> + </a:t>
@@ -6810,7 +6810,7 @@
             <a:r>
               <a:rPr lang="en-US" sz="2400" dirty="0" err="1">
                 <a:solidFill>
-                  <a:srgbClr val="F8F8F2"/>
+                  <a:srgbClr val="F8F8F8"/>
                 </a:solidFill>
               </a:rPr>
               <a:t>num</a:t>
@@ -6818,7 +6818,7 @@
             <a:r>
               <a:rPr lang="en-US" sz="2400" dirty="0">
                 <a:solidFill>
-                  <a:srgbClr val="F8F8F2"/>
+                  <a:srgbClr val="F8F8F8"/>
                 </a:solidFill>
               </a:rPr>
               <a:t>);</a:t>
@@ -6826,14 +6826,14 @@
             <a:br>
               <a:rPr lang="en-US" sz="2400" dirty="0">
                 <a:solidFill>
-                  <a:srgbClr val="F8F8F2"/>
+                  <a:srgbClr val="F8F8F8"/>
                 </a:solidFill>
               </a:rPr>
             </a:br>
             <a:r>
-              <a:rPr lang="bg-BG" sz="2400">
-                <a:solidFill>
-                  <a:srgbClr val="F8F8F2"/>
+              <a:rPr lang="bg-BG" sz="2400" dirty="0">
+                <a:solidFill>
+                  <a:srgbClr val="F8F8F8"/>
                 </a:solidFill>
               </a:rPr>
               <a:t>});</a:t>
@@ -7843,7 +7843,15 @@
                   <a:schemeClr val="tx1"/>
                 </a:solidFill>
               </a:rPr>
-              <a:t>User/Browsr</a:t>
+              <a:t>User</a:t>
+            </a:r>
+            <a:r>
+              <a:rPr lang="sv-SE">
+                <a:solidFill>
+                  <a:schemeClr val="tx1"/>
+                </a:solidFill>
+              </a:rPr>
+              <a:t>/Browsr</a:t>
             </a:r>
             <a:endParaRPr lang="en-US" dirty="0">
               <a:solidFill>

--- a/presentations/nodeJS.pptx
+++ b/presentations/nodeJS.pptx
@@ -220,7 +220,7 @@
           <a:p>
             <a:fld id="{40C9EC12-D619-4239-BA0B-F64B757C48A8}" type="datetimeFigureOut">
               <a:rPr lang="bg-BG" smtClean="0"/>
-              <a:t>6.3.2017 г.</a:t>
+              <a:t>7.3.2017 г.</a:t>
             </a:fld>
             <a:endParaRPr lang="bg-BG"/>
           </a:p>
@@ -1720,7 +1720,7 @@
             <a:fld id="{87DE6118-2437-4B30-8E3C-4D2BE6020583}" type="datetimeFigureOut">
               <a:rPr lang="en-US" smtClean="0"/>
               <a:pPr/>
-              <a:t>3/6/2017</a:t>
+              <a:t>3/7/2017</a:t>
             </a:fld>
             <a:endParaRPr lang="en-US" dirty="0"/>
           </a:p>
@@ -2051,7 +2051,7 @@
           <a:p>
             <a:fld id="{87DE6118-2437-4B30-8E3C-4D2BE6020583}" type="datetimeFigureOut">
               <a:rPr lang="en-US" smtClean="0"/>
-              <a:t>3/6/2017</a:t>
+              <a:t>3/7/2017</a:t>
             </a:fld>
             <a:endParaRPr lang="en-US" dirty="0"/>
           </a:p>
@@ -2230,7 +2230,7 @@
           <a:p>
             <a:fld id="{87DE6118-2437-4B30-8E3C-4D2BE6020583}" type="datetimeFigureOut">
               <a:rPr lang="en-US" smtClean="0"/>
-              <a:t>3/6/2017</a:t>
+              <a:t>3/7/2017</a:t>
             </a:fld>
             <a:endParaRPr lang="en-US" dirty="0"/>
           </a:p>
@@ -2411,7 +2411,7 @@
             <a:fld id="{87DE6118-2437-4B30-8E3C-4D2BE6020583}" type="datetimeFigureOut">
               <a:rPr lang="en-US" smtClean="0"/>
               <a:pPr/>
-              <a:t>3/6/2017</a:t>
+              <a:t>3/7/2017</a:t>
             </a:fld>
             <a:endParaRPr lang="en-US" dirty="0"/>
           </a:p>
@@ -2623,7 +2623,7 @@
           <a:p>
             <a:fld id="{87DE6118-2437-4B30-8E3C-4D2BE6020583}" type="datetimeFigureOut">
               <a:rPr lang="en-US" smtClean="0"/>
-              <a:t>3/6/2017</a:t>
+              <a:t>3/7/2017</a:t>
             </a:fld>
             <a:endParaRPr lang="en-US" dirty="0"/>
           </a:p>
@@ -2907,7 +2907,7 @@
             <a:fld id="{87DE6118-2437-4B30-8E3C-4D2BE6020583}" type="datetimeFigureOut">
               <a:rPr lang="en-US" smtClean="0"/>
               <a:pPr/>
-              <a:t>3/6/2017</a:t>
+              <a:t>3/7/2017</a:t>
             </a:fld>
             <a:endParaRPr lang="en-US" dirty="0"/>
           </a:p>
@@ -3302,7 +3302,7 @@
           <a:p>
             <a:fld id="{87DE6118-2437-4B30-8E3C-4D2BE6020583}" type="datetimeFigureOut">
               <a:rPr lang="en-US" smtClean="0"/>
-              <a:t>3/6/2017</a:t>
+              <a:t>3/7/2017</a:t>
             </a:fld>
             <a:endParaRPr lang="en-US" dirty="0"/>
           </a:p>
@@ -3779,7 +3779,7 @@
           <a:p>
             <a:fld id="{87DE6118-2437-4B30-8E3C-4D2BE6020583}" type="datetimeFigureOut">
               <a:rPr lang="en-US" smtClean="0"/>
-              <a:t>3/6/2017</a:t>
+              <a:t>3/7/2017</a:t>
             </a:fld>
             <a:endParaRPr lang="en-US" dirty="0"/>
           </a:p>
@@ -3897,7 +3897,7 @@
           <a:p>
             <a:fld id="{87DE6118-2437-4B30-8E3C-4D2BE6020583}" type="datetimeFigureOut">
               <a:rPr lang="en-US" smtClean="0"/>
-              <a:t>3/6/2017</a:t>
+              <a:t>3/7/2017</a:t>
             </a:fld>
             <a:endParaRPr lang="en-US" dirty="0"/>
           </a:p>
@@ -3992,7 +3992,7 @@
           <a:p>
             <a:fld id="{87DE6118-2437-4B30-8E3C-4D2BE6020583}" type="datetimeFigureOut">
               <a:rPr lang="en-US" smtClean="0"/>
-              <a:t>3/6/2017</a:t>
+              <a:t>3/7/2017</a:t>
             </a:fld>
             <a:endParaRPr lang="en-US" dirty="0"/>
           </a:p>
@@ -4339,7 +4339,7 @@
             <a:fld id="{87DE6118-2437-4B30-8E3C-4D2BE6020583}" type="datetimeFigureOut">
               <a:rPr lang="en-US" smtClean="0"/>
               <a:pPr/>
-              <a:t>3/6/2017</a:t>
+              <a:t>3/7/2017</a:t>
             </a:fld>
             <a:endParaRPr lang="en-US" dirty="0"/>
           </a:p>
@@ -4729,7 +4729,7 @@
             <a:fld id="{87DE6118-2437-4B30-8E3C-4D2BE6020583}" type="datetimeFigureOut">
               <a:rPr lang="en-US" smtClean="0"/>
               <a:pPr/>
-              <a:t>3/6/2017</a:t>
+              <a:t>3/7/2017</a:t>
             </a:fld>
             <a:endParaRPr lang="en-US" dirty="0"/>
           </a:p>
@@ -5009,7 +5009,7 @@
             <a:fld id="{87DE6118-2437-4B30-8E3C-4D2BE6020583}" type="datetimeFigureOut">
               <a:rPr lang="en-US" smtClean="0"/>
               <a:pPr/>
-              <a:t>3/6/2017</a:t>
+              <a:t>3/7/2017</a:t>
             </a:fld>
             <a:endParaRPr lang="en-US" dirty="0"/>
           </a:p>
@@ -7845,14 +7845,6 @@
               </a:rPr>
               <a:t>User</a:t>
             </a:r>
-            <a:r>
-              <a:rPr lang="sv-SE">
-                <a:solidFill>
-                  <a:schemeClr val="tx1"/>
-                </a:solidFill>
-              </a:rPr>
-              <a:t>/Browsr</a:t>
-            </a:r>
             <a:endParaRPr lang="en-US" dirty="0">
               <a:solidFill>
                 <a:schemeClr val="tx1"/>
@@ -7909,7 +7901,7 @@
                   <a:schemeClr val="tx1"/>
                 </a:solidFill>
               </a:rPr>
-              <a:t>Controller/AI</a:t>
+              <a:t>Controller</a:t>
             </a:r>
             <a:endParaRPr lang="en-US" dirty="0">
               <a:solidFill>

--- a/presentations/nodeJS.pptx
+++ b/presentations/nodeJS.pptx
@@ -220,7 +220,7 @@
           <a:p>
             <a:fld id="{40C9EC12-D619-4239-BA0B-F64B757C48A8}" type="datetimeFigureOut">
               <a:rPr lang="bg-BG" smtClean="0"/>
-              <a:t>7.3.2017 г.</a:t>
+              <a:t>9.3.2017 г.</a:t>
             </a:fld>
             <a:endParaRPr lang="bg-BG"/>
           </a:p>
@@ -1720,7 +1720,7 @@
             <a:fld id="{87DE6118-2437-4B30-8E3C-4D2BE6020583}" type="datetimeFigureOut">
               <a:rPr lang="en-US" smtClean="0"/>
               <a:pPr/>
-              <a:t>3/7/2017</a:t>
+              <a:t>3/9/2017</a:t>
             </a:fld>
             <a:endParaRPr lang="en-US" dirty="0"/>
           </a:p>
@@ -2051,7 +2051,7 @@
           <a:p>
             <a:fld id="{87DE6118-2437-4B30-8E3C-4D2BE6020583}" type="datetimeFigureOut">
               <a:rPr lang="en-US" smtClean="0"/>
-              <a:t>3/7/2017</a:t>
+              <a:t>3/9/2017</a:t>
             </a:fld>
             <a:endParaRPr lang="en-US" dirty="0"/>
           </a:p>
@@ -2230,7 +2230,7 @@
           <a:p>
             <a:fld id="{87DE6118-2437-4B30-8E3C-4D2BE6020583}" type="datetimeFigureOut">
               <a:rPr lang="en-US" smtClean="0"/>
-              <a:t>3/7/2017</a:t>
+              <a:t>3/9/2017</a:t>
             </a:fld>
             <a:endParaRPr lang="en-US" dirty="0"/>
           </a:p>
@@ -2411,7 +2411,7 @@
             <a:fld id="{87DE6118-2437-4B30-8E3C-4D2BE6020583}" type="datetimeFigureOut">
               <a:rPr lang="en-US" smtClean="0"/>
               <a:pPr/>
-              <a:t>3/7/2017</a:t>
+              <a:t>3/9/2017</a:t>
             </a:fld>
             <a:endParaRPr lang="en-US" dirty="0"/>
           </a:p>
@@ -2623,7 +2623,7 @@
           <a:p>
             <a:fld id="{87DE6118-2437-4B30-8E3C-4D2BE6020583}" type="datetimeFigureOut">
               <a:rPr lang="en-US" smtClean="0"/>
-              <a:t>3/7/2017</a:t>
+              <a:t>3/9/2017</a:t>
             </a:fld>
             <a:endParaRPr lang="en-US" dirty="0"/>
           </a:p>
@@ -2907,7 +2907,7 @@
             <a:fld id="{87DE6118-2437-4B30-8E3C-4D2BE6020583}" type="datetimeFigureOut">
               <a:rPr lang="en-US" smtClean="0"/>
               <a:pPr/>
-              <a:t>3/7/2017</a:t>
+              <a:t>3/9/2017</a:t>
             </a:fld>
             <a:endParaRPr lang="en-US" dirty="0"/>
           </a:p>
@@ -3302,7 +3302,7 @@
           <a:p>
             <a:fld id="{87DE6118-2437-4B30-8E3C-4D2BE6020583}" type="datetimeFigureOut">
               <a:rPr lang="en-US" smtClean="0"/>
-              <a:t>3/7/2017</a:t>
+              <a:t>3/9/2017</a:t>
             </a:fld>
             <a:endParaRPr lang="en-US" dirty="0"/>
           </a:p>
@@ -3779,7 +3779,7 @@
           <a:p>
             <a:fld id="{87DE6118-2437-4B30-8E3C-4D2BE6020583}" type="datetimeFigureOut">
               <a:rPr lang="en-US" smtClean="0"/>
-              <a:t>3/7/2017</a:t>
+              <a:t>3/9/2017</a:t>
             </a:fld>
             <a:endParaRPr lang="en-US" dirty="0"/>
           </a:p>
@@ -3897,7 +3897,7 @@
           <a:p>
             <a:fld id="{87DE6118-2437-4B30-8E3C-4D2BE6020583}" type="datetimeFigureOut">
               <a:rPr lang="en-US" smtClean="0"/>
-              <a:t>3/7/2017</a:t>
+              <a:t>3/9/2017</a:t>
             </a:fld>
             <a:endParaRPr lang="en-US" dirty="0"/>
           </a:p>
@@ -3992,7 +3992,7 @@
           <a:p>
             <a:fld id="{87DE6118-2437-4B30-8E3C-4D2BE6020583}" type="datetimeFigureOut">
               <a:rPr lang="en-US" smtClean="0"/>
-              <a:t>3/7/2017</a:t>
+              <a:t>3/9/2017</a:t>
             </a:fld>
             <a:endParaRPr lang="en-US" dirty="0"/>
           </a:p>
@@ -4339,7 +4339,7 @@
             <a:fld id="{87DE6118-2437-4B30-8E3C-4D2BE6020583}" type="datetimeFigureOut">
               <a:rPr lang="en-US" smtClean="0"/>
               <a:pPr/>
-              <a:t>3/7/2017</a:t>
+              <a:t>3/9/2017</a:t>
             </a:fld>
             <a:endParaRPr lang="en-US" dirty="0"/>
           </a:p>
@@ -4729,7 +4729,7 @@
             <a:fld id="{87DE6118-2437-4B30-8E3C-4D2BE6020583}" type="datetimeFigureOut">
               <a:rPr lang="en-US" smtClean="0"/>
               <a:pPr/>
-              <a:t>3/7/2017</a:t>
+              <a:t>3/9/2017</a:t>
             </a:fld>
             <a:endParaRPr lang="en-US" dirty="0"/>
           </a:p>
@@ -5009,7 +5009,7 @@
             <a:fld id="{87DE6118-2437-4B30-8E3C-4D2BE6020583}" type="datetimeFigureOut">
               <a:rPr lang="en-US" smtClean="0"/>
               <a:pPr/>
-              <a:t>3/7/2017</a:t>
+              <a:t>3/9/2017</a:t>
             </a:fld>
             <a:endParaRPr lang="en-US" dirty="0"/>
           </a:p>
@@ -6420,7 +6420,7 @@
         <p:spPr/>
         <p:txBody>
           <a:bodyPr>
-            <a:normAutofit/>
+            <a:normAutofit lnSpcReduction="10000"/>
           </a:bodyPr>
           <a:lstStyle/>
           <a:p>
@@ -6482,7 +6482,9 @@
         </p:nvSpPr>
         <p:spPr/>
         <p:txBody>
-          <a:bodyPr/>
+          <a:bodyPr>
+            <a:normAutofit fontScale="92500"/>
+          </a:bodyPr>
           <a:lstStyle/>
           <a:p>
             <a:r>
@@ -6689,6 +6691,14 @@
                 </a:solidFill>
               </a:rPr>
             </a:br>
+            <a:r>
+              <a:rPr lang="bg-BG" sz="2400" dirty="0">
+                <a:solidFill>
+                  <a:srgbClr val="F8F8F8"/>
+                </a:solidFill>
+              </a:rPr>
+              <a:t/>
+            </a:r>
             <a:br>
               <a:rPr lang="bg-BG" sz="2400" dirty="0">
                 <a:solidFill>
@@ -6925,7 +6935,15 @@
           <a:bodyPr/>
           <a:lstStyle/>
           <a:p>
-            <a:endParaRPr lang="bg-BG"/>
+            <a:r>
+              <a:rPr lang="en-US" dirty="0" smtClean="0"/>
+              <a:t>e</a:t>
+            </a:r>
+            <a:r>
+              <a:rPr lang="en-US" dirty="0" smtClean="0"/>
+              <a:t>x1 and ex2</a:t>
+            </a:r>
+            <a:endParaRPr lang="bg-BG" dirty="0"/>
           </a:p>
         </p:txBody>
       </p:sp>
@@ -7237,6 +7255,10 @@
           <a:bodyPr/>
           <a:lstStyle/>
           <a:p>
+            <a:r>
+              <a:rPr lang="en-US" dirty="0" smtClean="0"/>
+              <a:t>ex3</a:t>
+            </a:r>
             <a:endParaRPr lang="bg-BG" dirty="0"/>
           </a:p>
         </p:txBody>
@@ -7486,8 +7508,8 @@
         </p:nvSpPr>
         <p:spPr>
           <a:xfrm>
-            <a:off x="5328614" y="3639669"/>
-            <a:ext cx="1196789" cy="874059"/>
+            <a:off x="5495453" y="3773496"/>
+            <a:ext cx="1029950" cy="606406"/>
           </a:xfrm>
           <a:prstGeom prst="rightArrow">
             <a:avLst/>
@@ -8729,7 +8751,11 @@
           <a:bodyPr/>
           <a:lstStyle/>
           <a:p>
-            <a:endParaRPr lang="bg-BG"/>
+            <a:r>
+              <a:rPr lang="en-US" dirty="0" smtClean="0"/>
+              <a:t>ex4</a:t>
+            </a:r>
+            <a:endParaRPr lang="bg-BG" dirty="0"/>
           </a:p>
         </p:txBody>
       </p:sp>

--- a/presentations/nodeJS.pptx
+++ b/presentations/nodeJS.pptx
@@ -220,7 +220,7 @@
           <a:p>
             <a:fld id="{40C9EC12-D619-4239-BA0B-F64B757C48A8}" type="datetimeFigureOut">
               <a:rPr lang="bg-BG" smtClean="0"/>
-              <a:t>9.3.2017 г.</a:t>
+              <a:t>10.3.2017 г.</a:t>
             </a:fld>
             <a:endParaRPr lang="bg-BG"/>
           </a:p>
@@ -1720,7 +1720,7 @@
             <a:fld id="{87DE6118-2437-4B30-8E3C-4D2BE6020583}" type="datetimeFigureOut">
               <a:rPr lang="en-US" smtClean="0"/>
               <a:pPr/>
-              <a:t>3/9/2017</a:t>
+              <a:t>3/10/2017</a:t>
             </a:fld>
             <a:endParaRPr lang="en-US" dirty="0"/>
           </a:p>
@@ -2051,7 +2051,7 @@
           <a:p>
             <a:fld id="{87DE6118-2437-4B30-8E3C-4D2BE6020583}" type="datetimeFigureOut">
               <a:rPr lang="en-US" smtClean="0"/>
-              <a:t>3/9/2017</a:t>
+              <a:t>3/10/2017</a:t>
             </a:fld>
             <a:endParaRPr lang="en-US" dirty="0"/>
           </a:p>
@@ -2230,7 +2230,7 @@
           <a:p>
             <a:fld id="{87DE6118-2437-4B30-8E3C-4D2BE6020583}" type="datetimeFigureOut">
               <a:rPr lang="en-US" smtClean="0"/>
-              <a:t>3/9/2017</a:t>
+              <a:t>3/10/2017</a:t>
             </a:fld>
             <a:endParaRPr lang="en-US" dirty="0"/>
           </a:p>
@@ -2411,7 +2411,7 @@
             <a:fld id="{87DE6118-2437-4B30-8E3C-4D2BE6020583}" type="datetimeFigureOut">
               <a:rPr lang="en-US" smtClean="0"/>
               <a:pPr/>
-              <a:t>3/9/2017</a:t>
+              <a:t>3/10/2017</a:t>
             </a:fld>
             <a:endParaRPr lang="en-US" dirty="0"/>
           </a:p>
@@ -2623,7 +2623,7 @@
           <a:p>
             <a:fld id="{87DE6118-2437-4B30-8E3C-4D2BE6020583}" type="datetimeFigureOut">
               <a:rPr lang="en-US" smtClean="0"/>
-              <a:t>3/9/2017</a:t>
+              <a:t>3/10/2017</a:t>
             </a:fld>
             <a:endParaRPr lang="en-US" dirty="0"/>
           </a:p>
@@ -2907,7 +2907,7 @@
             <a:fld id="{87DE6118-2437-4B30-8E3C-4D2BE6020583}" type="datetimeFigureOut">
               <a:rPr lang="en-US" smtClean="0"/>
               <a:pPr/>
-              <a:t>3/9/2017</a:t>
+              <a:t>3/10/2017</a:t>
             </a:fld>
             <a:endParaRPr lang="en-US" dirty="0"/>
           </a:p>
@@ -3302,7 +3302,7 @@
           <a:p>
             <a:fld id="{87DE6118-2437-4B30-8E3C-4D2BE6020583}" type="datetimeFigureOut">
               <a:rPr lang="en-US" smtClean="0"/>
-              <a:t>3/9/2017</a:t>
+              <a:t>3/10/2017</a:t>
             </a:fld>
             <a:endParaRPr lang="en-US" dirty="0"/>
           </a:p>
@@ -3779,7 +3779,7 @@
           <a:p>
             <a:fld id="{87DE6118-2437-4B30-8E3C-4D2BE6020583}" type="datetimeFigureOut">
               <a:rPr lang="en-US" smtClean="0"/>
-              <a:t>3/9/2017</a:t>
+              <a:t>3/10/2017</a:t>
             </a:fld>
             <a:endParaRPr lang="en-US" dirty="0"/>
           </a:p>
@@ -3897,7 +3897,7 @@
           <a:p>
             <a:fld id="{87DE6118-2437-4B30-8E3C-4D2BE6020583}" type="datetimeFigureOut">
               <a:rPr lang="en-US" smtClean="0"/>
-              <a:t>3/9/2017</a:t>
+              <a:t>3/10/2017</a:t>
             </a:fld>
             <a:endParaRPr lang="en-US" dirty="0"/>
           </a:p>
@@ -3992,7 +3992,7 @@
           <a:p>
             <a:fld id="{87DE6118-2437-4B30-8E3C-4D2BE6020583}" type="datetimeFigureOut">
               <a:rPr lang="en-US" smtClean="0"/>
-              <a:t>3/9/2017</a:t>
+              <a:t>3/10/2017</a:t>
             </a:fld>
             <a:endParaRPr lang="en-US" dirty="0"/>
           </a:p>
@@ -4339,7 +4339,7 @@
             <a:fld id="{87DE6118-2437-4B30-8E3C-4D2BE6020583}" type="datetimeFigureOut">
               <a:rPr lang="en-US" smtClean="0"/>
               <a:pPr/>
-              <a:t>3/9/2017</a:t>
+              <a:t>3/10/2017</a:t>
             </a:fld>
             <a:endParaRPr lang="en-US" dirty="0"/>
           </a:p>
@@ -4729,7 +4729,7 @@
             <a:fld id="{87DE6118-2437-4B30-8E3C-4D2BE6020583}" type="datetimeFigureOut">
               <a:rPr lang="en-US" smtClean="0"/>
               <a:pPr/>
-              <a:t>3/9/2017</a:t>
+              <a:t>3/10/2017</a:t>
             </a:fld>
             <a:endParaRPr lang="en-US" dirty="0"/>
           </a:p>
@@ -5009,7 +5009,7 @@
             <a:fld id="{87DE6118-2437-4B30-8E3C-4D2BE6020583}" type="datetimeFigureOut">
               <a:rPr lang="en-US" smtClean="0"/>
               <a:pPr/>
-              <a:t>3/9/2017</a:t>
+              <a:t>3/10/2017</a:t>
             </a:fld>
             <a:endParaRPr lang="en-US" dirty="0"/>
           </a:p>
@@ -5581,13 +5581,13 @@
         <p:spPr/>
         <p:txBody>
           <a:bodyPr>
-            <a:normAutofit fontScale="92500" lnSpcReduction="10000"/>
+            <a:noAutofit/>
           </a:bodyPr>
           <a:lstStyle/>
           <a:p>
             <a:pPr algn="l"/>
             <a:r>
-              <a:rPr lang="en-US" dirty="0">
+              <a:rPr lang="en-US" sz="2100" dirty="0">
                 <a:solidFill>
                   <a:schemeClr val="bg1">
                     <a:lumMod val="50000"/>
@@ -5600,7 +5600,7 @@
           <a:p>
             <a:pPr algn="l"/>
             <a:r>
-              <a:rPr lang="en-US" dirty="0">
+              <a:rPr lang="en-US" sz="2100" dirty="0">
                 <a:solidFill>
                   <a:schemeClr val="bg1">
                     <a:lumMod val="50000"/>
@@ -5613,7 +5613,7 @@
           <a:p>
             <a:pPr algn="l"/>
             <a:r>
-              <a:rPr lang="en-US" dirty="0">
+              <a:rPr lang="en-US" sz="2100" dirty="0">
                 <a:solidFill>
                   <a:schemeClr val="bg1">
                     <a:lumMod val="50000"/>
@@ -5623,7 +5623,7 @@
               <a:t>@</a:t>
             </a:r>
             <a:r>
-              <a:rPr lang="en-US" dirty="0" err="1">
+              <a:rPr lang="en-US" sz="2100" dirty="0" err="1" smtClean="0">
                 <a:solidFill>
                   <a:schemeClr val="bg1">
                     <a:lumMod val="50000"/>
@@ -5632,7 +5632,27 @@
               </a:rPr>
               <a:t>pkyurkchiev</a:t>
             </a:r>
-            <a:endParaRPr lang="bg-BG" dirty="0">
+            <a:endParaRPr lang="en-US" sz="2100" dirty="0" smtClean="0">
+              <a:solidFill>
+                <a:schemeClr val="bg1">
+                  <a:lumMod val="50000"/>
+                </a:schemeClr>
+              </a:solidFill>
+            </a:endParaRPr>
+          </a:p>
+          <a:p>
+            <a:pPr algn="l"/>
+            <a:r>
+              <a:rPr lang="en-US" sz="2100" dirty="0">
+                <a:solidFill>
+                  <a:schemeClr val="bg1">
+                    <a:lumMod val="50000"/>
+                  </a:schemeClr>
+                </a:solidFill>
+              </a:rPr>
+              <a:t>https://github.com/pkyurkchiev</a:t>
+            </a:r>
+            <a:endParaRPr lang="bg-BG" sz="2100" dirty="0">
               <a:solidFill>
                 <a:schemeClr val="bg1">
                   <a:lumMod val="50000"/>
@@ -6937,11 +6957,7 @@
           <a:p>
             <a:r>
               <a:rPr lang="en-US" dirty="0" smtClean="0"/>
-              <a:t>e</a:t>
-            </a:r>
-            <a:r>
-              <a:rPr lang="en-US" dirty="0" smtClean="0"/>
-              <a:t>x1 and ex2</a:t>
+              <a:t>ex1 and ex2</a:t>
             </a:r>
             <a:endParaRPr lang="bg-BG" dirty="0"/>
           </a:p>

--- a/presentations/nodeJS.pptx
+++ b/presentations/nodeJS.pptx
@@ -1,6 +1,6 @@
 
 <file path=ppt/presentation.xml><?xml version="1.0" encoding="utf-8"?>
-<p:presentation xmlns:a="http://schemas.openxmlformats.org/drawingml/2006/main" xmlns:r="http://schemas.openxmlformats.org/officeDocument/2006/relationships" xmlns:p="http://schemas.openxmlformats.org/presentationml/2006/main" autoCompressPictures="0">
+<p:presentation xmlns:a="http://schemas.openxmlformats.org/drawingml/2006/main" xmlns:r="http://schemas.openxmlformats.org/officeDocument/2006/relationships" xmlns:p="http://schemas.openxmlformats.org/presentationml/2006/main" embedTrueTypeFonts="1" saveSubsetFonts="1" autoCompressPictures="0">
   <p:sldMasterIdLst>
     <p:sldMasterId id="2147483660" r:id="rId1"/>
   </p:sldMasterIdLst>
@@ -35,6 +35,20 @@
   </p:sldIdLst>
   <p:sldSz cx="12192000" cy="6858000"/>
   <p:notesSz cx="6858000" cy="9144000"/>
+  <p:embeddedFontLst>
+    <p:embeddedFont>
+      <p:font typeface="Franklin Gothic Book" panose="020B0503020102020204" pitchFamily="34" charset="0"/>
+      <p:regular r:id="rId27"/>
+      <p:italic r:id="rId28"/>
+    </p:embeddedFont>
+    <p:embeddedFont>
+      <p:font typeface="Calibri" panose="020F0502020204030204" pitchFamily="34" charset="0"/>
+      <p:regular r:id="rId29"/>
+      <p:bold r:id="rId30"/>
+      <p:italic r:id="rId31"/>
+      <p:boldItalic r:id="rId32"/>
+    </p:embeddedFont>
+  </p:embeddedFontLst>
   <p:defaultTextStyle>
     <a:defPPr>
       <a:defRPr lang="en-US"/>
@@ -220,7 +234,7 @@
           <a:p>
             <a:fld id="{40C9EC12-D619-4239-BA0B-F64B757C48A8}" type="datetimeFigureOut">
               <a:rPr lang="bg-BG" smtClean="0"/>
-              <a:t>10.3.2017 г.</a:t>
+              <a:t>12.3.2017 г.</a:t>
             </a:fld>
             <a:endParaRPr lang="bg-BG"/>
           </a:p>
@@ -1720,7 +1734,7 @@
             <a:fld id="{87DE6118-2437-4B30-8E3C-4D2BE6020583}" type="datetimeFigureOut">
               <a:rPr lang="en-US" smtClean="0"/>
               <a:pPr/>
-              <a:t>3/10/2017</a:t>
+              <a:t>3/12/2017</a:t>
             </a:fld>
             <a:endParaRPr lang="en-US" dirty="0"/>
           </a:p>
@@ -2051,7 +2065,7 @@
           <a:p>
             <a:fld id="{87DE6118-2437-4B30-8E3C-4D2BE6020583}" type="datetimeFigureOut">
               <a:rPr lang="en-US" smtClean="0"/>
-              <a:t>3/10/2017</a:t>
+              <a:t>3/12/2017</a:t>
             </a:fld>
             <a:endParaRPr lang="en-US" dirty="0"/>
           </a:p>
@@ -2230,7 +2244,7 @@
           <a:p>
             <a:fld id="{87DE6118-2437-4B30-8E3C-4D2BE6020583}" type="datetimeFigureOut">
               <a:rPr lang="en-US" smtClean="0"/>
-              <a:t>3/10/2017</a:t>
+              <a:t>3/12/2017</a:t>
             </a:fld>
             <a:endParaRPr lang="en-US" dirty="0"/>
           </a:p>
@@ -2411,7 +2425,7 @@
             <a:fld id="{87DE6118-2437-4B30-8E3C-4D2BE6020583}" type="datetimeFigureOut">
               <a:rPr lang="en-US" smtClean="0"/>
               <a:pPr/>
-              <a:t>3/10/2017</a:t>
+              <a:t>3/12/2017</a:t>
             </a:fld>
             <a:endParaRPr lang="en-US" dirty="0"/>
           </a:p>
@@ -2623,7 +2637,7 @@
           <a:p>
             <a:fld id="{87DE6118-2437-4B30-8E3C-4D2BE6020583}" type="datetimeFigureOut">
               <a:rPr lang="en-US" smtClean="0"/>
-              <a:t>3/10/2017</a:t>
+              <a:t>3/12/2017</a:t>
             </a:fld>
             <a:endParaRPr lang="en-US" dirty="0"/>
           </a:p>
@@ -2907,7 +2921,7 @@
             <a:fld id="{87DE6118-2437-4B30-8E3C-4D2BE6020583}" type="datetimeFigureOut">
               <a:rPr lang="en-US" smtClean="0"/>
               <a:pPr/>
-              <a:t>3/10/2017</a:t>
+              <a:t>3/12/2017</a:t>
             </a:fld>
             <a:endParaRPr lang="en-US" dirty="0"/>
           </a:p>
@@ -3302,7 +3316,7 @@
           <a:p>
             <a:fld id="{87DE6118-2437-4B30-8E3C-4D2BE6020583}" type="datetimeFigureOut">
               <a:rPr lang="en-US" smtClean="0"/>
-              <a:t>3/10/2017</a:t>
+              <a:t>3/12/2017</a:t>
             </a:fld>
             <a:endParaRPr lang="en-US" dirty="0"/>
           </a:p>
@@ -3779,7 +3793,7 @@
           <a:p>
             <a:fld id="{87DE6118-2437-4B30-8E3C-4D2BE6020583}" type="datetimeFigureOut">
               <a:rPr lang="en-US" smtClean="0"/>
-              <a:t>3/10/2017</a:t>
+              <a:t>3/12/2017</a:t>
             </a:fld>
             <a:endParaRPr lang="en-US" dirty="0"/>
           </a:p>
@@ -3897,7 +3911,7 @@
           <a:p>
             <a:fld id="{87DE6118-2437-4B30-8E3C-4D2BE6020583}" type="datetimeFigureOut">
               <a:rPr lang="en-US" smtClean="0"/>
-              <a:t>3/10/2017</a:t>
+              <a:t>3/12/2017</a:t>
             </a:fld>
             <a:endParaRPr lang="en-US" dirty="0"/>
           </a:p>
@@ -3992,7 +4006,7 @@
           <a:p>
             <a:fld id="{87DE6118-2437-4B30-8E3C-4D2BE6020583}" type="datetimeFigureOut">
               <a:rPr lang="en-US" smtClean="0"/>
-              <a:t>3/10/2017</a:t>
+              <a:t>3/12/2017</a:t>
             </a:fld>
             <a:endParaRPr lang="en-US" dirty="0"/>
           </a:p>
@@ -4339,7 +4353,7 @@
             <a:fld id="{87DE6118-2437-4B30-8E3C-4D2BE6020583}" type="datetimeFigureOut">
               <a:rPr lang="en-US" smtClean="0"/>
               <a:pPr/>
-              <a:t>3/10/2017</a:t>
+              <a:t>3/12/2017</a:t>
             </a:fld>
             <a:endParaRPr lang="en-US" dirty="0"/>
           </a:p>
@@ -4729,7 +4743,7 @@
             <a:fld id="{87DE6118-2437-4B30-8E3C-4D2BE6020583}" type="datetimeFigureOut">
               <a:rPr lang="en-US" smtClean="0"/>
               <a:pPr/>
-              <a:t>3/10/2017</a:t>
+              <a:t>3/12/2017</a:t>
             </a:fld>
             <a:endParaRPr lang="en-US" dirty="0"/>
           </a:p>
@@ -5009,7 +5023,7 @@
             <a:fld id="{87DE6118-2437-4B30-8E3C-4D2BE6020583}" type="datetimeFigureOut">
               <a:rPr lang="en-US" smtClean="0"/>
               <a:pPr/>
-              <a:t>3/10/2017</a:t>
+              <a:t>3/12/2017</a:t>
             </a:fld>
             <a:endParaRPr lang="en-US" dirty="0"/>
           </a:p>
@@ -5623,7 +5637,7 @@
               <a:t>@</a:t>
             </a:r>
             <a:r>
-              <a:rPr lang="en-US" sz="2100" dirty="0" err="1" smtClean="0">
+              <a:rPr lang="en-US" sz="2100" dirty="0" err="1">
                 <a:solidFill>
                   <a:schemeClr val="bg1">
                     <a:lumMod val="50000"/>
@@ -5632,7 +5646,7 @@
               </a:rPr>
               <a:t>pkyurkchiev</a:t>
             </a:r>
-            <a:endParaRPr lang="en-US" sz="2100" dirty="0" smtClean="0">
+            <a:endParaRPr lang="en-US" sz="2100" dirty="0">
               <a:solidFill>
                 <a:schemeClr val="bg1">
                   <a:lumMod val="50000"/>
@@ -6440,7 +6454,7 @@
         <p:spPr/>
         <p:txBody>
           <a:bodyPr>
-            <a:normAutofit lnSpcReduction="10000"/>
+            <a:normAutofit/>
           </a:bodyPr>
           <a:lstStyle/>
           <a:p>
@@ -6503,7 +6517,7 @@
         <p:spPr/>
         <p:txBody>
           <a:bodyPr>
-            <a:normAutofit fontScale="92500"/>
+            <a:normAutofit/>
           </a:bodyPr>
           <a:lstStyle/>
           <a:p>
@@ -6711,14 +6725,6 @@
                 </a:solidFill>
               </a:rPr>
             </a:br>
-            <a:r>
-              <a:rPr lang="bg-BG" sz="2400" dirty="0">
-                <a:solidFill>
-                  <a:srgbClr val="F8F8F8"/>
-                </a:solidFill>
-              </a:rPr>
-              <a:t/>
-            </a:r>
             <a:br>
               <a:rPr lang="bg-BG" sz="2400" dirty="0">
                 <a:solidFill>
@@ -6956,7 +6962,7 @@
           <a:lstStyle/>
           <a:p>
             <a:r>
-              <a:rPr lang="en-US" dirty="0" smtClean="0"/>
+              <a:rPr lang="en-US" dirty="0"/>
               <a:t>ex1 and ex2</a:t>
             </a:r>
             <a:endParaRPr lang="bg-BG" dirty="0"/>
@@ -7272,7 +7278,7 @@
           <a:lstStyle/>
           <a:p>
             <a:r>
-              <a:rPr lang="en-US" dirty="0" smtClean="0"/>
+              <a:rPr lang="en-US" dirty="0"/>
               <a:t>ex3</a:t>
             </a:r>
             <a:endParaRPr lang="bg-BG" dirty="0"/>
@@ -8768,7 +8774,7 @@
           <a:lstStyle/>
           <a:p>
             <a:r>
-              <a:rPr lang="en-US" dirty="0" smtClean="0"/>
+              <a:rPr lang="en-US" dirty="0"/>
               <a:t>ex4</a:t>
             </a:r>
             <a:endParaRPr lang="bg-BG" dirty="0"/>

--- a/presentations/nodeJS.pptx
+++ b/presentations/nodeJS.pptx
@@ -5,7 +5,7 @@
     <p:sldMasterId id="2147483660" r:id="rId1"/>
   </p:sldMasterIdLst>
   <p:notesMasterIdLst>
-    <p:notesMasterId r:id="rId26"/>
+    <p:notesMasterId r:id="rId28"/>
   </p:notesMasterIdLst>
   <p:sldIdLst>
     <p:sldId id="256" r:id="rId2"/>
@@ -18,35 +18,37 @@
     <p:sldId id="269" r:id="rId9"/>
     <p:sldId id="276" r:id="rId10"/>
     <p:sldId id="277" r:id="rId11"/>
-    <p:sldId id="287" r:id="rId12"/>
-    <p:sldId id="278" r:id="rId13"/>
-    <p:sldId id="289" r:id="rId14"/>
-    <p:sldId id="290" r:id="rId15"/>
-    <p:sldId id="291" r:id="rId16"/>
-    <p:sldId id="281" r:id="rId17"/>
-    <p:sldId id="273" r:id="rId18"/>
-    <p:sldId id="279" r:id="rId19"/>
-    <p:sldId id="280" r:id="rId20"/>
-    <p:sldId id="283" r:id="rId21"/>
-    <p:sldId id="285" r:id="rId22"/>
-    <p:sldId id="286" r:id="rId23"/>
-    <p:sldId id="274" r:id="rId24"/>
-    <p:sldId id="282" r:id="rId25"/>
+    <p:sldId id="281" r:id="rId12"/>
+    <p:sldId id="287" r:id="rId13"/>
+    <p:sldId id="278" r:id="rId14"/>
+    <p:sldId id="289" r:id="rId15"/>
+    <p:sldId id="290" r:id="rId16"/>
+    <p:sldId id="291" r:id="rId17"/>
+    <p:sldId id="292" r:id="rId18"/>
+    <p:sldId id="273" r:id="rId19"/>
+    <p:sldId id="279" r:id="rId20"/>
+    <p:sldId id="293" r:id="rId21"/>
+    <p:sldId id="283" r:id="rId22"/>
+    <p:sldId id="285" r:id="rId23"/>
+    <p:sldId id="280" r:id="rId24"/>
+    <p:sldId id="286" r:id="rId25"/>
+    <p:sldId id="274" r:id="rId26"/>
+    <p:sldId id="282" r:id="rId27"/>
   </p:sldIdLst>
   <p:sldSz cx="12192000" cy="6858000"/>
   <p:notesSz cx="6858000" cy="9144000"/>
   <p:embeddedFontLst>
     <p:embeddedFont>
-      <p:font typeface="Franklin Gothic Book" panose="020B0503020102020204" pitchFamily="34" charset="0"/>
-      <p:regular r:id="rId27"/>
-      <p:italic r:id="rId28"/>
+      <p:font typeface="Franklin Gothic Book" panose="020B0604020202020204" charset="0"/>
+      <p:regular r:id="rId29"/>
+      <p:italic r:id="rId30"/>
     </p:embeddedFont>
     <p:embeddedFont>
       <p:font typeface="Calibri" panose="020F0502020204030204" pitchFamily="34" charset="0"/>
-      <p:regular r:id="rId29"/>
-      <p:bold r:id="rId30"/>
-      <p:italic r:id="rId31"/>
-      <p:boldItalic r:id="rId32"/>
+      <p:regular r:id="rId31"/>
+      <p:bold r:id="rId32"/>
+      <p:italic r:id="rId33"/>
+      <p:boldItalic r:id="rId34"/>
     </p:embeddedFont>
   </p:embeddedFontLst>
   <p:defaultTextStyle>
@@ -234,7 +236,7 @@
           <a:p>
             <a:fld id="{40C9EC12-D619-4239-BA0B-F64B757C48A8}" type="datetimeFigureOut">
               <a:rPr lang="bg-BG" smtClean="0"/>
-              <a:t>12.3.2017 г.</a:t>
+              <a:t>13.3.2017 г.</a:t>
             </a:fld>
             <a:endParaRPr lang="bg-BG"/>
           </a:p>
@@ -1257,7 +1259,7 @@
           <a:p>
             <a:fld id="{52B7F6F4-ECB0-4FA5-B3FD-41E3D15A4260}" type="slidenum">
               <a:rPr lang="bg-BG" smtClean="0"/>
-              <a:t>11</a:t>
+              <a:t>12</a:t>
             </a:fld>
             <a:endParaRPr lang="bg-BG"/>
           </a:p>
@@ -1377,7 +1379,7 @@
           <a:p>
             <a:fld id="{52B7F6F4-ECB0-4FA5-B3FD-41E3D15A4260}" type="slidenum">
               <a:rPr lang="bg-BG" smtClean="0"/>
-              <a:t>12</a:t>
+              <a:t>13</a:t>
             </a:fld>
             <a:endParaRPr lang="bg-BG"/>
           </a:p>
@@ -1461,7 +1463,7 @@
           <a:p>
             <a:fld id="{52B7F6F4-ECB0-4FA5-B3FD-41E3D15A4260}" type="slidenum">
               <a:rPr lang="bg-BG" smtClean="0"/>
-              <a:t>18</a:t>
+              <a:t>19</a:t>
             </a:fld>
             <a:endParaRPr lang="bg-BG"/>
           </a:p>
@@ -1545,7 +1547,7 @@
           <a:p>
             <a:fld id="{52B7F6F4-ECB0-4FA5-B3FD-41E3D15A4260}" type="slidenum">
               <a:rPr lang="bg-BG" smtClean="0"/>
-              <a:t>21</a:t>
+              <a:t>22</a:t>
             </a:fld>
             <a:endParaRPr lang="bg-BG"/>
           </a:p>
@@ -1734,7 +1736,7 @@
             <a:fld id="{87DE6118-2437-4B30-8E3C-4D2BE6020583}" type="datetimeFigureOut">
               <a:rPr lang="en-US" smtClean="0"/>
               <a:pPr/>
-              <a:t>3/12/2017</a:t>
+              <a:t>3/13/2017</a:t>
             </a:fld>
             <a:endParaRPr lang="en-US" dirty="0"/>
           </a:p>
@@ -2065,7 +2067,7 @@
           <a:p>
             <a:fld id="{87DE6118-2437-4B30-8E3C-4D2BE6020583}" type="datetimeFigureOut">
               <a:rPr lang="en-US" smtClean="0"/>
-              <a:t>3/12/2017</a:t>
+              <a:t>3/13/2017</a:t>
             </a:fld>
             <a:endParaRPr lang="en-US" dirty="0"/>
           </a:p>
@@ -2244,7 +2246,7 @@
           <a:p>
             <a:fld id="{87DE6118-2437-4B30-8E3C-4D2BE6020583}" type="datetimeFigureOut">
               <a:rPr lang="en-US" smtClean="0"/>
-              <a:t>3/12/2017</a:t>
+              <a:t>3/13/2017</a:t>
             </a:fld>
             <a:endParaRPr lang="en-US" dirty="0"/>
           </a:p>
@@ -2425,7 +2427,7 @@
             <a:fld id="{87DE6118-2437-4B30-8E3C-4D2BE6020583}" type="datetimeFigureOut">
               <a:rPr lang="en-US" smtClean="0"/>
               <a:pPr/>
-              <a:t>3/12/2017</a:t>
+              <a:t>3/13/2017</a:t>
             </a:fld>
             <a:endParaRPr lang="en-US" dirty="0"/>
           </a:p>
@@ -2637,7 +2639,7 @@
           <a:p>
             <a:fld id="{87DE6118-2437-4B30-8E3C-4D2BE6020583}" type="datetimeFigureOut">
               <a:rPr lang="en-US" smtClean="0"/>
-              <a:t>3/12/2017</a:t>
+              <a:t>3/13/2017</a:t>
             </a:fld>
             <a:endParaRPr lang="en-US" dirty="0"/>
           </a:p>
@@ -2921,7 +2923,7 @@
             <a:fld id="{87DE6118-2437-4B30-8E3C-4D2BE6020583}" type="datetimeFigureOut">
               <a:rPr lang="en-US" smtClean="0"/>
               <a:pPr/>
-              <a:t>3/12/2017</a:t>
+              <a:t>3/13/2017</a:t>
             </a:fld>
             <a:endParaRPr lang="en-US" dirty="0"/>
           </a:p>
@@ -3316,7 +3318,7 @@
           <a:p>
             <a:fld id="{87DE6118-2437-4B30-8E3C-4D2BE6020583}" type="datetimeFigureOut">
               <a:rPr lang="en-US" smtClean="0"/>
-              <a:t>3/12/2017</a:t>
+              <a:t>3/13/2017</a:t>
             </a:fld>
             <a:endParaRPr lang="en-US" dirty="0"/>
           </a:p>
@@ -3793,7 +3795,7 @@
           <a:p>
             <a:fld id="{87DE6118-2437-4B30-8E3C-4D2BE6020583}" type="datetimeFigureOut">
               <a:rPr lang="en-US" smtClean="0"/>
-              <a:t>3/12/2017</a:t>
+              <a:t>3/13/2017</a:t>
             </a:fld>
             <a:endParaRPr lang="en-US" dirty="0"/>
           </a:p>
@@ -3911,7 +3913,7 @@
           <a:p>
             <a:fld id="{87DE6118-2437-4B30-8E3C-4D2BE6020583}" type="datetimeFigureOut">
               <a:rPr lang="en-US" smtClean="0"/>
-              <a:t>3/12/2017</a:t>
+              <a:t>3/13/2017</a:t>
             </a:fld>
             <a:endParaRPr lang="en-US" dirty="0"/>
           </a:p>
@@ -4006,7 +4008,7 @@
           <a:p>
             <a:fld id="{87DE6118-2437-4B30-8E3C-4D2BE6020583}" type="datetimeFigureOut">
               <a:rPr lang="en-US" smtClean="0"/>
-              <a:t>3/12/2017</a:t>
+              <a:t>3/13/2017</a:t>
             </a:fld>
             <a:endParaRPr lang="en-US" dirty="0"/>
           </a:p>
@@ -4353,7 +4355,7 @@
             <a:fld id="{87DE6118-2437-4B30-8E3C-4D2BE6020583}" type="datetimeFigureOut">
               <a:rPr lang="en-US" smtClean="0"/>
               <a:pPr/>
-              <a:t>3/12/2017</a:t>
+              <a:t>3/13/2017</a:t>
             </a:fld>
             <a:endParaRPr lang="en-US" dirty="0"/>
           </a:p>
@@ -4743,7 +4745,7 @@
             <a:fld id="{87DE6118-2437-4B30-8E3C-4D2BE6020583}" type="datetimeFigureOut">
               <a:rPr lang="en-US" smtClean="0"/>
               <a:pPr/>
-              <a:t>3/12/2017</a:t>
+              <a:t>3/13/2017</a:t>
             </a:fld>
             <a:endParaRPr lang="en-US" dirty="0"/>
           </a:p>
@@ -5023,7 +5025,7 @@
             <a:fld id="{87DE6118-2437-4B30-8E3C-4D2BE6020583}" type="datetimeFigureOut">
               <a:rPr lang="en-US" smtClean="0"/>
               <a:pPr/>
-              <a:t>3/12/2017</a:t>
+              <a:t>3/13/2017</a:t>
             </a:fld>
             <a:endParaRPr lang="en-US" dirty="0"/>
           </a:p>
@@ -5918,6 +5920,17 @@
 <file path=ppt/slides/slide11.xml><?xml version="1.0" encoding="utf-8"?>
 <p:sld xmlns:a="http://schemas.openxmlformats.org/drawingml/2006/main" xmlns:r="http://schemas.openxmlformats.org/officeDocument/2006/relationships" xmlns:p="http://schemas.openxmlformats.org/presentationml/2006/main">
   <p:cSld>
+    <p:bg>
+      <p:bgPr>
+        <a:solidFill>
+          <a:schemeClr val="bg1">
+            <a:lumMod val="65000"/>
+            <a:lumOff val="35000"/>
+          </a:schemeClr>
+        </a:solidFill>
+        <a:effectLst/>
+      </p:bgPr>
+    </p:bg>
     <p:spTree>
       <p:nvGrpSpPr>
         <p:cNvPr id="1" name=""/>
@@ -5934,7 +5947,7 @@
       </p:grpSpPr>
       <p:sp>
         <p:nvSpPr>
-          <p:cNvPr id="2" name="Title 1"/>
+          <p:cNvPr id="5" name="Title 4"/>
           <p:cNvSpPr>
             <a:spLocks noGrp="1"/>
           </p:cNvSpPr>
@@ -5948,122 +5961,35 @@
           <a:lstStyle/>
           <a:p>
             <a:r>
-              <a:rPr lang="en-US" b="1" u="sng" dirty="0">
-                <a:solidFill>
-                  <a:schemeClr val="tx1"/>
-                </a:solidFill>
-              </a:rPr>
-              <a:t>JavaScript variables and blocks</a:t>
-            </a:r>
-            <a:endParaRPr lang="bg-BG" b="1" u="sng" dirty="0">
-              <a:solidFill>
-                <a:schemeClr val="tx1"/>
-              </a:solidFill>
-            </a:endParaRPr>
-          </a:p>
-        </p:txBody>
-      </p:sp>
-      <p:sp>
-        <p:nvSpPr>
-          <p:cNvPr id="5" name="Content Placeholder 4"/>
-          <p:cNvSpPr>
-            <a:spLocks noGrp="1"/>
-          </p:cNvSpPr>
-          <p:nvPr>
-            <p:ph idx="1"/>
+              <a:rPr lang="en-US" dirty="0"/>
+              <a:t>Demo </a:t>
+            </a:r>
+            <a:r>
+              <a:rPr lang="en-US" dirty="0" err="1"/>
+              <a:t>javascripts</a:t>
+            </a:r>
+            <a:endParaRPr lang="bg-BG" dirty="0"/>
+          </a:p>
+        </p:txBody>
+      </p:sp>
+      <p:sp>
+        <p:nvSpPr>
+          <p:cNvPr id="6" name="Text Placeholder 5"/>
+          <p:cNvSpPr>
+            <a:spLocks noGrp="1"/>
+          </p:cNvSpPr>
+          <p:nvPr>
+            <p:ph type="body" idx="1"/>
           </p:nvPr>
         </p:nvSpPr>
         <p:spPr/>
         <p:txBody>
-          <a:bodyPr>
-            <a:normAutofit/>
-          </a:bodyPr>
-          <a:lstStyle/>
-          <a:p>
-            <a:r>
-              <a:rPr lang="en-US" sz="3200" dirty="0">
-                <a:solidFill>
-                  <a:schemeClr val="tx1"/>
-                </a:solidFill>
-              </a:rPr>
-              <a:t>Function scope:</a:t>
-            </a:r>
-          </a:p>
-          <a:p>
-            <a:pPr lvl="1"/>
-            <a:r>
-              <a:rPr lang="en-US" sz="3200" dirty="0" err="1">
-                <a:solidFill>
-                  <a:schemeClr val="tx1"/>
-                </a:solidFill>
-              </a:rPr>
-              <a:t>var</a:t>
-            </a:r>
-            <a:r>
-              <a:rPr lang="en-US" sz="3200" dirty="0">
-                <a:solidFill>
-                  <a:schemeClr val="tx1"/>
-                </a:solidFill>
-              </a:rPr>
-              <a:t> a = 42;</a:t>
-            </a:r>
-          </a:p>
-          <a:p>
-            <a:r>
-              <a:rPr lang="en-US" sz="3200" dirty="0">
-                <a:solidFill>
-                  <a:schemeClr val="tx1"/>
-                </a:solidFill>
-              </a:rPr>
-              <a:t>Block scope:</a:t>
-            </a:r>
-          </a:p>
-          <a:p>
-            <a:pPr lvl="1"/>
-            <a:r>
-              <a:rPr lang="en-US" sz="3200" dirty="0">
-                <a:solidFill>
-                  <a:schemeClr val="tx1"/>
-                </a:solidFill>
-              </a:rPr>
-              <a:t>let b = 16;</a:t>
-            </a:r>
-          </a:p>
-          <a:p>
-            <a:r>
-              <a:rPr lang="en-US" sz="3200" dirty="0" err="1">
-                <a:solidFill>
-                  <a:schemeClr val="tx1"/>
-                </a:solidFill>
-              </a:rPr>
-              <a:t>Const</a:t>
-            </a:r>
-            <a:r>
-              <a:rPr lang="en-US" sz="3200" dirty="0">
-                <a:solidFill>
-                  <a:schemeClr val="tx1"/>
-                </a:solidFill>
-              </a:rPr>
-              <a:t>:</a:t>
-            </a:r>
-          </a:p>
-          <a:p>
-            <a:pPr lvl="1"/>
-            <a:r>
-              <a:rPr lang="en-US" sz="3200" dirty="0" err="1">
-                <a:solidFill>
-                  <a:schemeClr val="tx1"/>
-                </a:solidFill>
-              </a:rPr>
-              <a:t>const</a:t>
-            </a:r>
-            <a:r>
-              <a:rPr lang="en-US" sz="3200" dirty="0">
-                <a:solidFill>
-                  <a:schemeClr val="tx1"/>
-                </a:solidFill>
-              </a:rPr>
-              <a:t> AGE = 7;</a:t>
+          <a:bodyPr/>
+          <a:lstStyle/>
+          <a:p>
+            <a:r>
+              <a:rPr lang="en-US" dirty="0" smtClean="0"/>
+              <a:t>ex1</a:t>
             </a:r>
           </a:p>
         </p:txBody>
@@ -6071,7 +5997,7 @@
     </p:spTree>
     <p:extLst>
       <p:ext uri="{BB962C8B-B14F-4D97-AF65-F5344CB8AC3E}">
-        <p14:creationId xmlns:p14="http://schemas.microsoft.com/office/powerpoint/2010/main" val="941142482"/>
+        <p14:creationId xmlns:p14="http://schemas.microsoft.com/office/powerpoint/2010/main" val="1503690225"/>
       </p:ext>
     </p:extLst>
   </p:cSld>
@@ -6110,6 +6036,172 @@
         </p:nvSpPr>
         <p:spPr/>
         <p:txBody>
+          <a:bodyPr/>
+          <a:lstStyle/>
+          <a:p>
+            <a:r>
+              <a:rPr lang="en-US" b="1" u="sng" dirty="0">
+                <a:solidFill>
+                  <a:schemeClr val="tx1"/>
+                </a:solidFill>
+              </a:rPr>
+              <a:t>JavaScript variables and blocks</a:t>
+            </a:r>
+            <a:endParaRPr lang="bg-BG" b="1" u="sng" dirty="0">
+              <a:solidFill>
+                <a:schemeClr val="tx1"/>
+              </a:solidFill>
+            </a:endParaRPr>
+          </a:p>
+        </p:txBody>
+      </p:sp>
+      <p:sp>
+        <p:nvSpPr>
+          <p:cNvPr id="5" name="Content Placeholder 4"/>
+          <p:cNvSpPr>
+            <a:spLocks noGrp="1"/>
+          </p:cNvSpPr>
+          <p:nvPr>
+            <p:ph idx="1"/>
+          </p:nvPr>
+        </p:nvSpPr>
+        <p:spPr/>
+        <p:txBody>
+          <a:bodyPr>
+            <a:normAutofit/>
+          </a:bodyPr>
+          <a:lstStyle/>
+          <a:p>
+            <a:r>
+              <a:rPr lang="en-US" sz="3200" dirty="0">
+                <a:solidFill>
+                  <a:schemeClr val="tx1"/>
+                </a:solidFill>
+              </a:rPr>
+              <a:t>Function scope:</a:t>
+            </a:r>
+          </a:p>
+          <a:p>
+            <a:pPr lvl="1"/>
+            <a:r>
+              <a:rPr lang="en-US" sz="3200" dirty="0" err="1">
+                <a:solidFill>
+                  <a:schemeClr val="tx1"/>
+                </a:solidFill>
+              </a:rPr>
+              <a:t>var</a:t>
+            </a:r>
+            <a:r>
+              <a:rPr lang="en-US" sz="3200" dirty="0">
+                <a:solidFill>
+                  <a:schemeClr val="tx1"/>
+                </a:solidFill>
+              </a:rPr>
+              <a:t> a = 42;</a:t>
+            </a:r>
+          </a:p>
+          <a:p>
+            <a:r>
+              <a:rPr lang="en-US" sz="3200" dirty="0">
+                <a:solidFill>
+                  <a:schemeClr val="tx1"/>
+                </a:solidFill>
+              </a:rPr>
+              <a:t>Block scope:</a:t>
+            </a:r>
+          </a:p>
+          <a:p>
+            <a:pPr lvl="1"/>
+            <a:r>
+              <a:rPr lang="en-US" sz="3200" dirty="0">
+                <a:solidFill>
+                  <a:schemeClr val="tx1"/>
+                </a:solidFill>
+              </a:rPr>
+              <a:t>let b = 16;</a:t>
+            </a:r>
+          </a:p>
+          <a:p>
+            <a:r>
+              <a:rPr lang="en-US" sz="3200" dirty="0" err="1">
+                <a:solidFill>
+                  <a:schemeClr val="tx1"/>
+                </a:solidFill>
+              </a:rPr>
+              <a:t>Const</a:t>
+            </a:r>
+            <a:r>
+              <a:rPr lang="en-US" sz="3200" dirty="0">
+                <a:solidFill>
+                  <a:schemeClr val="tx1"/>
+                </a:solidFill>
+              </a:rPr>
+              <a:t>:</a:t>
+            </a:r>
+          </a:p>
+          <a:p>
+            <a:pPr lvl="1"/>
+            <a:r>
+              <a:rPr lang="en-US" sz="3200" dirty="0" err="1">
+                <a:solidFill>
+                  <a:schemeClr val="tx1"/>
+                </a:solidFill>
+              </a:rPr>
+              <a:t>const</a:t>
+            </a:r>
+            <a:r>
+              <a:rPr lang="en-US" sz="3200" dirty="0">
+                <a:solidFill>
+                  <a:schemeClr val="tx1"/>
+                </a:solidFill>
+              </a:rPr>
+              <a:t> AGE = 7;</a:t>
+            </a:r>
+          </a:p>
+        </p:txBody>
+      </p:sp>
+    </p:spTree>
+    <p:extLst>
+      <p:ext uri="{BB962C8B-B14F-4D97-AF65-F5344CB8AC3E}">
+        <p14:creationId xmlns:p14="http://schemas.microsoft.com/office/powerpoint/2010/main" val="941142482"/>
+      </p:ext>
+    </p:extLst>
+  </p:cSld>
+  <p:clrMapOvr>
+    <a:masterClrMapping/>
+  </p:clrMapOvr>
+</p:sld>
+</file>
+
+<file path=ppt/slides/slide13.xml><?xml version="1.0" encoding="utf-8"?>
+<p:sld xmlns:a="http://schemas.openxmlformats.org/drawingml/2006/main" xmlns:r="http://schemas.openxmlformats.org/officeDocument/2006/relationships" xmlns:p="http://schemas.openxmlformats.org/presentationml/2006/main">
+  <p:cSld>
+    <p:spTree>
+      <p:nvGrpSpPr>
+        <p:cNvPr id="1" name=""/>
+        <p:cNvGrpSpPr/>
+        <p:nvPr/>
+      </p:nvGrpSpPr>
+      <p:grpSpPr>
+        <a:xfrm>
+          <a:off x="0" y="0"/>
+          <a:ext cx="0" cy="0"/>
+          <a:chOff x="0" y="0"/>
+          <a:chExt cx="0" cy="0"/>
+        </a:xfrm>
+      </p:grpSpPr>
+      <p:sp>
+        <p:nvSpPr>
+          <p:cNvPr id="2" name="Title 1"/>
+          <p:cNvSpPr>
+            <a:spLocks noGrp="1"/>
+          </p:cNvSpPr>
+          <p:nvPr>
+            <p:ph type="title"/>
+          </p:nvPr>
+        </p:nvSpPr>
+        <p:spPr/>
+        <p:txBody>
           <a:bodyPr>
             <a:normAutofit/>
           </a:bodyPr>
@@ -6310,7 +6402,7 @@
 </p:sld>
 </file>
 
-<file path=ppt/slides/slide13.xml><?xml version="1.0" encoding="utf-8"?>
+<file path=ppt/slides/slide14.xml><?xml version="1.0" encoding="utf-8"?>
 <p:sld xmlns:a="http://schemas.openxmlformats.org/drawingml/2006/main" xmlns:r="http://schemas.openxmlformats.org/officeDocument/2006/relationships" xmlns:p="http://schemas.openxmlformats.org/presentationml/2006/main">
   <p:cSld>
     <p:bg>
@@ -6385,7 +6477,7 @@
 </p:sld>
 </file>
 
-<file path=ppt/slides/slide14.xml><?xml version="1.0" encoding="utf-8"?>
+<file path=ppt/slides/slide15.xml><?xml version="1.0" encoding="utf-8"?>
 <p:sld xmlns:a="http://schemas.openxmlformats.org/drawingml/2006/main" xmlns:r="http://schemas.openxmlformats.org/officeDocument/2006/relationships" xmlns:p="http://schemas.openxmlformats.org/presentationml/2006/main">
   <p:cSld>
     <p:bg>
@@ -6487,7 +6579,7 @@
 </p:sld>
 </file>
 
-<file path=ppt/slides/slide15.xml><?xml version="1.0" encoding="utf-8"?>
+<file path=ppt/slides/slide16.xml><?xml version="1.0" encoding="utf-8"?>
 <p:sld xmlns:a="http://schemas.openxmlformats.org/drawingml/2006/main" xmlns:r="http://schemas.openxmlformats.org/officeDocument/2006/relationships" xmlns:p="http://schemas.openxmlformats.org/presentationml/2006/main">
   <p:cSld>
     <p:spTree>
@@ -6725,6 +6817,14 @@
                 </a:solidFill>
               </a:rPr>
             </a:br>
+            <a:r>
+              <a:rPr lang="bg-BG" sz="2400" dirty="0">
+                <a:solidFill>
+                  <a:srgbClr val="F8F8F8"/>
+                </a:solidFill>
+              </a:rPr>
+              <a:t/>
+            </a:r>
             <a:br>
               <a:rPr lang="bg-BG" sz="2400" dirty="0">
                 <a:solidFill>
@@ -6891,20 +6991,9 @@
 </p:sld>
 </file>
 
-<file path=ppt/slides/slide16.xml><?xml version="1.0" encoding="utf-8"?>
+<file path=ppt/slides/slide17.xml><?xml version="1.0" encoding="utf-8"?>
 <p:sld xmlns:a="http://schemas.openxmlformats.org/drawingml/2006/main" xmlns:r="http://schemas.openxmlformats.org/officeDocument/2006/relationships" xmlns:p="http://schemas.openxmlformats.org/presentationml/2006/main">
   <p:cSld>
-    <p:bg>
-      <p:bgPr>
-        <a:solidFill>
-          <a:schemeClr val="bg1">
-            <a:lumMod val="65000"/>
-            <a:lumOff val="35000"/>
-          </a:schemeClr>
-        </a:solidFill>
-        <a:effectLst/>
-      </p:bgPr>
-    </p:bg>
     <p:spTree>
       <p:nvGrpSpPr>
         <p:cNvPr id="1" name=""/>
@@ -6963,7 +7052,11 @@
           <a:p>
             <a:r>
               <a:rPr lang="en-US" dirty="0"/>
-              <a:t>ex1 and ex2</a:t>
+              <a:t>e</a:t>
+            </a:r>
+            <a:r>
+              <a:rPr lang="en-US" dirty="0" smtClean="0"/>
+              <a:t>x2.1</a:t>
             </a:r>
             <a:endParaRPr lang="bg-BG" dirty="0"/>
           </a:p>
@@ -6972,7 +7065,7 @@
     </p:spTree>
     <p:extLst>
       <p:ext uri="{BB962C8B-B14F-4D97-AF65-F5344CB8AC3E}">
-        <p14:creationId xmlns:p14="http://schemas.microsoft.com/office/powerpoint/2010/main" val="1503690225"/>
+        <p14:creationId xmlns:p14="http://schemas.microsoft.com/office/powerpoint/2010/main" val="2895397118"/>
       </p:ext>
     </p:extLst>
   </p:cSld>
@@ -6982,7 +7075,7 @@
 </p:sld>
 </file>
 
-<file path=ppt/slides/slide17.xml><?xml version="1.0" encoding="utf-8"?>
+<file path=ppt/slides/slide18.xml><?xml version="1.0" encoding="utf-8"?>
 <p:sld xmlns:a="http://schemas.openxmlformats.org/drawingml/2006/main" xmlns:r="http://schemas.openxmlformats.org/officeDocument/2006/relationships" xmlns:p="http://schemas.openxmlformats.org/presentationml/2006/main">
   <p:cSld>
     <p:bg>
@@ -7070,141 +7163,6 @@
     <p:extLst>
       <p:ext uri="{BB962C8B-B14F-4D97-AF65-F5344CB8AC3E}">
         <p14:creationId xmlns:p14="http://schemas.microsoft.com/office/powerpoint/2010/main" val="3825447161"/>
-      </p:ext>
-    </p:extLst>
-  </p:cSld>
-  <p:clrMapOvr>
-    <a:masterClrMapping/>
-  </p:clrMapOvr>
-</p:sld>
-</file>
-
-<file path=ppt/slides/slide18.xml><?xml version="1.0" encoding="utf-8"?>
-<p:sld xmlns:a="http://schemas.openxmlformats.org/drawingml/2006/main" xmlns:r="http://schemas.openxmlformats.org/officeDocument/2006/relationships" xmlns:p="http://schemas.openxmlformats.org/presentationml/2006/main">
-  <p:cSld>
-    <p:spTree>
-      <p:nvGrpSpPr>
-        <p:cNvPr id="1" name=""/>
-        <p:cNvGrpSpPr/>
-        <p:nvPr/>
-      </p:nvGrpSpPr>
-      <p:grpSpPr>
-        <a:xfrm>
-          <a:off x="0" y="0"/>
-          <a:ext cx="0" cy="0"/>
-          <a:chOff x="0" y="0"/>
-          <a:chExt cx="0" cy="0"/>
-        </a:xfrm>
-      </p:grpSpPr>
-      <p:sp>
-        <p:nvSpPr>
-          <p:cNvPr id="2" name="Title 1"/>
-          <p:cNvSpPr>
-            <a:spLocks noGrp="1"/>
-          </p:cNvSpPr>
-          <p:nvPr>
-            <p:ph type="title"/>
-          </p:nvPr>
-        </p:nvSpPr>
-        <p:spPr/>
-        <p:txBody>
-          <a:bodyPr>
-            <a:normAutofit/>
-          </a:bodyPr>
-          <a:lstStyle/>
-          <a:p>
-            <a:r>
-              <a:rPr lang="en-US" b="1" u="sng" dirty="0">
-                <a:solidFill>
-                  <a:schemeClr val="tx1"/>
-                </a:solidFill>
-              </a:rPr>
-              <a:t>NPM console</a:t>
-            </a:r>
-            <a:endParaRPr lang="bg-BG" b="1" u="sng" dirty="0">
-              <a:solidFill>
-                <a:schemeClr val="tx1"/>
-              </a:solidFill>
-            </a:endParaRPr>
-          </a:p>
-        </p:txBody>
-      </p:sp>
-      <p:sp>
-        <p:nvSpPr>
-          <p:cNvPr id="5" name="Content Placeholder 4"/>
-          <p:cNvSpPr>
-            <a:spLocks noGrp="1"/>
-          </p:cNvSpPr>
-          <p:nvPr>
-            <p:ph idx="1"/>
-          </p:nvPr>
-        </p:nvSpPr>
-        <p:spPr/>
-        <p:txBody>
-          <a:bodyPr>
-            <a:noAutofit/>
-          </a:bodyPr>
-          <a:lstStyle/>
-          <a:p>
-            <a:r>
-              <a:rPr lang="en-GB" sz="3200" dirty="0" err="1"/>
-              <a:t>npm</a:t>
-            </a:r>
-            <a:r>
-              <a:rPr lang="en-GB" sz="3200" dirty="0"/>
-              <a:t> </a:t>
-            </a:r>
-            <a:r>
-              <a:rPr lang="en-GB" sz="3200" dirty="0" err="1"/>
-              <a:t>init</a:t>
-            </a:r>
-            <a:endParaRPr lang="en-GB" sz="3200" dirty="0"/>
-          </a:p>
-          <a:p>
-            <a:r>
-              <a:rPr lang="en-GB" sz="3200" dirty="0" err="1"/>
-              <a:t>npm</a:t>
-            </a:r>
-            <a:r>
-              <a:rPr lang="en-GB" sz="3200" dirty="0"/>
-              <a:t> install </a:t>
-            </a:r>
-            <a:r>
-              <a:rPr lang="sv-SE" sz="3200" dirty="0"/>
-              <a:t>{package} [{package}]</a:t>
-            </a:r>
-            <a:endParaRPr lang="en-GB" sz="3200" dirty="0"/>
-          </a:p>
-          <a:p>
-            <a:r>
-              <a:rPr lang="sv-SE" sz="3200" dirty="0"/>
-              <a:t>npm install {package} --save</a:t>
-            </a:r>
-            <a:endParaRPr lang="en-GB" sz="3200" dirty="0"/>
-          </a:p>
-          <a:p>
-            <a:r>
-              <a:rPr lang="sv-SE" sz="3200" dirty="0"/>
-              <a:t>npm install {package} --save-dev</a:t>
-            </a:r>
-            <a:endParaRPr lang="en-GB" sz="3200" dirty="0"/>
-          </a:p>
-          <a:p>
-            <a:r>
-              <a:rPr lang="en-GB" sz="3200" dirty="0" err="1"/>
-              <a:t>npm</a:t>
-            </a:r>
-            <a:r>
-              <a:rPr lang="en-GB" sz="3200" dirty="0"/>
-              <a:t> publish</a:t>
-            </a:r>
-          </a:p>
-        </p:txBody>
-      </p:sp>
-    </p:spTree>
-    <p:extLst>
-      <p:ext uri="{BB962C8B-B14F-4D97-AF65-F5344CB8AC3E}">
-        <p14:creationId xmlns:p14="http://schemas.microsoft.com/office/powerpoint/2010/main" val="4292913891"/>
       </p:ext>
     </p:extLst>
   </p:cSld>
@@ -7243,52 +7201,103 @@
         </p:nvSpPr>
         <p:spPr/>
         <p:txBody>
-          <a:bodyPr/>
-          <a:lstStyle/>
-          <a:p>
-            <a:r>
-              <a:rPr lang="en-US" dirty="0"/>
-              <a:t>Demo </a:t>
-            </a:r>
-            <a:r>
-              <a:rPr lang="en-US" dirty="0" err="1"/>
+          <a:bodyPr>
+            <a:normAutofit/>
+          </a:bodyPr>
+          <a:lstStyle/>
+          <a:p>
+            <a:r>
+              <a:rPr lang="en-US" b="1" u="sng" dirty="0">
+                <a:solidFill>
+                  <a:schemeClr val="tx1"/>
+                </a:solidFill>
+              </a:rPr>
+              <a:t>NPM console</a:t>
+            </a:r>
+            <a:endParaRPr lang="bg-BG" b="1" u="sng" dirty="0">
+              <a:solidFill>
+                <a:schemeClr val="tx1"/>
+              </a:solidFill>
+            </a:endParaRPr>
+          </a:p>
+        </p:txBody>
+      </p:sp>
+      <p:sp>
+        <p:nvSpPr>
+          <p:cNvPr id="5" name="Content Placeholder 4"/>
+          <p:cNvSpPr>
+            <a:spLocks noGrp="1"/>
+          </p:cNvSpPr>
+          <p:nvPr>
+            <p:ph idx="1"/>
+          </p:nvPr>
+        </p:nvSpPr>
+        <p:spPr/>
+        <p:txBody>
+          <a:bodyPr>
+            <a:noAutofit/>
+          </a:bodyPr>
+          <a:lstStyle/>
+          <a:p>
+            <a:r>
+              <a:rPr lang="en-GB" sz="3200" dirty="0" err="1"/>
               <a:t>npm</a:t>
             </a:r>
             <a:r>
-              <a:rPr lang="en-US" dirty="0"/>
+              <a:rPr lang="en-GB" sz="3200" dirty="0"/>
               <a:t> </a:t>
             </a:r>
-            <a:endParaRPr lang="bg-BG" dirty="0"/>
-          </a:p>
-        </p:txBody>
-      </p:sp>
-      <p:sp>
-        <p:nvSpPr>
-          <p:cNvPr id="4" name="Text Placeholder 3"/>
-          <p:cNvSpPr>
-            <a:spLocks noGrp="1"/>
-          </p:cNvSpPr>
-          <p:nvPr>
-            <p:ph type="body" idx="1"/>
-          </p:nvPr>
-        </p:nvSpPr>
-        <p:spPr/>
-        <p:txBody>
-          <a:bodyPr/>
-          <a:lstStyle/>
-          <a:p>
-            <a:r>
-              <a:rPr lang="en-US" dirty="0"/>
-              <a:t>ex3</a:t>
-            </a:r>
-            <a:endParaRPr lang="bg-BG" dirty="0"/>
+            <a:r>
+              <a:rPr lang="en-GB" sz="3200" dirty="0" err="1"/>
+              <a:t>init</a:t>
+            </a:r>
+            <a:endParaRPr lang="en-GB" sz="3200" dirty="0"/>
+          </a:p>
+          <a:p>
+            <a:r>
+              <a:rPr lang="en-GB" sz="3200" dirty="0" err="1"/>
+              <a:t>npm</a:t>
+            </a:r>
+            <a:r>
+              <a:rPr lang="en-GB" sz="3200" dirty="0"/>
+              <a:t> install </a:t>
+            </a:r>
+            <a:r>
+              <a:rPr lang="sv-SE" sz="3200" dirty="0"/>
+              <a:t>{package} [{package}]</a:t>
+            </a:r>
+            <a:endParaRPr lang="en-GB" sz="3200" dirty="0"/>
+          </a:p>
+          <a:p>
+            <a:r>
+              <a:rPr lang="sv-SE" sz="3200" dirty="0"/>
+              <a:t>npm install {package} --save</a:t>
+            </a:r>
+            <a:endParaRPr lang="en-GB" sz="3200" dirty="0"/>
+          </a:p>
+          <a:p>
+            <a:r>
+              <a:rPr lang="sv-SE" sz="3200" dirty="0"/>
+              <a:t>npm install {package} --save-dev</a:t>
+            </a:r>
+            <a:endParaRPr lang="en-GB" sz="3200" dirty="0"/>
+          </a:p>
+          <a:p>
+            <a:r>
+              <a:rPr lang="en-GB" sz="3200" dirty="0" err="1"/>
+              <a:t>npm</a:t>
+            </a:r>
+            <a:r>
+              <a:rPr lang="en-GB" sz="3200" dirty="0"/>
+              <a:t> publish</a:t>
+            </a:r>
           </a:p>
         </p:txBody>
       </p:sp>
     </p:spTree>
     <p:extLst>
       <p:ext uri="{BB962C8B-B14F-4D97-AF65-F5344CB8AC3E}">
-        <p14:creationId xmlns:p14="http://schemas.microsoft.com/office/powerpoint/2010/main" val="2691171274"/>
+        <p14:creationId xmlns:p14="http://schemas.microsoft.com/office/powerpoint/2010/main" val="4292913891"/>
       </p:ext>
     </p:extLst>
   </p:cSld>
@@ -7584,6 +7593,90 @@
 <file path=ppt/slides/slide20.xml><?xml version="1.0" encoding="utf-8"?>
 <p:sld xmlns:a="http://schemas.openxmlformats.org/drawingml/2006/main" xmlns:r="http://schemas.openxmlformats.org/officeDocument/2006/relationships" xmlns:p="http://schemas.openxmlformats.org/presentationml/2006/main">
   <p:cSld>
+    <p:spTree>
+      <p:nvGrpSpPr>
+        <p:cNvPr id="1" name=""/>
+        <p:cNvGrpSpPr/>
+        <p:nvPr/>
+      </p:nvGrpSpPr>
+      <p:grpSpPr>
+        <a:xfrm>
+          <a:off x="0" y="0"/>
+          <a:ext cx="0" cy="0"/>
+          <a:chOff x="0" y="0"/>
+          <a:chExt cx="0" cy="0"/>
+        </a:xfrm>
+      </p:grpSpPr>
+      <p:sp>
+        <p:nvSpPr>
+          <p:cNvPr id="5" name="Title 4"/>
+          <p:cNvSpPr>
+            <a:spLocks noGrp="1"/>
+          </p:cNvSpPr>
+          <p:nvPr>
+            <p:ph type="title"/>
+          </p:nvPr>
+        </p:nvSpPr>
+        <p:spPr/>
+        <p:txBody>
+          <a:bodyPr/>
+          <a:lstStyle/>
+          <a:p>
+            <a:r>
+              <a:rPr lang="en-US" dirty="0"/>
+              <a:t>Demo </a:t>
+            </a:r>
+            <a:r>
+              <a:rPr lang="en-US" dirty="0" err="1" smtClean="0"/>
+              <a:t>Npm</a:t>
+            </a:r>
+            <a:endParaRPr lang="bg-BG" dirty="0"/>
+          </a:p>
+        </p:txBody>
+      </p:sp>
+      <p:sp>
+        <p:nvSpPr>
+          <p:cNvPr id="6" name="Text Placeholder 5"/>
+          <p:cNvSpPr>
+            <a:spLocks noGrp="1"/>
+          </p:cNvSpPr>
+          <p:nvPr>
+            <p:ph type="body" idx="1"/>
+          </p:nvPr>
+        </p:nvSpPr>
+        <p:spPr/>
+        <p:txBody>
+          <a:bodyPr/>
+          <a:lstStyle/>
+          <a:p>
+            <a:r>
+              <a:rPr lang="en-US" dirty="0" smtClean="0"/>
+              <a:t>e</a:t>
+            </a:r>
+            <a:r>
+              <a:rPr lang="en-US" dirty="0" smtClean="0"/>
+              <a:t>x2.2</a:t>
+            </a:r>
+            <a:endParaRPr lang="bg-BG" dirty="0"/>
+          </a:p>
+        </p:txBody>
+      </p:sp>
+    </p:spTree>
+    <p:extLst>
+      <p:ext uri="{BB962C8B-B14F-4D97-AF65-F5344CB8AC3E}">
+        <p14:creationId xmlns:p14="http://schemas.microsoft.com/office/powerpoint/2010/main" val="3613389091"/>
+      </p:ext>
+    </p:extLst>
+  </p:cSld>
+  <p:clrMapOvr>
+    <a:masterClrMapping/>
+  </p:clrMapOvr>
+</p:sld>
+</file>
+
+<file path=ppt/slides/slide21.xml><?xml version="1.0" encoding="utf-8"?>
+<p:sld xmlns:a="http://schemas.openxmlformats.org/drawingml/2006/main" xmlns:r="http://schemas.openxmlformats.org/officeDocument/2006/relationships" xmlns:p="http://schemas.openxmlformats.org/presentationml/2006/main">
+  <p:cSld>
     <p:bg>
       <p:bgPr>
         <a:solidFill>
@@ -7686,7 +7779,7 @@
 </p:sld>
 </file>
 
-<file path=ppt/slides/slide21.xml><?xml version="1.0" encoding="utf-8"?>
+<file path=ppt/slides/slide22.xml><?xml version="1.0" encoding="utf-8"?>
 <p:sld xmlns:a="http://schemas.openxmlformats.org/drawingml/2006/main" xmlns:r="http://schemas.openxmlformats.org/officeDocument/2006/relationships" xmlns:p="http://schemas.openxmlformats.org/presentationml/2006/main">
   <p:cSld>
     <p:spTree>
@@ -7791,7 +7884,87 @@
 </p:sld>
 </file>
 
-<file path=ppt/slides/slide22.xml><?xml version="1.0" encoding="utf-8"?>
+<file path=ppt/slides/slide23.xml><?xml version="1.0" encoding="utf-8"?>
+<p:sld xmlns:a="http://schemas.openxmlformats.org/drawingml/2006/main" xmlns:r="http://schemas.openxmlformats.org/officeDocument/2006/relationships" xmlns:p="http://schemas.openxmlformats.org/presentationml/2006/main">
+  <p:cSld>
+    <p:spTree>
+      <p:nvGrpSpPr>
+        <p:cNvPr id="1" name=""/>
+        <p:cNvGrpSpPr/>
+        <p:nvPr/>
+      </p:nvGrpSpPr>
+      <p:grpSpPr>
+        <a:xfrm>
+          <a:off x="0" y="0"/>
+          <a:ext cx="0" cy="0"/>
+          <a:chOff x="0" y="0"/>
+          <a:chExt cx="0" cy="0"/>
+        </a:xfrm>
+      </p:grpSpPr>
+      <p:sp>
+        <p:nvSpPr>
+          <p:cNvPr id="2" name="Title 1"/>
+          <p:cNvSpPr>
+            <a:spLocks noGrp="1"/>
+          </p:cNvSpPr>
+          <p:nvPr>
+            <p:ph type="title"/>
+          </p:nvPr>
+        </p:nvSpPr>
+        <p:spPr/>
+        <p:txBody>
+          <a:bodyPr/>
+          <a:lstStyle/>
+          <a:p>
+            <a:r>
+              <a:rPr lang="en-US" dirty="0"/>
+              <a:t>Demo </a:t>
+            </a:r>
+            <a:r>
+              <a:rPr lang="en-US" dirty="0" err="1" smtClean="0"/>
+              <a:t>expressjs</a:t>
+            </a:r>
+            <a:endParaRPr lang="bg-BG" dirty="0"/>
+          </a:p>
+        </p:txBody>
+      </p:sp>
+      <p:sp>
+        <p:nvSpPr>
+          <p:cNvPr id="4" name="Text Placeholder 3"/>
+          <p:cNvSpPr>
+            <a:spLocks noGrp="1"/>
+          </p:cNvSpPr>
+          <p:nvPr>
+            <p:ph type="body" idx="1"/>
+          </p:nvPr>
+        </p:nvSpPr>
+        <p:spPr/>
+        <p:txBody>
+          <a:bodyPr/>
+          <a:lstStyle/>
+          <a:p>
+            <a:r>
+              <a:rPr lang="en-US" dirty="0"/>
+              <a:t>ex3</a:t>
+            </a:r>
+            <a:endParaRPr lang="bg-BG" dirty="0"/>
+          </a:p>
+        </p:txBody>
+      </p:sp>
+    </p:spTree>
+    <p:extLst>
+      <p:ext uri="{BB962C8B-B14F-4D97-AF65-F5344CB8AC3E}">
+        <p14:creationId xmlns:p14="http://schemas.microsoft.com/office/powerpoint/2010/main" val="2691171274"/>
+      </p:ext>
+    </p:extLst>
+  </p:cSld>
+  <p:clrMapOvr>
+    <a:masterClrMapping/>
+  </p:clrMapOvr>
+</p:sld>
+</file>
+
+<file path=ppt/slides/slide24.xml><?xml version="1.0" encoding="utf-8"?>
 <p:sld xmlns:a="http://schemas.openxmlformats.org/drawingml/2006/main" xmlns:r="http://schemas.openxmlformats.org/officeDocument/2006/relationships" xmlns:p="http://schemas.openxmlformats.org/presentationml/2006/main">
   <p:cSld>
     <p:spTree>
@@ -8581,7 +8754,7 @@
 </p:sld>
 </file>
 
-<file path=ppt/slides/slide23.xml><?xml version="1.0" encoding="utf-8"?>
+<file path=ppt/slides/slide25.xml><?xml version="1.0" encoding="utf-8"?>
 <p:sld xmlns:a="http://schemas.openxmlformats.org/drawingml/2006/main" xmlns:r="http://schemas.openxmlformats.org/officeDocument/2006/relationships" xmlns:p="http://schemas.openxmlformats.org/presentationml/2006/main">
   <p:cSld>
     <p:bg>
@@ -8718,7 +8891,7 @@
 </p:sld>
 </file>
 
-<file path=ppt/slides/slide24.xml><?xml version="1.0" encoding="utf-8"?>
+<file path=ppt/slides/slide26.xml><?xml version="1.0" encoding="utf-8"?>
 <p:sld xmlns:a="http://schemas.openxmlformats.org/drawingml/2006/main" xmlns:r="http://schemas.openxmlformats.org/officeDocument/2006/relationships" xmlns:p="http://schemas.openxmlformats.org/presentationml/2006/main">
   <p:cSld>
     <p:spTree>

--- a/presentations/nodeJS.pptx
+++ b/presentations/nodeJS.pptx
@@ -5,7 +5,7 @@
     <p:sldMasterId id="2147483660" r:id="rId1"/>
   </p:sldMasterIdLst>
   <p:notesMasterIdLst>
-    <p:notesMasterId r:id="rId28"/>
+    <p:notesMasterId r:id="rId31"/>
   </p:notesMasterIdLst>
   <p:sldIdLst>
     <p:sldId id="256" r:id="rId2"/>
@@ -25,30 +25,40 @@
     <p:sldId id="290" r:id="rId16"/>
     <p:sldId id="291" r:id="rId17"/>
     <p:sldId id="292" r:id="rId18"/>
-    <p:sldId id="273" r:id="rId19"/>
-    <p:sldId id="279" r:id="rId20"/>
-    <p:sldId id="293" r:id="rId21"/>
-    <p:sldId id="283" r:id="rId22"/>
-    <p:sldId id="285" r:id="rId23"/>
-    <p:sldId id="280" r:id="rId24"/>
-    <p:sldId id="286" r:id="rId25"/>
-    <p:sldId id="274" r:id="rId26"/>
-    <p:sldId id="282" r:id="rId27"/>
+    <p:sldId id="294" r:id="rId19"/>
+    <p:sldId id="295" r:id="rId20"/>
+    <p:sldId id="296" r:id="rId21"/>
+    <p:sldId id="273" r:id="rId22"/>
+    <p:sldId id="279" r:id="rId23"/>
+    <p:sldId id="293" r:id="rId24"/>
+    <p:sldId id="283" r:id="rId25"/>
+    <p:sldId id="285" r:id="rId26"/>
+    <p:sldId id="280" r:id="rId27"/>
+    <p:sldId id="286" r:id="rId28"/>
+    <p:sldId id="274" r:id="rId29"/>
+    <p:sldId id="282" r:id="rId30"/>
   </p:sldIdLst>
   <p:sldSz cx="12192000" cy="6858000"/>
   <p:notesSz cx="6858000" cy="9144000"/>
   <p:embeddedFontLst>
     <p:embeddedFont>
-      <p:font typeface="Franklin Gothic Book" panose="020B0604020202020204" charset="0"/>
-      <p:regular r:id="rId29"/>
-      <p:italic r:id="rId30"/>
+      <p:font typeface="Franklin Gothic Book" panose="020B0503020102020204" pitchFamily="34" charset="0"/>
+      <p:regular r:id="rId32"/>
+      <p:italic r:id="rId33"/>
+    </p:embeddedFont>
+    <p:embeddedFont>
+      <p:font typeface="Consolas" panose="020B0609020204030204" pitchFamily="49" charset="0"/>
+      <p:regular r:id="rId34"/>
+      <p:bold r:id="rId35"/>
+      <p:italic r:id="rId36"/>
+      <p:boldItalic r:id="rId37"/>
     </p:embeddedFont>
     <p:embeddedFont>
       <p:font typeface="Calibri" panose="020F0502020204030204" pitchFamily="34" charset="0"/>
-      <p:regular r:id="rId31"/>
-      <p:bold r:id="rId32"/>
-      <p:italic r:id="rId33"/>
-      <p:boldItalic r:id="rId34"/>
+      <p:regular r:id="rId38"/>
+      <p:bold r:id="rId39"/>
+      <p:italic r:id="rId40"/>
+      <p:boldItalic r:id="rId41"/>
     </p:embeddedFont>
   </p:embeddedFontLst>
   <p:defaultTextStyle>
@@ -236,7 +246,7 @@
           <a:p>
             <a:fld id="{40C9EC12-D619-4239-BA0B-F64B757C48A8}" type="datetimeFigureOut">
               <a:rPr lang="bg-BG" smtClean="0"/>
-              <a:t>13.3.2017 г.</a:t>
+              <a:t>19.3.2017 г.</a:t>
             </a:fld>
             <a:endParaRPr lang="bg-BG"/>
           </a:p>
@@ -1463,7 +1473,7 @@
           <a:p>
             <a:fld id="{52B7F6F4-ECB0-4FA5-B3FD-41E3D15A4260}" type="slidenum">
               <a:rPr lang="bg-BG" smtClean="0"/>
-              <a:t>19</a:t>
+              <a:t>22</a:t>
             </a:fld>
             <a:endParaRPr lang="bg-BG"/>
           </a:p>
@@ -1547,7 +1557,7 @@
           <a:p>
             <a:fld id="{52B7F6F4-ECB0-4FA5-B3FD-41E3D15A4260}" type="slidenum">
               <a:rPr lang="bg-BG" smtClean="0"/>
-              <a:t>22</a:t>
+              <a:t>25</a:t>
             </a:fld>
             <a:endParaRPr lang="bg-BG"/>
           </a:p>
@@ -1736,7 +1746,7 @@
             <a:fld id="{87DE6118-2437-4B30-8E3C-4D2BE6020583}" type="datetimeFigureOut">
               <a:rPr lang="en-US" smtClean="0"/>
               <a:pPr/>
-              <a:t>3/13/2017</a:t>
+              <a:t>3/19/2017</a:t>
             </a:fld>
             <a:endParaRPr lang="en-US" dirty="0"/>
           </a:p>
@@ -2067,7 +2077,7 @@
           <a:p>
             <a:fld id="{87DE6118-2437-4B30-8E3C-4D2BE6020583}" type="datetimeFigureOut">
               <a:rPr lang="en-US" smtClean="0"/>
-              <a:t>3/13/2017</a:t>
+              <a:t>3/19/2017</a:t>
             </a:fld>
             <a:endParaRPr lang="en-US" dirty="0"/>
           </a:p>
@@ -2246,7 +2256,7 @@
           <a:p>
             <a:fld id="{87DE6118-2437-4B30-8E3C-4D2BE6020583}" type="datetimeFigureOut">
               <a:rPr lang="en-US" smtClean="0"/>
-              <a:t>3/13/2017</a:t>
+              <a:t>3/19/2017</a:t>
             </a:fld>
             <a:endParaRPr lang="en-US" dirty="0"/>
           </a:p>
@@ -2427,7 +2437,7 @@
             <a:fld id="{87DE6118-2437-4B30-8E3C-4D2BE6020583}" type="datetimeFigureOut">
               <a:rPr lang="en-US" smtClean="0"/>
               <a:pPr/>
-              <a:t>3/13/2017</a:t>
+              <a:t>3/19/2017</a:t>
             </a:fld>
             <a:endParaRPr lang="en-US" dirty="0"/>
           </a:p>
@@ -2639,7 +2649,7 @@
           <a:p>
             <a:fld id="{87DE6118-2437-4B30-8E3C-4D2BE6020583}" type="datetimeFigureOut">
               <a:rPr lang="en-US" smtClean="0"/>
-              <a:t>3/13/2017</a:t>
+              <a:t>3/19/2017</a:t>
             </a:fld>
             <a:endParaRPr lang="en-US" dirty="0"/>
           </a:p>
@@ -2923,7 +2933,7 @@
             <a:fld id="{87DE6118-2437-4B30-8E3C-4D2BE6020583}" type="datetimeFigureOut">
               <a:rPr lang="en-US" smtClean="0"/>
               <a:pPr/>
-              <a:t>3/13/2017</a:t>
+              <a:t>3/19/2017</a:t>
             </a:fld>
             <a:endParaRPr lang="en-US" dirty="0"/>
           </a:p>
@@ -3318,7 +3328,7 @@
           <a:p>
             <a:fld id="{87DE6118-2437-4B30-8E3C-4D2BE6020583}" type="datetimeFigureOut">
               <a:rPr lang="en-US" smtClean="0"/>
-              <a:t>3/13/2017</a:t>
+              <a:t>3/19/2017</a:t>
             </a:fld>
             <a:endParaRPr lang="en-US" dirty="0"/>
           </a:p>
@@ -3795,7 +3805,7 @@
           <a:p>
             <a:fld id="{87DE6118-2437-4B30-8E3C-4D2BE6020583}" type="datetimeFigureOut">
               <a:rPr lang="en-US" smtClean="0"/>
-              <a:t>3/13/2017</a:t>
+              <a:t>3/19/2017</a:t>
             </a:fld>
             <a:endParaRPr lang="en-US" dirty="0"/>
           </a:p>
@@ -3913,7 +3923,7 @@
           <a:p>
             <a:fld id="{87DE6118-2437-4B30-8E3C-4D2BE6020583}" type="datetimeFigureOut">
               <a:rPr lang="en-US" smtClean="0"/>
-              <a:t>3/13/2017</a:t>
+              <a:t>3/19/2017</a:t>
             </a:fld>
             <a:endParaRPr lang="en-US" dirty="0"/>
           </a:p>
@@ -4008,7 +4018,7 @@
           <a:p>
             <a:fld id="{87DE6118-2437-4B30-8E3C-4D2BE6020583}" type="datetimeFigureOut">
               <a:rPr lang="en-US" smtClean="0"/>
-              <a:t>3/13/2017</a:t>
+              <a:t>3/19/2017</a:t>
             </a:fld>
             <a:endParaRPr lang="en-US" dirty="0"/>
           </a:p>
@@ -4355,7 +4365,7 @@
             <a:fld id="{87DE6118-2437-4B30-8E3C-4D2BE6020583}" type="datetimeFigureOut">
               <a:rPr lang="en-US" smtClean="0"/>
               <a:pPr/>
-              <a:t>3/13/2017</a:t>
+              <a:t>3/19/2017</a:t>
             </a:fld>
             <a:endParaRPr lang="en-US" dirty="0"/>
           </a:p>
@@ -4745,7 +4755,7 @@
             <a:fld id="{87DE6118-2437-4B30-8E3C-4D2BE6020583}" type="datetimeFigureOut">
               <a:rPr lang="en-US" smtClean="0"/>
               <a:pPr/>
-              <a:t>3/13/2017</a:t>
+              <a:t>3/19/2017</a:t>
             </a:fld>
             <a:endParaRPr lang="en-US" dirty="0"/>
           </a:p>
@@ -5025,7 +5035,7 @@
             <a:fld id="{87DE6118-2437-4B30-8E3C-4D2BE6020583}" type="datetimeFigureOut">
               <a:rPr lang="en-US" smtClean="0"/>
               <a:pPr/>
-              <a:t>3/13/2017</a:t>
+              <a:t>3/19/2017</a:t>
             </a:fld>
             <a:endParaRPr lang="en-US" dirty="0"/>
           </a:p>
@@ -5988,7 +5998,7 @@
           <a:lstStyle/>
           <a:p>
             <a:r>
-              <a:rPr lang="en-US" dirty="0" smtClean="0"/>
+              <a:rPr lang="en-US" dirty="0"/>
               <a:t>ex1</a:t>
             </a:r>
           </a:p>
@@ -6817,14 +6827,6 @@
                 </a:solidFill>
               </a:rPr>
             </a:br>
-            <a:r>
-              <a:rPr lang="bg-BG" sz="2400" dirty="0">
-                <a:solidFill>
-                  <a:srgbClr val="F8F8F8"/>
-                </a:solidFill>
-              </a:rPr>
-              <a:t/>
-            </a:r>
             <a:br>
               <a:rPr lang="bg-BG" sz="2400" dirty="0">
                 <a:solidFill>
@@ -7052,11 +7054,7 @@
           <a:p>
             <a:r>
               <a:rPr lang="en-US" dirty="0"/>
-              <a:t>e</a:t>
-            </a:r>
-            <a:r>
-              <a:rPr lang="en-US" dirty="0" smtClean="0"/>
-              <a:t>x2.1</a:t>
+              <a:t>ex2.1</a:t>
             </a:r>
             <a:endParaRPr lang="bg-BG" dirty="0"/>
           </a:p>
@@ -7102,7 +7100,7 @@
       </p:grpSpPr>
       <p:sp>
         <p:nvSpPr>
-          <p:cNvPr id="2" name="Title 1"/>
+          <p:cNvPr id="3" name="Title 2"/>
           <p:cNvSpPr>
             <a:spLocks noGrp="1"/>
           </p:cNvSpPr>
@@ -7116,12 +7114,20 @@
           <a:lstStyle/>
           <a:p>
             <a:r>
+              <a:rPr lang="en-US" b="1" u="sng" dirty="0" err="1">
+                <a:solidFill>
+                  <a:schemeClr val="bg1"/>
+                </a:solidFill>
+              </a:rPr>
+              <a:t>NodeJS</a:t>
+            </a:r>
+            <a:r>
               <a:rPr lang="en-US" b="1" u="sng" dirty="0">
                 <a:solidFill>
                   <a:schemeClr val="bg1"/>
                 </a:solidFill>
               </a:rPr>
-              <a:t>Node Package Manager (NPM)</a:t>
+              <a:t> Module Patterns</a:t>
             </a:r>
             <a:endParaRPr lang="bg-BG" b="1" u="sng" dirty="0">
               <a:solidFill>
@@ -7133,7 +7139,7 @@
       </p:sp>
       <p:sp>
         <p:nvSpPr>
-          <p:cNvPr id="5" name="Content Placeholder 4"/>
+          <p:cNvPr id="4" name="Content Placeholder 3"/>
           <p:cNvSpPr>
             <a:spLocks noGrp="1"/>
           </p:cNvSpPr>
@@ -7149,20 +7155,49 @@
           <a:lstStyle/>
           <a:p>
             <a:r>
+              <a:rPr lang="en-US" sz="3200" dirty="0" err="1">
+                <a:solidFill>
+                  <a:schemeClr val="bg1"/>
+                </a:solidFill>
+              </a:rPr>
+              <a:t>NodeJS</a:t>
+            </a:r>
+            <a:r>
               <a:rPr lang="en-US" sz="3200" dirty="0">
                 <a:solidFill>
                   <a:schemeClr val="bg1"/>
                 </a:solidFill>
               </a:rPr>
-              <a:t>NPM is the default package manager for the JavaScript runtime environment Node.js and allows users to consume and distribute JavaScript modules that are available on the registry.</a:t>
-            </a:r>
+              <a:t> has a simple module loading system. In </a:t>
+            </a:r>
+            <a:r>
+              <a:rPr lang="en-US" sz="3200" dirty="0" err="1">
+                <a:solidFill>
+                  <a:schemeClr val="bg1"/>
+                </a:solidFill>
+              </a:rPr>
+              <a:t>NodeJS</a:t>
+            </a:r>
+            <a:r>
+              <a:rPr lang="en-US" sz="3200" dirty="0">
+                <a:solidFill>
+                  <a:schemeClr val="bg1"/>
+                </a:solidFill>
+              </a:rPr>
+              <a:t>, files and modules are in one-to-one correspondence (each file is treated as a separate module).</a:t>
+            </a:r>
+            <a:endParaRPr lang="bg-BG" sz="3200" dirty="0">
+              <a:solidFill>
+                <a:schemeClr val="bg1"/>
+              </a:solidFill>
+            </a:endParaRPr>
           </a:p>
         </p:txBody>
       </p:sp>
     </p:spTree>
     <p:extLst>
       <p:ext uri="{BB962C8B-B14F-4D97-AF65-F5344CB8AC3E}">
-        <p14:creationId xmlns:p14="http://schemas.microsoft.com/office/powerpoint/2010/main" val="3825447161"/>
+        <p14:creationId xmlns:p14="http://schemas.microsoft.com/office/powerpoint/2010/main" val="1995977215"/>
       </p:ext>
     </p:extLst>
   </p:cSld>
@@ -7191,15 +7226,20 @@
       </p:grpSpPr>
       <p:sp>
         <p:nvSpPr>
-          <p:cNvPr id="2" name="Title 1"/>
-          <p:cNvSpPr>
-            <a:spLocks noGrp="1"/>
-          </p:cNvSpPr>
-          <p:nvPr>
-            <p:ph type="title"/>
-          </p:nvPr>
-        </p:nvSpPr>
-        <p:spPr/>
+          <p:cNvPr id="11" name="Text Placeholder 10"/>
+          <p:cNvSpPr>
+            <a:spLocks noGrp="1"/>
+          </p:cNvSpPr>
+          <p:nvPr>
+            <p:ph type="body" sz="quarter" idx="13"/>
+          </p:nvPr>
+        </p:nvSpPr>
+        <p:spPr>
+          <a:xfrm>
+            <a:off x="734292" y="5234187"/>
+            <a:ext cx="5609358" cy="574962"/>
+          </a:xfrm>
+        </p:spPr>
         <p:txBody>
           <a:bodyPr>
             <a:normAutofit/>
@@ -7207,97 +7247,599 @@
           <a:lstStyle/>
           <a:p>
             <a:r>
-              <a:rPr lang="en-US" b="1" u="sng" dirty="0">
-                <a:solidFill>
-                  <a:schemeClr val="tx1"/>
-                </a:solidFill>
-              </a:rPr>
-              <a:t>NPM console</a:t>
-            </a:r>
-            <a:endParaRPr lang="bg-BG" b="1" u="sng" dirty="0">
-              <a:solidFill>
-                <a:schemeClr val="tx1"/>
-              </a:solidFill>
-            </a:endParaRPr>
-          </a:p>
-        </p:txBody>
-      </p:sp>
-      <p:sp>
-        <p:nvSpPr>
-          <p:cNvPr id="5" name="Content Placeholder 4"/>
-          <p:cNvSpPr>
-            <a:spLocks noGrp="1"/>
-          </p:cNvSpPr>
-          <p:nvPr>
-            <p:ph idx="1"/>
+              <a:rPr lang="en-US" dirty="0"/>
+              <a:t>Module Pattern in </a:t>
+            </a:r>
+            <a:r>
+              <a:rPr lang="en-US" dirty="0" err="1"/>
+              <a:t>NodeJS</a:t>
+            </a:r>
+            <a:endParaRPr lang="bg-BG" dirty="0"/>
+          </a:p>
+        </p:txBody>
+      </p:sp>
+      <p:sp>
+        <p:nvSpPr>
+          <p:cNvPr id="4" name="Title 3"/>
+          <p:cNvSpPr>
+            <a:spLocks noGrp="1"/>
+          </p:cNvSpPr>
+          <p:nvPr>
+            <p:ph type="title"/>
           </p:nvPr>
         </p:nvSpPr>
         <p:spPr/>
         <p:txBody>
           <a:bodyPr>
-            <a:noAutofit/>
+            <a:normAutofit/>
           </a:bodyPr>
           <a:lstStyle/>
           <a:p>
             <a:r>
-              <a:rPr lang="en-GB" sz="3200" dirty="0" err="1"/>
-              <a:t>npm</a:t>
-            </a:r>
-            <a:r>
-              <a:rPr lang="en-GB" sz="3200" dirty="0"/>
-              <a:t> </a:t>
-            </a:r>
-            <a:r>
-              <a:rPr lang="en-GB" sz="3200" dirty="0" err="1"/>
-              <a:t>init</a:t>
-            </a:r>
-            <a:endParaRPr lang="en-GB" sz="3200" dirty="0"/>
-          </a:p>
-          <a:p>
-            <a:r>
-              <a:rPr lang="en-GB" sz="3200" dirty="0" err="1"/>
-              <a:t>npm</a:t>
-            </a:r>
-            <a:r>
-              <a:rPr lang="en-GB" sz="3200" dirty="0"/>
-              <a:t> install </a:t>
-            </a:r>
-            <a:r>
-              <a:rPr lang="sv-SE" sz="3200" dirty="0"/>
-              <a:t>{package} [{package}]</a:t>
-            </a:r>
-            <a:endParaRPr lang="en-GB" sz="3200" dirty="0"/>
-          </a:p>
-          <a:p>
-            <a:r>
-              <a:rPr lang="sv-SE" sz="3200" dirty="0"/>
-              <a:t>npm install {package} --save</a:t>
-            </a:r>
-            <a:endParaRPr lang="en-GB" sz="3200" dirty="0"/>
-          </a:p>
-          <a:p>
-            <a:r>
-              <a:rPr lang="sv-SE" sz="3200" dirty="0"/>
-              <a:t>npm install {package} --save-dev</a:t>
-            </a:r>
-            <a:endParaRPr lang="en-GB" sz="3200" dirty="0"/>
-          </a:p>
-          <a:p>
-            <a:r>
-              <a:rPr lang="en-GB" sz="3200" dirty="0" err="1"/>
-              <a:t>npm</a:t>
-            </a:r>
-            <a:r>
-              <a:rPr lang="en-GB" sz="3200" dirty="0"/>
-              <a:t> publish</a:t>
-            </a:r>
+              <a:rPr lang="en-US" sz="2400" dirty="0">
+                <a:solidFill>
+                  <a:srgbClr val="608B4E"/>
+                </a:solidFill>
+                <a:latin typeface="Consolas" panose="020B0609020204030204" pitchFamily="49" charset="0"/>
+              </a:rPr>
+              <a:t>//file </a:t>
+            </a:r>
+            <a:r>
+              <a:rPr lang="en-US" sz="2400" dirty="0">
+                <a:solidFill>
+                  <a:srgbClr val="CE9178"/>
+                </a:solidFill>
+                <a:latin typeface="Consolas" panose="020B0609020204030204" pitchFamily="49" charset="0"/>
+              </a:rPr>
+              <a:t>square.js</a:t>
+            </a:r>
+            <a:br>
+              <a:rPr lang="en-US" sz="2400" dirty="0">
+                <a:solidFill>
+                  <a:srgbClr val="4EC9B0"/>
+                </a:solidFill>
+                <a:latin typeface="Consolas" panose="020B0609020204030204" pitchFamily="49" charset="0"/>
+              </a:rPr>
+            </a:br>
+            <a:r>
+              <a:rPr lang="en-US" sz="2400" dirty="0" err="1">
+                <a:solidFill>
+                  <a:srgbClr val="4EC9B0"/>
+                </a:solidFill>
+                <a:latin typeface="Consolas" panose="020B0609020204030204" pitchFamily="49" charset="0"/>
+              </a:rPr>
+              <a:t>module</a:t>
+            </a:r>
+            <a:r>
+              <a:rPr lang="en-US" sz="2400" dirty="0" err="1">
+                <a:solidFill>
+                  <a:srgbClr val="D4D4D4"/>
+                </a:solidFill>
+                <a:latin typeface="Consolas" panose="020B0609020204030204" pitchFamily="49" charset="0"/>
+              </a:rPr>
+              <a:t>.</a:t>
+            </a:r>
+            <a:r>
+              <a:rPr lang="en-US" sz="2400" dirty="0" err="1">
+                <a:solidFill>
+                  <a:srgbClr val="4EC9B0"/>
+                </a:solidFill>
+                <a:latin typeface="Consolas" panose="020B0609020204030204" pitchFamily="49" charset="0"/>
+              </a:rPr>
+              <a:t>exports</a:t>
+            </a:r>
+            <a:r>
+              <a:rPr lang="en-US" sz="2400" dirty="0">
+                <a:solidFill>
+                  <a:srgbClr val="D4D4D4"/>
+                </a:solidFill>
+                <a:latin typeface="Consolas" panose="020B0609020204030204" pitchFamily="49" charset="0"/>
+              </a:rPr>
+              <a:t> = (</a:t>
+            </a:r>
+            <a:r>
+              <a:rPr lang="en-US" sz="2400" dirty="0">
+                <a:solidFill>
+                  <a:srgbClr val="9CDCFE"/>
+                </a:solidFill>
+                <a:latin typeface="Consolas" panose="020B0609020204030204" pitchFamily="49" charset="0"/>
+              </a:rPr>
+              <a:t>width</a:t>
+            </a:r>
+            <a:r>
+              <a:rPr lang="en-US" sz="2400" dirty="0">
+                <a:solidFill>
+                  <a:srgbClr val="D4D4D4"/>
+                </a:solidFill>
+                <a:latin typeface="Consolas" panose="020B0609020204030204" pitchFamily="49" charset="0"/>
+              </a:rPr>
+              <a:t>) </a:t>
+            </a:r>
+            <a:r>
+              <a:rPr lang="en-US" sz="2400" dirty="0">
+                <a:solidFill>
+                  <a:srgbClr val="569CD6"/>
+                </a:solidFill>
+                <a:latin typeface="Consolas" panose="020B0609020204030204" pitchFamily="49" charset="0"/>
+              </a:rPr>
+              <a:t>=&gt;</a:t>
+            </a:r>
+            <a:r>
+              <a:rPr lang="en-US" sz="2400" dirty="0">
+                <a:solidFill>
+                  <a:srgbClr val="D4D4D4"/>
+                </a:solidFill>
+                <a:latin typeface="Consolas" panose="020B0609020204030204" pitchFamily="49" charset="0"/>
+              </a:rPr>
+              <a:t> {</a:t>
+            </a:r>
+            <a:br>
+              <a:rPr lang="en-US" sz="2400" dirty="0">
+                <a:solidFill>
+                  <a:srgbClr val="D4D4D4"/>
+                </a:solidFill>
+                <a:latin typeface="Consolas" panose="020B0609020204030204" pitchFamily="49" charset="0"/>
+              </a:rPr>
+            </a:br>
+            <a:r>
+              <a:rPr lang="en-US" sz="2400" dirty="0">
+                <a:solidFill>
+                  <a:srgbClr val="D4D4D4"/>
+                </a:solidFill>
+                <a:latin typeface="Consolas" panose="020B0609020204030204" pitchFamily="49" charset="0"/>
+              </a:rPr>
+              <a:t>  </a:t>
+            </a:r>
+            <a:r>
+              <a:rPr lang="en-US" sz="2400" dirty="0">
+                <a:solidFill>
+                  <a:srgbClr val="C586C0"/>
+                </a:solidFill>
+                <a:latin typeface="Consolas" panose="020B0609020204030204" pitchFamily="49" charset="0"/>
+              </a:rPr>
+              <a:t>return</a:t>
+            </a:r>
+            <a:r>
+              <a:rPr lang="en-US" sz="2400" dirty="0">
+                <a:solidFill>
+                  <a:srgbClr val="D4D4D4"/>
+                </a:solidFill>
+                <a:latin typeface="Consolas" panose="020B0609020204030204" pitchFamily="49" charset="0"/>
+              </a:rPr>
+              <a:t> {</a:t>
+            </a:r>
+            <a:br>
+              <a:rPr lang="en-US" sz="2400" dirty="0">
+                <a:solidFill>
+                  <a:srgbClr val="D4D4D4"/>
+                </a:solidFill>
+                <a:latin typeface="Consolas" panose="020B0609020204030204" pitchFamily="49" charset="0"/>
+              </a:rPr>
+            </a:br>
+            <a:r>
+              <a:rPr lang="en-US" sz="2400" dirty="0">
+                <a:solidFill>
+                  <a:srgbClr val="D4D4D4"/>
+                </a:solidFill>
+                <a:latin typeface="Consolas" panose="020B0609020204030204" pitchFamily="49" charset="0"/>
+              </a:rPr>
+              <a:t>    </a:t>
+            </a:r>
+            <a:r>
+              <a:rPr lang="en-US" sz="2400" dirty="0">
+                <a:solidFill>
+                  <a:srgbClr val="9CDCFE"/>
+                </a:solidFill>
+                <a:latin typeface="Consolas" panose="020B0609020204030204" pitchFamily="49" charset="0"/>
+              </a:rPr>
+              <a:t>area:</a:t>
+            </a:r>
+            <a:r>
+              <a:rPr lang="en-US" sz="2400" dirty="0">
+                <a:solidFill>
+                  <a:srgbClr val="D4D4D4"/>
+                </a:solidFill>
+                <a:latin typeface="Consolas" panose="020B0609020204030204" pitchFamily="49" charset="0"/>
+              </a:rPr>
+              <a:t> () </a:t>
+            </a:r>
+            <a:r>
+              <a:rPr lang="en-US" sz="2400" dirty="0">
+                <a:solidFill>
+                  <a:srgbClr val="569CD6"/>
+                </a:solidFill>
+                <a:latin typeface="Consolas" panose="020B0609020204030204" pitchFamily="49" charset="0"/>
+              </a:rPr>
+              <a:t>=&gt;</a:t>
+            </a:r>
+            <a:r>
+              <a:rPr lang="en-US" sz="2400" dirty="0">
+                <a:solidFill>
+                  <a:srgbClr val="D4D4D4"/>
+                </a:solidFill>
+                <a:latin typeface="Consolas" panose="020B0609020204030204" pitchFamily="49" charset="0"/>
+              </a:rPr>
+              <a:t> </a:t>
+            </a:r>
+            <a:r>
+              <a:rPr lang="en-US" sz="2400" dirty="0">
+                <a:solidFill>
+                  <a:srgbClr val="9CDCFE"/>
+                </a:solidFill>
+                <a:latin typeface="Consolas" panose="020B0609020204030204" pitchFamily="49" charset="0"/>
+              </a:rPr>
+              <a:t>width</a:t>
+            </a:r>
+            <a:r>
+              <a:rPr lang="en-US" sz="2400" dirty="0">
+                <a:solidFill>
+                  <a:srgbClr val="D4D4D4"/>
+                </a:solidFill>
+                <a:latin typeface="Consolas" panose="020B0609020204030204" pitchFamily="49" charset="0"/>
+              </a:rPr>
+              <a:t> * </a:t>
+            </a:r>
+            <a:r>
+              <a:rPr lang="en-US" sz="2400" dirty="0">
+                <a:solidFill>
+                  <a:srgbClr val="9CDCFE"/>
+                </a:solidFill>
+                <a:latin typeface="Consolas" panose="020B0609020204030204" pitchFamily="49" charset="0"/>
+              </a:rPr>
+              <a:t>width</a:t>
+            </a:r>
+            <a:br>
+              <a:rPr lang="en-US" sz="2400" dirty="0">
+                <a:solidFill>
+                  <a:srgbClr val="D4D4D4"/>
+                </a:solidFill>
+                <a:latin typeface="Consolas" panose="020B0609020204030204" pitchFamily="49" charset="0"/>
+              </a:rPr>
+            </a:br>
+            <a:r>
+              <a:rPr lang="en-US" sz="2400" dirty="0">
+                <a:solidFill>
+                  <a:srgbClr val="D4D4D4"/>
+                </a:solidFill>
+                <a:latin typeface="Consolas" panose="020B0609020204030204" pitchFamily="49" charset="0"/>
+              </a:rPr>
+              <a:t>  };</a:t>
+            </a:r>
+            <a:br>
+              <a:rPr lang="en-US" sz="2400" dirty="0">
+                <a:solidFill>
+                  <a:srgbClr val="D4D4D4"/>
+                </a:solidFill>
+                <a:latin typeface="Consolas" panose="020B0609020204030204" pitchFamily="49" charset="0"/>
+              </a:rPr>
+            </a:br>
+            <a:r>
+              <a:rPr lang="en-US" sz="2400" dirty="0">
+                <a:solidFill>
+                  <a:srgbClr val="D4D4D4"/>
+                </a:solidFill>
+                <a:latin typeface="Consolas" panose="020B0609020204030204" pitchFamily="49" charset="0"/>
+              </a:rPr>
+              <a:t>}</a:t>
+            </a:r>
+            <a:br>
+              <a:rPr lang="en-US" sz="2400" dirty="0">
+                <a:solidFill>
+                  <a:srgbClr val="D4D4D4"/>
+                </a:solidFill>
+                <a:latin typeface="Consolas" panose="020B0609020204030204" pitchFamily="49" charset="0"/>
+              </a:rPr>
+            </a:br>
+            <a:br>
+              <a:rPr lang="en-US" sz="2400" dirty="0">
+                <a:solidFill>
+                  <a:srgbClr val="D4D4D4"/>
+                </a:solidFill>
+                <a:latin typeface="Consolas" panose="020B0609020204030204" pitchFamily="49" charset="0"/>
+              </a:rPr>
+            </a:br>
+            <a:r>
+              <a:rPr lang="en-US" sz="2400" dirty="0">
+                <a:solidFill>
+                  <a:srgbClr val="608B4E"/>
+                </a:solidFill>
+                <a:latin typeface="Consolas" panose="020B0609020204030204" pitchFamily="49" charset="0"/>
+              </a:rPr>
+              <a:t>//</a:t>
+            </a:r>
+            <a:r>
+              <a:rPr lang="en-US" sz="2400">
+                <a:solidFill>
+                  <a:srgbClr val="608B4E"/>
+                </a:solidFill>
+                <a:latin typeface="Consolas" panose="020B0609020204030204" pitchFamily="49" charset="0"/>
+              </a:rPr>
+              <a:t>file </a:t>
+            </a:r>
+            <a:r>
+              <a:rPr lang="en-US" sz="2400">
+                <a:solidFill>
+                  <a:srgbClr val="CE9178"/>
+                </a:solidFill>
+                <a:latin typeface="Consolas" panose="020B0609020204030204" pitchFamily="49" charset="0"/>
+              </a:rPr>
+              <a:t>export.</a:t>
+            </a:r>
+            <a:r>
+              <a:rPr lang="en-US" sz="2400" dirty="0">
+                <a:solidFill>
+                  <a:srgbClr val="CE9178"/>
+                </a:solidFill>
+                <a:latin typeface="Consolas" panose="020B0609020204030204" pitchFamily="49" charset="0"/>
+              </a:rPr>
+              <a:t>js</a:t>
+            </a:r>
+            <a:br>
+              <a:rPr lang="en-US" sz="2400" dirty="0">
+                <a:solidFill>
+                  <a:srgbClr val="D4D4D4"/>
+                </a:solidFill>
+                <a:latin typeface="Consolas" panose="020B0609020204030204" pitchFamily="49" charset="0"/>
+              </a:rPr>
+            </a:br>
+            <a:r>
+              <a:rPr lang="en-US" sz="2400" dirty="0" err="1">
+                <a:solidFill>
+                  <a:srgbClr val="569CD6"/>
+                </a:solidFill>
+                <a:latin typeface="Consolas" panose="020B0609020204030204" pitchFamily="49" charset="0"/>
+              </a:rPr>
+              <a:t>const</a:t>
+            </a:r>
+            <a:r>
+              <a:rPr lang="en-US" sz="2400" dirty="0">
+                <a:solidFill>
+                  <a:srgbClr val="D4D4D4"/>
+                </a:solidFill>
+                <a:latin typeface="Consolas" panose="020B0609020204030204" pitchFamily="49" charset="0"/>
+              </a:rPr>
+              <a:t> </a:t>
+            </a:r>
+            <a:r>
+              <a:rPr lang="en-US" sz="2400" dirty="0">
+                <a:solidFill>
+                  <a:srgbClr val="9CDCFE"/>
+                </a:solidFill>
+                <a:latin typeface="Consolas" panose="020B0609020204030204" pitchFamily="49" charset="0"/>
+              </a:rPr>
+              <a:t>square</a:t>
+            </a:r>
+            <a:r>
+              <a:rPr lang="en-US" sz="2400" dirty="0">
+                <a:solidFill>
+                  <a:srgbClr val="D4D4D4"/>
+                </a:solidFill>
+                <a:latin typeface="Consolas" panose="020B0609020204030204" pitchFamily="49" charset="0"/>
+              </a:rPr>
+              <a:t> = </a:t>
+            </a:r>
+            <a:r>
+              <a:rPr lang="en-US" sz="2400" dirty="0">
+                <a:solidFill>
+                  <a:srgbClr val="DCDCAA"/>
+                </a:solidFill>
+                <a:latin typeface="Consolas" panose="020B0609020204030204" pitchFamily="49" charset="0"/>
+              </a:rPr>
+              <a:t>require</a:t>
+            </a:r>
+            <a:r>
+              <a:rPr lang="en-US" sz="2400" dirty="0">
+                <a:solidFill>
+                  <a:srgbClr val="D4D4D4"/>
+                </a:solidFill>
+                <a:latin typeface="Consolas" panose="020B0609020204030204" pitchFamily="49" charset="0"/>
+              </a:rPr>
+              <a:t>(</a:t>
+            </a:r>
+            <a:r>
+              <a:rPr lang="en-US" sz="2400" dirty="0">
+                <a:solidFill>
+                  <a:srgbClr val="CE9178"/>
+                </a:solidFill>
+                <a:latin typeface="Consolas" panose="020B0609020204030204" pitchFamily="49" charset="0"/>
+              </a:rPr>
+              <a:t>'./square.js'</a:t>
+            </a:r>
+            <a:r>
+              <a:rPr lang="en-US" sz="2400" dirty="0">
+                <a:solidFill>
+                  <a:srgbClr val="D4D4D4"/>
+                </a:solidFill>
+                <a:latin typeface="Consolas" panose="020B0609020204030204" pitchFamily="49" charset="0"/>
+              </a:rPr>
+              <a:t>);</a:t>
+            </a:r>
+            <a:br>
+              <a:rPr lang="en-US" sz="2400" dirty="0">
+                <a:solidFill>
+                  <a:srgbClr val="D4D4D4"/>
+                </a:solidFill>
+                <a:latin typeface="Consolas" panose="020B0609020204030204" pitchFamily="49" charset="0"/>
+              </a:rPr>
+            </a:br>
+            <a:r>
+              <a:rPr lang="en-US" sz="2400" dirty="0" err="1">
+                <a:solidFill>
+                  <a:srgbClr val="569CD6"/>
+                </a:solidFill>
+                <a:latin typeface="Consolas" panose="020B0609020204030204" pitchFamily="49" charset="0"/>
+              </a:rPr>
+              <a:t>var</a:t>
+            </a:r>
+            <a:r>
+              <a:rPr lang="en-US" sz="2400" dirty="0">
+                <a:solidFill>
+                  <a:srgbClr val="D4D4D4"/>
+                </a:solidFill>
+                <a:latin typeface="Consolas" panose="020B0609020204030204" pitchFamily="49" charset="0"/>
+              </a:rPr>
+              <a:t> </a:t>
+            </a:r>
+            <a:r>
+              <a:rPr lang="en-US" sz="2400" dirty="0" err="1">
+                <a:solidFill>
+                  <a:srgbClr val="9CDCFE"/>
+                </a:solidFill>
+                <a:latin typeface="Consolas" panose="020B0609020204030204" pitchFamily="49" charset="0"/>
+              </a:rPr>
+              <a:t>mySquare</a:t>
+            </a:r>
+            <a:r>
+              <a:rPr lang="en-US" sz="2400" dirty="0">
+                <a:solidFill>
+                  <a:srgbClr val="D4D4D4"/>
+                </a:solidFill>
+                <a:latin typeface="Consolas" panose="020B0609020204030204" pitchFamily="49" charset="0"/>
+              </a:rPr>
+              <a:t> = </a:t>
+            </a:r>
+            <a:r>
+              <a:rPr lang="en-US" sz="2400" dirty="0">
+                <a:solidFill>
+                  <a:srgbClr val="DCDCAA"/>
+                </a:solidFill>
+                <a:latin typeface="Consolas" panose="020B0609020204030204" pitchFamily="49" charset="0"/>
+              </a:rPr>
+              <a:t>square</a:t>
+            </a:r>
+            <a:r>
+              <a:rPr lang="en-US" sz="2400" dirty="0">
+                <a:solidFill>
+                  <a:srgbClr val="D4D4D4"/>
+                </a:solidFill>
+                <a:latin typeface="Consolas" panose="020B0609020204030204" pitchFamily="49" charset="0"/>
+              </a:rPr>
+              <a:t>(</a:t>
+            </a:r>
+            <a:r>
+              <a:rPr lang="en-US" sz="2400" dirty="0">
+                <a:solidFill>
+                  <a:srgbClr val="B5CEA8"/>
+                </a:solidFill>
+                <a:latin typeface="Consolas" panose="020B0609020204030204" pitchFamily="49" charset="0"/>
+              </a:rPr>
+              <a:t>2</a:t>
+            </a:r>
+            <a:r>
+              <a:rPr lang="en-US" sz="2400" dirty="0">
+                <a:solidFill>
+                  <a:srgbClr val="D4D4D4"/>
+                </a:solidFill>
+                <a:latin typeface="Consolas" panose="020B0609020204030204" pitchFamily="49" charset="0"/>
+              </a:rPr>
+              <a:t>);</a:t>
+            </a:r>
+            <a:br>
+              <a:rPr lang="en-US" sz="2400" dirty="0">
+                <a:solidFill>
+                  <a:srgbClr val="D4D4D4"/>
+                </a:solidFill>
+                <a:latin typeface="Consolas" panose="020B0609020204030204" pitchFamily="49" charset="0"/>
+              </a:rPr>
+            </a:br>
+            <a:r>
+              <a:rPr lang="en-US" sz="2400" dirty="0">
+                <a:solidFill>
+                  <a:srgbClr val="4EC9B0"/>
+                </a:solidFill>
+                <a:latin typeface="Consolas" panose="020B0609020204030204" pitchFamily="49" charset="0"/>
+              </a:rPr>
+              <a:t>console</a:t>
+            </a:r>
+            <a:r>
+              <a:rPr lang="en-US" sz="2400" dirty="0">
+                <a:solidFill>
+                  <a:srgbClr val="D4D4D4"/>
+                </a:solidFill>
+                <a:latin typeface="Consolas" panose="020B0609020204030204" pitchFamily="49" charset="0"/>
+              </a:rPr>
+              <a:t>.</a:t>
+            </a:r>
+            <a:r>
+              <a:rPr lang="en-US" sz="2400" dirty="0">
+                <a:solidFill>
+                  <a:srgbClr val="DCDCAA"/>
+                </a:solidFill>
+                <a:latin typeface="Consolas" panose="020B0609020204030204" pitchFamily="49" charset="0"/>
+              </a:rPr>
+              <a:t>log</a:t>
+            </a:r>
+            <a:r>
+              <a:rPr lang="en-US" sz="2400" dirty="0">
+                <a:solidFill>
+                  <a:srgbClr val="D4D4D4"/>
+                </a:solidFill>
+                <a:latin typeface="Consolas" panose="020B0609020204030204" pitchFamily="49" charset="0"/>
+              </a:rPr>
+              <a:t>(</a:t>
+            </a:r>
+            <a:r>
+              <a:rPr lang="en-US" sz="2400" dirty="0">
+                <a:solidFill>
+                  <a:srgbClr val="CE9178"/>
+                </a:solidFill>
+                <a:latin typeface="Consolas" panose="020B0609020204030204" pitchFamily="49" charset="0"/>
+              </a:rPr>
+              <a:t>`The area of my square is ${</a:t>
+            </a:r>
+            <a:r>
+              <a:rPr lang="en-US" sz="2400" dirty="0" err="1">
+                <a:solidFill>
+                  <a:srgbClr val="9CDCFE"/>
+                </a:solidFill>
+                <a:latin typeface="Consolas" panose="020B0609020204030204" pitchFamily="49" charset="0"/>
+              </a:rPr>
+              <a:t>mySquare</a:t>
+            </a:r>
+            <a:r>
+              <a:rPr lang="en-US" sz="2400" dirty="0" err="1">
+                <a:solidFill>
+                  <a:srgbClr val="CE9178"/>
+                </a:solidFill>
+                <a:latin typeface="Consolas" panose="020B0609020204030204" pitchFamily="49" charset="0"/>
+              </a:rPr>
+              <a:t>.</a:t>
+            </a:r>
+            <a:r>
+              <a:rPr lang="en-US" sz="2400" dirty="0" err="1">
+                <a:solidFill>
+                  <a:srgbClr val="DCDCAA"/>
+                </a:solidFill>
+                <a:latin typeface="Consolas" panose="020B0609020204030204" pitchFamily="49" charset="0"/>
+              </a:rPr>
+              <a:t>area</a:t>
+            </a:r>
+            <a:r>
+              <a:rPr lang="en-US" sz="2400" dirty="0">
+                <a:solidFill>
+                  <a:srgbClr val="CE9178"/>
+                </a:solidFill>
+                <a:latin typeface="Consolas" panose="020B0609020204030204" pitchFamily="49" charset="0"/>
+              </a:rPr>
+              <a:t>()}`</a:t>
+            </a:r>
+            <a:r>
+              <a:rPr lang="en-US" sz="2400" dirty="0">
+                <a:solidFill>
+                  <a:srgbClr val="D4D4D4"/>
+                </a:solidFill>
+                <a:latin typeface="Consolas" panose="020B0609020204030204" pitchFamily="49" charset="0"/>
+              </a:rPr>
+              <a:t>);</a:t>
+            </a:r>
+            <a:endParaRPr lang="bg-BG" sz="2400" dirty="0"/>
           </a:p>
         </p:txBody>
       </p:sp>
     </p:spTree>
     <p:extLst>
       <p:ext uri="{BB962C8B-B14F-4D97-AF65-F5344CB8AC3E}">
-        <p14:creationId xmlns:p14="http://schemas.microsoft.com/office/powerpoint/2010/main" val="4292913891"/>
+        <p14:creationId xmlns:p14="http://schemas.microsoft.com/office/powerpoint/2010/main" val="1619042804"/>
       </p:ext>
     </p:extLst>
   </p:cSld>
@@ -7627,8 +8169,12 @@
               <a:t>Demo </a:t>
             </a:r>
             <a:r>
-              <a:rPr lang="en-US" dirty="0" err="1" smtClean="0"/>
-              <a:t>Npm</a:t>
+              <a:rPr lang="en-US" dirty="0" err="1"/>
+              <a:t>nodejs</a:t>
+            </a:r>
+            <a:r>
+              <a:rPr lang="en-US" dirty="0"/>
+              <a:t> module</a:t>
             </a:r>
             <a:endParaRPr lang="bg-BG" dirty="0"/>
           </a:p>
@@ -7649,14 +8195,6 @@
           <a:bodyPr/>
           <a:lstStyle/>
           <a:p>
-            <a:r>
-              <a:rPr lang="en-US" dirty="0" smtClean="0"/>
-              <a:t>e</a:t>
-            </a:r>
-            <a:r>
-              <a:rPr lang="en-US" dirty="0" smtClean="0"/>
-              <a:t>x2.2</a:t>
-            </a:r>
             <a:endParaRPr lang="bg-BG" dirty="0"/>
           </a:p>
         </p:txBody>
@@ -7664,7 +8202,7 @@
     </p:spTree>
     <p:extLst>
       <p:ext uri="{BB962C8B-B14F-4D97-AF65-F5344CB8AC3E}">
-        <p14:creationId xmlns:p14="http://schemas.microsoft.com/office/powerpoint/2010/main" val="3613389091"/>
+        <p14:creationId xmlns:p14="http://schemas.microsoft.com/office/powerpoint/2010/main" val="2760575077"/>
       </p:ext>
     </p:extLst>
   </p:cSld>
@@ -7715,20 +8253,12 @@
           <a:lstStyle/>
           <a:p>
             <a:r>
-              <a:rPr lang="en-US" b="1" u="sng" dirty="0" err="1">
+              <a:rPr lang="en-US" b="1" u="sng" dirty="0">
                 <a:solidFill>
                   <a:schemeClr val="bg1"/>
                 </a:solidFill>
               </a:rPr>
-              <a:t>ExpressJS</a:t>
-            </a:r>
-            <a:r>
-              <a:rPr lang="en-US" b="1" u="sng" dirty="0">
-                <a:solidFill>
-                  <a:schemeClr val="bg1"/>
-                </a:solidFill>
-              </a:rPr>
-              <a:t> package</a:t>
+              <a:t>Node Package Manager (NPM)</a:t>
             </a:r>
             <a:endParaRPr lang="bg-BG" b="1" u="sng" dirty="0">
               <a:solidFill>
@@ -7761,7 +8291,7 @@
                   <a:schemeClr val="bg1"/>
                 </a:solidFill>
               </a:rPr>
-              <a:t>Express is a minimal and flexible Node.js web application framework that provides a robust set of features to develop web and mobile applications. It facilitates the rapid development of Node based Web applications.</a:t>
+              <a:t>NPM is the default package manager for the JavaScript runtime environment Node.js and allows users to consume and distribute JavaScript modules that are available on the registry.</a:t>
             </a:r>
           </a:p>
         </p:txBody>
@@ -7769,7 +8299,7 @@
     </p:spTree>
     <p:extLst>
       <p:ext uri="{BB962C8B-B14F-4D97-AF65-F5344CB8AC3E}">
-        <p14:creationId xmlns:p14="http://schemas.microsoft.com/office/powerpoint/2010/main" val="300940235"/>
+        <p14:creationId xmlns:p14="http://schemas.microsoft.com/office/powerpoint/2010/main" val="3825447161"/>
       </p:ext>
     </p:extLst>
   </p:cSld>
@@ -7819,7 +8349,7 @@
                   <a:schemeClr val="tx1"/>
                 </a:solidFill>
               </a:rPr>
-              <a:t>What is REST?</a:t>
+              <a:t>NPM console</a:t>
             </a:r>
             <a:endParaRPr lang="bg-BG" b="1" u="sng" dirty="0">
               <a:solidFill>
@@ -7847,26 +8377,56 @@
           <a:lstStyle/>
           <a:p>
             <a:r>
-              <a:rPr lang="en-US" sz="3200" dirty="0"/>
-              <a:t>Use HTTP/HTTPS</a:t>
-            </a:r>
-          </a:p>
-          <a:p>
-            <a:r>
-              <a:rPr lang="en-US" sz="3200" dirty="0"/>
-              <a:t>Use Verbs - GET, POST, PUT, DELETE</a:t>
-            </a:r>
-          </a:p>
-          <a:p>
-            <a:r>
-              <a:rPr lang="en-US" sz="3200" dirty="0"/>
-              <a:t>Use Status codes - 200, 201, 400, 403, 404</a:t>
-            </a:r>
-          </a:p>
-          <a:p>
-            <a:r>
-              <a:rPr lang="en-US" sz="3200" dirty="0"/>
-              <a:t>Caller dictates formats – Content-Type &amp; Accept </a:t>
+              <a:rPr lang="en-GB" sz="3200" dirty="0" err="1"/>
+              <a:t>npm</a:t>
+            </a:r>
+            <a:r>
+              <a:rPr lang="en-GB" sz="3200" dirty="0"/>
+              <a:t> </a:t>
+            </a:r>
+            <a:r>
+              <a:rPr lang="en-GB" sz="3200" dirty="0" err="1"/>
+              <a:t>init</a:t>
+            </a:r>
+            <a:endParaRPr lang="en-GB" sz="3200" dirty="0"/>
+          </a:p>
+          <a:p>
+            <a:r>
+              <a:rPr lang="en-GB" sz="3200" dirty="0" err="1"/>
+              <a:t>npm</a:t>
+            </a:r>
+            <a:r>
+              <a:rPr lang="en-GB" sz="3200" dirty="0"/>
+              <a:t> install </a:t>
+            </a:r>
+            <a:r>
+              <a:rPr lang="sv-SE" sz="3200" dirty="0"/>
+              <a:t>{package} [{package}]</a:t>
+            </a:r>
+            <a:endParaRPr lang="en-GB" sz="3200" dirty="0"/>
+          </a:p>
+          <a:p>
+            <a:r>
+              <a:rPr lang="sv-SE" sz="3200" dirty="0"/>
+              <a:t>npm install {package} --save</a:t>
+            </a:r>
+            <a:endParaRPr lang="en-GB" sz="3200" dirty="0"/>
+          </a:p>
+          <a:p>
+            <a:r>
+              <a:rPr lang="sv-SE" sz="3200" dirty="0"/>
+              <a:t>npm install {package} --save-dev</a:t>
+            </a:r>
+            <a:endParaRPr lang="en-GB" sz="3200" dirty="0"/>
+          </a:p>
+          <a:p>
+            <a:r>
+              <a:rPr lang="en-GB" sz="3200" dirty="0" err="1"/>
+              <a:t>npm</a:t>
+            </a:r>
+            <a:r>
+              <a:rPr lang="en-GB" sz="3200" dirty="0"/>
+              <a:t> publish</a:t>
             </a:r>
           </a:p>
         </p:txBody>
@@ -7874,7 +8434,7 @@
     </p:spTree>
     <p:extLst>
       <p:ext uri="{BB962C8B-B14F-4D97-AF65-F5344CB8AC3E}">
-        <p14:creationId xmlns:p14="http://schemas.microsoft.com/office/powerpoint/2010/main" val="1332067026"/>
+        <p14:creationId xmlns:p14="http://schemas.microsoft.com/office/powerpoint/2010/main" val="4292913891"/>
       </p:ext>
     </p:extLst>
   </p:cSld>
@@ -7903,7 +8463,7 @@
       </p:grpSpPr>
       <p:sp>
         <p:nvSpPr>
-          <p:cNvPr id="2" name="Title 1"/>
+          <p:cNvPr id="5" name="Title 4"/>
           <p:cNvSpPr>
             <a:spLocks noGrp="1"/>
           </p:cNvSpPr>
@@ -7921,7 +8481,297 @@
               <a:t>Demo </a:t>
             </a:r>
             <a:r>
-              <a:rPr lang="en-US" dirty="0" err="1" smtClean="0"/>
+              <a:rPr lang="en-US" dirty="0" err="1"/>
+              <a:t>Npm</a:t>
+            </a:r>
+            <a:endParaRPr lang="bg-BG" dirty="0"/>
+          </a:p>
+        </p:txBody>
+      </p:sp>
+      <p:sp>
+        <p:nvSpPr>
+          <p:cNvPr id="6" name="Text Placeholder 5"/>
+          <p:cNvSpPr>
+            <a:spLocks noGrp="1"/>
+          </p:cNvSpPr>
+          <p:nvPr>
+            <p:ph type="body" idx="1"/>
+          </p:nvPr>
+        </p:nvSpPr>
+        <p:spPr/>
+        <p:txBody>
+          <a:bodyPr/>
+          <a:lstStyle/>
+          <a:p>
+            <a:r>
+              <a:rPr lang="en-US" dirty="0"/>
+              <a:t>ex2.2</a:t>
+            </a:r>
+            <a:endParaRPr lang="bg-BG" dirty="0"/>
+          </a:p>
+        </p:txBody>
+      </p:sp>
+    </p:spTree>
+    <p:extLst>
+      <p:ext uri="{BB962C8B-B14F-4D97-AF65-F5344CB8AC3E}">
+        <p14:creationId xmlns:p14="http://schemas.microsoft.com/office/powerpoint/2010/main" val="3613389091"/>
+      </p:ext>
+    </p:extLst>
+  </p:cSld>
+  <p:clrMapOvr>
+    <a:masterClrMapping/>
+  </p:clrMapOvr>
+</p:sld>
+</file>
+
+<file path=ppt/slides/slide24.xml><?xml version="1.0" encoding="utf-8"?>
+<p:sld xmlns:a="http://schemas.openxmlformats.org/drawingml/2006/main" xmlns:r="http://schemas.openxmlformats.org/officeDocument/2006/relationships" xmlns:p="http://schemas.openxmlformats.org/presentationml/2006/main">
+  <p:cSld>
+    <p:bg>
+      <p:bgPr>
+        <a:solidFill>
+          <a:srgbClr val="0070C0"/>
+        </a:solidFill>
+        <a:effectLst/>
+      </p:bgPr>
+    </p:bg>
+    <p:spTree>
+      <p:nvGrpSpPr>
+        <p:cNvPr id="1" name=""/>
+        <p:cNvGrpSpPr/>
+        <p:nvPr/>
+      </p:nvGrpSpPr>
+      <p:grpSpPr>
+        <a:xfrm>
+          <a:off x="0" y="0"/>
+          <a:ext cx="0" cy="0"/>
+          <a:chOff x="0" y="0"/>
+          <a:chExt cx="0" cy="0"/>
+        </a:xfrm>
+      </p:grpSpPr>
+      <p:sp>
+        <p:nvSpPr>
+          <p:cNvPr id="2" name="Title 1"/>
+          <p:cNvSpPr>
+            <a:spLocks noGrp="1"/>
+          </p:cNvSpPr>
+          <p:nvPr>
+            <p:ph type="title"/>
+          </p:nvPr>
+        </p:nvSpPr>
+        <p:spPr/>
+        <p:txBody>
+          <a:bodyPr/>
+          <a:lstStyle/>
+          <a:p>
+            <a:r>
+              <a:rPr lang="en-US" b="1" u="sng" dirty="0" err="1">
+                <a:solidFill>
+                  <a:schemeClr val="bg1"/>
+                </a:solidFill>
+              </a:rPr>
+              <a:t>ExpressJS</a:t>
+            </a:r>
+            <a:r>
+              <a:rPr lang="en-US" b="1" u="sng" dirty="0">
+                <a:solidFill>
+                  <a:schemeClr val="bg1"/>
+                </a:solidFill>
+              </a:rPr>
+              <a:t> package</a:t>
+            </a:r>
+            <a:endParaRPr lang="bg-BG" b="1" u="sng" dirty="0">
+              <a:solidFill>
+                <a:schemeClr val="bg1"/>
+              </a:solidFill>
+            </a:endParaRPr>
+          </a:p>
+        </p:txBody>
+      </p:sp>
+      <p:sp>
+        <p:nvSpPr>
+          <p:cNvPr id="5" name="Content Placeholder 4"/>
+          <p:cNvSpPr>
+            <a:spLocks noGrp="1"/>
+          </p:cNvSpPr>
+          <p:nvPr>
+            <p:ph idx="1"/>
+          </p:nvPr>
+        </p:nvSpPr>
+        <p:spPr/>
+        <p:txBody>
+          <a:bodyPr>
+            <a:normAutofit/>
+          </a:bodyPr>
+          <a:lstStyle/>
+          <a:p>
+            <a:r>
+              <a:rPr lang="en-US" sz="3200" dirty="0">
+                <a:solidFill>
+                  <a:schemeClr val="bg1"/>
+                </a:solidFill>
+              </a:rPr>
+              <a:t>Express is a minimal and flexible Node.js web application framework that provides a robust set of features to develop web and mobile applications. It facilitates the rapid development of Node based Web applications.</a:t>
+            </a:r>
+          </a:p>
+        </p:txBody>
+      </p:sp>
+    </p:spTree>
+    <p:extLst>
+      <p:ext uri="{BB962C8B-B14F-4D97-AF65-F5344CB8AC3E}">
+        <p14:creationId xmlns:p14="http://schemas.microsoft.com/office/powerpoint/2010/main" val="300940235"/>
+      </p:ext>
+    </p:extLst>
+  </p:cSld>
+  <p:clrMapOvr>
+    <a:masterClrMapping/>
+  </p:clrMapOvr>
+</p:sld>
+</file>
+
+<file path=ppt/slides/slide25.xml><?xml version="1.0" encoding="utf-8"?>
+<p:sld xmlns:a="http://schemas.openxmlformats.org/drawingml/2006/main" xmlns:r="http://schemas.openxmlformats.org/officeDocument/2006/relationships" xmlns:p="http://schemas.openxmlformats.org/presentationml/2006/main">
+  <p:cSld>
+    <p:spTree>
+      <p:nvGrpSpPr>
+        <p:cNvPr id="1" name=""/>
+        <p:cNvGrpSpPr/>
+        <p:nvPr/>
+      </p:nvGrpSpPr>
+      <p:grpSpPr>
+        <a:xfrm>
+          <a:off x="0" y="0"/>
+          <a:ext cx="0" cy="0"/>
+          <a:chOff x="0" y="0"/>
+          <a:chExt cx="0" cy="0"/>
+        </a:xfrm>
+      </p:grpSpPr>
+      <p:sp>
+        <p:nvSpPr>
+          <p:cNvPr id="2" name="Title 1"/>
+          <p:cNvSpPr>
+            <a:spLocks noGrp="1"/>
+          </p:cNvSpPr>
+          <p:nvPr>
+            <p:ph type="title"/>
+          </p:nvPr>
+        </p:nvSpPr>
+        <p:spPr/>
+        <p:txBody>
+          <a:bodyPr>
+            <a:normAutofit/>
+          </a:bodyPr>
+          <a:lstStyle/>
+          <a:p>
+            <a:r>
+              <a:rPr lang="en-US" b="1" u="sng" dirty="0">
+                <a:solidFill>
+                  <a:schemeClr val="tx1"/>
+                </a:solidFill>
+              </a:rPr>
+              <a:t>What is REST?</a:t>
+            </a:r>
+            <a:endParaRPr lang="bg-BG" b="1" u="sng" dirty="0">
+              <a:solidFill>
+                <a:schemeClr val="tx1"/>
+              </a:solidFill>
+            </a:endParaRPr>
+          </a:p>
+        </p:txBody>
+      </p:sp>
+      <p:sp>
+        <p:nvSpPr>
+          <p:cNvPr id="5" name="Content Placeholder 4"/>
+          <p:cNvSpPr>
+            <a:spLocks noGrp="1"/>
+          </p:cNvSpPr>
+          <p:nvPr>
+            <p:ph idx="1"/>
+          </p:nvPr>
+        </p:nvSpPr>
+        <p:spPr/>
+        <p:txBody>
+          <a:bodyPr>
+            <a:noAutofit/>
+          </a:bodyPr>
+          <a:lstStyle/>
+          <a:p>
+            <a:r>
+              <a:rPr lang="en-US" sz="3200" dirty="0"/>
+              <a:t>Use HTTP/HTTPS</a:t>
+            </a:r>
+          </a:p>
+          <a:p>
+            <a:r>
+              <a:rPr lang="en-US" sz="3200" dirty="0"/>
+              <a:t>Use Verbs - GET, POST, PUT, DELETE</a:t>
+            </a:r>
+          </a:p>
+          <a:p>
+            <a:r>
+              <a:rPr lang="en-US" sz="3200" dirty="0"/>
+              <a:t>Use Status codes - 200, 201, 400, 403, 404</a:t>
+            </a:r>
+          </a:p>
+          <a:p>
+            <a:r>
+              <a:rPr lang="en-US" sz="3200" dirty="0"/>
+              <a:t>Caller dictates formats – Content-Type &amp; Accept </a:t>
+            </a:r>
+          </a:p>
+        </p:txBody>
+      </p:sp>
+    </p:spTree>
+    <p:extLst>
+      <p:ext uri="{BB962C8B-B14F-4D97-AF65-F5344CB8AC3E}">
+        <p14:creationId xmlns:p14="http://schemas.microsoft.com/office/powerpoint/2010/main" val="1332067026"/>
+      </p:ext>
+    </p:extLst>
+  </p:cSld>
+  <p:clrMapOvr>
+    <a:masterClrMapping/>
+  </p:clrMapOvr>
+</p:sld>
+</file>
+
+<file path=ppt/slides/slide26.xml><?xml version="1.0" encoding="utf-8"?>
+<p:sld xmlns:a="http://schemas.openxmlformats.org/drawingml/2006/main" xmlns:r="http://schemas.openxmlformats.org/officeDocument/2006/relationships" xmlns:p="http://schemas.openxmlformats.org/presentationml/2006/main">
+  <p:cSld>
+    <p:spTree>
+      <p:nvGrpSpPr>
+        <p:cNvPr id="1" name=""/>
+        <p:cNvGrpSpPr/>
+        <p:nvPr/>
+      </p:nvGrpSpPr>
+      <p:grpSpPr>
+        <a:xfrm>
+          <a:off x="0" y="0"/>
+          <a:ext cx="0" cy="0"/>
+          <a:chOff x="0" y="0"/>
+          <a:chExt cx="0" cy="0"/>
+        </a:xfrm>
+      </p:grpSpPr>
+      <p:sp>
+        <p:nvSpPr>
+          <p:cNvPr id="2" name="Title 1"/>
+          <p:cNvSpPr>
+            <a:spLocks noGrp="1"/>
+          </p:cNvSpPr>
+          <p:nvPr>
+            <p:ph type="title"/>
+          </p:nvPr>
+        </p:nvSpPr>
+        <p:spPr/>
+        <p:txBody>
+          <a:bodyPr/>
+          <a:lstStyle/>
+          <a:p>
+            <a:r>
+              <a:rPr lang="en-US" dirty="0"/>
+              <a:t>Demo </a:t>
+            </a:r>
+            <a:r>
+              <a:rPr lang="en-US" dirty="0" err="1"/>
               <a:t>expressjs</a:t>
             </a:r>
             <a:endParaRPr lang="bg-BG" dirty="0"/>
@@ -7964,7 +8814,7 @@
 </p:sld>
 </file>
 
-<file path=ppt/slides/slide24.xml><?xml version="1.0" encoding="utf-8"?>
+<file path=ppt/slides/slide27.xml><?xml version="1.0" encoding="utf-8"?>
 <p:sld xmlns:a="http://schemas.openxmlformats.org/drawingml/2006/main" xmlns:r="http://schemas.openxmlformats.org/officeDocument/2006/relationships" xmlns:p="http://schemas.openxmlformats.org/presentationml/2006/main">
   <p:cSld>
     <p:spTree>
@@ -8754,7 +9604,7 @@
 </p:sld>
 </file>
 
-<file path=ppt/slides/slide25.xml><?xml version="1.0" encoding="utf-8"?>
+<file path=ppt/slides/slide28.xml><?xml version="1.0" encoding="utf-8"?>
 <p:sld xmlns:a="http://schemas.openxmlformats.org/drawingml/2006/main" xmlns:r="http://schemas.openxmlformats.org/officeDocument/2006/relationships" xmlns:p="http://schemas.openxmlformats.org/presentationml/2006/main">
   <p:cSld>
     <p:bg>
@@ -8891,7 +9741,7 @@
 </p:sld>
 </file>
 
-<file path=ppt/slides/slide26.xml><?xml version="1.0" encoding="utf-8"?>
+<file path=ppt/slides/slide29.xml><?xml version="1.0" encoding="utf-8"?>
 <p:sld xmlns:a="http://schemas.openxmlformats.org/drawingml/2006/main" xmlns:r="http://schemas.openxmlformats.org/officeDocument/2006/relationships" xmlns:p="http://schemas.openxmlformats.org/presentationml/2006/main">
   <p:cSld>
     <p:spTree>

--- a/presentations/nodeJS.pptx
+++ b/presentations/nodeJS.pptx
@@ -42,23 +42,23 @@
   <p:notesSz cx="6858000" cy="9144000"/>
   <p:embeddedFontLst>
     <p:embeddedFont>
-      <p:font typeface="Franklin Gothic Book" panose="020B0503020102020204" pitchFamily="34" charset="0"/>
+      <p:font typeface="Consolas" panose="020B0609020204030204" pitchFamily="49" charset="0"/>
       <p:regular r:id="rId32"/>
-      <p:italic r:id="rId33"/>
-    </p:embeddedFont>
-    <p:embeddedFont>
-      <p:font typeface="Consolas" panose="020B0609020204030204" pitchFamily="49" charset="0"/>
-      <p:regular r:id="rId34"/>
-      <p:bold r:id="rId35"/>
-      <p:italic r:id="rId36"/>
-      <p:boldItalic r:id="rId37"/>
+      <p:bold r:id="rId33"/>
+      <p:italic r:id="rId34"/>
+      <p:boldItalic r:id="rId35"/>
     </p:embeddedFont>
     <p:embeddedFont>
       <p:font typeface="Calibri" panose="020F0502020204030204" pitchFamily="34" charset="0"/>
-      <p:regular r:id="rId38"/>
-      <p:bold r:id="rId39"/>
-      <p:italic r:id="rId40"/>
-      <p:boldItalic r:id="rId41"/>
+      <p:regular r:id="rId36"/>
+      <p:bold r:id="rId37"/>
+      <p:italic r:id="rId38"/>
+      <p:boldItalic r:id="rId39"/>
+    </p:embeddedFont>
+    <p:embeddedFont>
+      <p:font typeface="Franklin Gothic Book" panose="020B0604020202020204" charset="0"/>
+      <p:regular r:id="rId40"/>
+      <p:italic r:id="rId41"/>
     </p:embeddedFont>
   </p:embeddedFontLst>
   <p:defaultTextStyle>
@@ -246,7 +246,7 @@
           <a:p>
             <a:fld id="{40C9EC12-D619-4239-BA0B-F64B757C48A8}" type="datetimeFigureOut">
               <a:rPr lang="bg-BG" smtClean="0"/>
-              <a:t>19.3.2017 г.</a:t>
+              <a:t>21.3.2017 г.</a:t>
             </a:fld>
             <a:endParaRPr lang="bg-BG"/>
           </a:p>
@@ -1746,7 +1746,7 @@
             <a:fld id="{87DE6118-2437-4B30-8E3C-4D2BE6020583}" type="datetimeFigureOut">
               <a:rPr lang="en-US" smtClean="0"/>
               <a:pPr/>
-              <a:t>3/19/2017</a:t>
+              <a:t>3/21/2017</a:t>
             </a:fld>
             <a:endParaRPr lang="en-US" dirty="0"/>
           </a:p>
@@ -2077,7 +2077,7 @@
           <a:p>
             <a:fld id="{87DE6118-2437-4B30-8E3C-4D2BE6020583}" type="datetimeFigureOut">
               <a:rPr lang="en-US" smtClean="0"/>
-              <a:t>3/19/2017</a:t>
+              <a:t>3/21/2017</a:t>
             </a:fld>
             <a:endParaRPr lang="en-US" dirty="0"/>
           </a:p>
@@ -2256,7 +2256,7 @@
           <a:p>
             <a:fld id="{87DE6118-2437-4B30-8E3C-4D2BE6020583}" type="datetimeFigureOut">
               <a:rPr lang="en-US" smtClean="0"/>
-              <a:t>3/19/2017</a:t>
+              <a:t>3/21/2017</a:t>
             </a:fld>
             <a:endParaRPr lang="en-US" dirty="0"/>
           </a:p>
@@ -2437,7 +2437,7 @@
             <a:fld id="{87DE6118-2437-4B30-8E3C-4D2BE6020583}" type="datetimeFigureOut">
               <a:rPr lang="en-US" smtClean="0"/>
               <a:pPr/>
-              <a:t>3/19/2017</a:t>
+              <a:t>3/21/2017</a:t>
             </a:fld>
             <a:endParaRPr lang="en-US" dirty="0"/>
           </a:p>
@@ -2649,7 +2649,7 @@
           <a:p>
             <a:fld id="{87DE6118-2437-4B30-8E3C-4D2BE6020583}" type="datetimeFigureOut">
               <a:rPr lang="en-US" smtClean="0"/>
-              <a:t>3/19/2017</a:t>
+              <a:t>3/21/2017</a:t>
             </a:fld>
             <a:endParaRPr lang="en-US" dirty="0"/>
           </a:p>
@@ -2933,7 +2933,7 @@
             <a:fld id="{87DE6118-2437-4B30-8E3C-4D2BE6020583}" type="datetimeFigureOut">
               <a:rPr lang="en-US" smtClean="0"/>
               <a:pPr/>
-              <a:t>3/19/2017</a:t>
+              <a:t>3/21/2017</a:t>
             </a:fld>
             <a:endParaRPr lang="en-US" dirty="0"/>
           </a:p>
@@ -3328,7 +3328,7 @@
           <a:p>
             <a:fld id="{87DE6118-2437-4B30-8E3C-4D2BE6020583}" type="datetimeFigureOut">
               <a:rPr lang="en-US" smtClean="0"/>
-              <a:t>3/19/2017</a:t>
+              <a:t>3/21/2017</a:t>
             </a:fld>
             <a:endParaRPr lang="en-US" dirty="0"/>
           </a:p>
@@ -3805,7 +3805,7 @@
           <a:p>
             <a:fld id="{87DE6118-2437-4B30-8E3C-4D2BE6020583}" type="datetimeFigureOut">
               <a:rPr lang="en-US" smtClean="0"/>
-              <a:t>3/19/2017</a:t>
+              <a:t>3/21/2017</a:t>
             </a:fld>
             <a:endParaRPr lang="en-US" dirty="0"/>
           </a:p>
@@ -3923,7 +3923,7 @@
           <a:p>
             <a:fld id="{87DE6118-2437-4B30-8E3C-4D2BE6020583}" type="datetimeFigureOut">
               <a:rPr lang="en-US" smtClean="0"/>
-              <a:t>3/19/2017</a:t>
+              <a:t>3/21/2017</a:t>
             </a:fld>
             <a:endParaRPr lang="en-US" dirty="0"/>
           </a:p>
@@ -4018,7 +4018,7 @@
           <a:p>
             <a:fld id="{87DE6118-2437-4B30-8E3C-4D2BE6020583}" type="datetimeFigureOut">
               <a:rPr lang="en-US" smtClean="0"/>
-              <a:t>3/19/2017</a:t>
+              <a:t>3/21/2017</a:t>
             </a:fld>
             <a:endParaRPr lang="en-US" dirty="0"/>
           </a:p>
@@ -4365,7 +4365,7 @@
             <a:fld id="{87DE6118-2437-4B30-8E3C-4D2BE6020583}" type="datetimeFigureOut">
               <a:rPr lang="en-US" smtClean="0"/>
               <a:pPr/>
-              <a:t>3/19/2017</a:t>
+              <a:t>3/21/2017</a:t>
             </a:fld>
             <a:endParaRPr lang="en-US" dirty="0"/>
           </a:p>
@@ -4755,7 +4755,7 @@
             <a:fld id="{87DE6118-2437-4B30-8E3C-4D2BE6020583}" type="datetimeFigureOut">
               <a:rPr lang="en-US" smtClean="0"/>
               <a:pPr/>
-              <a:t>3/19/2017</a:t>
+              <a:t>3/21/2017</a:t>
             </a:fld>
             <a:endParaRPr lang="en-US" dirty="0"/>
           </a:p>
@@ -5035,7 +5035,7 @@
             <a:fld id="{87DE6118-2437-4B30-8E3C-4D2BE6020583}" type="datetimeFigureOut">
               <a:rPr lang="en-US" smtClean="0"/>
               <a:pPr/>
-              <a:t>3/19/2017</a:t>
+              <a:t>3/21/2017</a:t>
             </a:fld>
             <a:endParaRPr lang="en-US" dirty="0"/>
           </a:p>
@@ -6827,6 +6827,14 @@
                 </a:solidFill>
               </a:rPr>
             </a:br>
+            <a:r>
+              <a:rPr lang="bg-BG" sz="2400" dirty="0">
+                <a:solidFill>
+                  <a:srgbClr val="F8F8F8"/>
+                </a:solidFill>
+              </a:rPr>
+              <a:t/>
+            </a:r>
             <a:br>
               <a:rPr lang="bg-BG" sz="2400" dirty="0">
                 <a:solidFill>
@@ -7293,6 +7301,15 @@
               </a:rPr>
               <a:t>square.js</a:t>
             </a:r>
+            <a:r>
+              <a:rPr lang="en-US" sz="2400" dirty="0">
+                <a:solidFill>
+                  <a:srgbClr val="4EC9B0"/>
+                </a:solidFill>
+                <a:latin typeface="Consolas" panose="020B0609020204030204" pitchFamily="49" charset="0"/>
+              </a:rPr>
+              <a:t/>
+            </a:r>
             <a:br>
               <a:rPr lang="en-US" sz="2400" dirty="0">
                 <a:solidFill>
@@ -7488,6 +7505,15 @@
               </a:rPr>
               <a:t>width</a:t>
             </a:r>
+            <a:r>
+              <a:rPr lang="en-US" sz="2400" dirty="0">
+                <a:solidFill>
+                  <a:srgbClr val="D4D4D4"/>
+                </a:solidFill>
+                <a:latin typeface="Consolas" panose="020B0609020204030204" pitchFamily="49" charset="0"/>
+              </a:rPr>
+              <a:t/>
+            </a:r>
             <a:br>
               <a:rPr lang="en-US" sz="2400" dirty="0">
                 <a:solidFill>
@@ -7530,6 +7556,15 @@
                 <a:latin typeface="Consolas" panose="020B0609020204030204" pitchFamily="49" charset="0"/>
               </a:rPr>
             </a:br>
+            <a:r>
+              <a:rPr lang="en-US" sz="2400" dirty="0">
+                <a:solidFill>
+                  <a:srgbClr val="D4D4D4"/>
+                </a:solidFill>
+                <a:latin typeface="Consolas" panose="020B0609020204030204" pitchFamily="49" charset="0"/>
+              </a:rPr>
+              <a:t/>
+            </a:r>
             <a:br>
               <a:rPr lang="en-US" sz="2400" dirty="0">
                 <a:solidFill>
@@ -7573,6 +7608,15 @@
                 <a:latin typeface="Consolas" panose="020B0609020204030204" pitchFamily="49" charset="0"/>
               </a:rPr>
               <a:t>js</a:t>
+            </a:r>
+            <a:r>
+              <a:rPr lang="en-US" sz="2400" dirty="0">
+                <a:solidFill>
+                  <a:srgbClr val="D4D4D4"/>
+                </a:solidFill>
+                <a:latin typeface="Consolas" panose="020B0609020204030204" pitchFamily="49" charset="0"/>
+              </a:rPr>
+              <a:t/>
             </a:r>
             <a:br>
               <a:rPr lang="en-US" sz="2400" dirty="0">
@@ -8195,6 +8239,10 @@
           <a:bodyPr/>
           <a:lstStyle/>
           <a:p>
+            <a:r>
+              <a:rPr lang="en-US" dirty="0" smtClean="0"/>
+              <a:t>ex3</a:t>
+            </a:r>
             <a:endParaRPr lang="bg-BG" dirty="0"/>
           </a:p>
         </p:txBody>
@@ -8794,8 +8842,8 @@
           <a:lstStyle/>
           <a:p>
             <a:r>
-              <a:rPr lang="en-US" dirty="0"/>
-              <a:t>ex3</a:t>
+              <a:rPr lang="en-US" dirty="0" smtClean="0"/>
+              <a:t>ex4</a:t>
             </a:r>
             <a:endParaRPr lang="bg-BG" dirty="0"/>
           </a:p>
@@ -9797,8 +9845,8 @@
           <a:lstStyle/>
           <a:p>
             <a:r>
-              <a:rPr lang="en-US" dirty="0"/>
-              <a:t>ex4</a:t>
+              <a:rPr lang="en-US" dirty="0" smtClean="0"/>
+              <a:t>ex5</a:t>
             </a:r>
             <a:endParaRPr lang="bg-BG" dirty="0"/>
           </a:p>

--- a/presentations/nodeJS.pptx
+++ b/presentations/nodeJS.pptx
@@ -5,60 +5,61 @@
     <p:sldMasterId id="2147483660" r:id="rId1"/>
   </p:sldMasterIdLst>
   <p:notesMasterIdLst>
-    <p:notesMasterId r:id="rId31"/>
+    <p:notesMasterId r:id="rId32"/>
   </p:notesMasterIdLst>
   <p:sldIdLst>
     <p:sldId id="256" r:id="rId2"/>
     <p:sldId id="275" r:id="rId3"/>
     <p:sldId id="263" r:id="rId4"/>
     <p:sldId id="267" r:id="rId5"/>
-    <p:sldId id="272" r:id="rId6"/>
-    <p:sldId id="271" r:id="rId7"/>
-    <p:sldId id="270" r:id="rId8"/>
-    <p:sldId id="269" r:id="rId9"/>
-    <p:sldId id="276" r:id="rId10"/>
+    <p:sldId id="297" r:id="rId6"/>
+    <p:sldId id="272" r:id="rId7"/>
+    <p:sldId id="271" r:id="rId8"/>
+    <p:sldId id="270" r:id="rId9"/>
+    <p:sldId id="269" r:id="rId10"/>
     <p:sldId id="277" r:id="rId11"/>
     <p:sldId id="281" r:id="rId12"/>
     <p:sldId id="287" r:id="rId13"/>
     <p:sldId id="278" r:id="rId14"/>
     <p:sldId id="289" r:id="rId15"/>
     <p:sldId id="290" r:id="rId16"/>
-    <p:sldId id="291" r:id="rId17"/>
-    <p:sldId id="292" r:id="rId18"/>
-    <p:sldId id="294" r:id="rId19"/>
-    <p:sldId id="295" r:id="rId20"/>
-    <p:sldId id="296" r:id="rId21"/>
-    <p:sldId id="273" r:id="rId22"/>
-    <p:sldId id="279" r:id="rId23"/>
-    <p:sldId id="293" r:id="rId24"/>
-    <p:sldId id="283" r:id="rId25"/>
-    <p:sldId id="285" r:id="rId26"/>
-    <p:sldId id="280" r:id="rId27"/>
+    <p:sldId id="298" r:id="rId17"/>
+    <p:sldId id="291" r:id="rId18"/>
+    <p:sldId id="299" r:id="rId19"/>
+    <p:sldId id="294" r:id="rId20"/>
+    <p:sldId id="295" r:id="rId21"/>
+    <p:sldId id="296" r:id="rId22"/>
+    <p:sldId id="273" r:id="rId23"/>
+    <p:sldId id="279" r:id="rId24"/>
+    <p:sldId id="293" r:id="rId25"/>
+    <p:sldId id="283" r:id="rId26"/>
+    <p:sldId id="285" r:id="rId27"/>
     <p:sldId id="286" r:id="rId28"/>
-    <p:sldId id="274" r:id="rId29"/>
-    <p:sldId id="282" r:id="rId30"/>
+    <p:sldId id="280" r:id="rId29"/>
+    <p:sldId id="274" r:id="rId30"/>
+    <p:sldId id="282" r:id="rId31"/>
   </p:sldIdLst>
   <p:sldSz cx="12192000" cy="6858000"/>
   <p:notesSz cx="6858000" cy="9144000"/>
   <p:embeddedFontLst>
     <p:embeddedFont>
+      <p:font typeface="Franklin Gothic Book" panose="020B0604020202020204" charset="0"/>
+      <p:regular r:id="rId33"/>
+      <p:italic r:id="rId34"/>
+    </p:embeddedFont>
+    <p:embeddedFont>
       <p:font typeface="Consolas" panose="020B0609020204030204" pitchFamily="49" charset="0"/>
-      <p:regular r:id="rId32"/>
-      <p:bold r:id="rId33"/>
-      <p:italic r:id="rId34"/>
-      <p:boldItalic r:id="rId35"/>
+      <p:regular r:id="rId35"/>
+      <p:bold r:id="rId36"/>
+      <p:italic r:id="rId37"/>
+      <p:boldItalic r:id="rId38"/>
     </p:embeddedFont>
     <p:embeddedFont>
       <p:font typeface="Calibri" panose="020F0502020204030204" pitchFamily="34" charset="0"/>
-      <p:regular r:id="rId36"/>
-      <p:bold r:id="rId37"/>
-      <p:italic r:id="rId38"/>
-      <p:boldItalic r:id="rId39"/>
-    </p:embeddedFont>
-    <p:embeddedFont>
-      <p:font typeface="Franklin Gothic Book" panose="020B0604020202020204" charset="0"/>
-      <p:regular r:id="rId40"/>
+      <p:regular r:id="rId39"/>
+      <p:bold r:id="rId40"/>
       <p:italic r:id="rId41"/>
+      <p:boldItalic r:id="rId42"/>
     </p:embeddedFont>
   </p:embeddedFontLst>
   <p:defaultTextStyle>
@@ -246,7 +247,7 @@
           <a:p>
             <a:fld id="{40C9EC12-D619-4239-BA0B-F64B757C48A8}" type="datetimeFigureOut">
               <a:rPr lang="bg-BG" smtClean="0"/>
-              <a:t>21.3.2017 г.</a:t>
+              <a:t>22.3.2017 г.</a:t>
             </a:fld>
             <a:endParaRPr lang="bg-BG"/>
           </a:p>
@@ -1473,7 +1474,7 @@
           <a:p>
             <a:fld id="{52B7F6F4-ECB0-4FA5-B3FD-41E3D15A4260}" type="slidenum">
               <a:rPr lang="bg-BG" smtClean="0"/>
-              <a:t>22</a:t>
+              <a:t>23</a:t>
             </a:fld>
             <a:endParaRPr lang="bg-BG"/>
           </a:p>
@@ -1557,7 +1558,7 @@
           <a:p>
             <a:fld id="{52B7F6F4-ECB0-4FA5-B3FD-41E3D15A4260}" type="slidenum">
               <a:rPr lang="bg-BG" smtClean="0"/>
-              <a:t>25</a:t>
+              <a:t>26</a:t>
             </a:fld>
             <a:endParaRPr lang="bg-BG"/>
           </a:p>
@@ -1746,7 +1747,7 @@
             <a:fld id="{87DE6118-2437-4B30-8E3C-4D2BE6020583}" type="datetimeFigureOut">
               <a:rPr lang="en-US" smtClean="0"/>
               <a:pPr/>
-              <a:t>3/21/2017</a:t>
+              <a:t>3/22/2017</a:t>
             </a:fld>
             <a:endParaRPr lang="en-US" dirty="0"/>
           </a:p>
@@ -2077,7 +2078,7 @@
           <a:p>
             <a:fld id="{87DE6118-2437-4B30-8E3C-4D2BE6020583}" type="datetimeFigureOut">
               <a:rPr lang="en-US" smtClean="0"/>
-              <a:t>3/21/2017</a:t>
+              <a:t>3/22/2017</a:t>
             </a:fld>
             <a:endParaRPr lang="en-US" dirty="0"/>
           </a:p>
@@ -2256,7 +2257,7 @@
           <a:p>
             <a:fld id="{87DE6118-2437-4B30-8E3C-4D2BE6020583}" type="datetimeFigureOut">
               <a:rPr lang="en-US" smtClean="0"/>
-              <a:t>3/21/2017</a:t>
+              <a:t>3/22/2017</a:t>
             </a:fld>
             <a:endParaRPr lang="en-US" dirty="0"/>
           </a:p>
@@ -2437,7 +2438,7 @@
             <a:fld id="{87DE6118-2437-4B30-8E3C-4D2BE6020583}" type="datetimeFigureOut">
               <a:rPr lang="en-US" smtClean="0"/>
               <a:pPr/>
-              <a:t>3/21/2017</a:t>
+              <a:t>3/22/2017</a:t>
             </a:fld>
             <a:endParaRPr lang="en-US" dirty="0"/>
           </a:p>
@@ -2649,7 +2650,7 @@
           <a:p>
             <a:fld id="{87DE6118-2437-4B30-8E3C-4D2BE6020583}" type="datetimeFigureOut">
               <a:rPr lang="en-US" smtClean="0"/>
-              <a:t>3/21/2017</a:t>
+              <a:t>3/22/2017</a:t>
             </a:fld>
             <a:endParaRPr lang="en-US" dirty="0"/>
           </a:p>
@@ -2933,7 +2934,7 @@
             <a:fld id="{87DE6118-2437-4B30-8E3C-4D2BE6020583}" type="datetimeFigureOut">
               <a:rPr lang="en-US" smtClean="0"/>
               <a:pPr/>
-              <a:t>3/21/2017</a:t>
+              <a:t>3/22/2017</a:t>
             </a:fld>
             <a:endParaRPr lang="en-US" dirty="0"/>
           </a:p>
@@ -3328,7 +3329,7 @@
           <a:p>
             <a:fld id="{87DE6118-2437-4B30-8E3C-4D2BE6020583}" type="datetimeFigureOut">
               <a:rPr lang="en-US" smtClean="0"/>
-              <a:t>3/21/2017</a:t>
+              <a:t>3/22/2017</a:t>
             </a:fld>
             <a:endParaRPr lang="en-US" dirty="0"/>
           </a:p>
@@ -3805,7 +3806,7 @@
           <a:p>
             <a:fld id="{87DE6118-2437-4B30-8E3C-4D2BE6020583}" type="datetimeFigureOut">
               <a:rPr lang="en-US" smtClean="0"/>
-              <a:t>3/21/2017</a:t>
+              <a:t>3/22/2017</a:t>
             </a:fld>
             <a:endParaRPr lang="en-US" dirty="0"/>
           </a:p>
@@ -3923,7 +3924,7 @@
           <a:p>
             <a:fld id="{87DE6118-2437-4B30-8E3C-4D2BE6020583}" type="datetimeFigureOut">
               <a:rPr lang="en-US" smtClean="0"/>
-              <a:t>3/21/2017</a:t>
+              <a:t>3/22/2017</a:t>
             </a:fld>
             <a:endParaRPr lang="en-US" dirty="0"/>
           </a:p>
@@ -4018,7 +4019,7 @@
           <a:p>
             <a:fld id="{87DE6118-2437-4B30-8E3C-4D2BE6020583}" type="datetimeFigureOut">
               <a:rPr lang="en-US" smtClean="0"/>
-              <a:t>3/21/2017</a:t>
+              <a:t>3/22/2017</a:t>
             </a:fld>
             <a:endParaRPr lang="en-US" dirty="0"/>
           </a:p>
@@ -4365,7 +4366,7 @@
             <a:fld id="{87DE6118-2437-4B30-8E3C-4D2BE6020583}" type="datetimeFigureOut">
               <a:rPr lang="en-US" smtClean="0"/>
               <a:pPr/>
-              <a:t>3/21/2017</a:t>
+              <a:t>3/22/2017</a:t>
             </a:fld>
             <a:endParaRPr lang="en-US" dirty="0"/>
           </a:p>
@@ -4755,7 +4756,7 @@
             <a:fld id="{87DE6118-2437-4B30-8E3C-4D2BE6020583}" type="datetimeFigureOut">
               <a:rPr lang="en-US" smtClean="0"/>
               <a:pPr/>
-              <a:t>3/21/2017</a:t>
+              <a:t>3/22/2017</a:t>
             </a:fld>
             <a:endParaRPr lang="en-US" dirty="0"/>
           </a:p>
@@ -5035,7 +5036,7 @@
             <a:fld id="{87DE6118-2437-4B30-8E3C-4D2BE6020583}" type="datetimeFigureOut">
               <a:rPr lang="en-US" smtClean="0"/>
               <a:pPr/>
-              <a:t>3/21/2017</a:t>
+              <a:t>3/22/2017</a:t>
             </a:fld>
             <a:endParaRPr lang="en-US" dirty="0"/>
           </a:p>
@@ -6490,6 +6491,211 @@
 <file path=ppt/slides/slide15.xml><?xml version="1.0" encoding="utf-8"?>
 <p:sld xmlns:a="http://schemas.openxmlformats.org/drawingml/2006/main" xmlns:r="http://schemas.openxmlformats.org/officeDocument/2006/relationships" xmlns:p="http://schemas.openxmlformats.org/presentationml/2006/main">
   <p:cSld>
+    <p:spTree>
+      <p:nvGrpSpPr>
+        <p:cNvPr id="1" name=""/>
+        <p:cNvGrpSpPr/>
+        <p:nvPr/>
+      </p:nvGrpSpPr>
+      <p:grpSpPr>
+        <a:xfrm>
+          <a:off x="0" y="0"/>
+          <a:ext cx="0" cy="0"/>
+          <a:chOff x="0" y="0"/>
+          <a:chExt cx="0" cy="0"/>
+        </a:xfrm>
+      </p:grpSpPr>
+      <p:sp>
+        <p:nvSpPr>
+          <p:cNvPr id="5" name="Text Placeholder 4"/>
+          <p:cNvSpPr>
+            <a:spLocks noGrp="1"/>
+          </p:cNvSpPr>
+          <p:nvPr>
+            <p:ph type="body" idx="1"/>
+          </p:nvPr>
+        </p:nvSpPr>
+        <p:spPr/>
+        <p:txBody>
+          <a:bodyPr/>
+          <a:lstStyle/>
+          <a:p>
+            <a:r>
+              <a:rPr lang="en-US" b="1" dirty="0" smtClean="0">
+                <a:solidFill>
+                  <a:srgbClr val="0070C0"/>
+                </a:solidFill>
+              </a:rPr>
+              <a:t>Blocking code</a:t>
+            </a:r>
+            <a:endParaRPr lang="bg-BG" b="1" dirty="0">
+              <a:solidFill>
+                <a:srgbClr val="0070C0"/>
+              </a:solidFill>
+            </a:endParaRPr>
+          </a:p>
+        </p:txBody>
+      </p:sp>
+      <p:sp>
+        <p:nvSpPr>
+          <p:cNvPr id="4" name="Content Placeholder 3"/>
+          <p:cNvSpPr>
+            <a:spLocks noGrp="1"/>
+          </p:cNvSpPr>
+          <p:nvPr>
+            <p:ph sz="half" idx="2"/>
+          </p:nvPr>
+        </p:nvSpPr>
+        <p:spPr/>
+        <p:txBody>
+          <a:bodyPr>
+            <a:normAutofit lnSpcReduction="10000"/>
+          </a:bodyPr>
+          <a:lstStyle/>
+          <a:p>
+            <a:r>
+              <a:rPr lang="en-US" sz="3200" dirty="0" smtClean="0">
+                <a:solidFill>
+                  <a:schemeClr val="tx1"/>
+                </a:solidFill>
+              </a:rPr>
+              <a:t>Read file from filesystem, set equal to “contents”</a:t>
+            </a:r>
+          </a:p>
+          <a:p>
+            <a:r>
+              <a:rPr lang="en-US" sz="3200" dirty="0" smtClean="0">
+                <a:solidFill>
+                  <a:schemeClr val="tx1"/>
+                </a:solidFill>
+              </a:rPr>
+              <a:t>Print contents</a:t>
+            </a:r>
+          </a:p>
+          <a:p>
+            <a:r>
+              <a:rPr lang="en-US" sz="3200" dirty="0" smtClean="0">
+                <a:solidFill>
+                  <a:schemeClr val="tx1"/>
+                </a:solidFill>
+              </a:rPr>
+              <a:t>Do something else</a:t>
+            </a:r>
+            <a:endParaRPr lang="bg-BG" sz="3200" dirty="0">
+              <a:solidFill>
+                <a:schemeClr val="tx1"/>
+              </a:solidFill>
+            </a:endParaRPr>
+          </a:p>
+        </p:txBody>
+      </p:sp>
+      <p:sp>
+        <p:nvSpPr>
+          <p:cNvPr id="6" name="Text Placeholder 5"/>
+          <p:cNvSpPr>
+            <a:spLocks noGrp="1"/>
+          </p:cNvSpPr>
+          <p:nvPr>
+            <p:ph type="body" sz="quarter" idx="3"/>
+          </p:nvPr>
+        </p:nvSpPr>
+        <p:spPr/>
+        <p:txBody>
+          <a:bodyPr/>
+          <a:lstStyle/>
+          <a:p>
+            <a:r>
+              <a:rPr lang="en-US" b="1" dirty="0" smtClean="0">
+                <a:solidFill>
+                  <a:srgbClr val="0070C0"/>
+                </a:solidFill>
+              </a:rPr>
+              <a:t>Non – Blocking code</a:t>
+            </a:r>
+            <a:endParaRPr lang="bg-BG" b="1" dirty="0">
+              <a:solidFill>
+                <a:srgbClr val="0070C0"/>
+              </a:solidFill>
+            </a:endParaRPr>
+          </a:p>
+        </p:txBody>
+      </p:sp>
+      <p:sp>
+        <p:nvSpPr>
+          <p:cNvPr id="7" name="Content Placeholder 6"/>
+          <p:cNvSpPr>
+            <a:spLocks noGrp="1"/>
+          </p:cNvSpPr>
+          <p:nvPr>
+            <p:ph sz="quarter" idx="4"/>
+          </p:nvPr>
+        </p:nvSpPr>
+        <p:spPr/>
+        <p:txBody>
+          <a:bodyPr>
+            <a:normAutofit/>
+          </a:bodyPr>
+          <a:lstStyle/>
+          <a:p>
+            <a:r>
+              <a:rPr lang="en-US" sz="3200" dirty="0" smtClean="0"/>
+              <a:t>Read file from filesystem</a:t>
+            </a:r>
+          </a:p>
+          <a:p>
+            <a:r>
+              <a:rPr lang="en-US" sz="3200" dirty="0" smtClean="0"/>
+              <a:t>Do something else</a:t>
+            </a:r>
+          </a:p>
+          <a:p>
+            <a:r>
+              <a:rPr lang="en-US" sz="3200" dirty="0" smtClean="0"/>
+              <a:t>Print contents</a:t>
+            </a:r>
+            <a:endParaRPr lang="bg-BG" sz="3200" dirty="0"/>
+          </a:p>
+        </p:txBody>
+      </p:sp>
+      <p:sp>
+        <p:nvSpPr>
+          <p:cNvPr id="8" name="Title 7"/>
+          <p:cNvSpPr>
+            <a:spLocks noGrp="1"/>
+          </p:cNvSpPr>
+          <p:nvPr>
+            <p:ph type="title"/>
+          </p:nvPr>
+        </p:nvSpPr>
+        <p:spPr/>
+        <p:txBody>
+          <a:bodyPr/>
+          <a:lstStyle/>
+          <a:p>
+            <a:r>
+              <a:rPr lang="en-US" dirty="0" smtClean="0"/>
+              <a:t>Blocking and Non -  Blocking</a:t>
+            </a:r>
+            <a:endParaRPr lang="bg-BG" dirty="0"/>
+          </a:p>
+        </p:txBody>
+      </p:sp>
+    </p:spTree>
+    <p:extLst>
+      <p:ext uri="{BB962C8B-B14F-4D97-AF65-F5344CB8AC3E}">
+        <p14:creationId xmlns:p14="http://schemas.microsoft.com/office/powerpoint/2010/main" val="520180707"/>
+      </p:ext>
+    </p:extLst>
+  </p:cSld>
+  <p:clrMapOvr>
+    <a:masterClrMapping/>
+  </p:clrMapOvr>
+</p:sld>
+</file>
+
+<file path=ppt/slides/slide16.xml><?xml version="1.0" encoding="utf-8"?>
+<p:sld xmlns:a="http://schemas.openxmlformats.org/drawingml/2006/main" xmlns:r="http://schemas.openxmlformats.org/officeDocument/2006/relationships" xmlns:p="http://schemas.openxmlformats.org/presentationml/2006/main">
+  <p:cSld>
     <p:bg>
       <p:bgPr>
         <a:solidFill>
@@ -6579,419 +6785,7 @@
     </p:spTree>
     <p:extLst>
       <p:ext uri="{BB962C8B-B14F-4D97-AF65-F5344CB8AC3E}">
-        <p14:creationId xmlns:p14="http://schemas.microsoft.com/office/powerpoint/2010/main" val="520180707"/>
-      </p:ext>
-    </p:extLst>
-  </p:cSld>
-  <p:clrMapOvr>
-    <a:masterClrMapping/>
-  </p:clrMapOvr>
-</p:sld>
-</file>
-
-<file path=ppt/slides/slide16.xml><?xml version="1.0" encoding="utf-8"?>
-<p:sld xmlns:a="http://schemas.openxmlformats.org/drawingml/2006/main" xmlns:r="http://schemas.openxmlformats.org/officeDocument/2006/relationships" xmlns:p="http://schemas.openxmlformats.org/presentationml/2006/main">
-  <p:cSld>
-    <p:spTree>
-      <p:nvGrpSpPr>
-        <p:cNvPr id="1" name=""/>
-        <p:cNvGrpSpPr/>
-        <p:nvPr/>
-      </p:nvGrpSpPr>
-      <p:grpSpPr>
-        <a:xfrm>
-          <a:off x="0" y="0"/>
-          <a:ext cx="0" cy="0"/>
-          <a:chOff x="0" y="0"/>
-          <a:chExt cx="0" cy="0"/>
-        </a:xfrm>
-      </p:grpSpPr>
-      <p:sp>
-        <p:nvSpPr>
-          <p:cNvPr id="11" name="Text Placeholder 10"/>
-          <p:cNvSpPr>
-            <a:spLocks noGrp="1"/>
-          </p:cNvSpPr>
-          <p:nvPr>
-            <p:ph type="body" sz="quarter" idx="13"/>
-          </p:nvPr>
-        </p:nvSpPr>
-        <p:spPr/>
-        <p:txBody>
-          <a:bodyPr>
-            <a:normAutofit/>
-          </a:bodyPr>
-          <a:lstStyle/>
-          <a:p>
-            <a:r>
-              <a:rPr lang="en-US" dirty="0"/>
-              <a:t>Callback function</a:t>
-            </a:r>
-            <a:endParaRPr lang="bg-BG" dirty="0"/>
-          </a:p>
-        </p:txBody>
-      </p:sp>
-      <p:sp>
-        <p:nvSpPr>
-          <p:cNvPr id="4" name="Title 3"/>
-          <p:cNvSpPr>
-            <a:spLocks noGrp="1"/>
-          </p:cNvSpPr>
-          <p:nvPr>
-            <p:ph type="title"/>
-          </p:nvPr>
-        </p:nvSpPr>
-        <p:spPr/>
-        <p:txBody>
-          <a:bodyPr>
-            <a:normAutofit/>
-          </a:bodyPr>
-          <a:lstStyle/>
-          <a:p>
-            <a:r>
-              <a:rPr lang="en-US" sz="2400" dirty="0">
-                <a:solidFill>
-                  <a:srgbClr val="FBDE2D"/>
-                </a:solidFill>
-              </a:rPr>
-              <a:t>function</a:t>
-            </a:r>
-            <a:r>
-              <a:rPr lang="en-US" sz="2400" dirty="0">
-                <a:solidFill>
-                  <a:srgbClr val="F8F8F8"/>
-                </a:solidFill>
-              </a:rPr>
-              <a:t> </a:t>
-            </a:r>
-            <a:r>
-              <a:rPr lang="en-US" sz="2400" dirty="0" err="1">
-                <a:solidFill>
-                  <a:srgbClr val="F8F8F8"/>
-                </a:solidFill>
-              </a:rPr>
-              <a:t>some_function</a:t>
-            </a:r>
-            <a:r>
-              <a:rPr lang="en-US" sz="2400" dirty="0">
-                <a:solidFill>
-                  <a:srgbClr val="F8F8F8"/>
-                </a:solidFill>
-              </a:rPr>
-              <a:t>(arg1, arg2, callback) {</a:t>
-            </a:r>
-            <a:br>
-              <a:rPr lang="en-US" sz="2400" dirty="0">
-                <a:solidFill>
-                  <a:srgbClr val="F8F8F8"/>
-                </a:solidFill>
-              </a:rPr>
-            </a:br>
-            <a:r>
-              <a:rPr lang="en-US" sz="2400" dirty="0">
-                <a:solidFill>
-                  <a:srgbClr val="F8F8F8"/>
-                </a:solidFill>
-              </a:rPr>
-              <a:t>  </a:t>
-            </a:r>
-            <a:r>
-              <a:rPr lang="en-US" sz="2400" dirty="0" err="1">
-                <a:solidFill>
-                  <a:srgbClr val="FBDE2D"/>
-                </a:solidFill>
-              </a:rPr>
-              <a:t>var</a:t>
-            </a:r>
-            <a:r>
-              <a:rPr lang="en-US" sz="2400" dirty="0">
-                <a:solidFill>
-                  <a:srgbClr val="F8F8F8"/>
-                </a:solidFill>
-              </a:rPr>
-              <a:t> </a:t>
-            </a:r>
-            <a:r>
-              <a:rPr lang="en-US" sz="2400" dirty="0" err="1">
-                <a:solidFill>
-                  <a:srgbClr val="F8F8F8"/>
-                </a:solidFill>
-              </a:rPr>
-              <a:t>my_number</a:t>
-            </a:r>
-            <a:r>
-              <a:rPr lang="en-US" sz="2400" dirty="0">
-                <a:solidFill>
-                  <a:srgbClr val="F8F8F8"/>
-                </a:solidFill>
-              </a:rPr>
-              <a:t> = </a:t>
-            </a:r>
-            <a:r>
-              <a:rPr lang="en-US" sz="2400" dirty="0" err="1">
-                <a:solidFill>
-                  <a:srgbClr val="F8F8F8"/>
-                </a:solidFill>
-              </a:rPr>
-              <a:t>Math.ceil</a:t>
-            </a:r>
-            <a:r>
-              <a:rPr lang="en-US" sz="2400" dirty="0">
-                <a:solidFill>
-                  <a:srgbClr val="F8F8F8"/>
-                </a:solidFill>
-              </a:rPr>
-              <a:t>(</a:t>
-            </a:r>
-            <a:r>
-              <a:rPr lang="en-US" sz="2400" dirty="0" err="1">
-                <a:solidFill>
-                  <a:srgbClr val="F8F8F8"/>
-                </a:solidFill>
-              </a:rPr>
-              <a:t>Math.random</a:t>
-            </a:r>
-            <a:r>
-              <a:rPr lang="en-US" sz="2400" dirty="0">
-                <a:solidFill>
-                  <a:srgbClr val="F8F8F8"/>
-                </a:solidFill>
-              </a:rPr>
-              <a:t>() * (arg1 - arg2) + arg2);</a:t>
-            </a:r>
-            <a:br>
-              <a:rPr lang="en-US" sz="2400" dirty="0">
-                <a:solidFill>
-                  <a:srgbClr val="F8F8F8"/>
-                </a:solidFill>
-              </a:rPr>
-            </a:br>
-            <a:r>
-              <a:rPr lang="bg-BG" sz="2400" dirty="0">
-                <a:solidFill>
-                  <a:srgbClr val="F8F8F8"/>
-                </a:solidFill>
-              </a:rPr>
-              <a:t>  </a:t>
-            </a:r>
-            <a:br>
-              <a:rPr lang="bg-BG" sz="2400" dirty="0">
-                <a:solidFill>
-                  <a:srgbClr val="F8F8F8"/>
-                </a:solidFill>
-              </a:rPr>
-            </a:br>
-            <a:r>
-              <a:rPr lang="en-US" sz="2400" dirty="0">
-                <a:solidFill>
-                  <a:srgbClr val="F8F8F8"/>
-                </a:solidFill>
-              </a:rPr>
-              <a:t>  callback(</a:t>
-            </a:r>
-            <a:r>
-              <a:rPr lang="en-US" sz="2400" dirty="0" err="1">
-                <a:solidFill>
-                  <a:srgbClr val="F8F8F8"/>
-                </a:solidFill>
-              </a:rPr>
-              <a:t>my_number</a:t>
-            </a:r>
-            <a:r>
-              <a:rPr lang="en-US" sz="2400" dirty="0">
-                <a:solidFill>
-                  <a:srgbClr val="F8F8F8"/>
-                </a:solidFill>
-              </a:rPr>
-              <a:t>);</a:t>
-            </a:r>
-            <a:br>
-              <a:rPr lang="en-US" sz="2400" dirty="0">
-                <a:solidFill>
-                  <a:srgbClr val="F8F8F8"/>
-                </a:solidFill>
-              </a:rPr>
-            </a:br>
-            <a:r>
-              <a:rPr lang="bg-BG" sz="2400" dirty="0">
-                <a:solidFill>
-                  <a:srgbClr val="F8F8F8"/>
-                </a:solidFill>
-              </a:rPr>
-              <a:t>}</a:t>
-            </a:r>
-            <a:br>
-              <a:rPr lang="bg-BG" sz="2400" dirty="0">
-                <a:solidFill>
-                  <a:srgbClr val="F8F8F8"/>
-                </a:solidFill>
-              </a:rPr>
-            </a:br>
-            <a:r>
-              <a:rPr lang="bg-BG" sz="2400" dirty="0">
-                <a:solidFill>
-                  <a:srgbClr val="F8F8F8"/>
-                </a:solidFill>
-              </a:rPr>
-              <a:t/>
-            </a:r>
-            <a:br>
-              <a:rPr lang="bg-BG" sz="2400" dirty="0">
-                <a:solidFill>
-                  <a:srgbClr val="F8F8F8"/>
-                </a:solidFill>
-              </a:rPr>
-            </a:br>
-            <a:r>
-              <a:rPr lang="en-US" sz="2400" dirty="0" err="1">
-                <a:solidFill>
-                  <a:srgbClr val="F8F8F8"/>
-                </a:solidFill>
-              </a:rPr>
-              <a:t>some_function</a:t>
-            </a:r>
-            <a:r>
-              <a:rPr lang="en-US" sz="2400" dirty="0">
-                <a:solidFill>
-                  <a:srgbClr val="F8F8F8"/>
-                </a:solidFill>
-              </a:rPr>
-              <a:t>(</a:t>
-            </a:r>
-            <a:r>
-              <a:rPr lang="en-US" sz="2400" dirty="0">
-                <a:solidFill>
-                  <a:srgbClr val="D8FA3C"/>
-                </a:solidFill>
-              </a:rPr>
-              <a:t>5</a:t>
-            </a:r>
-            <a:r>
-              <a:rPr lang="en-US" sz="2400" dirty="0">
-                <a:solidFill>
-                  <a:srgbClr val="F8F8F8"/>
-                </a:solidFill>
-              </a:rPr>
-              <a:t>, </a:t>
-            </a:r>
-            <a:r>
-              <a:rPr lang="en-US" sz="2400" dirty="0">
-                <a:solidFill>
-                  <a:srgbClr val="D8FA3C"/>
-                </a:solidFill>
-              </a:rPr>
-              <a:t>15</a:t>
-            </a:r>
-            <a:r>
-              <a:rPr lang="en-US" sz="2400" dirty="0">
-                <a:solidFill>
-                  <a:srgbClr val="F8F8F8"/>
-                </a:solidFill>
-              </a:rPr>
-              <a:t>, </a:t>
-            </a:r>
-            <a:r>
-              <a:rPr lang="en-US" sz="2400" dirty="0">
-                <a:solidFill>
-                  <a:srgbClr val="FBDE2D"/>
-                </a:solidFill>
-              </a:rPr>
-              <a:t>function</a:t>
-            </a:r>
-            <a:r>
-              <a:rPr lang="en-US" sz="2400" dirty="0">
-                <a:solidFill>
-                  <a:srgbClr val="F8F8F8"/>
-                </a:solidFill>
-              </a:rPr>
-              <a:t>(</a:t>
-            </a:r>
-            <a:r>
-              <a:rPr lang="en-US" sz="2400" dirty="0" err="1">
-                <a:solidFill>
-                  <a:srgbClr val="F8F8F8"/>
-                </a:solidFill>
-              </a:rPr>
-              <a:t>num</a:t>
-            </a:r>
-            <a:r>
-              <a:rPr lang="en-US" sz="2400" dirty="0">
-                <a:solidFill>
-                  <a:srgbClr val="F8F8F8"/>
-                </a:solidFill>
-              </a:rPr>
-              <a:t>) {</a:t>
-            </a:r>
-            <a:br>
-              <a:rPr lang="en-US" sz="2400" dirty="0">
-                <a:solidFill>
-                  <a:srgbClr val="F8F8F8"/>
-                </a:solidFill>
-              </a:rPr>
-            </a:br>
-            <a:r>
-              <a:rPr lang="en-US" sz="2400" dirty="0">
-                <a:solidFill>
-                  <a:srgbClr val="F8F8F8"/>
-                </a:solidFill>
-              </a:rPr>
-              <a:t>  console.log(</a:t>
-            </a:r>
-            <a:r>
-              <a:rPr lang="en-US" sz="2400" dirty="0">
-                <a:solidFill>
-                  <a:srgbClr val="61CE3C"/>
-                </a:solidFill>
-              </a:rPr>
-              <a:t>"callback called! "</a:t>
-            </a:r>
-            <a:r>
-              <a:rPr lang="en-US" sz="2400" dirty="0">
-                <a:solidFill>
-                  <a:srgbClr val="F8F8F8"/>
-                </a:solidFill>
-              </a:rPr>
-              <a:t> + </a:t>
-            </a:r>
-            <a:r>
-              <a:rPr lang="en-US" sz="2400" dirty="0" err="1">
-                <a:solidFill>
-                  <a:srgbClr val="F8F8F8"/>
-                </a:solidFill>
-              </a:rPr>
-              <a:t>num</a:t>
-            </a:r>
-            <a:r>
-              <a:rPr lang="en-US" sz="2400" dirty="0">
-                <a:solidFill>
-                  <a:srgbClr val="F8F8F8"/>
-                </a:solidFill>
-              </a:rPr>
-              <a:t>);</a:t>
-            </a:r>
-            <a:br>
-              <a:rPr lang="en-US" sz="2400" dirty="0">
-                <a:solidFill>
-                  <a:srgbClr val="F8F8F8"/>
-                </a:solidFill>
-              </a:rPr>
-            </a:br>
-            <a:r>
-              <a:rPr lang="bg-BG" sz="2400" dirty="0">
-                <a:solidFill>
-                  <a:srgbClr val="F8F8F8"/>
-                </a:solidFill>
-              </a:rPr>
-              <a:t>});</a:t>
-            </a:r>
-            <a:endParaRPr lang="bg-BG" sz="2400" dirty="0"/>
-          </a:p>
-        </p:txBody>
-      </p:sp>
-    </p:spTree>
-    <p:extLst>
-      <p:ext uri="{BB962C8B-B14F-4D97-AF65-F5344CB8AC3E}">
-        <p14:creationId xmlns:p14="http://schemas.microsoft.com/office/powerpoint/2010/main" val="1944296581"/>
+        <p14:creationId xmlns:p14="http://schemas.microsoft.com/office/powerpoint/2010/main" val="4036935580"/>
       </p:ext>
     </p:extLst>
   </p:cSld>
@@ -7020,7 +6814,32 @@
       </p:grpSpPr>
       <p:sp>
         <p:nvSpPr>
-          <p:cNvPr id="5" name="Title 4"/>
+          <p:cNvPr id="11" name="Text Placeholder 10"/>
+          <p:cNvSpPr>
+            <a:spLocks noGrp="1"/>
+          </p:cNvSpPr>
+          <p:nvPr>
+            <p:ph type="body" sz="quarter" idx="13"/>
+          </p:nvPr>
+        </p:nvSpPr>
+        <p:spPr/>
+        <p:txBody>
+          <a:bodyPr>
+            <a:normAutofit/>
+          </a:bodyPr>
+          <a:lstStyle/>
+          <a:p>
+            <a:r>
+              <a:rPr lang="en-US" dirty="0"/>
+              <a:t>Callback function</a:t>
+            </a:r>
+            <a:endParaRPr lang="bg-BG" dirty="0"/>
+          </a:p>
+        </p:txBody>
+      </p:sp>
+      <p:sp>
+        <p:nvSpPr>
+          <p:cNvPr id="4" name="Title 3"/>
           <p:cNvSpPr>
             <a:spLocks noGrp="1"/>
           </p:cNvSpPr>
@@ -7030,48 +6849,355 @@
         </p:nvSpPr>
         <p:spPr/>
         <p:txBody>
-          <a:bodyPr/>
-          <a:lstStyle/>
-          <a:p>
-            <a:r>
-              <a:rPr lang="en-US" dirty="0"/>
-              <a:t>Demo </a:t>
-            </a:r>
-            <a:r>
-              <a:rPr lang="en-US" dirty="0" err="1"/>
-              <a:t>javascripts</a:t>
-            </a:r>
-            <a:endParaRPr lang="bg-BG" dirty="0"/>
-          </a:p>
-        </p:txBody>
-      </p:sp>
-      <p:sp>
-        <p:nvSpPr>
-          <p:cNvPr id="6" name="Text Placeholder 5"/>
-          <p:cNvSpPr>
-            <a:spLocks noGrp="1"/>
-          </p:cNvSpPr>
-          <p:nvPr>
-            <p:ph type="body" idx="1"/>
-          </p:nvPr>
-        </p:nvSpPr>
-        <p:spPr/>
-        <p:txBody>
-          <a:bodyPr/>
-          <a:lstStyle/>
-          <a:p>
-            <a:r>
-              <a:rPr lang="en-US" dirty="0"/>
-              <a:t>ex2.1</a:t>
-            </a:r>
-            <a:endParaRPr lang="bg-BG" dirty="0"/>
+          <a:bodyPr>
+            <a:normAutofit/>
+          </a:bodyPr>
+          <a:lstStyle/>
+          <a:p>
+            <a:r>
+              <a:rPr lang="en-US" sz="2400" dirty="0">
+                <a:solidFill>
+                  <a:srgbClr val="FBDE2D"/>
+                </a:solidFill>
+              </a:rPr>
+              <a:t>function</a:t>
+            </a:r>
+            <a:r>
+              <a:rPr lang="en-US" sz="2400" dirty="0">
+                <a:solidFill>
+                  <a:srgbClr val="F8F8F8"/>
+                </a:solidFill>
+              </a:rPr>
+              <a:t> </a:t>
+            </a:r>
+            <a:r>
+              <a:rPr lang="en-US" sz="2400" dirty="0" err="1">
+                <a:solidFill>
+                  <a:srgbClr val="F8F8F8"/>
+                </a:solidFill>
+              </a:rPr>
+              <a:t>some_function</a:t>
+            </a:r>
+            <a:r>
+              <a:rPr lang="en-US" sz="2400" dirty="0">
+                <a:solidFill>
+                  <a:srgbClr val="F8F8F8"/>
+                </a:solidFill>
+              </a:rPr>
+              <a:t>(arg1, arg2, callback) {</a:t>
+            </a:r>
+            <a:br>
+              <a:rPr lang="en-US" sz="2400" dirty="0">
+                <a:solidFill>
+                  <a:srgbClr val="F8F8F8"/>
+                </a:solidFill>
+              </a:rPr>
+            </a:br>
+            <a:r>
+              <a:rPr lang="en-US" sz="2400" dirty="0">
+                <a:solidFill>
+                  <a:srgbClr val="F8F8F8"/>
+                </a:solidFill>
+              </a:rPr>
+              <a:t>  </a:t>
+            </a:r>
+            <a:r>
+              <a:rPr lang="en-US" sz="2400" dirty="0" err="1">
+                <a:solidFill>
+                  <a:srgbClr val="FBDE2D"/>
+                </a:solidFill>
+              </a:rPr>
+              <a:t>var</a:t>
+            </a:r>
+            <a:r>
+              <a:rPr lang="en-US" sz="2400" dirty="0">
+                <a:solidFill>
+                  <a:srgbClr val="F8F8F8"/>
+                </a:solidFill>
+              </a:rPr>
+              <a:t> </a:t>
+            </a:r>
+            <a:r>
+              <a:rPr lang="en-US" sz="2400" dirty="0" err="1">
+                <a:solidFill>
+                  <a:srgbClr val="F8F8F8"/>
+                </a:solidFill>
+              </a:rPr>
+              <a:t>my_number</a:t>
+            </a:r>
+            <a:r>
+              <a:rPr lang="en-US" sz="2400" dirty="0">
+                <a:solidFill>
+                  <a:srgbClr val="F8F8F8"/>
+                </a:solidFill>
+              </a:rPr>
+              <a:t> = </a:t>
+            </a:r>
+            <a:r>
+              <a:rPr lang="en-US" sz="2400" dirty="0" err="1">
+                <a:solidFill>
+                  <a:srgbClr val="F8F8F8"/>
+                </a:solidFill>
+              </a:rPr>
+              <a:t>Math.ceil</a:t>
+            </a:r>
+            <a:r>
+              <a:rPr lang="en-US" sz="2400" dirty="0">
+                <a:solidFill>
+                  <a:srgbClr val="F8F8F8"/>
+                </a:solidFill>
+              </a:rPr>
+              <a:t>(</a:t>
+            </a:r>
+            <a:r>
+              <a:rPr lang="en-US" sz="2400" dirty="0" err="1">
+                <a:solidFill>
+                  <a:srgbClr val="F8F8F8"/>
+                </a:solidFill>
+              </a:rPr>
+              <a:t>Math.random</a:t>
+            </a:r>
+            <a:r>
+              <a:rPr lang="en-US" sz="2400" dirty="0">
+                <a:solidFill>
+                  <a:srgbClr val="F8F8F8"/>
+                </a:solidFill>
+              </a:rPr>
+              <a:t>() * (arg1 - arg2) + arg2);</a:t>
+            </a:r>
+            <a:br>
+              <a:rPr lang="en-US" sz="2400" dirty="0">
+                <a:solidFill>
+                  <a:srgbClr val="F8F8F8"/>
+                </a:solidFill>
+              </a:rPr>
+            </a:br>
+            <a:r>
+              <a:rPr lang="bg-BG" sz="2400" dirty="0">
+                <a:solidFill>
+                  <a:srgbClr val="F8F8F8"/>
+                </a:solidFill>
+              </a:rPr>
+              <a:t>  </a:t>
+            </a:r>
+            <a:br>
+              <a:rPr lang="bg-BG" sz="2400" dirty="0">
+                <a:solidFill>
+                  <a:srgbClr val="F8F8F8"/>
+                </a:solidFill>
+              </a:rPr>
+            </a:br>
+            <a:r>
+              <a:rPr lang="en-US" sz="2400" dirty="0">
+                <a:solidFill>
+                  <a:srgbClr val="F8F8F8"/>
+                </a:solidFill>
+              </a:rPr>
+              <a:t>  callback(</a:t>
+            </a:r>
+            <a:r>
+              <a:rPr lang="en-US" sz="2400" dirty="0" err="1">
+                <a:solidFill>
+                  <a:srgbClr val="F8F8F8"/>
+                </a:solidFill>
+              </a:rPr>
+              <a:t>my_number</a:t>
+            </a:r>
+            <a:r>
+              <a:rPr lang="en-US" sz="2400" dirty="0">
+                <a:solidFill>
+                  <a:srgbClr val="F8F8F8"/>
+                </a:solidFill>
+              </a:rPr>
+              <a:t>);</a:t>
+            </a:r>
+            <a:br>
+              <a:rPr lang="en-US" sz="2400" dirty="0">
+                <a:solidFill>
+                  <a:srgbClr val="F8F8F8"/>
+                </a:solidFill>
+              </a:rPr>
+            </a:br>
+            <a:r>
+              <a:rPr lang="bg-BG" sz="2400" dirty="0">
+                <a:solidFill>
+                  <a:srgbClr val="F8F8F8"/>
+                </a:solidFill>
+              </a:rPr>
+              <a:t>}</a:t>
+            </a:r>
+            <a:br>
+              <a:rPr lang="bg-BG" sz="2400" dirty="0">
+                <a:solidFill>
+                  <a:srgbClr val="F8F8F8"/>
+                </a:solidFill>
+              </a:rPr>
+            </a:br>
+            <a:r>
+              <a:rPr lang="bg-BG" sz="2400" dirty="0">
+                <a:solidFill>
+                  <a:srgbClr val="F8F8F8"/>
+                </a:solidFill>
+              </a:rPr>
+              <a:t/>
+            </a:r>
+            <a:br>
+              <a:rPr lang="bg-BG" sz="2400" dirty="0">
+                <a:solidFill>
+                  <a:srgbClr val="F8F8F8"/>
+                </a:solidFill>
+              </a:rPr>
+            </a:br>
+            <a:r>
+              <a:rPr lang="en-US" sz="2400" dirty="0" err="1">
+                <a:solidFill>
+                  <a:srgbClr val="F8F8F8"/>
+                </a:solidFill>
+              </a:rPr>
+              <a:t>some_function</a:t>
+            </a:r>
+            <a:r>
+              <a:rPr lang="en-US" sz="2400" dirty="0">
+                <a:solidFill>
+                  <a:srgbClr val="F8F8F8"/>
+                </a:solidFill>
+              </a:rPr>
+              <a:t>(</a:t>
+            </a:r>
+            <a:r>
+              <a:rPr lang="en-US" sz="2400" dirty="0">
+                <a:solidFill>
+                  <a:srgbClr val="D8FA3C"/>
+                </a:solidFill>
+              </a:rPr>
+              <a:t>5</a:t>
+            </a:r>
+            <a:r>
+              <a:rPr lang="en-US" sz="2400" dirty="0">
+                <a:solidFill>
+                  <a:srgbClr val="F8F8F8"/>
+                </a:solidFill>
+              </a:rPr>
+              <a:t>, </a:t>
+            </a:r>
+            <a:r>
+              <a:rPr lang="en-US" sz="2400" dirty="0">
+                <a:solidFill>
+                  <a:srgbClr val="D8FA3C"/>
+                </a:solidFill>
+              </a:rPr>
+              <a:t>15</a:t>
+            </a:r>
+            <a:r>
+              <a:rPr lang="en-US" sz="2400" dirty="0">
+                <a:solidFill>
+                  <a:srgbClr val="F8F8F8"/>
+                </a:solidFill>
+              </a:rPr>
+              <a:t>, </a:t>
+            </a:r>
+            <a:r>
+              <a:rPr lang="en-US" sz="2400" dirty="0">
+                <a:solidFill>
+                  <a:srgbClr val="FBDE2D"/>
+                </a:solidFill>
+              </a:rPr>
+              <a:t>function</a:t>
+            </a:r>
+            <a:r>
+              <a:rPr lang="en-US" sz="2400" dirty="0">
+                <a:solidFill>
+                  <a:srgbClr val="F8F8F8"/>
+                </a:solidFill>
+              </a:rPr>
+              <a:t>(</a:t>
+            </a:r>
+            <a:r>
+              <a:rPr lang="en-US" sz="2400" dirty="0" err="1">
+                <a:solidFill>
+                  <a:srgbClr val="F8F8F8"/>
+                </a:solidFill>
+              </a:rPr>
+              <a:t>num</a:t>
+            </a:r>
+            <a:r>
+              <a:rPr lang="en-US" sz="2400" dirty="0">
+                <a:solidFill>
+                  <a:srgbClr val="F8F8F8"/>
+                </a:solidFill>
+              </a:rPr>
+              <a:t>) {</a:t>
+            </a:r>
+            <a:br>
+              <a:rPr lang="en-US" sz="2400" dirty="0">
+                <a:solidFill>
+                  <a:srgbClr val="F8F8F8"/>
+                </a:solidFill>
+              </a:rPr>
+            </a:br>
+            <a:r>
+              <a:rPr lang="en-US" sz="2400" dirty="0">
+                <a:solidFill>
+                  <a:srgbClr val="F8F8F8"/>
+                </a:solidFill>
+              </a:rPr>
+              <a:t>  console.log(</a:t>
+            </a:r>
+            <a:r>
+              <a:rPr lang="en-US" sz="2400" dirty="0">
+                <a:solidFill>
+                  <a:srgbClr val="61CE3C"/>
+                </a:solidFill>
+              </a:rPr>
+              <a:t>"callback called! "</a:t>
+            </a:r>
+            <a:r>
+              <a:rPr lang="en-US" sz="2400" dirty="0">
+                <a:solidFill>
+                  <a:srgbClr val="F8F8F8"/>
+                </a:solidFill>
+              </a:rPr>
+              <a:t> + </a:t>
+            </a:r>
+            <a:r>
+              <a:rPr lang="en-US" sz="2400" dirty="0" err="1">
+                <a:solidFill>
+                  <a:srgbClr val="F8F8F8"/>
+                </a:solidFill>
+              </a:rPr>
+              <a:t>num</a:t>
+            </a:r>
+            <a:r>
+              <a:rPr lang="en-US" sz="2400" dirty="0">
+                <a:solidFill>
+                  <a:srgbClr val="F8F8F8"/>
+                </a:solidFill>
+              </a:rPr>
+              <a:t>);</a:t>
+            </a:r>
+            <a:br>
+              <a:rPr lang="en-US" sz="2400" dirty="0">
+                <a:solidFill>
+                  <a:srgbClr val="F8F8F8"/>
+                </a:solidFill>
+              </a:rPr>
+            </a:br>
+            <a:r>
+              <a:rPr lang="bg-BG" sz="2400" dirty="0">
+                <a:solidFill>
+                  <a:srgbClr val="F8F8F8"/>
+                </a:solidFill>
+              </a:rPr>
+              <a:t>});</a:t>
+            </a:r>
+            <a:endParaRPr lang="bg-BG" sz="2400" dirty="0"/>
           </a:p>
         </p:txBody>
       </p:sp>
     </p:spTree>
     <p:extLst>
       <p:ext uri="{BB962C8B-B14F-4D97-AF65-F5344CB8AC3E}">
-        <p14:creationId xmlns:p14="http://schemas.microsoft.com/office/powerpoint/2010/main" val="2895397118"/>
+        <p14:creationId xmlns:p14="http://schemas.microsoft.com/office/powerpoint/2010/main" val="1944296581"/>
       </p:ext>
     </p:extLst>
   </p:cSld>
@@ -7082,6 +7208,86 @@
 </file>
 
 <file path=ppt/slides/slide18.xml><?xml version="1.0" encoding="utf-8"?>
+<p:sld xmlns:a="http://schemas.openxmlformats.org/drawingml/2006/main" xmlns:r="http://schemas.openxmlformats.org/officeDocument/2006/relationships" xmlns:p="http://schemas.openxmlformats.org/presentationml/2006/main">
+  <p:cSld>
+    <p:spTree>
+      <p:nvGrpSpPr>
+        <p:cNvPr id="1" name=""/>
+        <p:cNvGrpSpPr/>
+        <p:nvPr/>
+      </p:nvGrpSpPr>
+      <p:grpSpPr>
+        <a:xfrm>
+          <a:off x="0" y="0"/>
+          <a:ext cx="0" cy="0"/>
+          <a:chOff x="0" y="0"/>
+          <a:chExt cx="0" cy="0"/>
+        </a:xfrm>
+      </p:grpSpPr>
+      <p:sp>
+        <p:nvSpPr>
+          <p:cNvPr id="5" name="Title 4"/>
+          <p:cNvSpPr>
+            <a:spLocks noGrp="1"/>
+          </p:cNvSpPr>
+          <p:nvPr>
+            <p:ph type="title"/>
+          </p:nvPr>
+        </p:nvSpPr>
+        <p:spPr/>
+        <p:txBody>
+          <a:bodyPr/>
+          <a:lstStyle/>
+          <a:p>
+            <a:r>
+              <a:rPr lang="en-US" dirty="0"/>
+              <a:t>Demo </a:t>
+            </a:r>
+            <a:r>
+              <a:rPr lang="en-US" dirty="0" err="1"/>
+              <a:t>javascripts</a:t>
+            </a:r>
+            <a:endParaRPr lang="bg-BG" dirty="0"/>
+          </a:p>
+        </p:txBody>
+      </p:sp>
+      <p:sp>
+        <p:nvSpPr>
+          <p:cNvPr id="6" name="Text Placeholder 5"/>
+          <p:cNvSpPr>
+            <a:spLocks noGrp="1"/>
+          </p:cNvSpPr>
+          <p:nvPr>
+            <p:ph type="body" idx="1"/>
+          </p:nvPr>
+        </p:nvSpPr>
+        <p:spPr/>
+        <p:txBody>
+          <a:bodyPr/>
+          <a:lstStyle/>
+          <a:p>
+            <a:r>
+              <a:rPr lang="en-US" smtClean="0"/>
+              <a:t>ex2.0, ex2.1</a:t>
+            </a:r>
+            <a:endParaRPr lang="bg-BG" dirty="0"/>
+          </a:p>
+        </p:txBody>
+      </p:sp>
+    </p:spTree>
+    <p:extLst>
+      <p:ext uri="{BB962C8B-B14F-4D97-AF65-F5344CB8AC3E}">
+        <p14:creationId xmlns:p14="http://schemas.microsoft.com/office/powerpoint/2010/main" val="1587184532"/>
+      </p:ext>
+    </p:extLst>
+  </p:cSld>
+  <p:clrMapOvr>
+    <a:masterClrMapping/>
+  </p:clrMapOvr>
+</p:sld>
+</file>
+
+<file path=ppt/slides/slide19.xml><?xml version="1.0" encoding="utf-8"?>
 <p:sld xmlns:a="http://schemas.openxmlformats.org/drawingml/2006/main" xmlns:r="http://schemas.openxmlformats.org/officeDocument/2006/relationships" xmlns:p="http://schemas.openxmlformats.org/presentationml/2006/main">
   <p:cSld>
     <p:bg>
@@ -7206,684 +7412,6 @@
     <p:extLst>
       <p:ext uri="{BB962C8B-B14F-4D97-AF65-F5344CB8AC3E}">
         <p14:creationId xmlns:p14="http://schemas.microsoft.com/office/powerpoint/2010/main" val="1995977215"/>
-      </p:ext>
-    </p:extLst>
-  </p:cSld>
-  <p:clrMapOvr>
-    <a:masterClrMapping/>
-  </p:clrMapOvr>
-</p:sld>
-</file>
-
-<file path=ppt/slides/slide19.xml><?xml version="1.0" encoding="utf-8"?>
-<p:sld xmlns:a="http://schemas.openxmlformats.org/drawingml/2006/main" xmlns:r="http://schemas.openxmlformats.org/officeDocument/2006/relationships" xmlns:p="http://schemas.openxmlformats.org/presentationml/2006/main">
-  <p:cSld>
-    <p:spTree>
-      <p:nvGrpSpPr>
-        <p:cNvPr id="1" name=""/>
-        <p:cNvGrpSpPr/>
-        <p:nvPr/>
-      </p:nvGrpSpPr>
-      <p:grpSpPr>
-        <a:xfrm>
-          <a:off x="0" y="0"/>
-          <a:ext cx="0" cy="0"/>
-          <a:chOff x="0" y="0"/>
-          <a:chExt cx="0" cy="0"/>
-        </a:xfrm>
-      </p:grpSpPr>
-      <p:sp>
-        <p:nvSpPr>
-          <p:cNvPr id="11" name="Text Placeholder 10"/>
-          <p:cNvSpPr>
-            <a:spLocks noGrp="1"/>
-          </p:cNvSpPr>
-          <p:nvPr>
-            <p:ph type="body" sz="quarter" idx="13"/>
-          </p:nvPr>
-        </p:nvSpPr>
-        <p:spPr>
-          <a:xfrm>
-            <a:off x="734292" y="5234187"/>
-            <a:ext cx="5609358" cy="574962"/>
-          </a:xfrm>
-        </p:spPr>
-        <p:txBody>
-          <a:bodyPr>
-            <a:normAutofit/>
-          </a:bodyPr>
-          <a:lstStyle/>
-          <a:p>
-            <a:r>
-              <a:rPr lang="en-US" dirty="0"/>
-              <a:t>Module Pattern in </a:t>
-            </a:r>
-            <a:r>
-              <a:rPr lang="en-US" dirty="0" err="1"/>
-              <a:t>NodeJS</a:t>
-            </a:r>
-            <a:endParaRPr lang="bg-BG" dirty="0"/>
-          </a:p>
-        </p:txBody>
-      </p:sp>
-      <p:sp>
-        <p:nvSpPr>
-          <p:cNvPr id="4" name="Title 3"/>
-          <p:cNvSpPr>
-            <a:spLocks noGrp="1"/>
-          </p:cNvSpPr>
-          <p:nvPr>
-            <p:ph type="title"/>
-          </p:nvPr>
-        </p:nvSpPr>
-        <p:spPr/>
-        <p:txBody>
-          <a:bodyPr>
-            <a:normAutofit/>
-          </a:bodyPr>
-          <a:lstStyle/>
-          <a:p>
-            <a:r>
-              <a:rPr lang="en-US" sz="2400" dirty="0">
-                <a:solidFill>
-                  <a:srgbClr val="608B4E"/>
-                </a:solidFill>
-                <a:latin typeface="Consolas" panose="020B0609020204030204" pitchFamily="49" charset="0"/>
-              </a:rPr>
-              <a:t>//file </a:t>
-            </a:r>
-            <a:r>
-              <a:rPr lang="en-US" sz="2400" dirty="0">
-                <a:solidFill>
-                  <a:srgbClr val="CE9178"/>
-                </a:solidFill>
-                <a:latin typeface="Consolas" panose="020B0609020204030204" pitchFamily="49" charset="0"/>
-              </a:rPr>
-              <a:t>square.js</a:t>
-            </a:r>
-            <a:r>
-              <a:rPr lang="en-US" sz="2400" dirty="0">
-                <a:solidFill>
-                  <a:srgbClr val="4EC9B0"/>
-                </a:solidFill>
-                <a:latin typeface="Consolas" panose="020B0609020204030204" pitchFamily="49" charset="0"/>
-              </a:rPr>
-              <a:t/>
-            </a:r>
-            <a:br>
-              <a:rPr lang="en-US" sz="2400" dirty="0">
-                <a:solidFill>
-                  <a:srgbClr val="4EC9B0"/>
-                </a:solidFill>
-                <a:latin typeface="Consolas" panose="020B0609020204030204" pitchFamily="49" charset="0"/>
-              </a:rPr>
-            </a:br>
-            <a:r>
-              <a:rPr lang="en-US" sz="2400" dirty="0" err="1">
-                <a:solidFill>
-                  <a:srgbClr val="4EC9B0"/>
-                </a:solidFill>
-                <a:latin typeface="Consolas" panose="020B0609020204030204" pitchFamily="49" charset="0"/>
-              </a:rPr>
-              <a:t>module</a:t>
-            </a:r>
-            <a:r>
-              <a:rPr lang="en-US" sz="2400" dirty="0" err="1">
-                <a:solidFill>
-                  <a:srgbClr val="D4D4D4"/>
-                </a:solidFill>
-                <a:latin typeface="Consolas" panose="020B0609020204030204" pitchFamily="49" charset="0"/>
-              </a:rPr>
-              <a:t>.</a:t>
-            </a:r>
-            <a:r>
-              <a:rPr lang="en-US" sz="2400" dirty="0" err="1">
-                <a:solidFill>
-                  <a:srgbClr val="4EC9B0"/>
-                </a:solidFill>
-                <a:latin typeface="Consolas" panose="020B0609020204030204" pitchFamily="49" charset="0"/>
-              </a:rPr>
-              <a:t>exports</a:t>
-            </a:r>
-            <a:r>
-              <a:rPr lang="en-US" sz="2400" dirty="0">
-                <a:solidFill>
-                  <a:srgbClr val="D4D4D4"/>
-                </a:solidFill>
-                <a:latin typeface="Consolas" panose="020B0609020204030204" pitchFamily="49" charset="0"/>
-              </a:rPr>
-              <a:t> = (</a:t>
-            </a:r>
-            <a:r>
-              <a:rPr lang="en-US" sz="2400" dirty="0">
-                <a:solidFill>
-                  <a:srgbClr val="9CDCFE"/>
-                </a:solidFill>
-                <a:latin typeface="Consolas" panose="020B0609020204030204" pitchFamily="49" charset="0"/>
-              </a:rPr>
-              <a:t>width</a:t>
-            </a:r>
-            <a:r>
-              <a:rPr lang="en-US" sz="2400" dirty="0">
-                <a:solidFill>
-                  <a:srgbClr val="D4D4D4"/>
-                </a:solidFill>
-                <a:latin typeface="Consolas" panose="020B0609020204030204" pitchFamily="49" charset="0"/>
-              </a:rPr>
-              <a:t>) </a:t>
-            </a:r>
-            <a:r>
-              <a:rPr lang="en-US" sz="2400" dirty="0">
-                <a:solidFill>
-                  <a:srgbClr val="569CD6"/>
-                </a:solidFill>
-                <a:latin typeface="Consolas" panose="020B0609020204030204" pitchFamily="49" charset="0"/>
-              </a:rPr>
-              <a:t>=&gt;</a:t>
-            </a:r>
-            <a:r>
-              <a:rPr lang="en-US" sz="2400" dirty="0">
-                <a:solidFill>
-                  <a:srgbClr val="D4D4D4"/>
-                </a:solidFill>
-                <a:latin typeface="Consolas" panose="020B0609020204030204" pitchFamily="49" charset="0"/>
-              </a:rPr>
-              <a:t> {</a:t>
-            </a:r>
-            <a:br>
-              <a:rPr lang="en-US" sz="2400" dirty="0">
-                <a:solidFill>
-                  <a:srgbClr val="D4D4D4"/>
-                </a:solidFill>
-                <a:latin typeface="Consolas" panose="020B0609020204030204" pitchFamily="49" charset="0"/>
-              </a:rPr>
-            </a:br>
-            <a:r>
-              <a:rPr lang="en-US" sz="2400" dirty="0">
-                <a:solidFill>
-                  <a:srgbClr val="D4D4D4"/>
-                </a:solidFill>
-                <a:latin typeface="Consolas" panose="020B0609020204030204" pitchFamily="49" charset="0"/>
-              </a:rPr>
-              <a:t>  </a:t>
-            </a:r>
-            <a:r>
-              <a:rPr lang="en-US" sz="2400" dirty="0">
-                <a:solidFill>
-                  <a:srgbClr val="C586C0"/>
-                </a:solidFill>
-                <a:latin typeface="Consolas" panose="020B0609020204030204" pitchFamily="49" charset="0"/>
-              </a:rPr>
-              <a:t>return</a:t>
-            </a:r>
-            <a:r>
-              <a:rPr lang="en-US" sz="2400" dirty="0">
-                <a:solidFill>
-                  <a:srgbClr val="D4D4D4"/>
-                </a:solidFill>
-                <a:latin typeface="Consolas" panose="020B0609020204030204" pitchFamily="49" charset="0"/>
-              </a:rPr>
-              <a:t> {</a:t>
-            </a:r>
-            <a:br>
-              <a:rPr lang="en-US" sz="2400" dirty="0">
-                <a:solidFill>
-                  <a:srgbClr val="D4D4D4"/>
-                </a:solidFill>
-                <a:latin typeface="Consolas" panose="020B0609020204030204" pitchFamily="49" charset="0"/>
-              </a:rPr>
-            </a:br>
-            <a:r>
-              <a:rPr lang="en-US" sz="2400" dirty="0">
-                <a:solidFill>
-                  <a:srgbClr val="D4D4D4"/>
-                </a:solidFill>
-                <a:latin typeface="Consolas" panose="020B0609020204030204" pitchFamily="49" charset="0"/>
-              </a:rPr>
-              <a:t>    </a:t>
-            </a:r>
-            <a:r>
-              <a:rPr lang="en-US" sz="2400" dirty="0">
-                <a:solidFill>
-                  <a:srgbClr val="9CDCFE"/>
-                </a:solidFill>
-                <a:latin typeface="Consolas" panose="020B0609020204030204" pitchFamily="49" charset="0"/>
-              </a:rPr>
-              <a:t>area:</a:t>
-            </a:r>
-            <a:r>
-              <a:rPr lang="en-US" sz="2400" dirty="0">
-                <a:solidFill>
-                  <a:srgbClr val="D4D4D4"/>
-                </a:solidFill>
-                <a:latin typeface="Consolas" panose="020B0609020204030204" pitchFamily="49" charset="0"/>
-              </a:rPr>
-              <a:t> () </a:t>
-            </a:r>
-            <a:r>
-              <a:rPr lang="en-US" sz="2400" dirty="0">
-                <a:solidFill>
-                  <a:srgbClr val="569CD6"/>
-                </a:solidFill>
-                <a:latin typeface="Consolas" panose="020B0609020204030204" pitchFamily="49" charset="0"/>
-              </a:rPr>
-              <a:t>=&gt;</a:t>
-            </a:r>
-            <a:r>
-              <a:rPr lang="en-US" sz="2400" dirty="0">
-                <a:solidFill>
-                  <a:srgbClr val="D4D4D4"/>
-                </a:solidFill>
-                <a:latin typeface="Consolas" panose="020B0609020204030204" pitchFamily="49" charset="0"/>
-              </a:rPr>
-              <a:t> </a:t>
-            </a:r>
-            <a:r>
-              <a:rPr lang="en-US" sz="2400" dirty="0">
-                <a:solidFill>
-                  <a:srgbClr val="9CDCFE"/>
-                </a:solidFill>
-                <a:latin typeface="Consolas" panose="020B0609020204030204" pitchFamily="49" charset="0"/>
-              </a:rPr>
-              <a:t>width</a:t>
-            </a:r>
-            <a:r>
-              <a:rPr lang="en-US" sz="2400" dirty="0">
-                <a:solidFill>
-                  <a:srgbClr val="D4D4D4"/>
-                </a:solidFill>
-                <a:latin typeface="Consolas" panose="020B0609020204030204" pitchFamily="49" charset="0"/>
-              </a:rPr>
-              <a:t> * </a:t>
-            </a:r>
-            <a:r>
-              <a:rPr lang="en-US" sz="2400" dirty="0">
-                <a:solidFill>
-                  <a:srgbClr val="9CDCFE"/>
-                </a:solidFill>
-                <a:latin typeface="Consolas" panose="020B0609020204030204" pitchFamily="49" charset="0"/>
-              </a:rPr>
-              <a:t>width</a:t>
-            </a:r>
-            <a:r>
-              <a:rPr lang="en-US" sz="2400" dirty="0">
-                <a:solidFill>
-                  <a:srgbClr val="D4D4D4"/>
-                </a:solidFill>
-                <a:latin typeface="Consolas" panose="020B0609020204030204" pitchFamily="49" charset="0"/>
-              </a:rPr>
-              <a:t/>
-            </a:r>
-            <a:br>
-              <a:rPr lang="en-US" sz="2400" dirty="0">
-                <a:solidFill>
-                  <a:srgbClr val="D4D4D4"/>
-                </a:solidFill>
-                <a:latin typeface="Consolas" panose="020B0609020204030204" pitchFamily="49" charset="0"/>
-              </a:rPr>
-            </a:br>
-            <a:r>
-              <a:rPr lang="en-US" sz="2400" dirty="0">
-                <a:solidFill>
-                  <a:srgbClr val="D4D4D4"/>
-                </a:solidFill>
-                <a:latin typeface="Consolas" panose="020B0609020204030204" pitchFamily="49" charset="0"/>
-              </a:rPr>
-              <a:t>  };</a:t>
-            </a:r>
-            <a:br>
-              <a:rPr lang="en-US" sz="2400" dirty="0">
-                <a:solidFill>
-                  <a:srgbClr val="D4D4D4"/>
-                </a:solidFill>
-                <a:latin typeface="Consolas" panose="020B0609020204030204" pitchFamily="49" charset="0"/>
-              </a:rPr>
-            </a:br>
-            <a:r>
-              <a:rPr lang="en-US" sz="2400" dirty="0">
-                <a:solidFill>
-                  <a:srgbClr val="D4D4D4"/>
-                </a:solidFill>
-                <a:latin typeface="Consolas" panose="020B0609020204030204" pitchFamily="49" charset="0"/>
-              </a:rPr>
-              <a:t>}</a:t>
-            </a:r>
-            <a:br>
-              <a:rPr lang="en-US" sz="2400" dirty="0">
-                <a:solidFill>
-                  <a:srgbClr val="D4D4D4"/>
-                </a:solidFill>
-                <a:latin typeface="Consolas" panose="020B0609020204030204" pitchFamily="49" charset="0"/>
-              </a:rPr>
-            </a:br>
-            <a:r>
-              <a:rPr lang="en-US" sz="2400" dirty="0">
-                <a:solidFill>
-                  <a:srgbClr val="D4D4D4"/>
-                </a:solidFill>
-                <a:latin typeface="Consolas" panose="020B0609020204030204" pitchFamily="49" charset="0"/>
-              </a:rPr>
-              <a:t/>
-            </a:r>
-            <a:br>
-              <a:rPr lang="en-US" sz="2400" dirty="0">
-                <a:solidFill>
-                  <a:srgbClr val="D4D4D4"/>
-                </a:solidFill>
-                <a:latin typeface="Consolas" panose="020B0609020204030204" pitchFamily="49" charset="0"/>
-              </a:rPr>
-            </a:br>
-            <a:r>
-              <a:rPr lang="en-US" sz="2400" dirty="0">
-                <a:solidFill>
-                  <a:srgbClr val="608B4E"/>
-                </a:solidFill>
-                <a:latin typeface="Consolas" panose="020B0609020204030204" pitchFamily="49" charset="0"/>
-              </a:rPr>
-              <a:t>//</a:t>
-            </a:r>
-            <a:r>
-              <a:rPr lang="en-US" sz="2400">
-                <a:solidFill>
-                  <a:srgbClr val="608B4E"/>
-                </a:solidFill>
-                <a:latin typeface="Consolas" panose="020B0609020204030204" pitchFamily="49" charset="0"/>
-              </a:rPr>
-              <a:t>file </a:t>
-            </a:r>
-            <a:r>
-              <a:rPr lang="en-US" sz="2400">
-                <a:solidFill>
-                  <a:srgbClr val="CE9178"/>
-                </a:solidFill>
-                <a:latin typeface="Consolas" panose="020B0609020204030204" pitchFamily="49" charset="0"/>
-              </a:rPr>
-              <a:t>export.</a:t>
-            </a:r>
-            <a:r>
-              <a:rPr lang="en-US" sz="2400" dirty="0">
-                <a:solidFill>
-                  <a:srgbClr val="CE9178"/>
-                </a:solidFill>
-                <a:latin typeface="Consolas" panose="020B0609020204030204" pitchFamily="49" charset="0"/>
-              </a:rPr>
-              <a:t>js</a:t>
-            </a:r>
-            <a:r>
-              <a:rPr lang="en-US" sz="2400" dirty="0">
-                <a:solidFill>
-                  <a:srgbClr val="D4D4D4"/>
-                </a:solidFill>
-                <a:latin typeface="Consolas" panose="020B0609020204030204" pitchFamily="49" charset="0"/>
-              </a:rPr>
-              <a:t/>
-            </a:r>
-            <a:br>
-              <a:rPr lang="en-US" sz="2400" dirty="0">
-                <a:solidFill>
-                  <a:srgbClr val="D4D4D4"/>
-                </a:solidFill>
-                <a:latin typeface="Consolas" panose="020B0609020204030204" pitchFamily="49" charset="0"/>
-              </a:rPr>
-            </a:br>
-            <a:r>
-              <a:rPr lang="en-US" sz="2400" dirty="0" err="1">
-                <a:solidFill>
-                  <a:srgbClr val="569CD6"/>
-                </a:solidFill>
-                <a:latin typeface="Consolas" panose="020B0609020204030204" pitchFamily="49" charset="0"/>
-              </a:rPr>
-              <a:t>const</a:t>
-            </a:r>
-            <a:r>
-              <a:rPr lang="en-US" sz="2400" dirty="0">
-                <a:solidFill>
-                  <a:srgbClr val="D4D4D4"/>
-                </a:solidFill>
-                <a:latin typeface="Consolas" panose="020B0609020204030204" pitchFamily="49" charset="0"/>
-              </a:rPr>
-              <a:t> </a:t>
-            </a:r>
-            <a:r>
-              <a:rPr lang="en-US" sz="2400" dirty="0">
-                <a:solidFill>
-                  <a:srgbClr val="9CDCFE"/>
-                </a:solidFill>
-                <a:latin typeface="Consolas" panose="020B0609020204030204" pitchFamily="49" charset="0"/>
-              </a:rPr>
-              <a:t>square</a:t>
-            </a:r>
-            <a:r>
-              <a:rPr lang="en-US" sz="2400" dirty="0">
-                <a:solidFill>
-                  <a:srgbClr val="D4D4D4"/>
-                </a:solidFill>
-                <a:latin typeface="Consolas" panose="020B0609020204030204" pitchFamily="49" charset="0"/>
-              </a:rPr>
-              <a:t> = </a:t>
-            </a:r>
-            <a:r>
-              <a:rPr lang="en-US" sz="2400" dirty="0">
-                <a:solidFill>
-                  <a:srgbClr val="DCDCAA"/>
-                </a:solidFill>
-                <a:latin typeface="Consolas" panose="020B0609020204030204" pitchFamily="49" charset="0"/>
-              </a:rPr>
-              <a:t>require</a:t>
-            </a:r>
-            <a:r>
-              <a:rPr lang="en-US" sz="2400" dirty="0">
-                <a:solidFill>
-                  <a:srgbClr val="D4D4D4"/>
-                </a:solidFill>
-                <a:latin typeface="Consolas" panose="020B0609020204030204" pitchFamily="49" charset="0"/>
-              </a:rPr>
-              <a:t>(</a:t>
-            </a:r>
-            <a:r>
-              <a:rPr lang="en-US" sz="2400" dirty="0">
-                <a:solidFill>
-                  <a:srgbClr val="CE9178"/>
-                </a:solidFill>
-                <a:latin typeface="Consolas" panose="020B0609020204030204" pitchFamily="49" charset="0"/>
-              </a:rPr>
-              <a:t>'./square.js'</a:t>
-            </a:r>
-            <a:r>
-              <a:rPr lang="en-US" sz="2400" dirty="0">
-                <a:solidFill>
-                  <a:srgbClr val="D4D4D4"/>
-                </a:solidFill>
-                <a:latin typeface="Consolas" panose="020B0609020204030204" pitchFamily="49" charset="0"/>
-              </a:rPr>
-              <a:t>);</a:t>
-            </a:r>
-            <a:br>
-              <a:rPr lang="en-US" sz="2400" dirty="0">
-                <a:solidFill>
-                  <a:srgbClr val="D4D4D4"/>
-                </a:solidFill>
-                <a:latin typeface="Consolas" panose="020B0609020204030204" pitchFamily="49" charset="0"/>
-              </a:rPr>
-            </a:br>
-            <a:r>
-              <a:rPr lang="en-US" sz="2400" dirty="0" err="1">
-                <a:solidFill>
-                  <a:srgbClr val="569CD6"/>
-                </a:solidFill>
-                <a:latin typeface="Consolas" panose="020B0609020204030204" pitchFamily="49" charset="0"/>
-              </a:rPr>
-              <a:t>var</a:t>
-            </a:r>
-            <a:r>
-              <a:rPr lang="en-US" sz="2400" dirty="0">
-                <a:solidFill>
-                  <a:srgbClr val="D4D4D4"/>
-                </a:solidFill>
-                <a:latin typeface="Consolas" panose="020B0609020204030204" pitchFamily="49" charset="0"/>
-              </a:rPr>
-              <a:t> </a:t>
-            </a:r>
-            <a:r>
-              <a:rPr lang="en-US" sz="2400" dirty="0" err="1">
-                <a:solidFill>
-                  <a:srgbClr val="9CDCFE"/>
-                </a:solidFill>
-                <a:latin typeface="Consolas" panose="020B0609020204030204" pitchFamily="49" charset="0"/>
-              </a:rPr>
-              <a:t>mySquare</a:t>
-            </a:r>
-            <a:r>
-              <a:rPr lang="en-US" sz="2400" dirty="0">
-                <a:solidFill>
-                  <a:srgbClr val="D4D4D4"/>
-                </a:solidFill>
-                <a:latin typeface="Consolas" panose="020B0609020204030204" pitchFamily="49" charset="0"/>
-              </a:rPr>
-              <a:t> = </a:t>
-            </a:r>
-            <a:r>
-              <a:rPr lang="en-US" sz="2400" dirty="0">
-                <a:solidFill>
-                  <a:srgbClr val="DCDCAA"/>
-                </a:solidFill>
-                <a:latin typeface="Consolas" panose="020B0609020204030204" pitchFamily="49" charset="0"/>
-              </a:rPr>
-              <a:t>square</a:t>
-            </a:r>
-            <a:r>
-              <a:rPr lang="en-US" sz="2400" dirty="0">
-                <a:solidFill>
-                  <a:srgbClr val="D4D4D4"/>
-                </a:solidFill>
-                <a:latin typeface="Consolas" panose="020B0609020204030204" pitchFamily="49" charset="0"/>
-              </a:rPr>
-              <a:t>(</a:t>
-            </a:r>
-            <a:r>
-              <a:rPr lang="en-US" sz="2400" dirty="0">
-                <a:solidFill>
-                  <a:srgbClr val="B5CEA8"/>
-                </a:solidFill>
-                <a:latin typeface="Consolas" panose="020B0609020204030204" pitchFamily="49" charset="0"/>
-              </a:rPr>
-              <a:t>2</a:t>
-            </a:r>
-            <a:r>
-              <a:rPr lang="en-US" sz="2400" dirty="0">
-                <a:solidFill>
-                  <a:srgbClr val="D4D4D4"/>
-                </a:solidFill>
-                <a:latin typeface="Consolas" panose="020B0609020204030204" pitchFamily="49" charset="0"/>
-              </a:rPr>
-              <a:t>);</a:t>
-            </a:r>
-            <a:br>
-              <a:rPr lang="en-US" sz="2400" dirty="0">
-                <a:solidFill>
-                  <a:srgbClr val="D4D4D4"/>
-                </a:solidFill>
-                <a:latin typeface="Consolas" panose="020B0609020204030204" pitchFamily="49" charset="0"/>
-              </a:rPr>
-            </a:br>
-            <a:r>
-              <a:rPr lang="en-US" sz="2400" dirty="0">
-                <a:solidFill>
-                  <a:srgbClr val="4EC9B0"/>
-                </a:solidFill>
-                <a:latin typeface="Consolas" panose="020B0609020204030204" pitchFamily="49" charset="0"/>
-              </a:rPr>
-              <a:t>console</a:t>
-            </a:r>
-            <a:r>
-              <a:rPr lang="en-US" sz="2400" dirty="0">
-                <a:solidFill>
-                  <a:srgbClr val="D4D4D4"/>
-                </a:solidFill>
-                <a:latin typeface="Consolas" panose="020B0609020204030204" pitchFamily="49" charset="0"/>
-              </a:rPr>
-              <a:t>.</a:t>
-            </a:r>
-            <a:r>
-              <a:rPr lang="en-US" sz="2400" dirty="0">
-                <a:solidFill>
-                  <a:srgbClr val="DCDCAA"/>
-                </a:solidFill>
-                <a:latin typeface="Consolas" panose="020B0609020204030204" pitchFamily="49" charset="0"/>
-              </a:rPr>
-              <a:t>log</a:t>
-            </a:r>
-            <a:r>
-              <a:rPr lang="en-US" sz="2400" dirty="0">
-                <a:solidFill>
-                  <a:srgbClr val="D4D4D4"/>
-                </a:solidFill>
-                <a:latin typeface="Consolas" panose="020B0609020204030204" pitchFamily="49" charset="0"/>
-              </a:rPr>
-              <a:t>(</a:t>
-            </a:r>
-            <a:r>
-              <a:rPr lang="en-US" sz="2400" dirty="0">
-                <a:solidFill>
-                  <a:srgbClr val="CE9178"/>
-                </a:solidFill>
-                <a:latin typeface="Consolas" panose="020B0609020204030204" pitchFamily="49" charset="0"/>
-              </a:rPr>
-              <a:t>`The area of my square is ${</a:t>
-            </a:r>
-            <a:r>
-              <a:rPr lang="en-US" sz="2400" dirty="0" err="1">
-                <a:solidFill>
-                  <a:srgbClr val="9CDCFE"/>
-                </a:solidFill>
-                <a:latin typeface="Consolas" panose="020B0609020204030204" pitchFamily="49" charset="0"/>
-              </a:rPr>
-              <a:t>mySquare</a:t>
-            </a:r>
-            <a:r>
-              <a:rPr lang="en-US" sz="2400" dirty="0" err="1">
-                <a:solidFill>
-                  <a:srgbClr val="CE9178"/>
-                </a:solidFill>
-                <a:latin typeface="Consolas" panose="020B0609020204030204" pitchFamily="49" charset="0"/>
-              </a:rPr>
-              <a:t>.</a:t>
-            </a:r>
-            <a:r>
-              <a:rPr lang="en-US" sz="2400" dirty="0" err="1">
-                <a:solidFill>
-                  <a:srgbClr val="DCDCAA"/>
-                </a:solidFill>
-                <a:latin typeface="Consolas" panose="020B0609020204030204" pitchFamily="49" charset="0"/>
-              </a:rPr>
-              <a:t>area</a:t>
-            </a:r>
-            <a:r>
-              <a:rPr lang="en-US" sz="2400" dirty="0">
-                <a:solidFill>
-                  <a:srgbClr val="CE9178"/>
-                </a:solidFill>
-                <a:latin typeface="Consolas" panose="020B0609020204030204" pitchFamily="49" charset="0"/>
-              </a:rPr>
-              <a:t>()}`</a:t>
-            </a:r>
-            <a:r>
-              <a:rPr lang="en-US" sz="2400" dirty="0">
-                <a:solidFill>
-                  <a:srgbClr val="D4D4D4"/>
-                </a:solidFill>
-                <a:latin typeface="Consolas" panose="020B0609020204030204" pitchFamily="49" charset="0"/>
-              </a:rPr>
-              <a:t>);</a:t>
-            </a:r>
-            <a:endParaRPr lang="bg-BG" sz="2400" dirty="0"/>
-          </a:p>
-        </p:txBody>
-      </p:sp>
-    </p:spTree>
-    <p:extLst>
-      <p:ext uri="{BB962C8B-B14F-4D97-AF65-F5344CB8AC3E}">
-        <p14:creationId xmlns:p14="http://schemas.microsoft.com/office/powerpoint/2010/main" val="1619042804"/>
       </p:ext>
     </p:extLst>
   </p:cSld>
@@ -8195,6 +7723,684 @@
       </p:grpSpPr>
       <p:sp>
         <p:nvSpPr>
+          <p:cNvPr id="11" name="Text Placeholder 10"/>
+          <p:cNvSpPr>
+            <a:spLocks noGrp="1"/>
+          </p:cNvSpPr>
+          <p:nvPr>
+            <p:ph type="body" sz="quarter" idx="13"/>
+          </p:nvPr>
+        </p:nvSpPr>
+        <p:spPr>
+          <a:xfrm>
+            <a:off x="734292" y="5234187"/>
+            <a:ext cx="5609358" cy="574962"/>
+          </a:xfrm>
+        </p:spPr>
+        <p:txBody>
+          <a:bodyPr>
+            <a:normAutofit/>
+          </a:bodyPr>
+          <a:lstStyle/>
+          <a:p>
+            <a:r>
+              <a:rPr lang="en-US" dirty="0"/>
+              <a:t>Module Pattern in </a:t>
+            </a:r>
+            <a:r>
+              <a:rPr lang="en-US" dirty="0" err="1"/>
+              <a:t>NodeJS</a:t>
+            </a:r>
+            <a:endParaRPr lang="bg-BG" dirty="0"/>
+          </a:p>
+        </p:txBody>
+      </p:sp>
+      <p:sp>
+        <p:nvSpPr>
+          <p:cNvPr id="4" name="Title 3"/>
+          <p:cNvSpPr>
+            <a:spLocks noGrp="1"/>
+          </p:cNvSpPr>
+          <p:nvPr>
+            <p:ph type="title"/>
+          </p:nvPr>
+        </p:nvSpPr>
+        <p:spPr/>
+        <p:txBody>
+          <a:bodyPr>
+            <a:normAutofit/>
+          </a:bodyPr>
+          <a:lstStyle/>
+          <a:p>
+            <a:r>
+              <a:rPr lang="en-US" sz="2400" dirty="0">
+                <a:solidFill>
+                  <a:srgbClr val="608B4E"/>
+                </a:solidFill>
+                <a:latin typeface="Consolas" panose="020B0609020204030204" pitchFamily="49" charset="0"/>
+              </a:rPr>
+              <a:t>//file </a:t>
+            </a:r>
+            <a:r>
+              <a:rPr lang="en-US" sz="2400" dirty="0">
+                <a:solidFill>
+                  <a:srgbClr val="CE9178"/>
+                </a:solidFill>
+                <a:latin typeface="Consolas" panose="020B0609020204030204" pitchFamily="49" charset="0"/>
+              </a:rPr>
+              <a:t>square.js</a:t>
+            </a:r>
+            <a:r>
+              <a:rPr lang="en-US" sz="2400" dirty="0">
+                <a:solidFill>
+                  <a:srgbClr val="4EC9B0"/>
+                </a:solidFill>
+                <a:latin typeface="Consolas" panose="020B0609020204030204" pitchFamily="49" charset="0"/>
+              </a:rPr>
+              <a:t/>
+            </a:r>
+            <a:br>
+              <a:rPr lang="en-US" sz="2400" dirty="0">
+                <a:solidFill>
+                  <a:srgbClr val="4EC9B0"/>
+                </a:solidFill>
+                <a:latin typeface="Consolas" panose="020B0609020204030204" pitchFamily="49" charset="0"/>
+              </a:rPr>
+            </a:br>
+            <a:r>
+              <a:rPr lang="en-US" sz="2400" dirty="0" err="1">
+                <a:solidFill>
+                  <a:srgbClr val="4EC9B0"/>
+                </a:solidFill>
+                <a:latin typeface="Consolas" panose="020B0609020204030204" pitchFamily="49" charset="0"/>
+              </a:rPr>
+              <a:t>module</a:t>
+            </a:r>
+            <a:r>
+              <a:rPr lang="en-US" sz="2400" dirty="0" err="1">
+                <a:solidFill>
+                  <a:srgbClr val="D4D4D4"/>
+                </a:solidFill>
+                <a:latin typeface="Consolas" panose="020B0609020204030204" pitchFamily="49" charset="0"/>
+              </a:rPr>
+              <a:t>.</a:t>
+            </a:r>
+            <a:r>
+              <a:rPr lang="en-US" sz="2400" dirty="0" err="1">
+                <a:solidFill>
+                  <a:srgbClr val="4EC9B0"/>
+                </a:solidFill>
+                <a:latin typeface="Consolas" panose="020B0609020204030204" pitchFamily="49" charset="0"/>
+              </a:rPr>
+              <a:t>exports</a:t>
+            </a:r>
+            <a:r>
+              <a:rPr lang="en-US" sz="2400" dirty="0">
+                <a:solidFill>
+                  <a:srgbClr val="D4D4D4"/>
+                </a:solidFill>
+                <a:latin typeface="Consolas" panose="020B0609020204030204" pitchFamily="49" charset="0"/>
+              </a:rPr>
+              <a:t> = (</a:t>
+            </a:r>
+            <a:r>
+              <a:rPr lang="en-US" sz="2400" dirty="0">
+                <a:solidFill>
+                  <a:srgbClr val="9CDCFE"/>
+                </a:solidFill>
+                <a:latin typeface="Consolas" panose="020B0609020204030204" pitchFamily="49" charset="0"/>
+              </a:rPr>
+              <a:t>width</a:t>
+            </a:r>
+            <a:r>
+              <a:rPr lang="en-US" sz="2400" dirty="0">
+                <a:solidFill>
+                  <a:srgbClr val="D4D4D4"/>
+                </a:solidFill>
+                <a:latin typeface="Consolas" panose="020B0609020204030204" pitchFamily="49" charset="0"/>
+              </a:rPr>
+              <a:t>) </a:t>
+            </a:r>
+            <a:r>
+              <a:rPr lang="en-US" sz="2400" dirty="0">
+                <a:solidFill>
+                  <a:srgbClr val="569CD6"/>
+                </a:solidFill>
+                <a:latin typeface="Consolas" panose="020B0609020204030204" pitchFamily="49" charset="0"/>
+              </a:rPr>
+              <a:t>=&gt;</a:t>
+            </a:r>
+            <a:r>
+              <a:rPr lang="en-US" sz="2400" dirty="0">
+                <a:solidFill>
+                  <a:srgbClr val="D4D4D4"/>
+                </a:solidFill>
+                <a:latin typeface="Consolas" panose="020B0609020204030204" pitchFamily="49" charset="0"/>
+              </a:rPr>
+              <a:t> {</a:t>
+            </a:r>
+            <a:br>
+              <a:rPr lang="en-US" sz="2400" dirty="0">
+                <a:solidFill>
+                  <a:srgbClr val="D4D4D4"/>
+                </a:solidFill>
+                <a:latin typeface="Consolas" panose="020B0609020204030204" pitchFamily="49" charset="0"/>
+              </a:rPr>
+            </a:br>
+            <a:r>
+              <a:rPr lang="en-US" sz="2400" dirty="0">
+                <a:solidFill>
+                  <a:srgbClr val="D4D4D4"/>
+                </a:solidFill>
+                <a:latin typeface="Consolas" panose="020B0609020204030204" pitchFamily="49" charset="0"/>
+              </a:rPr>
+              <a:t>  </a:t>
+            </a:r>
+            <a:r>
+              <a:rPr lang="en-US" sz="2400" dirty="0">
+                <a:solidFill>
+                  <a:srgbClr val="C586C0"/>
+                </a:solidFill>
+                <a:latin typeface="Consolas" panose="020B0609020204030204" pitchFamily="49" charset="0"/>
+              </a:rPr>
+              <a:t>return</a:t>
+            </a:r>
+            <a:r>
+              <a:rPr lang="en-US" sz="2400" dirty="0">
+                <a:solidFill>
+                  <a:srgbClr val="D4D4D4"/>
+                </a:solidFill>
+                <a:latin typeface="Consolas" panose="020B0609020204030204" pitchFamily="49" charset="0"/>
+              </a:rPr>
+              <a:t> {</a:t>
+            </a:r>
+            <a:br>
+              <a:rPr lang="en-US" sz="2400" dirty="0">
+                <a:solidFill>
+                  <a:srgbClr val="D4D4D4"/>
+                </a:solidFill>
+                <a:latin typeface="Consolas" panose="020B0609020204030204" pitchFamily="49" charset="0"/>
+              </a:rPr>
+            </a:br>
+            <a:r>
+              <a:rPr lang="en-US" sz="2400" dirty="0">
+                <a:solidFill>
+                  <a:srgbClr val="D4D4D4"/>
+                </a:solidFill>
+                <a:latin typeface="Consolas" panose="020B0609020204030204" pitchFamily="49" charset="0"/>
+              </a:rPr>
+              <a:t>    </a:t>
+            </a:r>
+            <a:r>
+              <a:rPr lang="en-US" sz="2400" dirty="0">
+                <a:solidFill>
+                  <a:srgbClr val="9CDCFE"/>
+                </a:solidFill>
+                <a:latin typeface="Consolas" panose="020B0609020204030204" pitchFamily="49" charset="0"/>
+              </a:rPr>
+              <a:t>area:</a:t>
+            </a:r>
+            <a:r>
+              <a:rPr lang="en-US" sz="2400" dirty="0">
+                <a:solidFill>
+                  <a:srgbClr val="D4D4D4"/>
+                </a:solidFill>
+                <a:latin typeface="Consolas" panose="020B0609020204030204" pitchFamily="49" charset="0"/>
+              </a:rPr>
+              <a:t> () </a:t>
+            </a:r>
+            <a:r>
+              <a:rPr lang="en-US" sz="2400" dirty="0">
+                <a:solidFill>
+                  <a:srgbClr val="569CD6"/>
+                </a:solidFill>
+                <a:latin typeface="Consolas" panose="020B0609020204030204" pitchFamily="49" charset="0"/>
+              </a:rPr>
+              <a:t>=&gt;</a:t>
+            </a:r>
+            <a:r>
+              <a:rPr lang="en-US" sz="2400" dirty="0">
+                <a:solidFill>
+                  <a:srgbClr val="D4D4D4"/>
+                </a:solidFill>
+                <a:latin typeface="Consolas" panose="020B0609020204030204" pitchFamily="49" charset="0"/>
+              </a:rPr>
+              <a:t> </a:t>
+            </a:r>
+            <a:r>
+              <a:rPr lang="en-US" sz="2400" dirty="0">
+                <a:solidFill>
+                  <a:srgbClr val="9CDCFE"/>
+                </a:solidFill>
+                <a:latin typeface="Consolas" panose="020B0609020204030204" pitchFamily="49" charset="0"/>
+              </a:rPr>
+              <a:t>width</a:t>
+            </a:r>
+            <a:r>
+              <a:rPr lang="en-US" sz="2400" dirty="0">
+                <a:solidFill>
+                  <a:srgbClr val="D4D4D4"/>
+                </a:solidFill>
+                <a:latin typeface="Consolas" panose="020B0609020204030204" pitchFamily="49" charset="0"/>
+              </a:rPr>
+              <a:t> * </a:t>
+            </a:r>
+            <a:r>
+              <a:rPr lang="en-US" sz="2400" dirty="0">
+                <a:solidFill>
+                  <a:srgbClr val="9CDCFE"/>
+                </a:solidFill>
+                <a:latin typeface="Consolas" panose="020B0609020204030204" pitchFamily="49" charset="0"/>
+              </a:rPr>
+              <a:t>width</a:t>
+            </a:r>
+            <a:r>
+              <a:rPr lang="en-US" sz="2400" dirty="0">
+                <a:solidFill>
+                  <a:srgbClr val="D4D4D4"/>
+                </a:solidFill>
+                <a:latin typeface="Consolas" panose="020B0609020204030204" pitchFamily="49" charset="0"/>
+              </a:rPr>
+              <a:t/>
+            </a:r>
+            <a:br>
+              <a:rPr lang="en-US" sz="2400" dirty="0">
+                <a:solidFill>
+                  <a:srgbClr val="D4D4D4"/>
+                </a:solidFill>
+                <a:latin typeface="Consolas" panose="020B0609020204030204" pitchFamily="49" charset="0"/>
+              </a:rPr>
+            </a:br>
+            <a:r>
+              <a:rPr lang="en-US" sz="2400" dirty="0">
+                <a:solidFill>
+                  <a:srgbClr val="D4D4D4"/>
+                </a:solidFill>
+                <a:latin typeface="Consolas" panose="020B0609020204030204" pitchFamily="49" charset="0"/>
+              </a:rPr>
+              <a:t>  };</a:t>
+            </a:r>
+            <a:br>
+              <a:rPr lang="en-US" sz="2400" dirty="0">
+                <a:solidFill>
+                  <a:srgbClr val="D4D4D4"/>
+                </a:solidFill>
+                <a:latin typeface="Consolas" panose="020B0609020204030204" pitchFamily="49" charset="0"/>
+              </a:rPr>
+            </a:br>
+            <a:r>
+              <a:rPr lang="en-US" sz="2400" dirty="0">
+                <a:solidFill>
+                  <a:srgbClr val="D4D4D4"/>
+                </a:solidFill>
+                <a:latin typeface="Consolas" panose="020B0609020204030204" pitchFamily="49" charset="0"/>
+              </a:rPr>
+              <a:t>}</a:t>
+            </a:r>
+            <a:br>
+              <a:rPr lang="en-US" sz="2400" dirty="0">
+                <a:solidFill>
+                  <a:srgbClr val="D4D4D4"/>
+                </a:solidFill>
+                <a:latin typeface="Consolas" panose="020B0609020204030204" pitchFamily="49" charset="0"/>
+              </a:rPr>
+            </a:br>
+            <a:r>
+              <a:rPr lang="en-US" sz="2400" dirty="0">
+                <a:solidFill>
+                  <a:srgbClr val="D4D4D4"/>
+                </a:solidFill>
+                <a:latin typeface="Consolas" panose="020B0609020204030204" pitchFamily="49" charset="0"/>
+              </a:rPr>
+              <a:t/>
+            </a:r>
+            <a:br>
+              <a:rPr lang="en-US" sz="2400" dirty="0">
+                <a:solidFill>
+                  <a:srgbClr val="D4D4D4"/>
+                </a:solidFill>
+                <a:latin typeface="Consolas" panose="020B0609020204030204" pitchFamily="49" charset="0"/>
+              </a:rPr>
+            </a:br>
+            <a:r>
+              <a:rPr lang="en-US" sz="2400" dirty="0">
+                <a:solidFill>
+                  <a:srgbClr val="608B4E"/>
+                </a:solidFill>
+                <a:latin typeface="Consolas" panose="020B0609020204030204" pitchFamily="49" charset="0"/>
+              </a:rPr>
+              <a:t>//</a:t>
+            </a:r>
+            <a:r>
+              <a:rPr lang="en-US" sz="2400">
+                <a:solidFill>
+                  <a:srgbClr val="608B4E"/>
+                </a:solidFill>
+                <a:latin typeface="Consolas" panose="020B0609020204030204" pitchFamily="49" charset="0"/>
+              </a:rPr>
+              <a:t>file </a:t>
+            </a:r>
+            <a:r>
+              <a:rPr lang="en-US" sz="2400">
+                <a:solidFill>
+                  <a:srgbClr val="CE9178"/>
+                </a:solidFill>
+                <a:latin typeface="Consolas" panose="020B0609020204030204" pitchFamily="49" charset="0"/>
+              </a:rPr>
+              <a:t>export.</a:t>
+            </a:r>
+            <a:r>
+              <a:rPr lang="en-US" sz="2400" dirty="0">
+                <a:solidFill>
+                  <a:srgbClr val="CE9178"/>
+                </a:solidFill>
+                <a:latin typeface="Consolas" panose="020B0609020204030204" pitchFamily="49" charset="0"/>
+              </a:rPr>
+              <a:t>js</a:t>
+            </a:r>
+            <a:r>
+              <a:rPr lang="en-US" sz="2400" dirty="0">
+                <a:solidFill>
+                  <a:srgbClr val="D4D4D4"/>
+                </a:solidFill>
+                <a:latin typeface="Consolas" panose="020B0609020204030204" pitchFamily="49" charset="0"/>
+              </a:rPr>
+              <a:t/>
+            </a:r>
+            <a:br>
+              <a:rPr lang="en-US" sz="2400" dirty="0">
+                <a:solidFill>
+                  <a:srgbClr val="D4D4D4"/>
+                </a:solidFill>
+                <a:latin typeface="Consolas" panose="020B0609020204030204" pitchFamily="49" charset="0"/>
+              </a:rPr>
+            </a:br>
+            <a:r>
+              <a:rPr lang="en-US" sz="2400" dirty="0" err="1">
+                <a:solidFill>
+                  <a:srgbClr val="569CD6"/>
+                </a:solidFill>
+                <a:latin typeface="Consolas" panose="020B0609020204030204" pitchFamily="49" charset="0"/>
+              </a:rPr>
+              <a:t>const</a:t>
+            </a:r>
+            <a:r>
+              <a:rPr lang="en-US" sz="2400" dirty="0">
+                <a:solidFill>
+                  <a:srgbClr val="D4D4D4"/>
+                </a:solidFill>
+                <a:latin typeface="Consolas" panose="020B0609020204030204" pitchFamily="49" charset="0"/>
+              </a:rPr>
+              <a:t> </a:t>
+            </a:r>
+            <a:r>
+              <a:rPr lang="en-US" sz="2400" dirty="0">
+                <a:solidFill>
+                  <a:srgbClr val="9CDCFE"/>
+                </a:solidFill>
+                <a:latin typeface="Consolas" panose="020B0609020204030204" pitchFamily="49" charset="0"/>
+              </a:rPr>
+              <a:t>square</a:t>
+            </a:r>
+            <a:r>
+              <a:rPr lang="en-US" sz="2400" dirty="0">
+                <a:solidFill>
+                  <a:srgbClr val="D4D4D4"/>
+                </a:solidFill>
+                <a:latin typeface="Consolas" panose="020B0609020204030204" pitchFamily="49" charset="0"/>
+              </a:rPr>
+              <a:t> = </a:t>
+            </a:r>
+            <a:r>
+              <a:rPr lang="en-US" sz="2400" dirty="0">
+                <a:solidFill>
+                  <a:srgbClr val="DCDCAA"/>
+                </a:solidFill>
+                <a:latin typeface="Consolas" panose="020B0609020204030204" pitchFamily="49" charset="0"/>
+              </a:rPr>
+              <a:t>require</a:t>
+            </a:r>
+            <a:r>
+              <a:rPr lang="en-US" sz="2400" dirty="0">
+                <a:solidFill>
+                  <a:srgbClr val="D4D4D4"/>
+                </a:solidFill>
+                <a:latin typeface="Consolas" panose="020B0609020204030204" pitchFamily="49" charset="0"/>
+              </a:rPr>
+              <a:t>(</a:t>
+            </a:r>
+            <a:r>
+              <a:rPr lang="en-US" sz="2400" dirty="0">
+                <a:solidFill>
+                  <a:srgbClr val="CE9178"/>
+                </a:solidFill>
+                <a:latin typeface="Consolas" panose="020B0609020204030204" pitchFamily="49" charset="0"/>
+              </a:rPr>
+              <a:t>'./square.js'</a:t>
+            </a:r>
+            <a:r>
+              <a:rPr lang="en-US" sz="2400" dirty="0">
+                <a:solidFill>
+                  <a:srgbClr val="D4D4D4"/>
+                </a:solidFill>
+                <a:latin typeface="Consolas" panose="020B0609020204030204" pitchFamily="49" charset="0"/>
+              </a:rPr>
+              <a:t>);</a:t>
+            </a:r>
+            <a:br>
+              <a:rPr lang="en-US" sz="2400" dirty="0">
+                <a:solidFill>
+                  <a:srgbClr val="D4D4D4"/>
+                </a:solidFill>
+                <a:latin typeface="Consolas" panose="020B0609020204030204" pitchFamily="49" charset="0"/>
+              </a:rPr>
+            </a:br>
+            <a:r>
+              <a:rPr lang="en-US" sz="2400" dirty="0" err="1">
+                <a:solidFill>
+                  <a:srgbClr val="569CD6"/>
+                </a:solidFill>
+                <a:latin typeface="Consolas" panose="020B0609020204030204" pitchFamily="49" charset="0"/>
+              </a:rPr>
+              <a:t>var</a:t>
+            </a:r>
+            <a:r>
+              <a:rPr lang="en-US" sz="2400" dirty="0">
+                <a:solidFill>
+                  <a:srgbClr val="D4D4D4"/>
+                </a:solidFill>
+                <a:latin typeface="Consolas" panose="020B0609020204030204" pitchFamily="49" charset="0"/>
+              </a:rPr>
+              <a:t> </a:t>
+            </a:r>
+            <a:r>
+              <a:rPr lang="en-US" sz="2400" dirty="0" err="1">
+                <a:solidFill>
+                  <a:srgbClr val="9CDCFE"/>
+                </a:solidFill>
+                <a:latin typeface="Consolas" panose="020B0609020204030204" pitchFamily="49" charset="0"/>
+              </a:rPr>
+              <a:t>mySquare</a:t>
+            </a:r>
+            <a:r>
+              <a:rPr lang="en-US" sz="2400" dirty="0">
+                <a:solidFill>
+                  <a:srgbClr val="D4D4D4"/>
+                </a:solidFill>
+                <a:latin typeface="Consolas" panose="020B0609020204030204" pitchFamily="49" charset="0"/>
+              </a:rPr>
+              <a:t> = </a:t>
+            </a:r>
+            <a:r>
+              <a:rPr lang="en-US" sz="2400" dirty="0">
+                <a:solidFill>
+                  <a:srgbClr val="DCDCAA"/>
+                </a:solidFill>
+                <a:latin typeface="Consolas" panose="020B0609020204030204" pitchFamily="49" charset="0"/>
+              </a:rPr>
+              <a:t>square</a:t>
+            </a:r>
+            <a:r>
+              <a:rPr lang="en-US" sz="2400" dirty="0">
+                <a:solidFill>
+                  <a:srgbClr val="D4D4D4"/>
+                </a:solidFill>
+                <a:latin typeface="Consolas" panose="020B0609020204030204" pitchFamily="49" charset="0"/>
+              </a:rPr>
+              <a:t>(</a:t>
+            </a:r>
+            <a:r>
+              <a:rPr lang="en-US" sz="2400" dirty="0">
+                <a:solidFill>
+                  <a:srgbClr val="B5CEA8"/>
+                </a:solidFill>
+                <a:latin typeface="Consolas" panose="020B0609020204030204" pitchFamily="49" charset="0"/>
+              </a:rPr>
+              <a:t>2</a:t>
+            </a:r>
+            <a:r>
+              <a:rPr lang="en-US" sz="2400" dirty="0">
+                <a:solidFill>
+                  <a:srgbClr val="D4D4D4"/>
+                </a:solidFill>
+                <a:latin typeface="Consolas" panose="020B0609020204030204" pitchFamily="49" charset="0"/>
+              </a:rPr>
+              <a:t>);</a:t>
+            </a:r>
+            <a:br>
+              <a:rPr lang="en-US" sz="2400" dirty="0">
+                <a:solidFill>
+                  <a:srgbClr val="D4D4D4"/>
+                </a:solidFill>
+                <a:latin typeface="Consolas" panose="020B0609020204030204" pitchFamily="49" charset="0"/>
+              </a:rPr>
+            </a:br>
+            <a:r>
+              <a:rPr lang="en-US" sz="2400" dirty="0">
+                <a:solidFill>
+                  <a:srgbClr val="4EC9B0"/>
+                </a:solidFill>
+                <a:latin typeface="Consolas" panose="020B0609020204030204" pitchFamily="49" charset="0"/>
+              </a:rPr>
+              <a:t>console</a:t>
+            </a:r>
+            <a:r>
+              <a:rPr lang="en-US" sz="2400" dirty="0">
+                <a:solidFill>
+                  <a:srgbClr val="D4D4D4"/>
+                </a:solidFill>
+                <a:latin typeface="Consolas" panose="020B0609020204030204" pitchFamily="49" charset="0"/>
+              </a:rPr>
+              <a:t>.</a:t>
+            </a:r>
+            <a:r>
+              <a:rPr lang="en-US" sz="2400" dirty="0">
+                <a:solidFill>
+                  <a:srgbClr val="DCDCAA"/>
+                </a:solidFill>
+                <a:latin typeface="Consolas" panose="020B0609020204030204" pitchFamily="49" charset="0"/>
+              </a:rPr>
+              <a:t>log</a:t>
+            </a:r>
+            <a:r>
+              <a:rPr lang="en-US" sz="2400" dirty="0">
+                <a:solidFill>
+                  <a:srgbClr val="D4D4D4"/>
+                </a:solidFill>
+                <a:latin typeface="Consolas" panose="020B0609020204030204" pitchFamily="49" charset="0"/>
+              </a:rPr>
+              <a:t>(</a:t>
+            </a:r>
+            <a:r>
+              <a:rPr lang="en-US" sz="2400" dirty="0">
+                <a:solidFill>
+                  <a:srgbClr val="CE9178"/>
+                </a:solidFill>
+                <a:latin typeface="Consolas" panose="020B0609020204030204" pitchFamily="49" charset="0"/>
+              </a:rPr>
+              <a:t>`The area of my square is ${</a:t>
+            </a:r>
+            <a:r>
+              <a:rPr lang="en-US" sz="2400" dirty="0" err="1">
+                <a:solidFill>
+                  <a:srgbClr val="9CDCFE"/>
+                </a:solidFill>
+                <a:latin typeface="Consolas" panose="020B0609020204030204" pitchFamily="49" charset="0"/>
+              </a:rPr>
+              <a:t>mySquare</a:t>
+            </a:r>
+            <a:r>
+              <a:rPr lang="en-US" sz="2400" dirty="0" err="1">
+                <a:solidFill>
+                  <a:srgbClr val="CE9178"/>
+                </a:solidFill>
+                <a:latin typeface="Consolas" panose="020B0609020204030204" pitchFamily="49" charset="0"/>
+              </a:rPr>
+              <a:t>.</a:t>
+            </a:r>
+            <a:r>
+              <a:rPr lang="en-US" sz="2400" dirty="0" err="1">
+                <a:solidFill>
+                  <a:srgbClr val="DCDCAA"/>
+                </a:solidFill>
+                <a:latin typeface="Consolas" panose="020B0609020204030204" pitchFamily="49" charset="0"/>
+              </a:rPr>
+              <a:t>area</a:t>
+            </a:r>
+            <a:r>
+              <a:rPr lang="en-US" sz="2400" dirty="0">
+                <a:solidFill>
+                  <a:srgbClr val="CE9178"/>
+                </a:solidFill>
+                <a:latin typeface="Consolas" panose="020B0609020204030204" pitchFamily="49" charset="0"/>
+              </a:rPr>
+              <a:t>()}`</a:t>
+            </a:r>
+            <a:r>
+              <a:rPr lang="en-US" sz="2400" dirty="0">
+                <a:solidFill>
+                  <a:srgbClr val="D4D4D4"/>
+                </a:solidFill>
+                <a:latin typeface="Consolas" panose="020B0609020204030204" pitchFamily="49" charset="0"/>
+              </a:rPr>
+              <a:t>);</a:t>
+            </a:r>
+            <a:endParaRPr lang="bg-BG" sz="2400" dirty="0"/>
+          </a:p>
+        </p:txBody>
+      </p:sp>
+    </p:spTree>
+    <p:extLst>
+      <p:ext uri="{BB962C8B-B14F-4D97-AF65-F5344CB8AC3E}">
+        <p14:creationId xmlns:p14="http://schemas.microsoft.com/office/powerpoint/2010/main" val="1619042804"/>
+      </p:ext>
+    </p:extLst>
+  </p:cSld>
+  <p:clrMapOvr>
+    <a:masterClrMapping/>
+  </p:clrMapOvr>
+</p:sld>
+</file>
+
+<file path=ppt/slides/slide21.xml><?xml version="1.0" encoding="utf-8"?>
+<p:sld xmlns:a="http://schemas.openxmlformats.org/drawingml/2006/main" xmlns:r="http://schemas.openxmlformats.org/officeDocument/2006/relationships" xmlns:p="http://schemas.openxmlformats.org/presentationml/2006/main">
+  <p:cSld>
+    <p:spTree>
+      <p:nvGrpSpPr>
+        <p:cNvPr id="1" name=""/>
+        <p:cNvGrpSpPr/>
+        <p:nvPr/>
+      </p:nvGrpSpPr>
+      <p:grpSpPr>
+        <a:xfrm>
+          <a:off x="0" y="0"/>
+          <a:ext cx="0" cy="0"/>
+          <a:chOff x="0" y="0"/>
+          <a:chExt cx="0" cy="0"/>
+        </a:xfrm>
+      </p:grpSpPr>
+      <p:sp>
+        <p:nvSpPr>
           <p:cNvPr id="5" name="Title 4"/>
           <p:cNvSpPr>
             <a:spLocks noGrp="1"/>
@@ -8260,7 +8466,7 @@
 </p:sld>
 </file>
 
-<file path=ppt/slides/slide21.xml><?xml version="1.0" encoding="utf-8"?>
+<file path=ppt/slides/slide22.xml><?xml version="1.0" encoding="utf-8"?>
 <p:sld xmlns:a="http://schemas.openxmlformats.org/drawingml/2006/main" xmlns:r="http://schemas.openxmlformats.org/officeDocument/2006/relationships" xmlns:p="http://schemas.openxmlformats.org/presentationml/2006/main">
   <p:cSld>
     <p:bg>
@@ -8348,141 +8554,6 @@
     <p:extLst>
       <p:ext uri="{BB962C8B-B14F-4D97-AF65-F5344CB8AC3E}">
         <p14:creationId xmlns:p14="http://schemas.microsoft.com/office/powerpoint/2010/main" val="3825447161"/>
-      </p:ext>
-    </p:extLst>
-  </p:cSld>
-  <p:clrMapOvr>
-    <a:masterClrMapping/>
-  </p:clrMapOvr>
-</p:sld>
-</file>
-
-<file path=ppt/slides/slide22.xml><?xml version="1.0" encoding="utf-8"?>
-<p:sld xmlns:a="http://schemas.openxmlformats.org/drawingml/2006/main" xmlns:r="http://schemas.openxmlformats.org/officeDocument/2006/relationships" xmlns:p="http://schemas.openxmlformats.org/presentationml/2006/main">
-  <p:cSld>
-    <p:spTree>
-      <p:nvGrpSpPr>
-        <p:cNvPr id="1" name=""/>
-        <p:cNvGrpSpPr/>
-        <p:nvPr/>
-      </p:nvGrpSpPr>
-      <p:grpSpPr>
-        <a:xfrm>
-          <a:off x="0" y="0"/>
-          <a:ext cx="0" cy="0"/>
-          <a:chOff x="0" y="0"/>
-          <a:chExt cx="0" cy="0"/>
-        </a:xfrm>
-      </p:grpSpPr>
-      <p:sp>
-        <p:nvSpPr>
-          <p:cNvPr id="2" name="Title 1"/>
-          <p:cNvSpPr>
-            <a:spLocks noGrp="1"/>
-          </p:cNvSpPr>
-          <p:nvPr>
-            <p:ph type="title"/>
-          </p:nvPr>
-        </p:nvSpPr>
-        <p:spPr/>
-        <p:txBody>
-          <a:bodyPr>
-            <a:normAutofit/>
-          </a:bodyPr>
-          <a:lstStyle/>
-          <a:p>
-            <a:r>
-              <a:rPr lang="en-US" b="1" u="sng" dirty="0">
-                <a:solidFill>
-                  <a:schemeClr val="tx1"/>
-                </a:solidFill>
-              </a:rPr>
-              <a:t>NPM console</a:t>
-            </a:r>
-            <a:endParaRPr lang="bg-BG" b="1" u="sng" dirty="0">
-              <a:solidFill>
-                <a:schemeClr val="tx1"/>
-              </a:solidFill>
-            </a:endParaRPr>
-          </a:p>
-        </p:txBody>
-      </p:sp>
-      <p:sp>
-        <p:nvSpPr>
-          <p:cNvPr id="5" name="Content Placeholder 4"/>
-          <p:cNvSpPr>
-            <a:spLocks noGrp="1"/>
-          </p:cNvSpPr>
-          <p:nvPr>
-            <p:ph idx="1"/>
-          </p:nvPr>
-        </p:nvSpPr>
-        <p:spPr/>
-        <p:txBody>
-          <a:bodyPr>
-            <a:noAutofit/>
-          </a:bodyPr>
-          <a:lstStyle/>
-          <a:p>
-            <a:r>
-              <a:rPr lang="en-GB" sz="3200" dirty="0" err="1"/>
-              <a:t>npm</a:t>
-            </a:r>
-            <a:r>
-              <a:rPr lang="en-GB" sz="3200" dirty="0"/>
-              <a:t> </a:t>
-            </a:r>
-            <a:r>
-              <a:rPr lang="en-GB" sz="3200" dirty="0" err="1"/>
-              <a:t>init</a:t>
-            </a:r>
-            <a:endParaRPr lang="en-GB" sz="3200" dirty="0"/>
-          </a:p>
-          <a:p>
-            <a:r>
-              <a:rPr lang="en-GB" sz="3200" dirty="0" err="1"/>
-              <a:t>npm</a:t>
-            </a:r>
-            <a:r>
-              <a:rPr lang="en-GB" sz="3200" dirty="0"/>
-              <a:t> install </a:t>
-            </a:r>
-            <a:r>
-              <a:rPr lang="sv-SE" sz="3200" dirty="0"/>
-              <a:t>{package} [{package}]</a:t>
-            </a:r>
-            <a:endParaRPr lang="en-GB" sz="3200" dirty="0"/>
-          </a:p>
-          <a:p>
-            <a:r>
-              <a:rPr lang="sv-SE" sz="3200" dirty="0"/>
-              <a:t>npm install {package} --save</a:t>
-            </a:r>
-            <a:endParaRPr lang="en-GB" sz="3200" dirty="0"/>
-          </a:p>
-          <a:p>
-            <a:r>
-              <a:rPr lang="sv-SE" sz="3200" dirty="0"/>
-              <a:t>npm install {package} --save-dev</a:t>
-            </a:r>
-            <a:endParaRPr lang="en-GB" sz="3200" dirty="0"/>
-          </a:p>
-          <a:p>
-            <a:r>
-              <a:rPr lang="en-GB" sz="3200" dirty="0" err="1"/>
-              <a:t>npm</a:t>
-            </a:r>
-            <a:r>
-              <a:rPr lang="en-GB" sz="3200" dirty="0"/>
-              <a:t> publish</a:t>
-            </a:r>
-          </a:p>
-        </p:txBody>
-      </p:sp>
-    </p:spTree>
-    <p:extLst>
-      <p:ext uri="{BB962C8B-B14F-4D97-AF65-F5344CB8AC3E}">
-        <p14:creationId xmlns:p14="http://schemas.microsoft.com/office/powerpoint/2010/main" val="4292913891"/>
       </p:ext>
     </p:extLst>
   </p:cSld>
@@ -8511,6 +8582,141 @@
       </p:grpSpPr>
       <p:sp>
         <p:nvSpPr>
+          <p:cNvPr id="2" name="Title 1"/>
+          <p:cNvSpPr>
+            <a:spLocks noGrp="1"/>
+          </p:cNvSpPr>
+          <p:nvPr>
+            <p:ph type="title"/>
+          </p:nvPr>
+        </p:nvSpPr>
+        <p:spPr/>
+        <p:txBody>
+          <a:bodyPr>
+            <a:normAutofit/>
+          </a:bodyPr>
+          <a:lstStyle/>
+          <a:p>
+            <a:r>
+              <a:rPr lang="en-US" b="1" u="sng" dirty="0">
+                <a:solidFill>
+                  <a:schemeClr val="tx1"/>
+                </a:solidFill>
+              </a:rPr>
+              <a:t>NPM console</a:t>
+            </a:r>
+            <a:endParaRPr lang="bg-BG" b="1" u="sng" dirty="0">
+              <a:solidFill>
+                <a:schemeClr val="tx1"/>
+              </a:solidFill>
+            </a:endParaRPr>
+          </a:p>
+        </p:txBody>
+      </p:sp>
+      <p:sp>
+        <p:nvSpPr>
+          <p:cNvPr id="5" name="Content Placeholder 4"/>
+          <p:cNvSpPr>
+            <a:spLocks noGrp="1"/>
+          </p:cNvSpPr>
+          <p:nvPr>
+            <p:ph idx="1"/>
+          </p:nvPr>
+        </p:nvSpPr>
+        <p:spPr/>
+        <p:txBody>
+          <a:bodyPr>
+            <a:noAutofit/>
+          </a:bodyPr>
+          <a:lstStyle/>
+          <a:p>
+            <a:r>
+              <a:rPr lang="en-GB" sz="3200" dirty="0" err="1"/>
+              <a:t>npm</a:t>
+            </a:r>
+            <a:r>
+              <a:rPr lang="en-GB" sz="3200" dirty="0"/>
+              <a:t> </a:t>
+            </a:r>
+            <a:r>
+              <a:rPr lang="en-GB" sz="3200" dirty="0" err="1"/>
+              <a:t>init</a:t>
+            </a:r>
+            <a:endParaRPr lang="en-GB" sz="3200" dirty="0"/>
+          </a:p>
+          <a:p>
+            <a:r>
+              <a:rPr lang="en-GB" sz="3200" dirty="0" err="1"/>
+              <a:t>npm</a:t>
+            </a:r>
+            <a:r>
+              <a:rPr lang="en-GB" sz="3200" dirty="0"/>
+              <a:t> install </a:t>
+            </a:r>
+            <a:r>
+              <a:rPr lang="sv-SE" sz="3200" dirty="0"/>
+              <a:t>{package} [{package}]</a:t>
+            </a:r>
+            <a:endParaRPr lang="en-GB" sz="3200" dirty="0"/>
+          </a:p>
+          <a:p>
+            <a:r>
+              <a:rPr lang="sv-SE" sz="3200" dirty="0"/>
+              <a:t>npm install {package} --save</a:t>
+            </a:r>
+            <a:endParaRPr lang="en-GB" sz="3200" dirty="0"/>
+          </a:p>
+          <a:p>
+            <a:r>
+              <a:rPr lang="sv-SE" sz="3200" dirty="0"/>
+              <a:t>npm install {package} --save-dev</a:t>
+            </a:r>
+            <a:endParaRPr lang="en-GB" sz="3200" dirty="0"/>
+          </a:p>
+          <a:p>
+            <a:r>
+              <a:rPr lang="en-GB" sz="3200" dirty="0" err="1"/>
+              <a:t>npm</a:t>
+            </a:r>
+            <a:r>
+              <a:rPr lang="en-GB" sz="3200" dirty="0"/>
+              <a:t> publish</a:t>
+            </a:r>
+          </a:p>
+        </p:txBody>
+      </p:sp>
+    </p:spTree>
+    <p:extLst>
+      <p:ext uri="{BB962C8B-B14F-4D97-AF65-F5344CB8AC3E}">
+        <p14:creationId xmlns:p14="http://schemas.microsoft.com/office/powerpoint/2010/main" val="4292913891"/>
+      </p:ext>
+    </p:extLst>
+  </p:cSld>
+  <p:clrMapOvr>
+    <a:masterClrMapping/>
+  </p:clrMapOvr>
+</p:sld>
+</file>
+
+<file path=ppt/slides/slide24.xml><?xml version="1.0" encoding="utf-8"?>
+<p:sld xmlns:a="http://schemas.openxmlformats.org/drawingml/2006/main" xmlns:r="http://schemas.openxmlformats.org/officeDocument/2006/relationships" xmlns:p="http://schemas.openxmlformats.org/presentationml/2006/main">
+  <p:cSld>
+    <p:spTree>
+      <p:nvGrpSpPr>
+        <p:cNvPr id="1" name=""/>
+        <p:cNvGrpSpPr/>
+        <p:nvPr/>
+      </p:nvGrpSpPr>
+      <p:grpSpPr>
+        <a:xfrm>
+          <a:off x="0" y="0"/>
+          <a:ext cx="0" cy="0"/>
+          <a:chOff x="0" y="0"/>
+          <a:chExt cx="0" cy="0"/>
+        </a:xfrm>
+      </p:grpSpPr>
+      <p:sp>
+        <p:nvSpPr>
           <p:cNvPr id="5" name="Title 4"/>
           <p:cNvSpPr>
             <a:spLocks noGrp="1"/>
@@ -8572,7 +8778,7 @@
 </p:sld>
 </file>
 
-<file path=ppt/slides/slide24.xml><?xml version="1.0" encoding="utf-8"?>
+<file path=ppt/slides/slide25.xml><?xml version="1.0" encoding="utf-8"?>
 <p:sld xmlns:a="http://schemas.openxmlformats.org/drawingml/2006/main" xmlns:r="http://schemas.openxmlformats.org/officeDocument/2006/relationships" xmlns:p="http://schemas.openxmlformats.org/presentationml/2006/main">
   <p:cSld>
     <p:bg>
@@ -8668,111 +8874,6 @@
     <p:extLst>
       <p:ext uri="{BB962C8B-B14F-4D97-AF65-F5344CB8AC3E}">
         <p14:creationId xmlns:p14="http://schemas.microsoft.com/office/powerpoint/2010/main" val="300940235"/>
-      </p:ext>
-    </p:extLst>
-  </p:cSld>
-  <p:clrMapOvr>
-    <a:masterClrMapping/>
-  </p:clrMapOvr>
-</p:sld>
-</file>
-
-<file path=ppt/slides/slide25.xml><?xml version="1.0" encoding="utf-8"?>
-<p:sld xmlns:a="http://schemas.openxmlformats.org/drawingml/2006/main" xmlns:r="http://schemas.openxmlformats.org/officeDocument/2006/relationships" xmlns:p="http://schemas.openxmlformats.org/presentationml/2006/main">
-  <p:cSld>
-    <p:spTree>
-      <p:nvGrpSpPr>
-        <p:cNvPr id="1" name=""/>
-        <p:cNvGrpSpPr/>
-        <p:nvPr/>
-      </p:nvGrpSpPr>
-      <p:grpSpPr>
-        <a:xfrm>
-          <a:off x="0" y="0"/>
-          <a:ext cx="0" cy="0"/>
-          <a:chOff x="0" y="0"/>
-          <a:chExt cx="0" cy="0"/>
-        </a:xfrm>
-      </p:grpSpPr>
-      <p:sp>
-        <p:nvSpPr>
-          <p:cNvPr id="2" name="Title 1"/>
-          <p:cNvSpPr>
-            <a:spLocks noGrp="1"/>
-          </p:cNvSpPr>
-          <p:nvPr>
-            <p:ph type="title"/>
-          </p:nvPr>
-        </p:nvSpPr>
-        <p:spPr/>
-        <p:txBody>
-          <a:bodyPr>
-            <a:normAutofit/>
-          </a:bodyPr>
-          <a:lstStyle/>
-          <a:p>
-            <a:r>
-              <a:rPr lang="en-US" b="1" u="sng" dirty="0">
-                <a:solidFill>
-                  <a:schemeClr val="tx1"/>
-                </a:solidFill>
-              </a:rPr>
-              <a:t>What is REST?</a:t>
-            </a:r>
-            <a:endParaRPr lang="bg-BG" b="1" u="sng" dirty="0">
-              <a:solidFill>
-                <a:schemeClr val="tx1"/>
-              </a:solidFill>
-            </a:endParaRPr>
-          </a:p>
-        </p:txBody>
-      </p:sp>
-      <p:sp>
-        <p:nvSpPr>
-          <p:cNvPr id="5" name="Content Placeholder 4"/>
-          <p:cNvSpPr>
-            <a:spLocks noGrp="1"/>
-          </p:cNvSpPr>
-          <p:nvPr>
-            <p:ph idx="1"/>
-          </p:nvPr>
-        </p:nvSpPr>
-        <p:spPr/>
-        <p:txBody>
-          <a:bodyPr>
-            <a:noAutofit/>
-          </a:bodyPr>
-          <a:lstStyle/>
-          <a:p>
-            <a:r>
-              <a:rPr lang="en-US" sz="3200" dirty="0"/>
-              <a:t>Use HTTP/HTTPS</a:t>
-            </a:r>
-          </a:p>
-          <a:p>
-            <a:r>
-              <a:rPr lang="en-US" sz="3200" dirty="0"/>
-              <a:t>Use Verbs - GET, POST, PUT, DELETE</a:t>
-            </a:r>
-          </a:p>
-          <a:p>
-            <a:r>
-              <a:rPr lang="en-US" sz="3200" dirty="0"/>
-              <a:t>Use Status codes - 200, 201, 400, 403, 404</a:t>
-            </a:r>
-          </a:p>
-          <a:p>
-            <a:r>
-              <a:rPr lang="en-US" sz="3200" dirty="0"/>
-              <a:t>Caller dictates formats – Content-Type &amp; Accept </a:t>
-            </a:r>
-          </a:p>
-        </p:txBody>
-      </p:sp>
-    </p:spTree>
-    <p:extLst>
-      <p:ext uri="{BB962C8B-B14F-4D97-AF65-F5344CB8AC3E}">
-        <p14:creationId xmlns:p14="http://schemas.microsoft.com/office/powerpoint/2010/main" val="1332067026"/>
       </p:ext>
     </p:extLst>
   </p:cSld>
@@ -8811,48 +8912,73 @@
         </p:nvSpPr>
         <p:spPr/>
         <p:txBody>
-          <a:bodyPr/>
-          <a:lstStyle/>
-          <a:p>
-            <a:r>
-              <a:rPr lang="en-US" dirty="0"/>
-              <a:t>Demo </a:t>
-            </a:r>
-            <a:r>
-              <a:rPr lang="en-US" dirty="0" err="1"/>
-              <a:t>expressjs</a:t>
-            </a:r>
-            <a:endParaRPr lang="bg-BG" dirty="0"/>
-          </a:p>
-        </p:txBody>
-      </p:sp>
-      <p:sp>
-        <p:nvSpPr>
-          <p:cNvPr id="4" name="Text Placeholder 3"/>
-          <p:cNvSpPr>
-            <a:spLocks noGrp="1"/>
-          </p:cNvSpPr>
-          <p:nvPr>
-            <p:ph type="body" idx="1"/>
+          <a:bodyPr>
+            <a:normAutofit/>
+          </a:bodyPr>
+          <a:lstStyle/>
+          <a:p>
+            <a:r>
+              <a:rPr lang="en-US" b="1" u="sng" dirty="0">
+                <a:solidFill>
+                  <a:schemeClr val="tx1"/>
+                </a:solidFill>
+              </a:rPr>
+              <a:t>What is REST?</a:t>
+            </a:r>
+            <a:endParaRPr lang="bg-BG" b="1" u="sng" dirty="0">
+              <a:solidFill>
+                <a:schemeClr val="tx1"/>
+              </a:solidFill>
+            </a:endParaRPr>
+          </a:p>
+        </p:txBody>
+      </p:sp>
+      <p:sp>
+        <p:nvSpPr>
+          <p:cNvPr id="5" name="Content Placeholder 4"/>
+          <p:cNvSpPr>
+            <a:spLocks noGrp="1"/>
+          </p:cNvSpPr>
+          <p:nvPr>
+            <p:ph idx="1"/>
           </p:nvPr>
         </p:nvSpPr>
         <p:spPr/>
         <p:txBody>
-          <a:bodyPr/>
-          <a:lstStyle/>
-          <a:p>
-            <a:r>
-              <a:rPr lang="en-US" dirty="0" smtClean="0"/>
-              <a:t>ex4</a:t>
-            </a:r>
-            <a:endParaRPr lang="bg-BG" dirty="0"/>
+          <a:bodyPr>
+            <a:noAutofit/>
+          </a:bodyPr>
+          <a:lstStyle/>
+          <a:p>
+            <a:r>
+              <a:rPr lang="en-US" sz="3200" dirty="0"/>
+              <a:t>Use HTTP/HTTPS</a:t>
+            </a:r>
+          </a:p>
+          <a:p>
+            <a:r>
+              <a:rPr lang="en-US" sz="3200" dirty="0"/>
+              <a:t>Use Verbs - GET, POST, PUT, DELETE</a:t>
+            </a:r>
+          </a:p>
+          <a:p>
+            <a:r>
+              <a:rPr lang="en-US" sz="3200" dirty="0"/>
+              <a:t>Use Status codes - 200, 201, 400, 403, 404</a:t>
+            </a:r>
+          </a:p>
+          <a:p>
+            <a:r>
+              <a:rPr lang="en-US" sz="3200" dirty="0"/>
+              <a:t>Caller dictates formats – Content-Type &amp; Accept </a:t>
+            </a:r>
           </a:p>
         </p:txBody>
       </p:sp>
     </p:spTree>
     <p:extLst>
       <p:ext uri="{BB962C8B-B14F-4D97-AF65-F5344CB8AC3E}">
-        <p14:creationId xmlns:p14="http://schemas.microsoft.com/office/powerpoint/2010/main" val="2691171274"/>
+        <p14:creationId xmlns:p14="http://schemas.microsoft.com/office/powerpoint/2010/main" val="1332067026"/>
       </p:ext>
     </p:extLst>
   </p:cSld>
@@ -9655,6 +9781,86 @@
 <file path=ppt/slides/slide28.xml><?xml version="1.0" encoding="utf-8"?>
 <p:sld xmlns:a="http://schemas.openxmlformats.org/drawingml/2006/main" xmlns:r="http://schemas.openxmlformats.org/officeDocument/2006/relationships" xmlns:p="http://schemas.openxmlformats.org/presentationml/2006/main">
   <p:cSld>
+    <p:spTree>
+      <p:nvGrpSpPr>
+        <p:cNvPr id="1" name=""/>
+        <p:cNvGrpSpPr/>
+        <p:nvPr/>
+      </p:nvGrpSpPr>
+      <p:grpSpPr>
+        <a:xfrm>
+          <a:off x="0" y="0"/>
+          <a:ext cx="0" cy="0"/>
+          <a:chOff x="0" y="0"/>
+          <a:chExt cx="0" cy="0"/>
+        </a:xfrm>
+      </p:grpSpPr>
+      <p:sp>
+        <p:nvSpPr>
+          <p:cNvPr id="2" name="Title 1"/>
+          <p:cNvSpPr>
+            <a:spLocks noGrp="1"/>
+          </p:cNvSpPr>
+          <p:nvPr>
+            <p:ph type="title"/>
+          </p:nvPr>
+        </p:nvSpPr>
+        <p:spPr/>
+        <p:txBody>
+          <a:bodyPr/>
+          <a:lstStyle/>
+          <a:p>
+            <a:r>
+              <a:rPr lang="en-US" dirty="0"/>
+              <a:t>Demo </a:t>
+            </a:r>
+            <a:r>
+              <a:rPr lang="en-US" dirty="0" err="1"/>
+              <a:t>expressjs</a:t>
+            </a:r>
+            <a:endParaRPr lang="bg-BG" dirty="0"/>
+          </a:p>
+        </p:txBody>
+      </p:sp>
+      <p:sp>
+        <p:nvSpPr>
+          <p:cNvPr id="4" name="Text Placeholder 3"/>
+          <p:cNvSpPr>
+            <a:spLocks noGrp="1"/>
+          </p:cNvSpPr>
+          <p:nvPr>
+            <p:ph type="body" idx="1"/>
+          </p:nvPr>
+        </p:nvSpPr>
+        <p:spPr/>
+        <p:txBody>
+          <a:bodyPr/>
+          <a:lstStyle/>
+          <a:p>
+            <a:r>
+              <a:rPr lang="en-US" dirty="0" smtClean="0"/>
+              <a:t>ex4</a:t>
+            </a:r>
+            <a:endParaRPr lang="bg-BG" dirty="0"/>
+          </a:p>
+        </p:txBody>
+      </p:sp>
+    </p:spTree>
+    <p:extLst>
+      <p:ext uri="{BB962C8B-B14F-4D97-AF65-F5344CB8AC3E}">
+        <p14:creationId xmlns:p14="http://schemas.microsoft.com/office/powerpoint/2010/main" val="2691171274"/>
+      </p:ext>
+    </p:extLst>
+  </p:cSld>
+  <p:clrMapOvr>
+    <a:masterClrMapping/>
+  </p:clrMapOvr>
+</p:sld>
+</file>
+
+<file path=ppt/slides/slide29.xml><?xml version="1.0" encoding="utf-8"?>
+<p:sld xmlns:a="http://schemas.openxmlformats.org/drawingml/2006/main" xmlns:r="http://schemas.openxmlformats.org/officeDocument/2006/relationships" xmlns:p="http://schemas.openxmlformats.org/presentationml/2006/main">
+  <p:cSld>
     <p:bg>
       <p:bgPr>
         <a:solidFill>
@@ -9780,82 +9986,6 @@
     <p:extLst>
       <p:ext uri="{BB962C8B-B14F-4D97-AF65-F5344CB8AC3E}">
         <p14:creationId xmlns:p14="http://schemas.microsoft.com/office/powerpoint/2010/main" val="1525462165"/>
-      </p:ext>
-    </p:extLst>
-  </p:cSld>
-  <p:clrMapOvr>
-    <a:masterClrMapping/>
-  </p:clrMapOvr>
-</p:sld>
-</file>
-
-<file path=ppt/slides/slide29.xml><?xml version="1.0" encoding="utf-8"?>
-<p:sld xmlns:a="http://schemas.openxmlformats.org/drawingml/2006/main" xmlns:r="http://schemas.openxmlformats.org/officeDocument/2006/relationships" xmlns:p="http://schemas.openxmlformats.org/presentationml/2006/main">
-  <p:cSld>
-    <p:spTree>
-      <p:nvGrpSpPr>
-        <p:cNvPr id="1" name=""/>
-        <p:cNvGrpSpPr/>
-        <p:nvPr/>
-      </p:nvGrpSpPr>
-      <p:grpSpPr>
-        <a:xfrm>
-          <a:off x="0" y="0"/>
-          <a:ext cx="0" cy="0"/>
-          <a:chOff x="0" y="0"/>
-          <a:chExt cx="0" cy="0"/>
-        </a:xfrm>
-      </p:grpSpPr>
-      <p:sp>
-        <p:nvSpPr>
-          <p:cNvPr id="4" name="Title 3"/>
-          <p:cNvSpPr>
-            <a:spLocks noGrp="1"/>
-          </p:cNvSpPr>
-          <p:nvPr>
-            <p:ph type="title"/>
-          </p:nvPr>
-        </p:nvSpPr>
-        <p:spPr/>
-        <p:txBody>
-          <a:bodyPr/>
-          <a:lstStyle/>
-          <a:p>
-            <a:r>
-              <a:rPr lang="en-US" dirty="0"/>
-              <a:t>Demo unit test</a:t>
-            </a:r>
-            <a:endParaRPr lang="bg-BG" dirty="0"/>
-          </a:p>
-        </p:txBody>
-      </p:sp>
-      <p:sp>
-        <p:nvSpPr>
-          <p:cNvPr id="5" name="Text Placeholder 4"/>
-          <p:cNvSpPr>
-            <a:spLocks noGrp="1"/>
-          </p:cNvSpPr>
-          <p:nvPr>
-            <p:ph type="body" idx="1"/>
-          </p:nvPr>
-        </p:nvSpPr>
-        <p:spPr/>
-        <p:txBody>
-          <a:bodyPr/>
-          <a:lstStyle/>
-          <a:p>
-            <a:r>
-              <a:rPr lang="en-US" dirty="0" smtClean="0"/>
-              <a:t>ex5</a:t>
-            </a:r>
-            <a:endParaRPr lang="bg-BG" dirty="0"/>
-          </a:p>
-        </p:txBody>
-      </p:sp>
-    </p:spTree>
-    <p:extLst>
-      <p:ext uri="{BB962C8B-B14F-4D97-AF65-F5344CB8AC3E}">
-        <p14:creationId xmlns:p14="http://schemas.microsoft.com/office/powerpoint/2010/main" val="81045204"/>
       </p:ext>
     </p:extLst>
   </p:cSld>
@@ -9971,6 +10101,82 @@
     <p:extLst>
       <p:ext uri="{BB962C8B-B14F-4D97-AF65-F5344CB8AC3E}">
         <p14:creationId xmlns:p14="http://schemas.microsoft.com/office/powerpoint/2010/main" val="1869702916"/>
+      </p:ext>
+    </p:extLst>
+  </p:cSld>
+  <p:clrMapOvr>
+    <a:masterClrMapping/>
+  </p:clrMapOvr>
+</p:sld>
+</file>
+
+<file path=ppt/slides/slide30.xml><?xml version="1.0" encoding="utf-8"?>
+<p:sld xmlns:a="http://schemas.openxmlformats.org/drawingml/2006/main" xmlns:r="http://schemas.openxmlformats.org/officeDocument/2006/relationships" xmlns:p="http://schemas.openxmlformats.org/presentationml/2006/main">
+  <p:cSld>
+    <p:spTree>
+      <p:nvGrpSpPr>
+        <p:cNvPr id="1" name=""/>
+        <p:cNvGrpSpPr/>
+        <p:nvPr/>
+      </p:nvGrpSpPr>
+      <p:grpSpPr>
+        <a:xfrm>
+          <a:off x="0" y="0"/>
+          <a:ext cx="0" cy="0"/>
+          <a:chOff x="0" y="0"/>
+          <a:chExt cx="0" cy="0"/>
+        </a:xfrm>
+      </p:grpSpPr>
+      <p:sp>
+        <p:nvSpPr>
+          <p:cNvPr id="4" name="Title 3"/>
+          <p:cNvSpPr>
+            <a:spLocks noGrp="1"/>
+          </p:cNvSpPr>
+          <p:nvPr>
+            <p:ph type="title"/>
+          </p:nvPr>
+        </p:nvSpPr>
+        <p:spPr/>
+        <p:txBody>
+          <a:bodyPr/>
+          <a:lstStyle/>
+          <a:p>
+            <a:r>
+              <a:rPr lang="en-US" dirty="0"/>
+              <a:t>Demo unit test</a:t>
+            </a:r>
+            <a:endParaRPr lang="bg-BG" dirty="0"/>
+          </a:p>
+        </p:txBody>
+      </p:sp>
+      <p:sp>
+        <p:nvSpPr>
+          <p:cNvPr id="5" name="Text Placeholder 4"/>
+          <p:cNvSpPr>
+            <a:spLocks noGrp="1"/>
+          </p:cNvSpPr>
+          <p:nvPr>
+            <p:ph type="body" idx="1"/>
+          </p:nvPr>
+        </p:nvSpPr>
+        <p:spPr/>
+        <p:txBody>
+          <a:bodyPr/>
+          <a:lstStyle/>
+          <a:p>
+            <a:r>
+              <a:rPr lang="en-US" dirty="0" smtClean="0"/>
+              <a:t>ex5</a:t>
+            </a:r>
+            <a:endParaRPr lang="bg-BG" dirty="0"/>
+          </a:p>
+        </p:txBody>
+      </p:sp>
+    </p:spTree>
+    <p:extLst>
+      <p:ext uri="{BB962C8B-B14F-4D97-AF65-F5344CB8AC3E}">
+        <p14:creationId xmlns:p14="http://schemas.microsoft.com/office/powerpoint/2010/main" val="81045204"/>
       </p:ext>
     </p:extLst>
   </p:cSld>
@@ -10104,6 +10310,33 @@
           </a:p>
         </p:txBody>
       </p:sp>
+      <p:sp>
+        <p:nvSpPr>
+          <p:cNvPr id="13" name="Title 12"/>
+          <p:cNvSpPr>
+            <a:spLocks noGrp="1"/>
+          </p:cNvSpPr>
+          <p:nvPr>
+            <p:ph type="title"/>
+          </p:nvPr>
+        </p:nvSpPr>
+        <p:spPr/>
+        <p:txBody>
+          <a:bodyPr/>
+          <a:lstStyle/>
+          <a:p>
+            <a:r>
+              <a:rPr lang="en-US" u="sng" dirty="0"/>
+              <a:t>It is fast because its mostly C </a:t>
+            </a:r>
+            <a:r>
+              <a:rPr lang="en-US" u="sng" dirty="0" smtClean="0"/>
+              <a:t>code</a:t>
+            </a:r>
+            <a:endParaRPr lang="bg-BG" u="sng" dirty="0"/>
+          </a:p>
+        </p:txBody>
+      </p:sp>
     </p:spTree>
     <p:extLst>
       <p:ext uri="{BB962C8B-B14F-4D97-AF65-F5344CB8AC3E}">
@@ -10118,6 +10351,151 @@
 </file>
 
 <file path=ppt/slides/slide5.xml><?xml version="1.0" encoding="utf-8"?>
+<p:sld xmlns:a="http://schemas.openxmlformats.org/drawingml/2006/main" xmlns:r="http://schemas.openxmlformats.org/officeDocument/2006/relationships" xmlns:p="http://schemas.openxmlformats.org/presentationml/2006/main">
+  <p:cSld>
+    <p:bg>
+      <p:bgPr>
+        <a:solidFill>
+          <a:srgbClr val="0070C0"/>
+        </a:solidFill>
+        <a:effectLst/>
+      </p:bgPr>
+    </p:bg>
+    <p:spTree>
+      <p:nvGrpSpPr>
+        <p:cNvPr id="1" name=""/>
+        <p:cNvGrpSpPr/>
+        <p:nvPr/>
+      </p:nvGrpSpPr>
+      <p:grpSpPr>
+        <a:xfrm>
+          <a:off x="0" y="0"/>
+          <a:ext cx="0" cy="0"/>
+          <a:chOff x="0" y="0"/>
+          <a:chExt cx="0" cy="0"/>
+        </a:xfrm>
+      </p:grpSpPr>
+      <p:sp>
+        <p:nvSpPr>
+          <p:cNvPr id="2" name="Title 1"/>
+          <p:cNvSpPr>
+            <a:spLocks noGrp="1"/>
+          </p:cNvSpPr>
+          <p:nvPr>
+            <p:ph type="title"/>
+          </p:nvPr>
+        </p:nvSpPr>
+        <p:spPr/>
+        <p:txBody>
+          <a:bodyPr/>
+          <a:lstStyle/>
+          <a:p>
+            <a:r>
+              <a:rPr lang="en-US" b="1" u="sng" dirty="0" smtClean="0">
+                <a:solidFill>
+                  <a:schemeClr val="bg1"/>
+                </a:solidFill>
+              </a:rPr>
+              <a:t>What we can build?</a:t>
+            </a:r>
+            <a:endParaRPr lang="bg-BG" b="1" u="sng" dirty="0">
+              <a:solidFill>
+                <a:schemeClr val="bg1"/>
+              </a:solidFill>
+            </a:endParaRPr>
+          </a:p>
+        </p:txBody>
+      </p:sp>
+      <p:sp>
+        <p:nvSpPr>
+          <p:cNvPr id="3" name="Content Placeholder 2"/>
+          <p:cNvSpPr>
+            <a:spLocks noGrp="1"/>
+          </p:cNvSpPr>
+          <p:nvPr>
+            <p:ph idx="1"/>
+          </p:nvPr>
+        </p:nvSpPr>
+        <p:spPr>
+          <a:xfrm>
+            <a:off x="1371600" y="2286000"/>
+            <a:ext cx="8674768" cy="3581400"/>
+          </a:xfrm>
+        </p:spPr>
+        <p:txBody>
+          <a:bodyPr>
+            <a:normAutofit/>
+          </a:bodyPr>
+          <a:lstStyle/>
+          <a:p>
+            <a:r>
+              <a:rPr lang="en-US" sz="3200" dirty="0" err="1" smtClean="0">
+                <a:solidFill>
+                  <a:schemeClr val="bg1"/>
+                </a:solidFill>
+              </a:rPr>
+              <a:t>Websocket</a:t>
+            </a:r>
+            <a:r>
+              <a:rPr lang="en-US" sz="3200" dirty="0" smtClean="0">
+                <a:solidFill>
+                  <a:schemeClr val="bg1"/>
+                </a:solidFill>
+              </a:rPr>
+              <a:t> Server</a:t>
+            </a:r>
+          </a:p>
+          <a:p>
+            <a:r>
+              <a:rPr lang="en-US" sz="3200" dirty="0" smtClean="0">
+                <a:solidFill>
+                  <a:schemeClr val="bg1"/>
+                </a:solidFill>
+              </a:rPr>
+              <a:t>Fast File Upload Client</a:t>
+            </a:r>
+          </a:p>
+          <a:p>
+            <a:r>
+              <a:rPr lang="en-US" sz="3200" dirty="0" smtClean="0">
+                <a:solidFill>
+                  <a:schemeClr val="bg1"/>
+                </a:solidFill>
+              </a:rPr>
+              <a:t>Ad Server</a:t>
+            </a:r>
+          </a:p>
+          <a:p>
+            <a:r>
+              <a:rPr lang="en-US" sz="3200" dirty="0" smtClean="0">
+                <a:solidFill>
+                  <a:schemeClr val="bg1"/>
+                </a:solidFill>
+              </a:rPr>
+              <a:t>Any Real-Time Data Apps</a:t>
+            </a:r>
+            <a:endParaRPr lang="bg-BG" sz="3200" dirty="0">
+              <a:solidFill>
+                <a:schemeClr val="bg1"/>
+              </a:solidFill>
+            </a:endParaRPr>
+          </a:p>
+        </p:txBody>
+      </p:sp>
+    </p:spTree>
+    <p:extLst>
+      <p:ext uri="{BB962C8B-B14F-4D97-AF65-F5344CB8AC3E}">
+        <p14:creationId xmlns:p14="http://schemas.microsoft.com/office/powerpoint/2010/main" val="2187718004"/>
+      </p:ext>
+    </p:extLst>
+  </p:cSld>
+  <p:clrMapOvr>
+    <a:masterClrMapping/>
+  </p:clrMapOvr>
+</p:sld>
+</file>
+
+<file path=ppt/slides/slide6.xml><?xml version="1.0" encoding="utf-8"?>
 <p:sld xmlns:a="http://schemas.openxmlformats.org/drawingml/2006/main" xmlns:r="http://schemas.openxmlformats.org/officeDocument/2006/relationships" xmlns:p="http://schemas.openxmlformats.org/presentationml/2006/main">
   <p:cSld>
     <p:spTree>
@@ -11990,7 +12368,7 @@
 </p:sld>
 </file>
 
-<file path=ppt/slides/slide6.xml><?xml version="1.0" encoding="utf-8"?>
+<file path=ppt/slides/slide7.xml><?xml version="1.0" encoding="utf-8"?>
 <p:sld xmlns:a="http://schemas.openxmlformats.org/drawingml/2006/main" xmlns:r="http://schemas.openxmlformats.org/officeDocument/2006/relationships" xmlns:p="http://schemas.openxmlformats.org/presentationml/2006/main">
   <p:cSld>
     <p:spTree>
@@ -12061,7 +12439,7 @@
 </p:sld>
 </file>
 
-<file path=ppt/slides/slide7.xml><?xml version="1.0" encoding="utf-8"?>
+<file path=ppt/slides/slide8.xml><?xml version="1.0" encoding="utf-8"?>
 <p:sld xmlns:a="http://schemas.openxmlformats.org/drawingml/2006/main" xmlns:r="http://schemas.openxmlformats.org/officeDocument/2006/relationships" xmlns:p="http://schemas.openxmlformats.org/presentationml/2006/main">
   <p:cSld>
     <p:spTree>
@@ -12139,7 +12517,7 @@
 </p:sld>
 </file>
 
-<file path=ppt/slides/slide8.xml><?xml version="1.0" encoding="utf-8"?>
+<file path=ppt/slides/slide9.xml><?xml version="1.0" encoding="utf-8"?>
 <p:sld xmlns:a="http://schemas.openxmlformats.org/drawingml/2006/main" xmlns:r="http://schemas.openxmlformats.org/officeDocument/2006/relationships" xmlns:p="http://schemas.openxmlformats.org/presentationml/2006/main">
   <p:cSld>
     <p:bg>
@@ -12180,12 +12558,12 @@
           <a:lstStyle/>
           <a:p>
             <a:r>
-              <a:rPr lang="en-US" b="1" u="sng" dirty="0">
+              <a:rPr lang="en-US" b="1" u="sng" dirty="0" smtClean="0">
                 <a:solidFill>
                   <a:schemeClr val="bg1"/>
                 </a:solidFill>
               </a:rPr>
-              <a:t>What is JavaScript?</a:t>
+              <a:t>Ryan Dahl – Why JS</a:t>
             </a:r>
             <a:endParaRPr lang="bg-BG" b="1" u="sng" dirty="0">
               <a:solidFill>
@@ -12213,12 +12591,12 @@
           <a:lstStyle/>
           <a:p>
             <a:r>
-              <a:rPr lang="en-US" sz="3200" dirty="0">
+              <a:rPr lang="en-US" sz="3200" dirty="0" smtClean="0">
                 <a:solidFill>
                   <a:schemeClr val="bg1"/>
                 </a:solidFill>
               </a:rPr>
-              <a:t>JavaScript (JS) is a lightweight, interpreted, programming language with first-class functions. JS is a prototype-based, multi-paradigm, dynamic scripting language, supporting object-oriented, imperative, and declarative (e.g. functional programming) styles.</a:t>
+              <a:t>JavaScript has certain characteristics that make it very different that other dynamic languages, namely that it has no concept of threads. Its model of concurrency is completely based around events.</a:t>
             </a:r>
             <a:endParaRPr lang="sv-SE" sz="3200" dirty="0">
               <a:solidFill>
@@ -12232,145 +12610,6 @@
     <p:extLst>
       <p:ext uri="{BB962C8B-B14F-4D97-AF65-F5344CB8AC3E}">
         <p14:creationId xmlns:p14="http://schemas.microsoft.com/office/powerpoint/2010/main" val="708585322"/>
-      </p:ext>
-    </p:extLst>
-  </p:cSld>
-  <p:clrMapOvr>
-    <a:masterClrMapping/>
-  </p:clrMapOvr>
-</p:sld>
-</file>
-
-<file path=ppt/slides/slide9.xml><?xml version="1.0" encoding="utf-8"?>
-<p:sld xmlns:a="http://schemas.openxmlformats.org/drawingml/2006/main" xmlns:r="http://schemas.openxmlformats.org/officeDocument/2006/relationships" xmlns:p="http://schemas.openxmlformats.org/presentationml/2006/main">
-  <p:cSld>
-    <p:spTree>
-      <p:nvGrpSpPr>
-        <p:cNvPr id="1" name=""/>
-        <p:cNvGrpSpPr/>
-        <p:nvPr/>
-      </p:nvGrpSpPr>
-      <p:grpSpPr>
-        <a:xfrm>
-          <a:off x="0" y="0"/>
-          <a:ext cx="0" cy="0"/>
-          <a:chOff x="0" y="0"/>
-          <a:chExt cx="0" cy="0"/>
-        </a:xfrm>
-      </p:grpSpPr>
-      <p:sp>
-        <p:nvSpPr>
-          <p:cNvPr id="2" name="Title 1"/>
-          <p:cNvSpPr>
-            <a:spLocks noGrp="1"/>
-          </p:cNvSpPr>
-          <p:nvPr>
-            <p:ph type="title"/>
-          </p:nvPr>
-        </p:nvSpPr>
-        <p:spPr/>
-        <p:txBody>
-          <a:bodyPr/>
-          <a:lstStyle/>
-          <a:p>
-            <a:r>
-              <a:rPr lang="en-US" b="1" u="sng" dirty="0">
-                <a:solidFill>
-                  <a:schemeClr val="tx1"/>
-                </a:solidFill>
-              </a:rPr>
-              <a:t>JavaScript syntax</a:t>
-            </a:r>
-            <a:endParaRPr lang="bg-BG" b="1" u="sng" dirty="0">
-              <a:solidFill>
-                <a:schemeClr val="tx1"/>
-              </a:solidFill>
-            </a:endParaRPr>
-          </a:p>
-        </p:txBody>
-      </p:sp>
-      <p:sp>
-        <p:nvSpPr>
-          <p:cNvPr id="5" name="Content Placeholder 4"/>
-          <p:cNvSpPr>
-            <a:spLocks noGrp="1"/>
-          </p:cNvSpPr>
-          <p:nvPr>
-            <p:ph idx="1"/>
-          </p:nvPr>
-        </p:nvSpPr>
-        <p:spPr/>
-        <p:txBody>
-          <a:bodyPr>
-            <a:normAutofit lnSpcReduction="10000"/>
-          </a:bodyPr>
-          <a:lstStyle/>
-          <a:p>
-            <a:r>
-              <a:rPr lang="sv-SE" sz="3200" dirty="0">
-                <a:solidFill>
-                  <a:schemeClr val="tx1"/>
-                </a:solidFill>
-              </a:rPr>
-              <a:t>Values and Types</a:t>
-            </a:r>
-          </a:p>
-          <a:p>
-            <a:r>
-              <a:rPr lang="sv-SE" sz="3200" dirty="0">
-                <a:solidFill>
-                  <a:schemeClr val="tx1"/>
-                </a:solidFill>
-              </a:rPr>
-              <a:t>Operators</a:t>
-            </a:r>
-          </a:p>
-          <a:p>
-            <a:r>
-              <a:rPr lang="sv-SE" sz="3200" dirty="0">
-                <a:solidFill>
-                  <a:schemeClr val="tx1"/>
-                </a:solidFill>
-              </a:rPr>
-              <a:t>Variables and Blocks</a:t>
-            </a:r>
-          </a:p>
-          <a:p>
-            <a:r>
-              <a:rPr lang="sv-SE" sz="3200" dirty="0">
-                <a:solidFill>
-                  <a:schemeClr val="tx1"/>
-                </a:solidFill>
-              </a:rPr>
-              <a:t>Conditional statemets</a:t>
-            </a:r>
-          </a:p>
-          <a:p>
-            <a:r>
-              <a:rPr lang="sv-SE" sz="3200" dirty="0">
-                <a:solidFill>
-                  <a:schemeClr val="tx1"/>
-                </a:solidFill>
-              </a:rPr>
-              <a:t>Loops</a:t>
-            </a:r>
-          </a:p>
-          <a:p>
-            <a:r>
-              <a:rPr lang="sv-SE" sz="3200" dirty="0">
-                <a:solidFill>
-                  <a:schemeClr val="tx1"/>
-                </a:solidFill>
-              </a:rPr>
-              <a:t>Functions</a:t>
-            </a:r>
-          </a:p>
-        </p:txBody>
-      </p:sp>
-    </p:spTree>
-    <p:extLst>
-      <p:ext uri="{BB962C8B-B14F-4D97-AF65-F5344CB8AC3E}">
-        <p14:creationId xmlns:p14="http://schemas.microsoft.com/office/powerpoint/2010/main" val="3627279298"/>
       </p:ext>
     </p:extLst>
   </p:cSld>

--- a/presentations/nodeJS.pptx
+++ b/presentations/nodeJS.pptx
@@ -5,7 +5,7 @@
     <p:sldMasterId id="2147483660" r:id="rId1"/>
   </p:sldMasterIdLst>
   <p:notesMasterIdLst>
-    <p:notesMasterId r:id="rId32"/>
+    <p:notesMasterId r:id="rId31"/>
   </p:notesMasterIdLst>
   <p:sldIdLst>
     <p:sldId id="256" r:id="rId2"/>
@@ -34,32 +34,31 @@
     <p:sldId id="293" r:id="rId25"/>
     <p:sldId id="283" r:id="rId26"/>
     <p:sldId id="285" r:id="rId27"/>
-    <p:sldId id="286" r:id="rId28"/>
-    <p:sldId id="280" r:id="rId29"/>
-    <p:sldId id="274" r:id="rId30"/>
-    <p:sldId id="282" r:id="rId31"/>
+    <p:sldId id="280" r:id="rId28"/>
+    <p:sldId id="274" r:id="rId29"/>
+    <p:sldId id="282" r:id="rId30"/>
   </p:sldIdLst>
   <p:sldSz cx="12192000" cy="6858000"/>
   <p:notesSz cx="6858000" cy="9144000"/>
   <p:embeddedFontLst>
     <p:embeddedFont>
-      <p:font typeface="Franklin Gothic Book" panose="020B0604020202020204" charset="0"/>
-      <p:regular r:id="rId33"/>
-      <p:italic r:id="rId34"/>
+      <p:font typeface="Franklin Gothic Book" panose="020B0503020102020204" pitchFamily="34" charset="0"/>
+      <p:regular r:id="rId32"/>
+      <p:italic r:id="rId33"/>
     </p:embeddedFont>
     <p:embeddedFont>
       <p:font typeface="Consolas" panose="020B0609020204030204" pitchFamily="49" charset="0"/>
-      <p:regular r:id="rId35"/>
-      <p:bold r:id="rId36"/>
-      <p:italic r:id="rId37"/>
-      <p:boldItalic r:id="rId38"/>
+      <p:regular r:id="rId34"/>
+      <p:bold r:id="rId35"/>
+      <p:italic r:id="rId36"/>
+      <p:boldItalic r:id="rId37"/>
     </p:embeddedFont>
     <p:embeddedFont>
       <p:font typeface="Calibri" panose="020F0502020204030204" pitchFamily="34" charset="0"/>
-      <p:regular r:id="rId39"/>
-      <p:bold r:id="rId40"/>
-      <p:italic r:id="rId41"/>
-      <p:boldItalic r:id="rId42"/>
+      <p:regular r:id="rId38"/>
+      <p:bold r:id="rId39"/>
+      <p:italic r:id="rId40"/>
+      <p:boldItalic r:id="rId41"/>
     </p:embeddedFont>
   </p:embeddedFontLst>
   <p:defaultTextStyle>
@@ -247,7 +246,7 @@
           <a:p>
             <a:fld id="{40C9EC12-D619-4239-BA0B-F64B757C48A8}" type="datetimeFigureOut">
               <a:rPr lang="bg-BG" smtClean="0"/>
-              <a:t>22.3.2017 г.</a:t>
+              <a:t>25.3.2017 г.</a:t>
             </a:fld>
             <a:endParaRPr lang="bg-BG"/>
           </a:p>
@@ -1747,7 +1746,7 @@
             <a:fld id="{87DE6118-2437-4B30-8E3C-4D2BE6020583}" type="datetimeFigureOut">
               <a:rPr lang="en-US" smtClean="0"/>
               <a:pPr/>
-              <a:t>3/22/2017</a:t>
+              <a:t>3/25/2017</a:t>
             </a:fld>
             <a:endParaRPr lang="en-US" dirty="0"/>
           </a:p>
@@ -2078,7 +2077,7 @@
           <a:p>
             <a:fld id="{87DE6118-2437-4B30-8E3C-4D2BE6020583}" type="datetimeFigureOut">
               <a:rPr lang="en-US" smtClean="0"/>
-              <a:t>3/22/2017</a:t>
+              <a:t>3/25/2017</a:t>
             </a:fld>
             <a:endParaRPr lang="en-US" dirty="0"/>
           </a:p>
@@ -2257,7 +2256,7 @@
           <a:p>
             <a:fld id="{87DE6118-2437-4B30-8E3C-4D2BE6020583}" type="datetimeFigureOut">
               <a:rPr lang="en-US" smtClean="0"/>
-              <a:t>3/22/2017</a:t>
+              <a:t>3/25/2017</a:t>
             </a:fld>
             <a:endParaRPr lang="en-US" dirty="0"/>
           </a:p>
@@ -2438,7 +2437,7 @@
             <a:fld id="{87DE6118-2437-4B30-8E3C-4D2BE6020583}" type="datetimeFigureOut">
               <a:rPr lang="en-US" smtClean="0"/>
               <a:pPr/>
-              <a:t>3/22/2017</a:t>
+              <a:t>3/25/2017</a:t>
             </a:fld>
             <a:endParaRPr lang="en-US" dirty="0"/>
           </a:p>
@@ -2650,7 +2649,7 @@
           <a:p>
             <a:fld id="{87DE6118-2437-4B30-8E3C-4D2BE6020583}" type="datetimeFigureOut">
               <a:rPr lang="en-US" smtClean="0"/>
-              <a:t>3/22/2017</a:t>
+              <a:t>3/25/2017</a:t>
             </a:fld>
             <a:endParaRPr lang="en-US" dirty="0"/>
           </a:p>
@@ -2934,7 +2933,7 @@
             <a:fld id="{87DE6118-2437-4B30-8E3C-4D2BE6020583}" type="datetimeFigureOut">
               <a:rPr lang="en-US" smtClean="0"/>
               <a:pPr/>
-              <a:t>3/22/2017</a:t>
+              <a:t>3/25/2017</a:t>
             </a:fld>
             <a:endParaRPr lang="en-US" dirty="0"/>
           </a:p>
@@ -3329,7 +3328,7 @@
           <a:p>
             <a:fld id="{87DE6118-2437-4B30-8E3C-4D2BE6020583}" type="datetimeFigureOut">
               <a:rPr lang="en-US" smtClean="0"/>
-              <a:t>3/22/2017</a:t>
+              <a:t>3/25/2017</a:t>
             </a:fld>
             <a:endParaRPr lang="en-US" dirty="0"/>
           </a:p>
@@ -3806,7 +3805,7 @@
           <a:p>
             <a:fld id="{87DE6118-2437-4B30-8E3C-4D2BE6020583}" type="datetimeFigureOut">
               <a:rPr lang="en-US" smtClean="0"/>
-              <a:t>3/22/2017</a:t>
+              <a:t>3/25/2017</a:t>
             </a:fld>
             <a:endParaRPr lang="en-US" dirty="0"/>
           </a:p>
@@ -3924,7 +3923,7 @@
           <a:p>
             <a:fld id="{87DE6118-2437-4B30-8E3C-4D2BE6020583}" type="datetimeFigureOut">
               <a:rPr lang="en-US" smtClean="0"/>
-              <a:t>3/22/2017</a:t>
+              <a:t>3/25/2017</a:t>
             </a:fld>
             <a:endParaRPr lang="en-US" dirty="0"/>
           </a:p>
@@ -4019,7 +4018,7 @@
           <a:p>
             <a:fld id="{87DE6118-2437-4B30-8E3C-4D2BE6020583}" type="datetimeFigureOut">
               <a:rPr lang="en-US" smtClean="0"/>
-              <a:t>3/22/2017</a:t>
+              <a:t>3/25/2017</a:t>
             </a:fld>
             <a:endParaRPr lang="en-US" dirty="0"/>
           </a:p>
@@ -4366,7 +4365,7 @@
             <a:fld id="{87DE6118-2437-4B30-8E3C-4D2BE6020583}" type="datetimeFigureOut">
               <a:rPr lang="en-US" smtClean="0"/>
               <a:pPr/>
-              <a:t>3/22/2017</a:t>
+              <a:t>3/25/2017</a:t>
             </a:fld>
             <a:endParaRPr lang="en-US" dirty="0"/>
           </a:p>
@@ -4756,7 +4755,7 @@
             <a:fld id="{87DE6118-2437-4B30-8E3C-4D2BE6020583}" type="datetimeFigureOut">
               <a:rPr lang="en-US" smtClean="0"/>
               <a:pPr/>
-              <a:t>3/22/2017</a:t>
+              <a:t>3/25/2017</a:t>
             </a:fld>
             <a:endParaRPr lang="en-US" dirty="0"/>
           </a:p>
@@ -5036,7 +5035,7 @@
             <a:fld id="{87DE6118-2437-4B30-8E3C-4D2BE6020583}" type="datetimeFigureOut">
               <a:rPr lang="en-US" smtClean="0"/>
               <a:pPr/>
-              <a:t>3/22/2017</a:t>
+              <a:t>3/25/2017</a:t>
             </a:fld>
             <a:endParaRPr lang="en-US" dirty="0"/>
           </a:p>
@@ -6521,7 +6520,7 @@
           <a:lstStyle/>
           <a:p>
             <a:r>
-              <a:rPr lang="en-US" b="1" dirty="0" smtClean="0">
+              <a:rPr lang="en-US" b="1" dirty="0">
                 <a:solidFill>
                   <a:srgbClr val="0070C0"/>
                 </a:solidFill>
@@ -6554,7 +6553,7 @@
           <a:lstStyle/>
           <a:p>
             <a:r>
-              <a:rPr lang="en-US" sz="3200" dirty="0" smtClean="0">
+              <a:rPr lang="en-US" sz="3200" dirty="0">
                 <a:solidFill>
                   <a:schemeClr val="tx1"/>
                 </a:solidFill>
@@ -6564,7 +6563,7 @@
           </a:p>
           <a:p>
             <a:r>
-              <a:rPr lang="en-US" sz="3200" dirty="0" smtClean="0">
+              <a:rPr lang="en-US" sz="3200" dirty="0">
                 <a:solidFill>
                   <a:schemeClr val="tx1"/>
                 </a:solidFill>
@@ -6574,7 +6573,7 @@
           </a:p>
           <a:p>
             <a:r>
-              <a:rPr lang="en-US" sz="3200" dirty="0" smtClean="0">
+              <a:rPr lang="en-US" sz="3200" dirty="0">
                 <a:solidFill>
                   <a:schemeClr val="tx1"/>
                 </a:solidFill>
@@ -6605,7 +6604,7 @@
           <a:lstStyle/>
           <a:p>
             <a:r>
-              <a:rPr lang="en-US" b="1" dirty="0" smtClean="0">
+              <a:rPr lang="en-US" b="1" dirty="0">
                 <a:solidFill>
                   <a:srgbClr val="0070C0"/>
                 </a:solidFill>
@@ -6638,19 +6637,19 @@
           <a:lstStyle/>
           <a:p>
             <a:r>
-              <a:rPr lang="en-US" sz="3200" dirty="0" smtClean="0"/>
+              <a:rPr lang="en-US" sz="3200" dirty="0"/>
               <a:t>Read file from filesystem</a:t>
             </a:r>
           </a:p>
           <a:p>
             <a:r>
-              <a:rPr lang="en-US" sz="3200" dirty="0" smtClean="0"/>
+              <a:rPr lang="en-US" sz="3200" dirty="0"/>
               <a:t>Do something else</a:t>
             </a:r>
           </a:p>
           <a:p>
             <a:r>
-              <a:rPr lang="en-US" sz="3200" dirty="0" smtClean="0"/>
+              <a:rPr lang="en-US" sz="3200" dirty="0"/>
               <a:t>Print contents</a:t>
             </a:r>
             <a:endParaRPr lang="bg-BG" sz="3200" dirty="0"/>
@@ -6673,7 +6672,7 @@
           <a:lstStyle/>
           <a:p>
             <a:r>
-              <a:rPr lang="en-US" dirty="0" smtClean="0"/>
+              <a:rPr lang="en-US" dirty="0"/>
               <a:t>Blocking and Non -  Blocking</a:t>
             </a:r>
             <a:endParaRPr lang="bg-BG" dirty="0"/>
@@ -7033,14 +7032,6 @@
                 </a:solidFill>
               </a:rPr>
             </a:br>
-            <a:r>
-              <a:rPr lang="bg-BG" sz="2400" dirty="0">
-                <a:solidFill>
-                  <a:srgbClr val="F8F8F8"/>
-                </a:solidFill>
-              </a:rPr>
-              <a:t/>
-            </a:r>
             <a:br>
               <a:rPr lang="bg-BG" sz="2400" dirty="0">
                 <a:solidFill>
@@ -7267,7 +7258,7 @@
           <a:lstStyle/>
           <a:p>
             <a:r>
-              <a:rPr lang="en-US" smtClean="0"/>
+              <a:rPr lang="en-US"/>
               <a:t>ex2.0, ex2.1</a:t>
             </a:r>
             <a:endParaRPr lang="bg-BG" dirty="0"/>
@@ -7790,15 +7781,6 @@
               </a:rPr>
               <a:t>square.js</a:t>
             </a:r>
-            <a:r>
-              <a:rPr lang="en-US" sz="2400" dirty="0">
-                <a:solidFill>
-                  <a:srgbClr val="4EC9B0"/>
-                </a:solidFill>
-                <a:latin typeface="Consolas" panose="020B0609020204030204" pitchFamily="49" charset="0"/>
-              </a:rPr>
-              <a:t/>
-            </a:r>
             <a:br>
               <a:rPr lang="en-US" sz="2400" dirty="0">
                 <a:solidFill>
@@ -7994,15 +7976,6 @@
               </a:rPr>
               <a:t>width</a:t>
             </a:r>
-            <a:r>
-              <a:rPr lang="en-US" sz="2400" dirty="0">
-                <a:solidFill>
-                  <a:srgbClr val="D4D4D4"/>
-                </a:solidFill>
-                <a:latin typeface="Consolas" panose="020B0609020204030204" pitchFamily="49" charset="0"/>
-              </a:rPr>
-              <a:t/>
-            </a:r>
             <a:br>
               <a:rPr lang="en-US" sz="2400" dirty="0">
                 <a:solidFill>
@@ -8045,15 +8018,6 @@
                 <a:latin typeface="Consolas" panose="020B0609020204030204" pitchFamily="49" charset="0"/>
               </a:rPr>
             </a:br>
-            <a:r>
-              <a:rPr lang="en-US" sz="2400" dirty="0">
-                <a:solidFill>
-                  <a:srgbClr val="D4D4D4"/>
-                </a:solidFill>
-                <a:latin typeface="Consolas" panose="020B0609020204030204" pitchFamily="49" charset="0"/>
-              </a:rPr>
-              <a:t/>
-            </a:r>
             <a:br>
               <a:rPr lang="en-US" sz="2400" dirty="0">
                 <a:solidFill>
@@ -8097,15 +8061,6 @@
                 <a:latin typeface="Consolas" panose="020B0609020204030204" pitchFamily="49" charset="0"/>
               </a:rPr>
               <a:t>js</a:t>
-            </a:r>
-            <a:r>
-              <a:rPr lang="en-US" sz="2400" dirty="0">
-                <a:solidFill>
-                  <a:srgbClr val="D4D4D4"/>
-                </a:solidFill>
-                <a:latin typeface="Consolas" panose="020B0609020204030204" pitchFamily="49" charset="0"/>
-              </a:rPr>
-              <a:t/>
             </a:r>
             <a:br>
               <a:rPr lang="en-US" sz="2400" dirty="0">
@@ -8446,7 +8401,7 @@
           <a:lstStyle/>
           <a:p>
             <a:r>
-              <a:rPr lang="en-US" dirty="0" smtClean="0"/>
+              <a:rPr lang="en-US" dirty="0"/>
               <a:t>ex3</a:t>
             </a:r>
             <a:endParaRPr lang="bg-BG" dirty="0"/>
@@ -9021,796 +8976,6 @@
           <a:lstStyle/>
           <a:p>
             <a:r>
-              <a:rPr lang="en-US" b="1" u="sng" dirty="0"/>
-              <a:t>Web apps using </a:t>
-            </a:r>
-            <a:r>
-              <a:rPr lang="en-US" b="1" u="sng" dirty="0" err="1"/>
-              <a:t>NodeJS</a:t>
-            </a:r>
-            <a:r>
-              <a:rPr lang="en-US" b="1" u="sng" dirty="0"/>
-              <a:t>. MVC application</a:t>
-            </a:r>
-            <a:endParaRPr lang="bg-BG" b="1" u="sng" dirty="0"/>
-          </a:p>
-        </p:txBody>
-      </p:sp>
-      <p:sp>
-        <p:nvSpPr>
-          <p:cNvPr id="4" name="Rectangle: Rounded Corners 3"/>
-          <p:cNvSpPr/>
-          <p:nvPr/>
-        </p:nvSpPr>
-        <p:spPr>
-          <a:xfrm>
-            <a:off x="2928292" y="2683565"/>
-            <a:ext cx="1526796" cy="461395"/>
-          </a:xfrm>
-          <a:prstGeom prst="roundRect">
-            <a:avLst/>
-          </a:prstGeom>
-          <a:noFill/>
-          <a:ln>
-            <a:solidFill>
-              <a:schemeClr val="tx1"/>
-            </a:solidFill>
-          </a:ln>
-        </p:spPr>
-        <p:style>
-          <a:lnRef idx="2">
-            <a:schemeClr val="accent1">
-              <a:shade val="50000"/>
-            </a:schemeClr>
-          </a:lnRef>
-          <a:fillRef idx="1">
-            <a:schemeClr val="accent1"/>
-          </a:fillRef>
-          <a:effectRef idx="0">
-            <a:schemeClr val="accent1"/>
-          </a:effectRef>
-          <a:fontRef idx="minor">
-            <a:schemeClr val="lt1"/>
-          </a:fontRef>
-        </p:style>
-        <p:txBody>
-          <a:bodyPr rtlCol="0" anchor="ctr"/>
-          <a:lstStyle/>
-          <a:p>
-            <a:pPr algn="ctr"/>
-            <a:r>
-              <a:rPr lang="sv-SE" dirty="0">
-                <a:solidFill>
-                  <a:schemeClr val="tx1"/>
-                </a:solidFill>
-              </a:rPr>
-              <a:t>User</a:t>
-            </a:r>
-            <a:endParaRPr lang="en-US" dirty="0">
-              <a:solidFill>
-                <a:schemeClr val="tx1"/>
-              </a:solidFill>
-            </a:endParaRPr>
-          </a:p>
-        </p:txBody>
-      </p:sp>
-      <p:sp>
-        <p:nvSpPr>
-          <p:cNvPr id="5" name="Rectangle: Rounded Corners 4"/>
-          <p:cNvSpPr/>
-          <p:nvPr/>
-        </p:nvSpPr>
-        <p:spPr>
-          <a:xfrm>
-            <a:off x="4855664" y="2675176"/>
-            <a:ext cx="1567342" cy="461395"/>
-          </a:xfrm>
-          <a:prstGeom prst="roundRect">
-            <a:avLst/>
-          </a:prstGeom>
-          <a:noFill/>
-          <a:ln>
-            <a:solidFill>
-              <a:schemeClr val="tx1"/>
-            </a:solidFill>
-          </a:ln>
-        </p:spPr>
-        <p:style>
-          <a:lnRef idx="2">
-            <a:schemeClr val="accent1">
-              <a:shade val="50000"/>
-            </a:schemeClr>
-          </a:lnRef>
-          <a:fillRef idx="1">
-            <a:schemeClr val="accent1"/>
-          </a:fillRef>
-          <a:effectRef idx="0">
-            <a:schemeClr val="accent1"/>
-          </a:effectRef>
-          <a:fontRef idx="minor">
-            <a:schemeClr val="lt1"/>
-          </a:fontRef>
-        </p:style>
-        <p:txBody>
-          <a:bodyPr rtlCol="0" anchor="ctr"/>
-          <a:lstStyle/>
-          <a:p>
-            <a:pPr algn="ctr"/>
-            <a:r>
-              <a:rPr lang="sv-SE" dirty="0">
-                <a:solidFill>
-                  <a:schemeClr val="tx1"/>
-                </a:solidFill>
-              </a:rPr>
-              <a:t>Controller</a:t>
-            </a:r>
-            <a:endParaRPr lang="en-US" dirty="0">
-              <a:solidFill>
-                <a:schemeClr val="tx1"/>
-              </a:solidFill>
-            </a:endParaRPr>
-          </a:p>
-        </p:txBody>
-      </p:sp>
-      <p:sp>
-        <p:nvSpPr>
-          <p:cNvPr id="6" name="Rectangle: Rounded Corners 5"/>
-          <p:cNvSpPr/>
-          <p:nvPr/>
-        </p:nvSpPr>
-        <p:spPr>
-          <a:xfrm>
-            <a:off x="6894889" y="2675176"/>
-            <a:ext cx="1384183" cy="461395"/>
-          </a:xfrm>
-          <a:prstGeom prst="roundRect">
-            <a:avLst/>
-          </a:prstGeom>
-          <a:noFill/>
-          <a:ln>
-            <a:solidFill>
-              <a:schemeClr val="tx1"/>
-            </a:solidFill>
-          </a:ln>
-        </p:spPr>
-        <p:style>
-          <a:lnRef idx="2">
-            <a:schemeClr val="accent1">
-              <a:shade val="50000"/>
-            </a:schemeClr>
-          </a:lnRef>
-          <a:fillRef idx="1">
-            <a:schemeClr val="accent1"/>
-          </a:fillRef>
-          <a:effectRef idx="0">
-            <a:schemeClr val="accent1"/>
-          </a:effectRef>
-          <a:fontRef idx="minor">
-            <a:schemeClr val="lt1"/>
-          </a:fontRef>
-        </p:style>
-        <p:txBody>
-          <a:bodyPr rtlCol="0" anchor="ctr"/>
-          <a:lstStyle/>
-          <a:p>
-            <a:pPr algn="ctr"/>
-            <a:r>
-              <a:rPr lang="sv-SE" dirty="0" err="1">
-                <a:solidFill>
-                  <a:schemeClr val="tx1"/>
-                </a:solidFill>
-              </a:rPr>
-              <a:t>Model</a:t>
-            </a:r>
-            <a:endParaRPr lang="en-US" dirty="0">
-              <a:solidFill>
-                <a:schemeClr val="tx1"/>
-              </a:solidFill>
-            </a:endParaRPr>
-          </a:p>
-        </p:txBody>
-      </p:sp>
-      <p:sp>
-        <p:nvSpPr>
-          <p:cNvPr id="7" name="Rectangle: Rounded Corners 6"/>
-          <p:cNvSpPr/>
-          <p:nvPr/>
-        </p:nvSpPr>
-        <p:spPr>
-          <a:xfrm>
-            <a:off x="8842534" y="2675176"/>
-            <a:ext cx="1384183" cy="461395"/>
-          </a:xfrm>
-          <a:prstGeom prst="roundRect">
-            <a:avLst/>
-          </a:prstGeom>
-          <a:noFill/>
-          <a:ln>
-            <a:solidFill>
-              <a:schemeClr val="tx1"/>
-            </a:solidFill>
-          </a:ln>
-        </p:spPr>
-        <p:style>
-          <a:lnRef idx="2">
-            <a:schemeClr val="accent1">
-              <a:shade val="50000"/>
-            </a:schemeClr>
-          </a:lnRef>
-          <a:fillRef idx="1">
-            <a:schemeClr val="accent1"/>
-          </a:fillRef>
-          <a:effectRef idx="0">
-            <a:schemeClr val="accent1"/>
-          </a:effectRef>
-          <a:fontRef idx="minor">
-            <a:schemeClr val="lt1"/>
-          </a:fontRef>
-        </p:style>
-        <p:txBody>
-          <a:bodyPr rtlCol="0" anchor="ctr"/>
-          <a:lstStyle/>
-          <a:p>
-            <a:pPr algn="ctr"/>
-            <a:r>
-              <a:rPr lang="sv-SE" dirty="0" err="1">
-                <a:solidFill>
-                  <a:schemeClr val="tx1"/>
-                </a:solidFill>
-              </a:rPr>
-              <a:t>View</a:t>
-            </a:r>
-            <a:endParaRPr lang="en-US" dirty="0">
-              <a:solidFill>
-                <a:schemeClr val="tx1"/>
-              </a:solidFill>
-            </a:endParaRPr>
-          </a:p>
-        </p:txBody>
-      </p:sp>
-      <p:cxnSp>
-        <p:nvCxnSpPr>
-          <p:cNvPr id="8" name="Straight Connector 7"/>
-          <p:cNvCxnSpPr>
-            <a:stCxn id="4" idx="2"/>
-          </p:cNvCxnSpPr>
-          <p:nvPr/>
-        </p:nvCxnSpPr>
-        <p:spPr>
-          <a:xfrm>
-            <a:off x="3691690" y="3144960"/>
-            <a:ext cx="0" cy="2877423"/>
-          </a:xfrm>
-          <a:prstGeom prst="line">
-            <a:avLst/>
-          </a:prstGeom>
-          <a:ln w="19050">
-            <a:solidFill>
-              <a:schemeClr val="tx1"/>
-            </a:solidFill>
-          </a:ln>
-        </p:spPr>
-        <p:style>
-          <a:lnRef idx="1">
-            <a:schemeClr val="accent1"/>
-          </a:lnRef>
-          <a:fillRef idx="0">
-            <a:schemeClr val="accent1"/>
-          </a:fillRef>
-          <a:effectRef idx="0">
-            <a:schemeClr val="accent1"/>
-          </a:effectRef>
-          <a:fontRef idx="minor">
-            <a:schemeClr val="tx1"/>
-          </a:fontRef>
-        </p:style>
-      </p:cxnSp>
-      <p:cxnSp>
-        <p:nvCxnSpPr>
-          <p:cNvPr id="9" name="Straight Connector 8"/>
-          <p:cNvCxnSpPr/>
-          <p:nvPr/>
-        </p:nvCxnSpPr>
-        <p:spPr>
-          <a:xfrm flipH="1">
-            <a:off x="5639335" y="3128182"/>
-            <a:ext cx="1" cy="2894201"/>
-          </a:xfrm>
-          <a:prstGeom prst="line">
-            <a:avLst/>
-          </a:prstGeom>
-          <a:ln w="19050">
-            <a:solidFill>
-              <a:schemeClr val="tx1"/>
-            </a:solidFill>
-          </a:ln>
-        </p:spPr>
-        <p:style>
-          <a:lnRef idx="1">
-            <a:schemeClr val="accent1"/>
-          </a:lnRef>
-          <a:fillRef idx="0">
-            <a:schemeClr val="accent1"/>
-          </a:fillRef>
-          <a:effectRef idx="0">
-            <a:schemeClr val="accent1"/>
-          </a:effectRef>
-          <a:fontRef idx="minor">
-            <a:schemeClr val="tx1"/>
-          </a:fontRef>
-        </p:style>
-      </p:cxnSp>
-      <p:cxnSp>
-        <p:nvCxnSpPr>
-          <p:cNvPr id="10" name="Straight Connector 9"/>
-          <p:cNvCxnSpPr>
-            <a:stCxn id="6" idx="2"/>
-          </p:cNvCxnSpPr>
-          <p:nvPr/>
-        </p:nvCxnSpPr>
-        <p:spPr>
-          <a:xfrm flipH="1">
-            <a:off x="7586980" y="3136571"/>
-            <a:ext cx="1" cy="2818700"/>
-          </a:xfrm>
-          <a:prstGeom prst="line">
-            <a:avLst/>
-          </a:prstGeom>
-          <a:ln w="19050">
-            <a:solidFill>
-              <a:schemeClr val="tx1"/>
-            </a:solidFill>
-          </a:ln>
-        </p:spPr>
-        <p:style>
-          <a:lnRef idx="1">
-            <a:schemeClr val="accent1"/>
-          </a:lnRef>
-          <a:fillRef idx="0">
-            <a:schemeClr val="accent1"/>
-          </a:fillRef>
-          <a:effectRef idx="0">
-            <a:schemeClr val="accent1"/>
-          </a:effectRef>
-          <a:fontRef idx="minor">
-            <a:schemeClr val="tx1"/>
-          </a:fontRef>
-        </p:style>
-      </p:cxnSp>
-      <p:cxnSp>
-        <p:nvCxnSpPr>
-          <p:cNvPr id="11" name="Straight Connector 10"/>
-          <p:cNvCxnSpPr>
-            <a:stCxn id="7" idx="2"/>
-          </p:cNvCxnSpPr>
-          <p:nvPr/>
-        </p:nvCxnSpPr>
-        <p:spPr>
-          <a:xfrm>
-            <a:off x="9534626" y="3136571"/>
-            <a:ext cx="0" cy="2818700"/>
-          </a:xfrm>
-          <a:prstGeom prst="line">
-            <a:avLst/>
-          </a:prstGeom>
-          <a:ln w="19050">
-            <a:solidFill>
-              <a:schemeClr val="tx1"/>
-            </a:solidFill>
-          </a:ln>
-        </p:spPr>
-        <p:style>
-          <a:lnRef idx="1">
-            <a:schemeClr val="accent1"/>
-          </a:lnRef>
-          <a:fillRef idx="0">
-            <a:schemeClr val="accent1"/>
-          </a:fillRef>
-          <a:effectRef idx="0">
-            <a:schemeClr val="accent1"/>
-          </a:effectRef>
-          <a:fontRef idx="minor">
-            <a:schemeClr val="tx1"/>
-          </a:fontRef>
-        </p:style>
-      </p:cxnSp>
-      <p:cxnSp>
-        <p:nvCxnSpPr>
-          <p:cNvPr id="12" name="Straight Arrow Connector 11"/>
-          <p:cNvCxnSpPr/>
-          <p:nvPr/>
-        </p:nvCxnSpPr>
-        <p:spPr>
-          <a:xfrm>
-            <a:off x="3691690" y="3589577"/>
-            <a:ext cx="1947645" cy="8389"/>
-          </a:xfrm>
-          <a:prstGeom prst="straightConnector1">
-            <a:avLst/>
-          </a:prstGeom>
-          <a:ln w="19050">
-            <a:solidFill>
-              <a:schemeClr val="tx1"/>
-            </a:solidFill>
-            <a:headEnd type="none" w="med" len="med"/>
-            <a:tailEnd type="triangle" w="med" len="med"/>
-          </a:ln>
-        </p:spPr>
-        <p:style>
-          <a:lnRef idx="1">
-            <a:schemeClr val="accent1"/>
-          </a:lnRef>
-          <a:fillRef idx="0">
-            <a:schemeClr val="accent1"/>
-          </a:fillRef>
-          <a:effectRef idx="0">
-            <a:schemeClr val="accent1"/>
-          </a:effectRef>
-          <a:fontRef idx="minor">
-            <a:schemeClr val="tx1"/>
-          </a:fontRef>
-        </p:style>
-      </p:cxnSp>
-      <p:cxnSp>
-        <p:nvCxnSpPr>
-          <p:cNvPr id="13" name="Straight Arrow Connector 12"/>
-          <p:cNvCxnSpPr/>
-          <p:nvPr/>
-        </p:nvCxnSpPr>
-        <p:spPr>
-          <a:xfrm>
-            <a:off x="5639335" y="3968480"/>
-            <a:ext cx="1947645" cy="8389"/>
-          </a:xfrm>
-          <a:prstGeom prst="straightConnector1">
-            <a:avLst/>
-          </a:prstGeom>
-          <a:ln w="19050">
-            <a:solidFill>
-              <a:schemeClr val="tx1"/>
-            </a:solidFill>
-            <a:headEnd type="none" w="med" len="med"/>
-            <a:tailEnd type="triangle" w="med" len="med"/>
-          </a:ln>
-        </p:spPr>
-        <p:style>
-          <a:lnRef idx="1">
-            <a:schemeClr val="accent1"/>
-          </a:lnRef>
-          <a:fillRef idx="0">
-            <a:schemeClr val="accent1"/>
-          </a:fillRef>
-          <a:effectRef idx="0">
-            <a:schemeClr val="accent1"/>
-          </a:effectRef>
-          <a:fontRef idx="minor">
-            <a:schemeClr val="tx1"/>
-          </a:fontRef>
-        </p:style>
-      </p:cxnSp>
-      <p:cxnSp>
-        <p:nvCxnSpPr>
-          <p:cNvPr id="14" name="Straight Arrow Connector 13"/>
-          <p:cNvCxnSpPr/>
-          <p:nvPr/>
-        </p:nvCxnSpPr>
-        <p:spPr>
-          <a:xfrm>
-            <a:off x="7586980" y="4347383"/>
-            <a:ext cx="1947645" cy="8389"/>
-          </a:xfrm>
-          <a:prstGeom prst="straightConnector1">
-            <a:avLst/>
-          </a:prstGeom>
-          <a:ln w="19050">
-            <a:solidFill>
-              <a:schemeClr val="tx1"/>
-            </a:solidFill>
-            <a:headEnd type="none" w="med" len="med"/>
-            <a:tailEnd type="triangle" w="med" len="med"/>
-          </a:ln>
-        </p:spPr>
-        <p:style>
-          <a:lnRef idx="1">
-            <a:schemeClr val="accent1"/>
-          </a:lnRef>
-          <a:fillRef idx="0">
-            <a:schemeClr val="accent1"/>
-          </a:fillRef>
-          <a:effectRef idx="0">
-            <a:schemeClr val="accent1"/>
-          </a:effectRef>
-          <a:fontRef idx="minor">
-            <a:schemeClr val="tx1"/>
-          </a:fontRef>
-        </p:style>
-      </p:cxnSp>
-      <p:cxnSp>
-        <p:nvCxnSpPr>
-          <p:cNvPr id="15" name="Straight Arrow Connector 14"/>
-          <p:cNvCxnSpPr/>
-          <p:nvPr/>
-        </p:nvCxnSpPr>
-        <p:spPr>
-          <a:xfrm flipH="1">
-            <a:off x="3691690" y="4726286"/>
-            <a:ext cx="5842935" cy="0"/>
-          </a:xfrm>
-          <a:prstGeom prst="straightConnector1">
-            <a:avLst/>
-          </a:prstGeom>
-          <a:ln w="19050">
-            <a:solidFill>
-              <a:schemeClr val="tx1"/>
-            </a:solidFill>
-            <a:prstDash val="dash"/>
-            <a:headEnd type="none" w="med" len="med"/>
-            <a:tailEnd type="triangle" w="med" len="med"/>
-          </a:ln>
-        </p:spPr>
-        <p:style>
-          <a:lnRef idx="1">
-            <a:schemeClr val="accent1"/>
-          </a:lnRef>
-          <a:fillRef idx="0">
-            <a:schemeClr val="accent1"/>
-          </a:fillRef>
-          <a:effectRef idx="0">
-            <a:schemeClr val="accent1"/>
-          </a:effectRef>
-          <a:fontRef idx="minor">
-            <a:schemeClr val="tx1"/>
-          </a:fontRef>
-        </p:style>
-      </p:cxnSp>
-      <p:cxnSp>
-        <p:nvCxnSpPr>
-          <p:cNvPr id="16" name="Straight Arrow Connector 15"/>
-          <p:cNvCxnSpPr/>
-          <p:nvPr/>
-        </p:nvCxnSpPr>
-        <p:spPr>
-          <a:xfrm>
-            <a:off x="3691689" y="5177194"/>
-            <a:ext cx="1947645" cy="8389"/>
-          </a:xfrm>
-          <a:prstGeom prst="straightConnector1">
-            <a:avLst/>
-          </a:prstGeom>
-          <a:ln w="19050">
-            <a:solidFill>
-              <a:schemeClr val="tx1"/>
-            </a:solidFill>
-            <a:headEnd type="none" w="med" len="med"/>
-            <a:tailEnd type="triangle" w="med" len="med"/>
-          </a:ln>
-        </p:spPr>
-        <p:style>
-          <a:lnRef idx="1">
-            <a:schemeClr val="accent1"/>
-          </a:lnRef>
-          <a:fillRef idx="0">
-            <a:schemeClr val="accent1"/>
-          </a:fillRef>
-          <a:effectRef idx="0">
-            <a:schemeClr val="accent1"/>
-          </a:effectRef>
-          <a:fontRef idx="minor">
-            <a:schemeClr val="tx1"/>
-          </a:fontRef>
-        </p:style>
-      </p:cxnSp>
-      <p:cxnSp>
-        <p:nvCxnSpPr>
-          <p:cNvPr id="17" name="Straight Arrow Connector 16"/>
-          <p:cNvCxnSpPr/>
-          <p:nvPr/>
-        </p:nvCxnSpPr>
-        <p:spPr>
-          <a:xfrm flipH="1" flipV="1">
-            <a:off x="3691690" y="5482693"/>
-            <a:ext cx="1947644" cy="11184"/>
-          </a:xfrm>
-          <a:prstGeom prst="straightConnector1">
-            <a:avLst/>
-          </a:prstGeom>
-          <a:ln w="19050">
-            <a:solidFill>
-              <a:schemeClr val="tx1"/>
-            </a:solidFill>
-            <a:prstDash val="dash"/>
-            <a:headEnd type="none" w="med" len="med"/>
-            <a:tailEnd type="triangle" w="med" len="med"/>
-          </a:ln>
-        </p:spPr>
-        <p:style>
-          <a:lnRef idx="1">
-            <a:schemeClr val="accent1"/>
-          </a:lnRef>
-          <a:fillRef idx="0">
-            <a:schemeClr val="accent1"/>
-          </a:fillRef>
-          <a:effectRef idx="0">
-            <a:schemeClr val="accent1"/>
-          </a:effectRef>
-          <a:fontRef idx="minor">
-            <a:schemeClr val="tx1"/>
-          </a:fontRef>
-        </p:style>
-      </p:cxnSp>
-    </p:spTree>
-    <p:extLst>
-      <p:ext uri="{BB962C8B-B14F-4D97-AF65-F5344CB8AC3E}">
-        <p14:creationId xmlns:p14="http://schemas.microsoft.com/office/powerpoint/2010/main" val="1288408318"/>
-      </p:ext>
-    </p:extLst>
-  </p:cSld>
-  <p:clrMapOvr>
-    <a:masterClrMapping/>
-  </p:clrMapOvr>
-  <p:timing>
-    <p:tnLst>
-      <p:par>
-        <p:cTn id="1" dur="indefinite" restart="never" nodeType="tmRoot">
-          <p:childTnLst>
-            <p:seq concurrent="1" nextAc="seek">
-              <p:cTn id="2" dur="indefinite" nodeType="mainSeq">
-                <p:childTnLst>
-                  <p:par>
-                    <p:cTn id="3" fill="hold">
-                      <p:stCondLst>
-                        <p:cond delay="indefinite"/>
-                      </p:stCondLst>
-                      <p:childTnLst>
-                        <p:par>
-                          <p:cTn id="4" fill="hold">
-                            <p:stCondLst>
-                              <p:cond delay="0"/>
-                            </p:stCondLst>
-                            <p:childTnLst>
-                              <p:par>
-                                <p:cTn id="5" presetID="10" presetClass="entr" presetSubtype="0" fill="hold" nodeType="clickEffect">
-                                  <p:stCondLst>
-                                    <p:cond delay="0"/>
-                                  </p:stCondLst>
-                                  <p:childTnLst>
-                                    <p:set>
-                                      <p:cBhvr>
-                                        <p:cTn id="6" dur="1" fill="hold">
-                                          <p:stCondLst>
-                                            <p:cond delay="0"/>
-                                          </p:stCondLst>
-                                        </p:cTn>
-                                        <p:tgtEl>
-                                          <p:spTgt spid="16"/>
-                                        </p:tgtEl>
-                                        <p:attrNameLst>
-                                          <p:attrName>style.visibility</p:attrName>
-                                        </p:attrNameLst>
-                                      </p:cBhvr>
-                                      <p:to>
-                                        <p:strVal val="visible"/>
-                                      </p:to>
-                                    </p:set>
-                                    <p:animEffect transition="in" filter="fade">
-                                      <p:cBhvr>
-                                        <p:cTn id="7" dur="500"/>
-                                        <p:tgtEl>
-                                          <p:spTgt spid="16"/>
-                                        </p:tgtEl>
-                                      </p:cBhvr>
-                                    </p:animEffect>
-                                  </p:childTnLst>
-                                </p:cTn>
-                              </p:par>
-                            </p:childTnLst>
-                          </p:cTn>
-                        </p:par>
-                        <p:par>
-                          <p:cTn id="8" fill="hold">
-                            <p:stCondLst>
-                              <p:cond delay="500"/>
-                            </p:stCondLst>
-                            <p:childTnLst>
-                              <p:par>
-                                <p:cTn id="9" presetID="10" presetClass="entr" presetSubtype="0" fill="hold" nodeType="afterEffect">
-                                  <p:stCondLst>
-                                    <p:cond delay="500"/>
-                                  </p:stCondLst>
-                                  <p:childTnLst>
-                                    <p:set>
-                                      <p:cBhvr>
-                                        <p:cTn id="10" dur="1" fill="hold">
-                                          <p:stCondLst>
-                                            <p:cond delay="0"/>
-                                          </p:stCondLst>
-                                        </p:cTn>
-                                        <p:tgtEl>
-                                          <p:spTgt spid="17"/>
-                                        </p:tgtEl>
-                                        <p:attrNameLst>
-                                          <p:attrName>style.visibility</p:attrName>
-                                        </p:attrNameLst>
-                                      </p:cBhvr>
-                                      <p:to>
-                                        <p:strVal val="visible"/>
-                                      </p:to>
-                                    </p:set>
-                                    <p:animEffect transition="in" filter="fade">
-                                      <p:cBhvr>
-                                        <p:cTn id="11" dur="500"/>
-                                        <p:tgtEl>
-                                          <p:spTgt spid="17"/>
-                                        </p:tgtEl>
-                                      </p:cBhvr>
-                                    </p:animEffect>
-                                  </p:childTnLst>
-                                </p:cTn>
-                              </p:par>
-                            </p:childTnLst>
-                          </p:cTn>
-                        </p:par>
-                      </p:childTnLst>
-                    </p:cTn>
-                  </p:par>
-                </p:childTnLst>
-              </p:cTn>
-              <p:prevCondLst>
-                <p:cond evt="onPrev" delay="0">
-                  <p:tgtEl>
-                    <p:sldTgt/>
-                  </p:tgtEl>
-                </p:cond>
-              </p:prevCondLst>
-              <p:nextCondLst>
-                <p:cond evt="onNext" delay="0">
-                  <p:tgtEl>
-                    <p:sldTgt/>
-                  </p:tgtEl>
-                </p:cond>
-              </p:nextCondLst>
-            </p:seq>
-          </p:childTnLst>
-        </p:cTn>
-      </p:par>
-    </p:tnLst>
-  </p:timing>
-</p:sld>
-</file>
-
-<file path=ppt/slides/slide28.xml><?xml version="1.0" encoding="utf-8"?>
-<p:sld xmlns:a="http://schemas.openxmlformats.org/drawingml/2006/main" xmlns:r="http://schemas.openxmlformats.org/officeDocument/2006/relationships" xmlns:p="http://schemas.openxmlformats.org/presentationml/2006/main">
-  <p:cSld>
-    <p:spTree>
-      <p:nvGrpSpPr>
-        <p:cNvPr id="1" name=""/>
-        <p:cNvGrpSpPr/>
-        <p:nvPr/>
-      </p:nvGrpSpPr>
-      <p:grpSpPr>
-        <a:xfrm>
-          <a:off x="0" y="0"/>
-          <a:ext cx="0" cy="0"/>
-          <a:chOff x="0" y="0"/>
-          <a:chExt cx="0" cy="0"/>
-        </a:xfrm>
-      </p:grpSpPr>
-      <p:sp>
-        <p:nvSpPr>
-          <p:cNvPr id="2" name="Title 1"/>
-          <p:cNvSpPr>
-            <a:spLocks noGrp="1"/>
-          </p:cNvSpPr>
-          <p:nvPr>
-            <p:ph type="title"/>
-          </p:nvPr>
-        </p:nvSpPr>
-        <p:spPr/>
-        <p:txBody>
-          <a:bodyPr/>
-          <a:lstStyle/>
-          <a:p>
-            <a:r>
               <a:rPr lang="en-US" dirty="0"/>
               <a:t>Demo </a:t>
             </a:r>
@@ -9838,7 +9003,7 @@
           <a:lstStyle/>
           <a:p>
             <a:r>
-              <a:rPr lang="en-US" dirty="0" smtClean="0"/>
+              <a:rPr lang="en-US" dirty="0"/>
               <a:t>ex4</a:t>
             </a:r>
             <a:endParaRPr lang="bg-BG" dirty="0"/>
@@ -9858,7 +9023,7 @@
 </p:sld>
 </file>
 
-<file path=ppt/slides/slide29.xml><?xml version="1.0" encoding="utf-8"?>
+<file path=ppt/slides/slide28.xml><?xml version="1.0" encoding="utf-8"?>
 <p:sld xmlns:a="http://schemas.openxmlformats.org/drawingml/2006/main" xmlns:r="http://schemas.openxmlformats.org/officeDocument/2006/relationships" xmlns:p="http://schemas.openxmlformats.org/presentationml/2006/main">
   <p:cSld>
     <p:bg>
@@ -9986,6 +9151,82 @@
     <p:extLst>
       <p:ext uri="{BB962C8B-B14F-4D97-AF65-F5344CB8AC3E}">
         <p14:creationId xmlns:p14="http://schemas.microsoft.com/office/powerpoint/2010/main" val="1525462165"/>
+      </p:ext>
+    </p:extLst>
+  </p:cSld>
+  <p:clrMapOvr>
+    <a:masterClrMapping/>
+  </p:clrMapOvr>
+</p:sld>
+</file>
+
+<file path=ppt/slides/slide29.xml><?xml version="1.0" encoding="utf-8"?>
+<p:sld xmlns:a="http://schemas.openxmlformats.org/drawingml/2006/main" xmlns:r="http://schemas.openxmlformats.org/officeDocument/2006/relationships" xmlns:p="http://schemas.openxmlformats.org/presentationml/2006/main">
+  <p:cSld>
+    <p:spTree>
+      <p:nvGrpSpPr>
+        <p:cNvPr id="1" name=""/>
+        <p:cNvGrpSpPr/>
+        <p:nvPr/>
+      </p:nvGrpSpPr>
+      <p:grpSpPr>
+        <a:xfrm>
+          <a:off x="0" y="0"/>
+          <a:ext cx="0" cy="0"/>
+          <a:chOff x="0" y="0"/>
+          <a:chExt cx="0" cy="0"/>
+        </a:xfrm>
+      </p:grpSpPr>
+      <p:sp>
+        <p:nvSpPr>
+          <p:cNvPr id="4" name="Title 3"/>
+          <p:cNvSpPr>
+            <a:spLocks noGrp="1"/>
+          </p:cNvSpPr>
+          <p:nvPr>
+            <p:ph type="title"/>
+          </p:nvPr>
+        </p:nvSpPr>
+        <p:spPr/>
+        <p:txBody>
+          <a:bodyPr/>
+          <a:lstStyle/>
+          <a:p>
+            <a:r>
+              <a:rPr lang="en-US" dirty="0"/>
+              <a:t>Demo unit test</a:t>
+            </a:r>
+            <a:endParaRPr lang="bg-BG" dirty="0"/>
+          </a:p>
+        </p:txBody>
+      </p:sp>
+      <p:sp>
+        <p:nvSpPr>
+          <p:cNvPr id="5" name="Text Placeholder 4"/>
+          <p:cNvSpPr>
+            <a:spLocks noGrp="1"/>
+          </p:cNvSpPr>
+          <p:nvPr>
+            <p:ph type="body" idx="1"/>
+          </p:nvPr>
+        </p:nvSpPr>
+        <p:spPr/>
+        <p:txBody>
+          <a:bodyPr/>
+          <a:lstStyle/>
+          <a:p>
+            <a:r>
+              <a:rPr lang="en-US" dirty="0"/>
+              <a:t>ex5</a:t>
+            </a:r>
+            <a:endParaRPr lang="bg-BG" dirty="0"/>
+          </a:p>
+        </p:txBody>
+      </p:sp>
+    </p:spTree>
+    <p:extLst>
+      <p:ext uri="{BB962C8B-B14F-4D97-AF65-F5344CB8AC3E}">
+        <p14:creationId xmlns:p14="http://schemas.microsoft.com/office/powerpoint/2010/main" val="81045204"/>
       </p:ext>
     </p:extLst>
   </p:cSld>
@@ -10101,82 +9342,6 @@
     <p:extLst>
       <p:ext uri="{BB962C8B-B14F-4D97-AF65-F5344CB8AC3E}">
         <p14:creationId xmlns:p14="http://schemas.microsoft.com/office/powerpoint/2010/main" val="1869702916"/>
-      </p:ext>
-    </p:extLst>
-  </p:cSld>
-  <p:clrMapOvr>
-    <a:masterClrMapping/>
-  </p:clrMapOvr>
-</p:sld>
-</file>
-
-<file path=ppt/slides/slide30.xml><?xml version="1.0" encoding="utf-8"?>
-<p:sld xmlns:a="http://schemas.openxmlformats.org/drawingml/2006/main" xmlns:r="http://schemas.openxmlformats.org/officeDocument/2006/relationships" xmlns:p="http://schemas.openxmlformats.org/presentationml/2006/main">
-  <p:cSld>
-    <p:spTree>
-      <p:nvGrpSpPr>
-        <p:cNvPr id="1" name=""/>
-        <p:cNvGrpSpPr/>
-        <p:nvPr/>
-      </p:nvGrpSpPr>
-      <p:grpSpPr>
-        <a:xfrm>
-          <a:off x="0" y="0"/>
-          <a:ext cx="0" cy="0"/>
-          <a:chOff x="0" y="0"/>
-          <a:chExt cx="0" cy="0"/>
-        </a:xfrm>
-      </p:grpSpPr>
-      <p:sp>
-        <p:nvSpPr>
-          <p:cNvPr id="4" name="Title 3"/>
-          <p:cNvSpPr>
-            <a:spLocks noGrp="1"/>
-          </p:cNvSpPr>
-          <p:nvPr>
-            <p:ph type="title"/>
-          </p:nvPr>
-        </p:nvSpPr>
-        <p:spPr/>
-        <p:txBody>
-          <a:bodyPr/>
-          <a:lstStyle/>
-          <a:p>
-            <a:r>
-              <a:rPr lang="en-US" dirty="0"/>
-              <a:t>Demo unit test</a:t>
-            </a:r>
-            <a:endParaRPr lang="bg-BG" dirty="0"/>
-          </a:p>
-        </p:txBody>
-      </p:sp>
-      <p:sp>
-        <p:nvSpPr>
-          <p:cNvPr id="5" name="Text Placeholder 4"/>
-          <p:cNvSpPr>
-            <a:spLocks noGrp="1"/>
-          </p:cNvSpPr>
-          <p:nvPr>
-            <p:ph type="body" idx="1"/>
-          </p:nvPr>
-        </p:nvSpPr>
-        <p:spPr/>
-        <p:txBody>
-          <a:bodyPr/>
-          <a:lstStyle/>
-          <a:p>
-            <a:r>
-              <a:rPr lang="en-US" dirty="0" smtClean="0"/>
-              <a:t>ex5</a:t>
-            </a:r>
-            <a:endParaRPr lang="bg-BG" dirty="0"/>
-          </a:p>
-        </p:txBody>
-      </p:sp>
-    </p:spTree>
-    <p:extLst>
-      <p:ext uri="{BB962C8B-B14F-4D97-AF65-F5344CB8AC3E}">
-        <p14:creationId xmlns:p14="http://schemas.microsoft.com/office/powerpoint/2010/main" val="81045204"/>
       </p:ext>
     </p:extLst>
   </p:cSld>
@@ -10327,11 +9492,7 @@
           <a:p>
             <a:r>
               <a:rPr lang="en-US" u="sng" dirty="0"/>
-              <a:t>It is fast because its mostly C </a:t>
-            </a:r>
-            <a:r>
-              <a:rPr lang="en-US" u="sng" dirty="0" smtClean="0"/>
-              <a:t>code</a:t>
+              <a:t>It is fast because its mostly C code</a:t>
             </a:r>
             <a:endParaRPr lang="bg-BG" u="sng" dirty="0"/>
           </a:p>
@@ -10391,7 +9552,7 @@
           <a:lstStyle/>
           <a:p>
             <a:r>
-              <a:rPr lang="en-US" b="1" u="sng" dirty="0" smtClean="0">
+              <a:rPr lang="en-US" b="1" u="sng" dirty="0">
                 <a:solidFill>
                   <a:schemeClr val="bg1"/>
                 </a:solidFill>
@@ -10429,7 +9590,7 @@
           <a:lstStyle/>
           <a:p>
             <a:r>
-              <a:rPr lang="en-US" sz="3200" dirty="0" err="1" smtClean="0">
+              <a:rPr lang="en-US" sz="3200" dirty="0" err="1">
                 <a:solidFill>
                   <a:schemeClr val="bg1"/>
                 </a:solidFill>
@@ -10437,7 +9598,7 @@
               <a:t>Websocket</a:t>
             </a:r>
             <a:r>
-              <a:rPr lang="en-US" sz="3200" dirty="0" smtClean="0">
+              <a:rPr lang="en-US" sz="3200" dirty="0">
                 <a:solidFill>
                   <a:schemeClr val="bg1"/>
                 </a:solidFill>
@@ -10447,7 +9608,7 @@
           </a:p>
           <a:p>
             <a:r>
-              <a:rPr lang="en-US" sz="3200" dirty="0" smtClean="0">
+              <a:rPr lang="en-US" sz="3200" dirty="0">
                 <a:solidFill>
                   <a:schemeClr val="bg1"/>
                 </a:solidFill>
@@ -10457,7 +9618,7 @@
           </a:p>
           <a:p>
             <a:r>
-              <a:rPr lang="en-US" sz="3200" dirty="0" smtClean="0">
+              <a:rPr lang="en-US" sz="3200" dirty="0">
                 <a:solidFill>
                   <a:schemeClr val="bg1"/>
                 </a:solidFill>
@@ -10467,7 +9628,7 @@
           </a:p>
           <a:p>
             <a:r>
-              <a:rPr lang="en-US" sz="3200" dirty="0" smtClean="0">
+              <a:rPr lang="en-US" sz="3200" dirty="0">
                 <a:solidFill>
                   <a:schemeClr val="bg1"/>
                 </a:solidFill>
@@ -12558,7 +11719,7 @@
           <a:lstStyle/>
           <a:p>
             <a:r>
-              <a:rPr lang="en-US" b="1" u="sng" dirty="0" smtClean="0">
+              <a:rPr lang="en-US" b="1" u="sng" dirty="0">
                 <a:solidFill>
                   <a:schemeClr val="bg1"/>
                 </a:solidFill>
@@ -12591,7 +11752,7 @@
           <a:lstStyle/>
           <a:p>
             <a:r>
-              <a:rPr lang="en-US" sz="3200" dirty="0" smtClean="0">
+              <a:rPr lang="en-US" sz="3200" dirty="0">
                 <a:solidFill>
                   <a:schemeClr val="bg1"/>
                 </a:solidFill>
